--- a/public/assets/images/図作成用.pptx
+++ b/public/assets/images/図作成用.pptx
@@ -5,13 +5,12 @@
     <p:sldMasterId id="2147483648" r:id="rId1"/>
   </p:sldMasterIdLst>
   <p:notesMasterIdLst>
-    <p:notesMasterId r:id="rId6"/>
+    <p:notesMasterId r:id="rId5"/>
   </p:notesMasterIdLst>
   <p:sldIdLst>
     <p:sldId id="256" r:id="rId2"/>
     <p:sldId id="257" r:id="rId3"/>
     <p:sldId id="258" r:id="rId4"/>
-    <p:sldId id="259" r:id="rId5"/>
   </p:sldIdLst>
   <p:sldSz cx="12192000" cy="6858000"/>
   <p:notesSz cx="6858000" cy="9144000"/>
@@ -200,7 +199,7 @@
           <a:p>
             <a:fld id="{2B8CF655-508B-450C-94C8-832930E49C1B}" type="datetimeFigureOut">
               <a:rPr kumimoji="1" lang="ja-JP" altLang="en-US" smtClean="0"/>
-              <a:t>2024/10/21</a:t>
+              <a:t>2025/6/14</a:t>
             </a:fld>
             <a:endParaRPr kumimoji="1" lang="ja-JP" altLang="en-US"/>
           </a:p>
@@ -730,7 +729,7 @@
           <a:p>
             <a:fld id="{5AC917AA-9460-47BC-9370-797960620197}" type="datetimeFigureOut">
               <a:rPr kumimoji="1" lang="ja-JP" altLang="en-US" smtClean="0"/>
-              <a:t>2024/10/21</a:t>
+              <a:t>2025/6/14</a:t>
             </a:fld>
             <a:endParaRPr kumimoji="1" lang="ja-JP" altLang="en-US"/>
           </a:p>
@@ -960,7 +959,7 @@
           <a:p>
             <a:fld id="{5AC917AA-9460-47BC-9370-797960620197}" type="datetimeFigureOut">
               <a:rPr kumimoji="1" lang="ja-JP" altLang="en-US" smtClean="0"/>
-              <a:t>2024/10/21</a:t>
+              <a:t>2025/6/14</a:t>
             </a:fld>
             <a:endParaRPr kumimoji="1" lang="ja-JP" altLang="en-US"/>
           </a:p>
@@ -1200,7 +1199,7 @@
           <a:p>
             <a:fld id="{5AC917AA-9460-47BC-9370-797960620197}" type="datetimeFigureOut">
               <a:rPr kumimoji="1" lang="ja-JP" altLang="en-US" smtClean="0"/>
-              <a:t>2024/10/21</a:t>
+              <a:t>2025/6/14</a:t>
             </a:fld>
             <a:endParaRPr kumimoji="1" lang="ja-JP" altLang="en-US"/>
           </a:p>
@@ -1430,7 +1429,7 @@
           <a:p>
             <a:fld id="{5AC917AA-9460-47BC-9370-797960620197}" type="datetimeFigureOut">
               <a:rPr kumimoji="1" lang="ja-JP" altLang="en-US" smtClean="0"/>
-              <a:t>2024/10/21</a:t>
+              <a:t>2025/6/14</a:t>
             </a:fld>
             <a:endParaRPr kumimoji="1" lang="ja-JP" altLang="en-US"/>
           </a:p>
@@ -1705,7 +1704,7 @@
           <a:p>
             <a:fld id="{5AC917AA-9460-47BC-9370-797960620197}" type="datetimeFigureOut">
               <a:rPr kumimoji="1" lang="ja-JP" altLang="en-US" smtClean="0"/>
-              <a:t>2024/10/21</a:t>
+              <a:t>2025/6/14</a:t>
             </a:fld>
             <a:endParaRPr kumimoji="1" lang="ja-JP" altLang="en-US"/>
           </a:p>
@@ -2034,7 +2033,7 @@
           <a:p>
             <a:fld id="{5AC917AA-9460-47BC-9370-797960620197}" type="datetimeFigureOut">
               <a:rPr kumimoji="1" lang="ja-JP" altLang="en-US" smtClean="0"/>
-              <a:t>2024/10/21</a:t>
+              <a:t>2025/6/14</a:t>
             </a:fld>
             <a:endParaRPr kumimoji="1" lang="ja-JP" altLang="en-US"/>
           </a:p>
@@ -2510,7 +2509,7 @@
           <a:p>
             <a:fld id="{5AC917AA-9460-47BC-9370-797960620197}" type="datetimeFigureOut">
               <a:rPr kumimoji="1" lang="ja-JP" altLang="en-US" smtClean="0"/>
-              <a:t>2024/10/21</a:t>
+              <a:t>2025/6/14</a:t>
             </a:fld>
             <a:endParaRPr kumimoji="1" lang="ja-JP" altLang="en-US"/>
           </a:p>
@@ -2651,7 +2650,7 @@
           <a:p>
             <a:fld id="{5AC917AA-9460-47BC-9370-797960620197}" type="datetimeFigureOut">
               <a:rPr kumimoji="1" lang="ja-JP" altLang="en-US" smtClean="0"/>
-              <a:t>2024/10/21</a:t>
+              <a:t>2025/6/14</a:t>
             </a:fld>
             <a:endParaRPr kumimoji="1" lang="ja-JP" altLang="en-US"/>
           </a:p>
@@ -2764,7 +2763,7 @@
           <a:p>
             <a:fld id="{5AC917AA-9460-47BC-9370-797960620197}" type="datetimeFigureOut">
               <a:rPr kumimoji="1" lang="ja-JP" altLang="en-US" smtClean="0"/>
-              <a:t>2024/10/21</a:t>
+              <a:t>2025/6/14</a:t>
             </a:fld>
             <a:endParaRPr kumimoji="1" lang="ja-JP" altLang="en-US"/>
           </a:p>
@@ -3107,7 +3106,7 @@
           <a:p>
             <a:fld id="{5AC917AA-9460-47BC-9370-797960620197}" type="datetimeFigureOut">
               <a:rPr kumimoji="1" lang="ja-JP" altLang="en-US" smtClean="0"/>
-              <a:t>2024/10/21</a:t>
+              <a:t>2025/6/14</a:t>
             </a:fld>
             <a:endParaRPr kumimoji="1" lang="ja-JP" altLang="en-US"/>
           </a:p>
@@ -3395,7 +3394,7 @@
           <a:p>
             <a:fld id="{5AC917AA-9460-47BC-9370-797960620197}" type="datetimeFigureOut">
               <a:rPr kumimoji="1" lang="ja-JP" altLang="en-US" smtClean="0"/>
-              <a:t>2024/10/21</a:t>
+              <a:t>2025/6/14</a:t>
             </a:fld>
             <a:endParaRPr kumimoji="1" lang="ja-JP" altLang="en-US"/>
           </a:p>
@@ -3668,7 +3667,7 @@
           <a:p>
             <a:fld id="{5AC917AA-9460-47BC-9370-797960620197}" type="datetimeFigureOut">
               <a:rPr kumimoji="1" lang="ja-JP" altLang="en-US" smtClean="0"/>
-              <a:t>2024/10/21</a:t>
+              <a:t>2025/6/14</a:t>
             </a:fld>
             <a:endParaRPr kumimoji="1" lang="ja-JP" altLang="en-US"/>
           </a:p>
@@ -4610,1076 +4609,6 @@
       </p:sp>
       <p:sp>
         <p:nvSpPr>
-          <p:cNvPr id="39" name="四角形: 角を丸くする 38">
-            <a:extLst>
-              <a:ext uri="{FF2B5EF4-FFF2-40B4-BE49-F238E27FC236}">
-                <a16:creationId xmlns:a16="http://schemas.microsoft.com/office/drawing/2014/main" id="{C83F5599-E8C2-A815-1FDB-4508E1F7B5C1}"/>
-              </a:ext>
-            </a:extLst>
-          </p:cNvPr>
-          <p:cNvSpPr/>
-          <p:nvPr/>
-        </p:nvSpPr>
-        <p:spPr>
-          <a:xfrm>
-            <a:off x="10477789" y="537837"/>
-            <a:ext cx="1403928" cy="531005"/>
-          </a:xfrm>
-          <a:prstGeom prst="roundRect">
-            <a:avLst/>
-          </a:prstGeom>
-          <a:solidFill>
-            <a:schemeClr val="tx1"/>
-          </a:solidFill>
-        </p:spPr>
-        <p:style>
-          <a:lnRef idx="2">
-            <a:schemeClr val="accent1">
-              <a:shade val="15000"/>
-            </a:schemeClr>
-          </a:lnRef>
-          <a:fillRef idx="1">
-            <a:schemeClr val="accent1"/>
-          </a:fillRef>
-          <a:effectRef idx="0">
-            <a:schemeClr val="accent1"/>
-          </a:effectRef>
-          <a:fontRef idx="minor">
-            <a:schemeClr val="lt1"/>
-          </a:fontRef>
-        </p:style>
-        <p:txBody>
-          <a:bodyPr rtlCol="0" anchor="ctr"/>
-          <a:lstStyle/>
-          <a:p>
-            <a:pPr algn="ctr"/>
-            <a:r>
-              <a:rPr kumimoji="1" lang="ja-JP" altLang="en-US" sz="2800" dirty="0">
-                <a:ln w="28575">
-                  <a:noFill/>
-                </a:ln>
-                <a:solidFill>
-                  <a:schemeClr val="accent1">
-                    <a:lumMod val="40000"/>
-                    <a:lumOff val="60000"/>
-                  </a:schemeClr>
-                </a:solidFill>
-                <a:latin typeface="HG創英ﾌﾟﾚｾﾞﾝｽEB" panose="02020809000000000000" pitchFamily="17" charset="-128"/>
-                <a:ea typeface="HG創英ﾌﾟﾚｾﾞﾝｽEB" panose="02020809000000000000" pitchFamily="17" charset="-128"/>
-              </a:rPr>
-              <a:t>東１局</a:t>
-            </a:r>
-          </a:p>
-        </p:txBody>
-      </p:sp>
-      <p:sp>
-        <p:nvSpPr>
-          <p:cNvPr id="40" name="四角形: 角を丸くする 39">
-            <a:extLst>
-              <a:ext uri="{FF2B5EF4-FFF2-40B4-BE49-F238E27FC236}">
-                <a16:creationId xmlns:a16="http://schemas.microsoft.com/office/drawing/2014/main" id="{8927C12A-ED0D-FC19-821C-1F56FAF6EAB8}"/>
-              </a:ext>
-            </a:extLst>
-          </p:cNvPr>
-          <p:cNvSpPr/>
-          <p:nvPr/>
-        </p:nvSpPr>
-        <p:spPr>
-          <a:xfrm>
-            <a:off x="10477789" y="1127001"/>
-            <a:ext cx="1403928" cy="531005"/>
-          </a:xfrm>
-          <a:prstGeom prst="roundRect">
-            <a:avLst/>
-          </a:prstGeom>
-          <a:solidFill>
-            <a:schemeClr val="tx1"/>
-          </a:solidFill>
-        </p:spPr>
-        <p:style>
-          <a:lnRef idx="2">
-            <a:schemeClr val="accent1">
-              <a:shade val="15000"/>
-            </a:schemeClr>
-          </a:lnRef>
-          <a:fillRef idx="1">
-            <a:schemeClr val="accent1"/>
-          </a:fillRef>
-          <a:effectRef idx="0">
-            <a:schemeClr val="accent1"/>
-          </a:effectRef>
-          <a:fontRef idx="minor">
-            <a:schemeClr val="lt1"/>
-          </a:fontRef>
-        </p:style>
-        <p:txBody>
-          <a:bodyPr rtlCol="0" anchor="ctr"/>
-          <a:lstStyle/>
-          <a:p>
-            <a:pPr algn="ctr"/>
-            <a:r>
-              <a:rPr kumimoji="1" lang="ja-JP" altLang="en-US" sz="2800" dirty="0">
-                <a:ln w="28575">
-                  <a:noFill/>
-                </a:ln>
-                <a:solidFill>
-                  <a:schemeClr val="accent1">
-                    <a:lumMod val="40000"/>
-                    <a:lumOff val="60000"/>
-                  </a:schemeClr>
-                </a:solidFill>
-                <a:latin typeface="HG創英ﾌﾟﾚｾﾞﾝｽEB" panose="02020809000000000000" pitchFamily="17" charset="-128"/>
-                <a:ea typeface="HG創英ﾌﾟﾚｾﾞﾝｽEB" panose="02020809000000000000" pitchFamily="17" charset="-128"/>
-              </a:rPr>
-              <a:t>東２局</a:t>
-            </a:r>
-          </a:p>
-        </p:txBody>
-      </p:sp>
-      <p:sp>
-        <p:nvSpPr>
-          <p:cNvPr id="41" name="四角形: 角を丸くする 40">
-            <a:extLst>
-              <a:ext uri="{FF2B5EF4-FFF2-40B4-BE49-F238E27FC236}">
-                <a16:creationId xmlns:a16="http://schemas.microsoft.com/office/drawing/2014/main" id="{8F144B0F-FE5D-3D2A-0ACF-272C553FD0A7}"/>
-              </a:ext>
-            </a:extLst>
-          </p:cNvPr>
-          <p:cNvSpPr/>
-          <p:nvPr/>
-        </p:nvSpPr>
-        <p:spPr>
-          <a:xfrm>
-            <a:off x="10477789" y="1688271"/>
-            <a:ext cx="1403928" cy="531005"/>
-          </a:xfrm>
-          <a:prstGeom prst="roundRect">
-            <a:avLst/>
-          </a:prstGeom>
-          <a:solidFill>
-            <a:schemeClr val="tx1"/>
-          </a:solidFill>
-        </p:spPr>
-        <p:style>
-          <a:lnRef idx="2">
-            <a:schemeClr val="accent1">
-              <a:shade val="15000"/>
-            </a:schemeClr>
-          </a:lnRef>
-          <a:fillRef idx="1">
-            <a:schemeClr val="accent1"/>
-          </a:fillRef>
-          <a:effectRef idx="0">
-            <a:schemeClr val="accent1"/>
-          </a:effectRef>
-          <a:fontRef idx="minor">
-            <a:schemeClr val="lt1"/>
-          </a:fontRef>
-        </p:style>
-        <p:txBody>
-          <a:bodyPr rtlCol="0" anchor="ctr"/>
-          <a:lstStyle/>
-          <a:p>
-            <a:pPr algn="ctr"/>
-            <a:r>
-              <a:rPr kumimoji="1" lang="ja-JP" altLang="en-US" sz="2800" dirty="0">
-                <a:ln w="28575">
-                  <a:noFill/>
-                </a:ln>
-                <a:solidFill>
-                  <a:schemeClr val="accent1">
-                    <a:lumMod val="40000"/>
-                    <a:lumOff val="60000"/>
-                  </a:schemeClr>
-                </a:solidFill>
-                <a:latin typeface="HG創英ﾌﾟﾚｾﾞﾝｽEB" panose="02020809000000000000" pitchFamily="17" charset="-128"/>
-                <a:ea typeface="HG創英ﾌﾟﾚｾﾞﾝｽEB" panose="02020809000000000000" pitchFamily="17" charset="-128"/>
-              </a:rPr>
-              <a:t>東３局</a:t>
-            </a:r>
-          </a:p>
-        </p:txBody>
-      </p:sp>
-      <p:sp>
-        <p:nvSpPr>
-          <p:cNvPr id="42" name="四角形: 角を丸くする 41">
-            <a:extLst>
-              <a:ext uri="{FF2B5EF4-FFF2-40B4-BE49-F238E27FC236}">
-                <a16:creationId xmlns:a16="http://schemas.microsoft.com/office/drawing/2014/main" id="{D6AB03E3-103A-A645-EE57-EDB1208361FC}"/>
-              </a:ext>
-            </a:extLst>
-          </p:cNvPr>
-          <p:cNvSpPr/>
-          <p:nvPr/>
-        </p:nvSpPr>
-        <p:spPr>
-          <a:xfrm>
-            <a:off x="10477789" y="2240297"/>
-            <a:ext cx="1403928" cy="531005"/>
-          </a:xfrm>
-          <a:prstGeom prst="roundRect">
-            <a:avLst/>
-          </a:prstGeom>
-          <a:solidFill>
-            <a:schemeClr val="tx1"/>
-          </a:solidFill>
-        </p:spPr>
-        <p:style>
-          <a:lnRef idx="2">
-            <a:schemeClr val="accent1">
-              <a:shade val="15000"/>
-            </a:schemeClr>
-          </a:lnRef>
-          <a:fillRef idx="1">
-            <a:schemeClr val="accent1"/>
-          </a:fillRef>
-          <a:effectRef idx="0">
-            <a:schemeClr val="accent1"/>
-          </a:effectRef>
-          <a:fontRef idx="minor">
-            <a:schemeClr val="lt1"/>
-          </a:fontRef>
-        </p:style>
-        <p:txBody>
-          <a:bodyPr rtlCol="0" anchor="ctr"/>
-          <a:lstStyle/>
-          <a:p>
-            <a:pPr algn="ctr"/>
-            <a:r>
-              <a:rPr kumimoji="1" lang="ja-JP" altLang="en-US" sz="2800" dirty="0">
-                <a:ln w="28575">
-                  <a:noFill/>
-                </a:ln>
-                <a:solidFill>
-                  <a:schemeClr val="accent1">
-                    <a:lumMod val="40000"/>
-                    <a:lumOff val="60000"/>
-                  </a:schemeClr>
-                </a:solidFill>
-                <a:latin typeface="HG創英ﾌﾟﾚｾﾞﾝｽEB" panose="02020809000000000000" pitchFamily="17" charset="-128"/>
-                <a:ea typeface="HG創英ﾌﾟﾚｾﾞﾝｽEB" panose="02020809000000000000" pitchFamily="17" charset="-128"/>
-              </a:rPr>
-              <a:t>東４局</a:t>
-            </a:r>
-          </a:p>
-        </p:txBody>
-      </p:sp>
-      <p:grpSp>
-        <p:nvGrpSpPr>
-          <p:cNvPr id="47" name="グループ化 46">
-            <a:extLst>
-              <a:ext uri="{FF2B5EF4-FFF2-40B4-BE49-F238E27FC236}">
-                <a16:creationId xmlns:a16="http://schemas.microsoft.com/office/drawing/2014/main" id="{011B70F3-A900-DF2D-A6CD-9A16D5F61753}"/>
-              </a:ext>
-            </a:extLst>
-          </p:cNvPr>
-          <p:cNvGrpSpPr/>
-          <p:nvPr/>
-        </p:nvGrpSpPr>
-        <p:grpSpPr>
-          <a:xfrm>
-            <a:off x="6509643" y="1324489"/>
-            <a:ext cx="3161790" cy="3169354"/>
-            <a:chOff x="6509643" y="1324489"/>
-            <a:chExt cx="3161790" cy="3169354"/>
-          </a:xfrm>
-        </p:grpSpPr>
-        <p:sp>
-          <p:nvSpPr>
-            <p:cNvPr id="2" name="フローチャート: 代替処理 1">
-              <a:extLst>
-                <a:ext uri="{FF2B5EF4-FFF2-40B4-BE49-F238E27FC236}">
-                  <a16:creationId xmlns:a16="http://schemas.microsoft.com/office/drawing/2014/main" id="{101019F4-15E1-0688-6BAA-5DA08D99D499}"/>
-                </a:ext>
-              </a:extLst>
-            </p:cNvPr>
-            <p:cNvSpPr/>
-            <p:nvPr/>
-          </p:nvSpPr>
-          <p:spPr>
-            <a:xfrm>
-              <a:off x="6560538" y="1376218"/>
-              <a:ext cx="3060000" cy="3060000"/>
-            </a:xfrm>
-            <a:prstGeom prst="flowChartAlternateProcess">
-              <a:avLst/>
-            </a:prstGeom>
-            <a:solidFill>
-              <a:schemeClr val="bg1">
-                <a:lumMod val="85000"/>
-              </a:schemeClr>
-            </a:solidFill>
-            <a:ln w="76200"/>
-          </p:spPr>
-          <p:style>
-            <a:lnRef idx="2">
-              <a:schemeClr val="accent1">
-                <a:shade val="15000"/>
-              </a:schemeClr>
-            </a:lnRef>
-            <a:fillRef idx="1">
-              <a:schemeClr val="accent1"/>
-            </a:fillRef>
-            <a:effectRef idx="0">
-              <a:schemeClr val="accent1"/>
-            </a:effectRef>
-            <a:fontRef idx="minor">
-              <a:schemeClr val="lt1"/>
-            </a:fontRef>
-          </p:style>
-          <p:txBody>
-            <a:bodyPr rtlCol="0" anchor="ctr"/>
-            <a:lstStyle/>
-            <a:p>
-              <a:pPr algn="ctr"/>
-              <a:endParaRPr kumimoji="1" lang="ja-JP" altLang="en-US">
-                <a:latin typeface="HGP教科書体" panose="02020600000000000000" pitchFamily="18" charset="-128"/>
-                <a:ea typeface="HGP教科書体" panose="02020600000000000000" pitchFamily="18" charset="-128"/>
-              </a:endParaRPr>
-            </a:p>
-          </p:txBody>
-        </p:sp>
-        <p:sp>
-          <p:nvSpPr>
-            <p:cNvPr id="21" name="フローチャート: 代替処理 20">
-              <a:extLst>
-                <a:ext uri="{FF2B5EF4-FFF2-40B4-BE49-F238E27FC236}">
-                  <a16:creationId xmlns:a16="http://schemas.microsoft.com/office/drawing/2014/main" id="{8D8A729D-135E-D5DA-33A3-4268E8CBDE53}"/>
-                </a:ext>
-              </a:extLst>
-            </p:cNvPr>
-            <p:cNvSpPr/>
-            <p:nvPr/>
-          </p:nvSpPr>
-          <p:spPr>
-            <a:xfrm>
-              <a:off x="6622698" y="2096217"/>
-              <a:ext cx="230684" cy="1614795"/>
-            </a:xfrm>
-            <a:prstGeom prst="flowChartAlternateProcess">
-              <a:avLst/>
-            </a:prstGeom>
-            <a:solidFill>
-              <a:schemeClr val="tx1">
-                <a:lumMod val="50000"/>
-                <a:lumOff val="50000"/>
-              </a:schemeClr>
-            </a:solidFill>
-            <a:ln>
-              <a:solidFill>
-                <a:schemeClr val="bg1">
-                  <a:lumMod val="65000"/>
-                </a:schemeClr>
-              </a:solidFill>
-            </a:ln>
-            <a:effectLst>
-              <a:innerShdw blurRad="63500" dist="50800">
-                <a:prstClr val="black">
-                  <a:alpha val="50000"/>
-                </a:prstClr>
-              </a:innerShdw>
-            </a:effectLst>
-          </p:spPr>
-          <p:style>
-            <a:lnRef idx="2">
-              <a:schemeClr val="accent1">
-                <a:shade val="15000"/>
-              </a:schemeClr>
-            </a:lnRef>
-            <a:fillRef idx="1">
-              <a:schemeClr val="accent1"/>
-            </a:fillRef>
-            <a:effectRef idx="0">
-              <a:schemeClr val="accent1"/>
-            </a:effectRef>
-            <a:fontRef idx="minor">
-              <a:schemeClr val="lt1"/>
-            </a:fontRef>
-          </p:style>
-          <p:txBody>
-            <a:bodyPr rtlCol="0" anchor="ctr"/>
-            <a:lstStyle/>
-            <a:p>
-              <a:pPr algn="ctr"/>
-              <a:endParaRPr kumimoji="1" lang="ja-JP" altLang="en-US"/>
-            </a:p>
-          </p:txBody>
-        </p:sp>
-        <p:sp>
-          <p:nvSpPr>
-            <p:cNvPr id="22" name="フローチャート: 代替処理 21">
-              <a:extLst>
-                <a:ext uri="{FF2B5EF4-FFF2-40B4-BE49-F238E27FC236}">
-                  <a16:creationId xmlns:a16="http://schemas.microsoft.com/office/drawing/2014/main" id="{D202E12D-6091-30D8-7189-1B04CFBE9FA7}"/>
-                </a:ext>
-              </a:extLst>
-            </p:cNvPr>
-            <p:cNvSpPr/>
-            <p:nvPr/>
-          </p:nvSpPr>
-          <p:spPr>
-            <a:xfrm>
-              <a:off x="9333547" y="2096217"/>
-              <a:ext cx="230684" cy="1614795"/>
-            </a:xfrm>
-            <a:prstGeom prst="flowChartAlternateProcess">
-              <a:avLst/>
-            </a:prstGeom>
-            <a:solidFill>
-              <a:schemeClr val="tx1">
-                <a:lumMod val="50000"/>
-                <a:lumOff val="50000"/>
-              </a:schemeClr>
-            </a:solidFill>
-            <a:ln>
-              <a:solidFill>
-                <a:schemeClr val="bg1">
-                  <a:lumMod val="65000"/>
-                </a:schemeClr>
-              </a:solidFill>
-            </a:ln>
-            <a:effectLst>
-              <a:innerShdw blurRad="63500" dist="50800" dir="10800000">
-                <a:prstClr val="black">
-                  <a:alpha val="50000"/>
-                </a:prstClr>
-              </a:innerShdw>
-            </a:effectLst>
-          </p:spPr>
-          <p:style>
-            <a:lnRef idx="2">
-              <a:schemeClr val="accent1">
-                <a:shade val="15000"/>
-              </a:schemeClr>
-            </a:lnRef>
-            <a:fillRef idx="1">
-              <a:schemeClr val="accent1"/>
-            </a:fillRef>
-            <a:effectRef idx="0">
-              <a:schemeClr val="accent1"/>
-            </a:effectRef>
-            <a:fontRef idx="minor">
-              <a:schemeClr val="lt1"/>
-            </a:fontRef>
-          </p:style>
-          <p:txBody>
-            <a:bodyPr rtlCol="0" anchor="ctr"/>
-            <a:lstStyle/>
-            <a:p>
-              <a:pPr algn="ctr"/>
-              <a:endParaRPr kumimoji="1" lang="ja-JP" altLang="en-US"/>
-            </a:p>
-          </p:txBody>
-        </p:sp>
-        <p:sp>
-          <p:nvSpPr>
-            <p:cNvPr id="23" name="フローチャート: 代替処理 22">
-              <a:extLst>
-                <a:ext uri="{FF2B5EF4-FFF2-40B4-BE49-F238E27FC236}">
-                  <a16:creationId xmlns:a16="http://schemas.microsoft.com/office/drawing/2014/main" id="{97CF76F0-2106-9B55-250C-34656068D8B7}"/>
-                </a:ext>
-              </a:extLst>
-            </p:cNvPr>
-            <p:cNvSpPr/>
-            <p:nvPr/>
-          </p:nvSpPr>
-          <p:spPr>
-            <a:xfrm rot="16200000">
-              <a:off x="7969655" y="3443797"/>
-              <a:ext cx="230684" cy="1614795"/>
-            </a:xfrm>
-            <a:prstGeom prst="flowChartAlternateProcess">
-              <a:avLst/>
-            </a:prstGeom>
-            <a:solidFill>
-              <a:schemeClr val="tx1">
-                <a:lumMod val="50000"/>
-                <a:lumOff val="50000"/>
-              </a:schemeClr>
-            </a:solidFill>
-            <a:ln>
-              <a:solidFill>
-                <a:schemeClr val="bg1">
-                  <a:lumMod val="65000"/>
-                </a:schemeClr>
-              </a:solidFill>
-            </a:ln>
-            <a:effectLst>
-              <a:innerShdw blurRad="63500" dist="50800">
-                <a:prstClr val="black">
-                  <a:alpha val="50000"/>
-                </a:prstClr>
-              </a:innerShdw>
-            </a:effectLst>
-          </p:spPr>
-          <p:style>
-            <a:lnRef idx="2">
-              <a:schemeClr val="accent1">
-                <a:shade val="15000"/>
-              </a:schemeClr>
-            </a:lnRef>
-            <a:fillRef idx="1">
-              <a:schemeClr val="accent1"/>
-            </a:fillRef>
-            <a:effectRef idx="0">
-              <a:schemeClr val="accent1"/>
-            </a:effectRef>
-            <a:fontRef idx="minor">
-              <a:schemeClr val="lt1"/>
-            </a:fontRef>
-          </p:style>
-          <p:txBody>
-            <a:bodyPr rtlCol="0" anchor="ctr"/>
-            <a:lstStyle/>
-            <a:p>
-              <a:pPr algn="ctr"/>
-              <a:endParaRPr kumimoji="1" lang="ja-JP" altLang="en-US"/>
-            </a:p>
-          </p:txBody>
-        </p:sp>
-        <p:sp>
-          <p:nvSpPr>
-            <p:cNvPr id="24" name="フローチャート: 代替処理 23">
-              <a:extLst>
-                <a:ext uri="{FF2B5EF4-FFF2-40B4-BE49-F238E27FC236}">
-                  <a16:creationId xmlns:a16="http://schemas.microsoft.com/office/drawing/2014/main" id="{8DCB6E34-DF3A-30BA-E685-336E353E2E58}"/>
-                </a:ext>
-              </a:extLst>
-            </p:cNvPr>
-            <p:cNvSpPr/>
-            <p:nvPr/>
-          </p:nvSpPr>
-          <p:spPr>
-            <a:xfrm rot="16200000">
-              <a:off x="7969656" y="747059"/>
-              <a:ext cx="230684" cy="1614795"/>
-            </a:xfrm>
-            <a:prstGeom prst="flowChartAlternateProcess">
-              <a:avLst/>
-            </a:prstGeom>
-            <a:solidFill>
-              <a:schemeClr val="tx1">
-                <a:lumMod val="50000"/>
-                <a:lumOff val="50000"/>
-              </a:schemeClr>
-            </a:solidFill>
-            <a:ln>
-              <a:solidFill>
-                <a:schemeClr val="bg1">
-                  <a:lumMod val="65000"/>
-                </a:schemeClr>
-              </a:solidFill>
-            </a:ln>
-            <a:effectLst>
-              <a:innerShdw blurRad="63500" dist="50800" dir="10800000">
-                <a:prstClr val="black">
-                  <a:alpha val="50000"/>
-                </a:prstClr>
-              </a:innerShdw>
-            </a:effectLst>
-          </p:spPr>
-          <p:style>
-            <a:lnRef idx="2">
-              <a:schemeClr val="accent1">
-                <a:shade val="15000"/>
-              </a:schemeClr>
-            </a:lnRef>
-            <a:fillRef idx="1">
-              <a:schemeClr val="accent1"/>
-            </a:fillRef>
-            <a:effectRef idx="0">
-              <a:schemeClr val="accent1"/>
-            </a:effectRef>
-            <a:fontRef idx="minor">
-              <a:schemeClr val="lt1"/>
-            </a:fontRef>
-          </p:style>
-          <p:txBody>
-            <a:bodyPr rtlCol="0" anchor="ctr"/>
-            <a:lstStyle/>
-            <a:p>
-              <a:pPr algn="ctr"/>
-              <a:endParaRPr kumimoji="1" lang="ja-JP" altLang="en-US"/>
-            </a:p>
-          </p:txBody>
-        </p:sp>
-        <p:sp>
-          <p:nvSpPr>
-            <p:cNvPr id="25" name="正方形/長方形 24">
-              <a:extLst>
-                <a:ext uri="{FF2B5EF4-FFF2-40B4-BE49-F238E27FC236}">
-                  <a16:creationId xmlns:a16="http://schemas.microsoft.com/office/drawing/2014/main" id="{6EE72033-1485-746E-8E95-CA27D7B49976}"/>
-                </a:ext>
-              </a:extLst>
-            </p:cNvPr>
-            <p:cNvSpPr/>
-            <p:nvPr/>
-          </p:nvSpPr>
-          <p:spPr>
-            <a:xfrm>
-              <a:off x="6902843" y="1717747"/>
-              <a:ext cx="2394971" cy="2364262"/>
-            </a:xfrm>
-            <a:prstGeom prst="rect">
-              <a:avLst/>
-            </a:prstGeom>
-            <a:solidFill>
-              <a:schemeClr val="tx1"/>
-            </a:solidFill>
-          </p:spPr>
-          <p:style>
-            <a:lnRef idx="2">
-              <a:schemeClr val="accent1">
-                <a:shade val="15000"/>
-              </a:schemeClr>
-            </a:lnRef>
-            <a:fillRef idx="1">
-              <a:schemeClr val="accent1"/>
-            </a:fillRef>
-            <a:effectRef idx="0">
-              <a:schemeClr val="accent1"/>
-            </a:effectRef>
-            <a:fontRef idx="minor">
-              <a:schemeClr val="lt1"/>
-            </a:fontRef>
-          </p:style>
-          <p:txBody>
-            <a:bodyPr rtlCol="0" anchor="ctr"/>
-            <a:lstStyle/>
-            <a:p>
-              <a:pPr algn="ctr"/>
-              <a:endParaRPr kumimoji="1" lang="ja-JP" altLang="en-US"/>
-            </a:p>
-          </p:txBody>
-        </p:sp>
-        <p:sp>
-          <p:nvSpPr>
-            <p:cNvPr id="29" name="正方形/長方形 28">
-              <a:extLst>
-                <a:ext uri="{FF2B5EF4-FFF2-40B4-BE49-F238E27FC236}">
-                  <a16:creationId xmlns:a16="http://schemas.microsoft.com/office/drawing/2014/main" id="{EDB1CECE-6C13-9D92-05C1-FB7C0A66926F}"/>
-                </a:ext>
-              </a:extLst>
-            </p:cNvPr>
-            <p:cNvSpPr/>
-            <p:nvPr/>
-          </p:nvSpPr>
-          <p:spPr>
-            <a:xfrm>
-              <a:off x="7295446" y="2120451"/>
-              <a:ext cx="1579101" cy="1558853"/>
-            </a:xfrm>
-            <a:prstGeom prst="rect">
-              <a:avLst/>
-            </a:prstGeom>
-            <a:solidFill>
-              <a:schemeClr val="bg1">
-                <a:lumMod val="65000"/>
-              </a:schemeClr>
-            </a:solidFill>
-            <a:scene3d>
-              <a:camera prst="orthographicFront"/>
-              <a:lightRig rig="threePt" dir="t"/>
-            </a:scene3d>
-            <a:sp3d>
-              <a:bevelT prst="angle"/>
-            </a:sp3d>
-          </p:spPr>
-          <p:style>
-            <a:lnRef idx="2">
-              <a:schemeClr val="accent1">
-                <a:shade val="15000"/>
-              </a:schemeClr>
-            </a:lnRef>
-            <a:fillRef idx="1">
-              <a:schemeClr val="accent1"/>
-            </a:fillRef>
-            <a:effectRef idx="0">
-              <a:schemeClr val="accent1"/>
-            </a:effectRef>
-            <a:fontRef idx="minor">
-              <a:schemeClr val="lt1"/>
-            </a:fontRef>
-          </p:style>
-          <p:txBody>
-            <a:bodyPr rtlCol="0" anchor="ctr"/>
-            <a:lstStyle/>
-            <a:p>
-              <a:pPr algn="ctr"/>
-              <a:endParaRPr kumimoji="1" lang="ja-JP" altLang="en-US"/>
-            </a:p>
-          </p:txBody>
-        </p:sp>
-        <p:sp>
-          <p:nvSpPr>
-            <p:cNvPr id="37" name="四角形: 角を丸くする 36">
-              <a:extLst>
-                <a:ext uri="{FF2B5EF4-FFF2-40B4-BE49-F238E27FC236}">
-                  <a16:creationId xmlns:a16="http://schemas.microsoft.com/office/drawing/2014/main" id="{F352E047-D808-A472-57E9-6947C15EA90E}"/>
-                </a:ext>
-              </a:extLst>
-            </p:cNvPr>
-            <p:cNvSpPr/>
-            <p:nvPr/>
-          </p:nvSpPr>
-          <p:spPr>
-            <a:xfrm>
-              <a:off x="7379854" y="3024995"/>
-              <a:ext cx="1403928" cy="531005"/>
-            </a:xfrm>
-            <a:prstGeom prst="roundRect">
-              <a:avLst/>
-            </a:prstGeom>
-            <a:solidFill>
-              <a:schemeClr val="tx1"/>
-            </a:solidFill>
-          </p:spPr>
-          <p:style>
-            <a:lnRef idx="2">
-              <a:schemeClr val="accent1">
-                <a:shade val="15000"/>
-              </a:schemeClr>
-            </a:lnRef>
-            <a:fillRef idx="1">
-              <a:schemeClr val="accent1"/>
-            </a:fillRef>
-            <a:effectRef idx="0">
-              <a:schemeClr val="accent1"/>
-            </a:effectRef>
-            <a:fontRef idx="minor">
-              <a:schemeClr val="lt1"/>
-            </a:fontRef>
-          </p:style>
-          <p:txBody>
-            <a:bodyPr rtlCol="0" anchor="ctr"/>
-            <a:lstStyle/>
-            <a:p>
-              <a:r>
-                <a:rPr kumimoji="1" lang="ja-JP" altLang="en-US" sz="2400" dirty="0">
-                  <a:ln w="28575">
-                    <a:noFill/>
-                  </a:ln>
-                  <a:solidFill>
-                    <a:schemeClr val="accent1">
-                      <a:lumMod val="40000"/>
-                      <a:lumOff val="60000"/>
-                    </a:schemeClr>
-                  </a:solidFill>
-                  <a:latin typeface="HG創英ﾌﾟﾚｾﾞﾝｽEB" panose="02020809000000000000" pitchFamily="17" charset="-128"/>
-                  <a:ea typeface="HG創英ﾌﾟﾚｾﾞﾝｽEB" panose="02020809000000000000" pitchFamily="17" charset="-128"/>
-                </a:rPr>
-                <a:t>残</a:t>
-              </a:r>
-            </a:p>
-          </p:txBody>
-        </p:sp>
-        <p:grpSp>
-          <p:nvGrpSpPr>
-            <p:cNvPr id="44" name="グループ化 43">
-              <a:extLst>
-                <a:ext uri="{FF2B5EF4-FFF2-40B4-BE49-F238E27FC236}">
-                  <a16:creationId xmlns:a16="http://schemas.microsoft.com/office/drawing/2014/main" id="{5B234FDD-B904-136F-1FF8-CF66CB914C78}"/>
-                </a:ext>
-              </a:extLst>
-            </p:cNvPr>
-            <p:cNvGrpSpPr/>
-            <p:nvPr/>
-          </p:nvGrpSpPr>
-          <p:grpSpPr>
-            <a:xfrm rot="5400000">
-              <a:off x="6505861" y="1328271"/>
-              <a:ext cx="3169354" cy="3161790"/>
-              <a:chOff x="6505861" y="1328271"/>
-              <a:chExt cx="3169354" cy="3161790"/>
-            </a:xfrm>
-          </p:grpSpPr>
-          <p:sp>
-            <p:nvSpPr>
-              <p:cNvPr id="4" name="フローチャート: 代替処理 3">
-                <a:extLst>
-                  <a:ext uri="{FF2B5EF4-FFF2-40B4-BE49-F238E27FC236}">
-                    <a16:creationId xmlns:a16="http://schemas.microsoft.com/office/drawing/2014/main" id="{994BDB03-1C6B-9825-BC89-366F344B0C9E}"/>
-                  </a:ext>
-                </a:extLst>
-              </p:cNvPr>
-              <p:cNvSpPr/>
-              <p:nvPr/>
-            </p:nvSpPr>
-            <p:spPr>
-              <a:xfrm rot="16200000">
-                <a:off x="8955215" y="3770061"/>
-                <a:ext cx="720000" cy="720000"/>
-              </a:xfrm>
-              <a:prstGeom prst="flowChartAlternateProcess">
-                <a:avLst/>
-              </a:prstGeom>
-              <a:solidFill>
-                <a:schemeClr val="tx1"/>
-              </a:solidFill>
-              <a:ln w="38100">
-                <a:solidFill>
-                  <a:schemeClr val="bg1">
-                    <a:lumMod val="65000"/>
-                  </a:schemeClr>
-                </a:solidFill>
-              </a:ln>
-            </p:spPr>
-            <p:style>
-              <a:lnRef idx="2">
-                <a:schemeClr val="accent1">
-                  <a:shade val="15000"/>
-                </a:schemeClr>
-              </a:lnRef>
-              <a:fillRef idx="1">
-                <a:schemeClr val="accent1"/>
-              </a:fillRef>
-              <a:effectRef idx="0">
-                <a:schemeClr val="accent1"/>
-              </a:effectRef>
-              <a:fontRef idx="minor">
-                <a:schemeClr val="lt1"/>
-              </a:fontRef>
-            </p:style>
-            <p:txBody>
-              <a:bodyPr rtlCol="0" anchor="b"/>
-              <a:lstStyle/>
-              <a:p>
-                <a:pPr algn="ctr"/>
-                <a:r>
-                  <a:rPr lang="ja-JP" altLang="en-US" sz="4000" dirty="0">
-                    <a:latin typeface="HG創英ﾌﾟﾚｾﾞﾝｽEB" panose="02020809000000000000" pitchFamily="17" charset="-128"/>
-                    <a:ea typeface="HG創英ﾌﾟﾚｾﾞﾝｽEB" panose="02020809000000000000" pitchFamily="17" charset="-128"/>
-                  </a:rPr>
-                  <a:t>南</a:t>
-                </a:r>
-                <a:endParaRPr kumimoji="1" lang="ja-JP" altLang="en-US" sz="4000" dirty="0">
-                  <a:latin typeface="HG創英ﾌﾟﾚｾﾞﾝｽEB" panose="02020809000000000000" pitchFamily="17" charset="-128"/>
-                  <a:ea typeface="HG創英ﾌﾟﾚｾﾞﾝｽEB" panose="02020809000000000000" pitchFamily="17" charset="-128"/>
-                </a:endParaRPr>
-              </a:p>
-            </p:txBody>
-          </p:sp>
-          <p:sp>
-            <p:nvSpPr>
-              <p:cNvPr id="5" name="フローチャート: 代替処理 4">
-                <a:extLst>
-                  <a:ext uri="{FF2B5EF4-FFF2-40B4-BE49-F238E27FC236}">
-                    <a16:creationId xmlns:a16="http://schemas.microsoft.com/office/drawing/2014/main" id="{5C0CB165-BDA9-3338-0FEF-F77869280964}"/>
-                  </a:ext>
-                </a:extLst>
-              </p:cNvPr>
-              <p:cNvSpPr/>
-              <p:nvPr/>
-            </p:nvSpPr>
-            <p:spPr>
-              <a:xfrm rot="10800000">
-                <a:off x="8936271" y="1328271"/>
-                <a:ext cx="720000" cy="720000"/>
-              </a:xfrm>
-              <a:prstGeom prst="flowChartAlternateProcess">
-                <a:avLst/>
-              </a:prstGeom>
-              <a:solidFill>
-                <a:schemeClr val="tx1"/>
-              </a:solidFill>
-              <a:ln w="38100">
-                <a:solidFill>
-                  <a:schemeClr val="bg1">
-                    <a:lumMod val="65000"/>
-                  </a:schemeClr>
-                </a:solidFill>
-              </a:ln>
-            </p:spPr>
-            <p:style>
-              <a:lnRef idx="2">
-                <a:schemeClr val="accent1">
-                  <a:shade val="15000"/>
-                </a:schemeClr>
-              </a:lnRef>
-              <a:fillRef idx="1">
-                <a:schemeClr val="accent1"/>
-              </a:fillRef>
-              <a:effectRef idx="0">
-                <a:schemeClr val="accent1"/>
-              </a:effectRef>
-              <a:fontRef idx="minor">
-                <a:schemeClr val="lt1"/>
-              </a:fontRef>
-            </p:style>
-            <p:txBody>
-              <a:bodyPr rtlCol="0" anchor="b"/>
-              <a:lstStyle/>
-              <a:p>
-                <a:pPr algn="ctr"/>
-                <a:r>
-                  <a:rPr kumimoji="1" lang="ja-JP" altLang="en-US" sz="4000" dirty="0">
-                    <a:latin typeface="HG創英ﾌﾟﾚｾﾞﾝｽEB" panose="02020809000000000000" pitchFamily="17" charset="-128"/>
-                    <a:ea typeface="HG創英ﾌﾟﾚｾﾞﾝｽEB" panose="02020809000000000000" pitchFamily="17" charset="-128"/>
-                  </a:rPr>
-                  <a:t>西</a:t>
-                </a:r>
-              </a:p>
-            </p:txBody>
-          </p:sp>
-          <p:sp>
-            <p:nvSpPr>
-              <p:cNvPr id="6" name="フローチャート: 代替処理 5">
-                <a:extLst>
-                  <a:ext uri="{FF2B5EF4-FFF2-40B4-BE49-F238E27FC236}">
-                    <a16:creationId xmlns:a16="http://schemas.microsoft.com/office/drawing/2014/main" id="{886D3BDB-7B70-C4A7-6874-9CAB4B5BA7DA}"/>
-                  </a:ext>
-                </a:extLst>
-              </p:cNvPr>
-              <p:cNvSpPr/>
-              <p:nvPr/>
-            </p:nvSpPr>
-            <p:spPr>
-              <a:xfrm rot="5400000">
-                <a:off x="6511077" y="1328271"/>
-                <a:ext cx="720000" cy="720000"/>
-              </a:xfrm>
-              <a:prstGeom prst="flowChartAlternateProcess">
-                <a:avLst/>
-              </a:prstGeom>
-              <a:solidFill>
-                <a:schemeClr val="tx1"/>
-              </a:solidFill>
-              <a:ln w="38100">
-                <a:solidFill>
-                  <a:schemeClr val="bg1">
-                    <a:lumMod val="65000"/>
-                  </a:schemeClr>
-                </a:solidFill>
-              </a:ln>
-            </p:spPr>
-            <p:style>
-              <a:lnRef idx="2">
-                <a:schemeClr val="accent1">
-                  <a:shade val="15000"/>
-                </a:schemeClr>
-              </a:lnRef>
-              <a:fillRef idx="1">
-                <a:schemeClr val="accent1"/>
-              </a:fillRef>
-              <a:effectRef idx="0">
-                <a:schemeClr val="accent1"/>
-              </a:effectRef>
-              <a:fontRef idx="minor">
-                <a:schemeClr val="lt1"/>
-              </a:fontRef>
-            </p:style>
-            <p:txBody>
-              <a:bodyPr rtlCol="0" anchor="b"/>
-              <a:lstStyle/>
-              <a:p>
-                <a:pPr algn="ctr"/>
-                <a:r>
-                  <a:rPr kumimoji="1" lang="ja-JP" altLang="en-US" sz="4000" dirty="0">
-                    <a:latin typeface="HG創英ﾌﾟﾚｾﾞﾝｽEB" panose="02020809000000000000" pitchFamily="17" charset="-128"/>
-                    <a:ea typeface="HG創英ﾌﾟﾚｾﾞﾝｽEB" panose="02020809000000000000" pitchFamily="17" charset="-128"/>
-                  </a:rPr>
-                  <a:t>北</a:t>
-                </a:r>
-              </a:p>
-            </p:txBody>
-          </p:sp>
-          <p:sp>
-            <p:nvSpPr>
-              <p:cNvPr id="8" name="フローチャート: 代替処理 7">
-                <a:extLst>
-                  <a:ext uri="{FF2B5EF4-FFF2-40B4-BE49-F238E27FC236}">
-                    <a16:creationId xmlns:a16="http://schemas.microsoft.com/office/drawing/2014/main" id="{1AFEFE05-DC22-14A5-69E1-1DE7483F8FF3}"/>
-                  </a:ext>
-                </a:extLst>
-              </p:cNvPr>
-              <p:cNvSpPr/>
-              <p:nvPr/>
-            </p:nvSpPr>
-            <p:spPr>
-              <a:xfrm>
-                <a:off x="6505861" y="3764855"/>
-                <a:ext cx="720000" cy="720000"/>
-              </a:xfrm>
-              <a:prstGeom prst="flowChartAlternateProcess">
-                <a:avLst/>
-              </a:prstGeom>
-              <a:gradFill flip="none" rotWithShape="1">
-                <a:gsLst>
-                  <a:gs pos="0">
-                    <a:srgbClr val="CC3300">
-                      <a:shade val="30000"/>
-                      <a:satMod val="115000"/>
-                    </a:srgbClr>
-                  </a:gs>
-                  <a:gs pos="50000">
-                    <a:srgbClr val="CC3300">
-                      <a:shade val="67500"/>
-                      <a:satMod val="115000"/>
-                    </a:srgbClr>
-                  </a:gs>
-                  <a:gs pos="100000">
-                    <a:srgbClr val="CC3300">
-                      <a:shade val="100000"/>
-                      <a:satMod val="115000"/>
-                    </a:srgbClr>
-                  </a:gs>
-                </a:gsLst>
-                <a:path path="circle">
-                  <a:fillToRect l="50000" t="50000" r="50000" b="50000"/>
-                </a:path>
-                <a:tileRect/>
-              </a:gradFill>
-              <a:ln w="38100">
-                <a:solidFill>
-                  <a:schemeClr val="bg1">
-                    <a:lumMod val="65000"/>
-                  </a:schemeClr>
-                </a:solidFill>
-              </a:ln>
-            </p:spPr>
-            <p:style>
-              <a:lnRef idx="2">
-                <a:schemeClr val="accent1">
-                  <a:shade val="15000"/>
-                </a:schemeClr>
-              </a:lnRef>
-              <a:fillRef idx="1">
-                <a:schemeClr val="accent1"/>
-              </a:fillRef>
-              <a:effectRef idx="0">
-                <a:schemeClr val="accent1"/>
-              </a:effectRef>
-              <a:fontRef idx="minor">
-                <a:schemeClr val="lt1"/>
-              </a:fontRef>
-            </p:style>
-            <p:txBody>
-              <a:bodyPr rtlCol="0" anchor="b"/>
-              <a:lstStyle/>
-              <a:p>
-                <a:pPr algn="ctr"/>
-                <a:r>
-                  <a:rPr kumimoji="1" lang="ja-JP" altLang="en-US" sz="4000" dirty="0">
-                    <a:ln w="19050">
-                      <a:solidFill>
-                        <a:schemeClr val="bg1"/>
-                      </a:solidFill>
-                    </a:ln>
-                    <a:solidFill>
-                      <a:schemeClr val="tx1"/>
-                    </a:solidFill>
-                    <a:latin typeface="HG創英ﾌﾟﾚｾﾞﾝｽEB" panose="02020809000000000000" pitchFamily="17" charset="-128"/>
-                    <a:ea typeface="HG創英ﾌﾟﾚｾﾞﾝｽEB" panose="02020809000000000000" pitchFamily="17" charset="-128"/>
-                  </a:rPr>
-                  <a:t>東</a:t>
-                </a:r>
-              </a:p>
-            </p:txBody>
-          </p:sp>
-        </p:grpSp>
-      </p:grpSp>
-      <p:sp>
-        <p:nvSpPr>
           <p:cNvPr id="3" name="正方形/長方形 2">
             <a:extLst>
               <a:ext uri="{FF2B5EF4-FFF2-40B4-BE49-F238E27FC236}">
@@ -6748,12 +5677,893 @@
           <a:chExt cx="0" cy="0"/>
         </a:xfrm>
       </p:grpSpPr>
+      <p:grpSp>
+        <p:nvGrpSpPr>
+          <p:cNvPr id="32" name="グループ化 31">
+            <a:extLst>
+              <a:ext uri="{FF2B5EF4-FFF2-40B4-BE49-F238E27FC236}">
+                <a16:creationId xmlns:a16="http://schemas.microsoft.com/office/drawing/2014/main" id="{154077C0-D19F-DBC9-561D-894D25E68D2F}"/>
+              </a:ext>
+            </a:extLst>
+          </p:cNvPr>
+          <p:cNvGrpSpPr/>
+          <p:nvPr/>
+        </p:nvGrpSpPr>
+        <p:grpSpPr>
+          <a:xfrm>
+            <a:off x="347436" y="225782"/>
+            <a:ext cx="3161790" cy="3165442"/>
+            <a:chOff x="6509643" y="1329705"/>
+            <a:chExt cx="3161790" cy="3165442"/>
+          </a:xfrm>
+        </p:grpSpPr>
+        <p:sp>
+          <p:nvSpPr>
+            <p:cNvPr id="33" name="フローチャート: 代替処理 32">
+              <a:extLst>
+                <a:ext uri="{FF2B5EF4-FFF2-40B4-BE49-F238E27FC236}">
+                  <a16:creationId xmlns:a16="http://schemas.microsoft.com/office/drawing/2014/main" id="{20F4F567-6B1C-A806-B0DB-07117BD290DF}"/>
+                </a:ext>
+              </a:extLst>
+            </p:cNvPr>
+            <p:cNvSpPr/>
+            <p:nvPr/>
+          </p:nvSpPr>
+          <p:spPr>
+            <a:xfrm>
+              <a:off x="6560538" y="1376218"/>
+              <a:ext cx="3060000" cy="3060000"/>
+            </a:xfrm>
+            <a:prstGeom prst="flowChartAlternateProcess">
+              <a:avLst/>
+            </a:prstGeom>
+            <a:solidFill>
+              <a:schemeClr val="accent3">
+                <a:lumMod val="20000"/>
+                <a:lumOff val="80000"/>
+              </a:schemeClr>
+            </a:solidFill>
+            <a:ln w="9525">
+              <a:solidFill>
+                <a:schemeClr val="accent1"/>
+              </a:solidFill>
+            </a:ln>
+          </p:spPr>
+          <p:style>
+            <a:lnRef idx="2">
+              <a:schemeClr val="accent1">
+                <a:shade val="15000"/>
+              </a:schemeClr>
+            </a:lnRef>
+            <a:fillRef idx="1">
+              <a:schemeClr val="accent1"/>
+            </a:fillRef>
+            <a:effectRef idx="0">
+              <a:schemeClr val="accent1"/>
+            </a:effectRef>
+            <a:fontRef idx="minor">
+              <a:schemeClr val="lt1"/>
+            </a:fontRef>
+          </p:style>
+          <p:txBody>
+            <a:bodyPr rtlCol="0" anchor="ctr"/>
+            <a:lstStyle/>
+            <a:p>
+              <a:pPr algn="ctr"/>
+              <a:endParaRPr kumimoji="1" lang="ja-JP" altLang="en-US" b="1" dirty="0">
+                <a:latin typeface="HG丸ｺﾞｼｯｸM-PRO" panose="020F0600000000000000" pitchFamily="50" charset="-128"/>
+                <a:ea typeface="HG丸ｺﾞｼｯｸM-PRO" panose="020F0600000000000000" pitchFamily="50" charset="-128"/>
+              </a:endParaRPr>
+            </a:p>
+          </p:txBody>
+        </p:sp>
+        <p:sp>
+          <p:nvSpPr>
+            <p:cNvPr id="34" name="フローチャート: 代替処理 33">
+              <a:extLst>
+                <a:ext uri="{FF2B5EF4-FFF2-40B4-BE49-F238E27FC236}">
+                  <a16:creationId xmlns:a16="http://schemas.microsoft.com/office/drawing/2014/main" id="{472FF33B-A1AB-5D6B-C10C-D219D01D837E}"/>
+                </a:ext>
+              </a:extLst>
+            </p:cNvPr>
+            <p:cNvSpPr/>
+            <p:nvPr/>
+          </p:nvSpPr>
+          <p:spPr>
+            <a:xfrm>
+              <a:off x="6622698" y="2096217"/>
+              <a:ext cx="230684" cy="1614795"/>
+            </a:xfrm>
+            <a:prstGeom prst="flowChartAlternateProcess">
+              <a:avLst/>
+            </a:prstGeom>
+            <a:solidFill>
+              <a:schemeClr val="bg1">
+                <a:lumMod val="85000"/>
+              </a:schemeClr>
+            </a:solidFill>
+            <a:ln>
+              <a:solidFill>
+                <a:schemeClr val="bg1">
+                  <a:lumMod val="65000"/>
+                </a:schemeClr>
+              </a:solidFill>
+            </a:ln>
+            <a:effectLst>
+              <a:innerShdw blurRad="63500" dist="50800">
+                <a:prstClr val="black">
+                  <a:alpha val="50000"/>
+                </a:prstClr>
+              </a:innerShdw>
+            </a:effectLst>
+            <a:scene3d>
+              <a:camera prst="orthographicFront"/>
+              <a:lightRig rig="threePt" dir="t"/>
+            </a:scene3d>
+            <a:sp3d>
+              <a:bevelT prst="relaxedInset"/>
+            </a:sp3d>
+          </p:spPr>
+          <p:style>
+            <a:lnRef idx="2">
+              <a:schemeClr val="accent1">
+                <a:shade val="15000"/>
+              </a:schemeClr>
+            </a:lnRef>
+            <a:fillRef idx="1">
+              <a:schemeClr val="accent1"/>
+            </a:fillRef>
+            <a:effectRef idx="0">
+              <a:schemeClr val="accent1"/>
+            </a:effectRef>
+            <a:fontRef idx="minor">
+              <a:schemeClr val="lt1"/>
+            </a:fontRef>
+          </p:style>
+          <p:txBody>
+            <a:bodyPr rtlCol="0" anchor="ctr"/>
+            <a:lstStyle/>
+            <a:p>
+              <a:pPr algn="ctr"/>
+              <a:endParaRPr kumimoji="1" lang="ja-JP" altLang="en-US" b="1">
+                <a:latin typeface="HG丸ｺﾞｼｯｸM-PRO" panose="020F0600000000000000" pitchFamily="50" charset="-128"/>
+                <a:ea typeface="HG丸ｺﾞｼｯｸM-PRO" panose="020F0600000000000000" pitchFamily="50" charset="-128"/>
+              </a:endParaRPr>
+            </a:p>
+          </p:txBody>
+        </p:sp>
+        <p:sp>
+          <p:nvSpPr>
+            <p:cNvPr id="35" name="フローチャート: 代替処理 34">
+              <a:extLst>
+                <a:ext uri="{FF2B5EF4-FFF2-40B4-BE49-F238E27FC236}">
+                  <a16:creationId xmlns:a16="http://schemas.microsoft.com/office/drawing/2014/main" id="{3198C63F-E982-45CE-A0B7-740EF6588C92}"/>
+                </a:ext>
+              </a:extLst>
+            </p:cNvPr>
+            <p:cNvSpPr/>
+            <p:nvPr/>
+          </p:nvSpPr>
+          <p:spPr>
+            <a:xfrm>
+              <a:off x="9333547" y="2096217"/>
+              <a:ext cx="230684" cy="1614795"/>
+            </a:xfrm>
+            <a:prstGeom prst="flowChartAlternateProcess">
+              <a:avLst/>
+            </a:prstGeom>
+            <a:solidFill>
+              <a:schemeClr val="bg1">
+                <a:lumMod val="85000"/>
+              </a:schemeClr>
+            </a:solidFill>
+            <a:ln>
+              <a:solidFill>
+                <a:schemeClr val="bg1">
+                  <a:lumMod val="65000"/>
+                </a:schemeClr>
+              </a:solidFill>
+            </a:ln>
+            <a:effectLst>
+              <a:innerShdw blurRad="63500" dist="50800" dir="10800000">
+                <a:prstClr val="black">
+                  <a:alpha val="50000"/>
+                </a:prstClr>
+              </a:innerShdw>
+            </a:effectLst>
+            <a:scene3d>
+              <a:camera prst="orthographicFront"/>
+              <a:lightRig rig="threePt" dir="t"/>
+            </a:scene3d>
+            <a:sp3d>
+              <a:bevelT prst="relaxedInset"/>
+            </a:sp3d>
+          </p:spPr>
+          <p:style>
+            <a:lnRef idx="2">
+              <a:schemeClr val="accent1">
+                <a:shade val="15000"/>
+              </a:schemeClr>
+            </a:lnRef>
+            <a:fillRef idx="1">
+              <a:schemeClr val="accent1"/>
+            </a:fillRef>
+            <a:effectRef idx="0">
+              <a:schemeClr val="accent1"/>
+            </a:effectRef>
+            <a:fontRef idx="minor">
+              <a:schemeClr val="lt1"/>
+            </a:fontRef>
+          </p:style>
+          <p:txBody>
+            <a:bodyPr rtlCol="0" anchor="ctr"/>
+            <a:lstStyle/>
+            <a:p>
+              <a:pPr algn="ctr"/>
+              <a:endParaRPr kumimoji="1" lang="ja-JP" altLang="en-US" b="1">
+                <a:latin typeface="HG丸ｺﾞｼｯｸM-PRO" panose="020F0600000000000000" pitchFamily="50" charset="-128"/>
+                <a:ea typeface="HG丸ｺﾞｼｯｸM-PRO" panose="020F0600000000000000" pitchFamily="50" charset="-128"/>
+              </a:endParaRPr>
+            </a:p>
+          </p:txBody>
+        </p:sp>
+        <p:sp>
+          <p:nvSpPr>
+            <p:cNvPr id="36" name="フローチャート: 代替処理 35">
+              <a:extLst>
+                <a:ext uri="{FF2B5EF4-FFF2-40B4-BE49-F238E27FC236}">
+                  <a16:creationId xmlns:a16="http://schemas.microsoft.com/office/drawing/2014/main" id="{C07383F3-FDD2-4309-9010-B7486F99EB54}"/>
+                </a:ext>
+              </a:extLst>
+            </p:cNvPr>
+            <p:cNvSpPr/>
+            <p:nvPr/>
+          </p:nvSpPr>
+          <p:spPr>
+            <a:xfrm rot="16200000">
+              <a:off x="7969655" y="3443797"/>
+              <a:ext cx="230684" cy="1614795"/>
+            </a:xfrm>
+            <a:prstGeom prst="flowChartAlternateProcess">
+              <a:avLst/>
+            </a:prstGeom>
+            <a:solidFill>
+              <a:schemeClr val="bg1">
+                <a:lumMod val="85000"/>
+              </a:schemeClr>
+            </a:solidFill>
+            <a:ln>
+              <a:solidFill>
+                <a:schemeClr val="bg1">
+                  <a:lumMod val="65000"/>
+                </a:schemeClr>
+              </a:solidFill>
+            </a:ln>
+            <a:effectLst>
+              <a:innerShdw blurRad="63500" dist="50800">
+                <a:prstClr val="black">
+                  <a:alpha val="50000"/>
+                </a:prstClr>
+              </a:innerShdw>
+            </a:effectLst>
+            <a:scene3d>
+              <a:camera prst="orthographicFront"/>
+              <a:lightRig rig="threePt" dir="t"/>
+            </a:scene3d>
+            <a:sp3d>
+              <a:bevelT prst="relaxedInset"/>
+            </a:sp3d>
+          </p:spPr>
+          <p:style>
+            <a:lnRef idx="2">
+              <a:schemeClr val="accent1">
+                <a:shade val="15000"/>
+              </a:schemeClr>
+            </a:lnRef>
+            <a:fillRef idx="1">
+              <a:schemeClr val="accent1"/>
+            </a:fillRef>
+            <a:effectRef idx="0">
+              <a:schemeClr val="accent1"/>
+            </a:effectRef>
+            <a:fontRef idx="minor">
+              <a:schemeClr val="lt1"/>
+            </a:fontRef>
+          </p:style>
+          <p:txBody>
+            <a:bodyPr rtlCol="0" anchor="ctr"/>
+            <a:lstStyle/>
+            <a:p>
+              <a:pPr algn="ctr"/>
+              <a:endParaRPr kumimoji="1" lang="ja-JP" altLang="en-US" b="1">
+                <a:latin typeface="HG丸ｺﾞｼｯｸM-PRO" panose="020F0600000000000000" pitchFamily="50" charset="-128"/>
+                <a:ea typeface="HG丸ｺﾞｼｯｸM-PRO" panose="020F0600000000000000" pitchFamily="50" charset="-128"/>
+              </a:endParaRPr>
+            </a:p>
+          </p:txBody>
+        </p:sp>
+        <p:sp>
+          <p:nvSpPr>
+            <p:cNvPr id="37" name="フローチャート: 代替処理 36">
+              <a:extLst>
+                <a:ext uri="{FF2B5EF4-FFF2-40B4-BE49-F238E27FC236}">
+                  <a16:creationId xmlns:a16="http://schemas.microsoft.com/office/drawing/2014/main" id="{477AA36E-EE1A-522E-B655-6A95F3412E70}"/>
+                </a:ext>
+              </a:extLst>
+            </p:cNvPr>
+            <p:cNvSpPr/>
+            <p:nvPr/>
+          </p:nvSpPr>
+          <p:spPr>
+            <a:xfrm rot="16200000">
+              <a:off x="7969656" y="747059"/>
+              <a:ext cx="230684" cy="1614795"/>
+            </a:xfrm>
+            <a:prstGeom prst="flowChartAlternateProcess">
+              <a:avLst/>
+            </a:prstGeom>
+            <a:solidFill>
+              <a:schemeClr val="bg1">
+                <a:lumMod val="85000"/>
+              </a:schemeClr>
+            </a:solidFill>
+            <a:ln>
+              <a:solidFill>
+                <a:schemeClr val="bg1">
+                  <a:lumMod val="65000"/>
+                </a:schemeClr>
+              </a:solidFill>
+            </a:ln>
+            <a:effectLst>
+              <a:innerShdw blurRad="63500" dist="50800" dir="10800000">
+                <a:prstClr val="black">
+                  <a:alpha val="50000"/>
+                </a:prstClr>
+              </a:innerShdw>
+            </a:effectLst>
+            <a:scene3d>
+              <a:camera prst="orthographicFront"/>
+              <a:lightRig rig="threePt" dir="t"/>
+            </a:scene3d>
+            <a:sp3d>
+              <a:bevelT prst="relaxedInset"/>
+            </a:sp3d>
+          </p:spPr>
+          <p:style>
+            <a:lnRef idx="2">
+              <a:schemeClr val="accent1">
+                <a:shade val="15000"/>
+              </a:schemeClr>
+            </a:lnRef>
+            <a:fillRef idx="1">
+              <a:schemeClr val="accent1"/>
+            </a:fillRef>
+            <a:effectRef idx="0">
+              <a:schemeClr val="accent1"/>
+            </a:effectRef>
+            <a:fontRef idx="minor">
+              <a:schemeClr val="lt1"/>
+            </a:fontRef>
+          </p:style>
+          <p:txBody>
+            <a:bodyPr rtlCol="0" anchor="ctr"/>
+            <a:lstStyle/>
+            <a:p>
+              <a:pPr algn="ctr"/>
+              <a:endParaRPr kumimoji="1" lang="ja-JP" altLang="en-US" b="1">
+                <a:latin typeface="HG丸ｺﾞｼｯｸM-PRO" panose="020F0600000000000000" pitchFamily="50" charset="-128"/>
+                <a:ea typeface="HG丸ｺﾞｼｯｸM-PRO" panose="020F0600000000000000" pitchFamily="50" charset="-128"/>
+              </a:endParaRPr>
+            </a:p>
+          </p:txBody>
+        </p:sp>
+        <p:sp>
+          <p:nvSpPr>
+            <p:cNvPr id="38" name="正方形/長方形 37">
+              <a:extLst>
+                <a:ext uri="{FF2B5EF4-FFF2-40B4-BE49-F238E27FC236}">
+                  <a16:creationId xmlns:a16="http://schemas.microsoft.com/office/drawing/2014/main" id="{EE317843-86B9-71FC-9B2C-DCC6807C000E}"/>
+                </a:ext>
+              </a:extLst>
+            </p:cNvPr>
+            <p:cNvSpPr/>
+            <p:nvPr/>
+          </p:nvSpPr>
+          <p:spPr>
+            <a:xfrm>
+              <a:off x="6902843" y="1717747"/>
+              <a:ext cx="2394971" cy="2364262"/>
+            </a:xfrm>
+            <a:prstGeom prst="rect">
+              <a:avLst/>
+            </a:prstGeom>
+            <a:solidFill>
+              <a:schemeClr val="accent1">
+                <a:lumMod val="50000"/>
+              </a:schemeClr>
+            </a:solidFill>
+          </p:spPr>
+          <p:style>
+            <a:lnRef idx="2">
+              <a:schemeClr val="accent1">
+                <a:shade val="15000"/>
+              </a:schemeClr>
+            </a:lnRef>
+            <a:fillRef idx="1">
+              <a:schemeClr val="accent1"/>
+            </a:fillRef>
+            <a:effectRef idx="0">
+              <a:schemeClr val="accent1"/>
+            </a:effectRef>
+            <a:fontRef idx="minor">
+              <a:schemeClr val="lt1"/>
+            </a:fontRef>
+          </p:style>
+          <p:txBody>
+            <a:bodyPr rtlCol="0" anchor="ctr"/>
+            <a:lstStyle/>
+            <a:p>
+              <a:pPr algn="ctr"/>
+              <a:endParaRPr kumimoji="1" lang="ja-JP" altLang="en-US" b="1">
+                <a:latin typeface="HG丸ｺﾞｼｯｸM-PRO" panose="020F0600000000000000" pitchFamily="50" charset="-128"/>
+                <a:ea typeface="HG丸ｺﾞｼｯｸM-PRO" panose="020F0600000000000000" pitchFamily="50" charset="-128"/>
+              </a:endParaRPr>
+            </a:p>
+          </p:txBody>
+        </p:sp>
+        <p:sp>
+          <p:nvSpPr>
+            <p:cNvPr id="39" name="正方形/長方形 38">
+              <a:extLst>
+                <a:ext uri="{FF2B5EF4-FFF2-40B4-BE49-F238E27FC236}">
+                  <a16:creationId xmlns:a16="http://schemas.microsoft.com/office/drawing/2014/main" id="{45F2383A-C1BF-C18D-06F7-B478BC4F87D1}"/>
+                </a:ext>
+              </a:extLst>
+            </p:cNvPr>
+            <p:cNvSpPr/>
+            <p:nvPr/>
+          </p:nvSpPr>
+          <p:spPr>
+            <a:xfrm>
+              <a:off x="7295446" y="2120451"/>
+              <a:ext cx="1579101" cy="1558853"/>
+            </a:xfrm>
+            <a:prstGeom prst="rect">
+              <a:avLst/>
+            </a:prstGeom>
+            <a:solidFill>
+              <a:schemeClr val="accent6">
+                <a:lumMod val="20000"/>
+                <a:lumOff val="80000"/>
+              </a:schemeClr>
+            </a:solidFill>
+            <a:scene3d>
+              <a:camera prst="orthographicFront"/>
+              <a:lightRig rig="threePt" dir="t"/>
+            </a:scene3d>
+            <a:sp3d>
+              <a:bevelT prst="angle"/>
+            </a:sp3d>
+          </p:spPr>
+          <p:style>
+            <a:lnRef idx="2">
+              <a:schemeClr val="accent1">
+                <a:shade val="15000"/>
+              </a:schemeClr>
+            </a:lnRef>
+            <a:fillRef idx="1">
+              <a:schemeClr val="accent1"/>
+            </a:fillRef>
+            <a:effectRef idx="0">
+              <a:schemeClr val="accent1"/>
+            </a:effectRef>
+            <a:fontRef idx="minor">
+              <a:schemeClr val="lt1"/>
+            </a:fontRef>
+          </p:style>
+          <p:txBody>
+            <a:bodyPr rtlCol="0" anchor="ctr"/>
+            <a:lstStyle/>
+            <a:p>
+              <a:pPr algn="ctr"/>
+              <a:endParaRPr kumimoji="1" lang="ja-JP" altLang="en-US" b="1">
+                <a:latin typeface="HG丸ｺﾞｼｯｸM-PRO" panose="020F0600000000000000" pitchFamily="50" charset="-128"/>
+                <a:ea typeface="HG丸ｺﾞｼｯｸM-PRO" panose="020F0600000000000000" pitchFamily="50" charset="-128"/>
+              </a:endParaRPr>
+            </a:p>
+          </p:txBody>
+        </p:sp>
+        <p:sp>
+          <p:nvSpPr>
+            <p:cNvPr id="40" name="四角形: 角を丸くする 39">
+              <a:extLst>
+                <a:ext uri="{FF2B5EF4-FFF2-40B4-BE49-F238E27FC236}">
+                  <a16:creationId xmlns:a16="http://schemas.microsoft.com/office/drawing/2014/main" id="{03AE9BF6-A10F-8E45-C7A3-D787E42E9FC3}"/>
+                </a:ext>
+              </a:extLst>
+            </p:cNvPr>
+            <p:cNvSpPr/>
+            <p:nvPr/>
+          </p:nvSpPr>
+          <p:spPr>
+            <a:xfrm>
+              <a:off x="7379854" y="3024995"/>
+              <a:ext cx="1403928" cy="531005"/>
+            </a:xfrm>
+            <a:prstGeom prst="roundRect">
+              <a:avLst/>
+            </a:prstGeom>
+            <a:solidFill>
+              <a:schemeClr val="accent1">
+                <a:lumMod val="50000"/>
+              </a:schemeClr>
+            </a:solidFill>
+          </p:spPr>
+          <p:style>
+            <a:lnRef idx="2">
+              <a:schemeClr val="accent1">
+                <a:shade val="15000"/>
+              </a:schemeClr>
+            </a:lnRef>
+            <a:fillRef idx="1">
+              <a:schemeClr val="accent1"/>
+            </a:fillRef>
+            <a:effectRef idx="0">
+              <a:schemeClr val="accent1"/>
+            </a:effectRef>
+            <a:fontRef idx="minor">
+              <a:schemeClr val="lt1"/>
+            </a:fontRef>
+          </p:style>
+          <p:txBody>
+            <a:bodyPr rtlCol="0" anchor="ctr"/>
+            <a:lstStyle/>
+            <a:p>
+              <a:r>
+                <a:rPr kumimoji="1" lang="ja-JP" altLang="en-US" sz="2400" b="1" dirty="0">
+                  <a:ln w="28575">
+                    <a:noFill/>
+                  </a:ln>
+                  <a:solidFill>
+                    <a:schemeClr val="accent1">
+                      <a:lumMod val="20000"/>
+                      <a:lumOff val="80000"/>
+                    </a:schemeClr>
+                  </a:solidFill>
+                  <a:latin typeface="HG丸ｺﾞｼｯｸM-PRO" panose="020F0600000000000000" pitchFamily="50" charset="-128"/>
+                  <a:ea typeface="HG丸ｺﾞｼｯｸM-PRO" panose="020F0600000000000000" pitchFamily="50" charset="-128"/>
+                </a:rPr>
+                <a:t>残</a:t>
+              </a:r>
+            </a:p>
+          </p:txBody>
+        </p:sp>
+        <p:grpSp>
+          <p:nvGrpSpPr>
+            <p:cNvPr id="41" name="グループ化 40">
+              <a:extLst>
+                <a:ext uri="{FF2B5EF4-FFF2-40B4-BE49-F238E27FC236}">
+                  <a16:creationId xmlns:a16="http://schemas.microsoft.com/office/drawing/2014/main" id="{014EC58F-5977-D95B-7DF8-99D983EC0B68}"/>
+                </a:ext>
+              </a:extLst>
+            </p:cNvPr>
+            <p:cNvGrpSpPr/>
+            <p:nvPr/>
+          </p:nvGrpSpPr>
+          <p:grpSpPr>
+            <a:xfrm rot="5400000">
+              <a:off x="6507817" y="1331531"/>
+              <a:ext cx="3165442" cy="3161790"/>
+              <a:chOff x="6511077" y="1328271"/>
+              <a:chExt cx="3165442" cy="3161790"/>
+            </a:xfrm>
+          </p:grpSpPr>
+          <p:sp>
+            <p:nvSpPr>
+              <p:cNvPr id="42" name="フローチャート: 代替処理 41">
+                <a:extLst>
+                  <a:ext uri="{FF2B5EF4-FFF2-40B4-BE49-F238E27FC236}">
+                    <a16:creationId xmlns:a16="http://schemas.microsoft.com/office/drawing/2014/main" id="{60396AB3-1C6E-CCFB-2017-AC5F6AD434AE}"/>
+                  </a:ext>
+                </a:extLst>
+              </p:cNvPr>
+              <p:cNvSpPr/>
+              <p:nvPr/>
+            </p:nvSpPr>
+            <p:spPr>
+              <a:xfrm rot="10800000">
+                <a:off x="8955215" y="1331210"/>
+                <a:ext cx="720000" cy="720000"/>
+              </a:xfrm>
+              <a:prstGeom prst="flowChartAlternateProcess">
+                <a:avLst/>
+              </a:prstGeom>
+              <a:solidFill>
+                <a:schemeClr val="accent4">
+                  <a:lumMod val="60000"/>
+                  <a:lumOff val="40000"/>
+                </a:schemeClr>
+              </a:solidFill>
+              <a:ln w="38100">
+                <a:solidFill>
+                  <a:schemeClr val="bg1"/>
+                </a:solidFill>
+              </a:ln>
+              <a:scene3d>
+                <a:camera prst="orthographicFront"/>
+                <a:lightRig rig="threePt" dir="t"/>
+              </a:scene3d>
+              <a:sp3d>
+                <a:bevelT/>
+              </a:sp3d>
+            </p:spPr>
+            <p:style>
+              <a:lnRef idx="2">
+                <a:schemeClr val="accent1">
+                  <a:shade val="15000"/>
+                </a:schemeClr>
+              </a:lnRef>
+              <a:fillRef idx="1">
+                <a:schemeClr val="accent1"/>
+              </a:fillRef>
+              <a:effectRef idx="0">
+                <a:schemeClr val="accent1"/>
+              </a:effectRef>
+              <a:fontRef idx="minor">
+                <a:schemeClr val="lt1"/>
+              </a:fontRef>
+            </p:style>
+            <p:txBody>
+              <a:bodyPr rtlCol="0" anchor="b"/>
+              <a:lstStyle/>
+              <a:p>
+                <a:pPr algn="ctr"/>
+                <a:r>
+                  <a:rPr kumimoji="1" lang="ja-JP" altLang="en-US" sz="4000" b="1" dirty="0">
+                    <a:ln w="3175">
+                      <a:solidFill>
+                        <a:schemeClr val="tx1"/>
+                      </a:solidFill>
+                    </a:ln>
+                    <a:latin typeface="HG丸ｺﾞｼｯｸM-PRO" panose="020F0600000000000000" pitchFamily="50" charset="-128"/>
+                    <a:ea typeface="HG丸ｺﾞｼｯｸM-PRO" panose="020F0600000000000000" pitchFamily="50" charset="-128"/>
+                  </a:rPr>
+                  <a:t>南</a:t>
+                </a:r>
+              </a:p>
+            </p:txBody>
+          </p:sp>
+          <p:sp>
+            <p:nvSpPr>
+              <p:cNvPr id="43" name="フローチャート: 代替処理 42">
+                <a:extLst>
+                  <a:ext uri="{FF2B5EF4-FFF2-40B4-BE49-F238E27FC236}">
+                    <a16:creationId xmlns:a16="http://schemas.microsoft.com/office/drawing/2014/main" id="{EE9718F5-2023-8A0A-9490-16BB5DE2C027}"/>
+                  </a:ext>
+                </a:extLst>
+              </p:cNvPr>
+              <p:cNvSpPr/>
+              <p:nvPr/>
+            </p:nvSpPr>
+            <p:spPr>
+              <a:xfrm rot="5400000">
+                <a:off x="6511743" y="1328271"/>
+                <a:ext cx="720000" cy="720000"/>
+              </a:xfrm>
+              <a:prstGeom prst="flowChartAlternateProcess">
+                <a:avLst/>
+              </a:prstGeom>
+              <a:solidFill>
+                <a:schemeClr val="accent2">
+                  <a:lumMod val="60000"/>
+                  <a:lumOff val="40000"/>
+                </a:schemeClr>
+              </a:solidFill>
+              <a:ln w="38100">
+                <a:solidFill>
+                  <a:schemeClr val="bg1"/>
+                </a:solidFill>
+              </a:ln>
+              <a:scene3d>
+                <a:camera prst="orthographicFront"/>
+                <a:lightRig rig="threePt" dir="t"/>
+              </a:scene3d>
+              <a:sp3d>
+                <a:bevelT/>
+              </a:sp3d>
+            </p:spPr>
+            <p:style>
+              <a:lnRef idx="2">
+                <a:schemeClr val="accent1">
+                  <a:shade val="15000"/>
+                </a:schemeClr>
+              </a:lnRef>
+              <a:fillRef idx="1">
+                <a:schemeClr val="accent1"/>
+              </a:fillRef>
+              <a:effectRef idx="0">
+                <a:schemeClr val="accent1"/>
+              </a:effectRef>
+              <a:fontRef idx="minor">
+                <a:schemeClr val="lt1"/>
+              </a:fontRef>
+            </p:style>
+            <p:txBody>
+              <a:bodyPr rtlCol="0" anchor="b"/>
+              <a:lstStyle/>
+              <a:p>
+                <a:pPr algn="ctr"/>
+                <a:r>
+                  <a:rPr kumimoji="1" lang="ja-JP" altLang="en-US" sz="4000" b="1" dirty="0">
+                    <a:ln w="3175">
+                      <a:solidFill>
+                        <a:schemeClr val="tx1"/>
+                      </a:solidFill>
+                    </a:ln>
+                    <a:latin typeface="HG丸ｺﾞｼｯｸM-PRO" panose="020F0600000000000000" pitchFamily="50" charset="-128"/>
+                    <a:ea typeface="HG丸ｺﾞｼｯｸM-PRO" panose="020F0600000000000000" pitchFamily="50" charset="-128"/>
+                  </a:rPr>
+                  <a:t>西</a:t>
+                </a:r>
+              </a:p>
+            </p:txBody>
+          </p:sp>
+          <p:sp>
+            <p:nvSpPr>
+              <p:cNvPr id="44" name="フローチャート: 代替処理 43">
+                <a:extLst>
+                  <a:ext uri="{FF2B5EF4-FFF2-40B4-BE49-F238E27FC236}">
+                    <a16:creationId xmlns:a16="http://schemas.microsoft.com/office/drawing/2014/main" id="{391102E1-BF24-F752-0F33-EC3C033B479C}"/>
+                  </a:ext>
+                </a:extLst>
+              </p:cNvPr>
+              <p:cNvSpPr/>
+              <p:nvPr/>
+            </p:nvSpPr>
+            <p:spPr>
+              <a:xfrm>
+                <a:off x="6511077" y="3770061"/>
+                <a:ext cx="720000" cy="720000"/>
+              </a:xfrm>
+              <a:prstGeom prst="flowChartAlternateProcess">
+                <a:avLst/>
+              </a:prstGeom>
+              <a:solidFill>
+                <a:schemeClr val="accent6">
+                  <a:lumMod val="60000"/>
+                  <a:lumOff val="40000"/>
+                </a:schemeClr>
+              </a:solidFill>
+              <a:ln w="38100">
+                <a:solidFill>
+                  <a:schemeClr val="bg1"/>
+                </a:solidFill>
+              </a:ln>
+              <a:scene3d>
+                <a:camera prst="orthographicFront"/>
+                <a:lightRig rig="threePt" dir="t"/>
+              </a:scene3d>
+              <a:sp3d>
+                <a:bevelT/>
+              </a:sp3d>
+            </p:spPr>
+            <p:style>
+              <a:lnRef idx="2">
+                <a:schemeClr val="accent1">
+                  <a:shade val="15000"/>
+                </a:schemeClr>
+              </a:lnRef>
+              <a:fillRef idx="1">
+                <a:schemeClr val="accent1"/>
+              </a:fillRef>
+              <a:effectRef idx="0">
+                <a:schemeClr val="accent1"/>
+              </a:effectRef>
+              <a:fontRef idx="minor">
+                <a:schemeClr val="lt1"/>
+              </a:fontRef>
+            </p:style>
+            <p:txBody>
+              <a:bodyPr rtlCol="0" anchor="b"/>
+              <a:lstStyle/>
+              <a:p>
+                <a:pPr algn="ctr"/>
+                <a:r>
+                  <a:rPr kumimoji="1" lang="ja-JP" altLang="en-US" sz="4000" b="1" dirty="0">
+                    <a:ln w="3175">
+                      <a:solidFill>
+                        <a:schemeClr val="tx1"/>
+                      </a:solidFill>
+                    </a:ln>
+                    <a:latin typeface="HG丸ｺﾞｼｯｸM-PRO" panose="020F0600000000000000" pitchFamily="50" charset="-128"/>
+                    <a:ea typeface="HG丸ｺﾞｼｯｸM-PRO" panose="020F0600000000000000" pitchFamily="50" charset="-128"/>
+                  </a:rPr>
+                  <a:t>北</a:t>
+                </a:r>
+              </a:p>
+            </p:txBody>
+          </p:sp>
+          <p:sp>
+            <p:nvSpPr>
+              <p:cNvPr id="45" name="フローチャート: 代替処理 44">
+                <a:extLst>
+                  <a:ext uri="{FF2B5EF4-FFF2-40B4-BE49-F238E27FC236}">
+                    <a16:creationId xmlns:a16="http://schemas.microsoft.com/office/drawing/2014/main" id="{E446575B-04C6-3230-0525-FF942F195689}"/>
+                  </a:ext>
+                </a:extLst>
+              </p:cNvPr>
+              <p:cNvSpPr/>
+              <p:nvPr/>
+            </p:nvSpPr>
+            <p:spPr>
+              <a:xfrm rot="16200000">
+                <a:off x="8956519" y="3770061"/>
+                <a:ext cx="720000" cy="720000"/>
+              </a:xfrm>
+              <a:prstGeom prst="flowChartAlternateProcess">
+                <a:avLst/>
+              </a:prstGeom>
+              <a:solidFill>
+                <a:srgbClr val="FF5050"/>
+              </a:solidFill>
+              <a:ln w="38100">
+                <a:solidFill>
+                  <a:schemeClr val="bg1"/>
+                </a:solidFill>
+              </a:ln>
+              <a:scene3d>
+                <a:camera prst="orthographicFront"/>
+                <a:lightRig rig="threePt" dir="t"/>
+              </a:scene3d>
+              <a:sp3d>
+                <a:bevelT/>
+              </a:sp3d>
+            </p:spPr>
+            <p:style>
+              <a:lnRef idx="2">
+                <a:schemeClr val="accent1">
+                  <a:shade val="15000"/>
+                </a:schemeClr>
+              </a:lnRef>
+              <a:fillRef idx="1">
+                <a:schemeClr val="accent1"/>
+              </a:fillRef>
+              <a:effectRef idx="0">
+                <a:schemeClr val="accent1"/>
+              </a:effectRef>
+              <a:fontRef idx="minor">
+                <a:schemeClr val="lt1"/>
+              </a:fontRef>
+            </p:style>
+            <p:txBody>
+              <a:bodyPr rtlCol="0" anchor="b"/>
+              <a:lstStyle/>
+              <a:p>
+                <a:pPr algn="ctr"/>
+                <a:r>
+                  <a:rPr kumimoji="1" lang="ja-JP" altLang="en-US" sz="4000" b="1" dirty="0">
+                    <a:ln w="19050">
+                      <a:noFill/>
+                    </a:ln>
+                    <a:solidFill>
+                      <a:schemeClr val="tx1"/>
+                    </a:solidFill>
+                    <a:latin typeface="HG丸ｺﾞｼｯｸM-PRO" panose="020F0600000000000000" pitchFamily="50" charset="-128"/>
+                    <a:ea typeface="HG丸ｺﾞｼｯｸM-PRO" panose="020F0600000000000000" pitchFamily="50" charset="-128"/>
+                  </a:rPr>
+                  <a:t>東</a:t>
+                </a:r>
+              </a:p>
+            </p:txBody>
+          </p:sp>
+        </p:grpSp>
+      </p:grpSp>
       <p:sp>
         <p:nvSpPr>
-          <p:cNvPr id="4" name="正方形/長方形 3">
+          <p:cNvPr id="60" name="四角形: 角を丸くする 59">
             <a:extLst>
               <a:ext uri="{FF2B5EF4-FFF2-40B4-BE49-F238E27FC236}">
-                <a16:creationId xmlns:a16="http://schemas.microsoft.com/office/drawing/2014/main" id="{B19C35E4-F07B-078D-8BB6-39F828155B54}"/>
+                <a16:creationId xmlns:a16="http://schemas.microsoft.com/office/drawing/2014/main" id="{C83F5599-E8C2-A815-1FDB-4508E1F7B5C1}"/>
               </a:ext>
             </a:extLst>
           </p:cNvPr>
@@ -6762,58 +6572,17 @@
         </p:nvSpPr>
         <p:spPr>
           <a:xfrm>
-            <a:off x="5712691" y="240145"/>
-            <a:ext cx="766618" cy="5772728"/>
+            <a:off x="3363347" y="4024614"/>
+            <a:ext cx="1403928" cy="531005"/>
           </a:xfrm>
-          <a:prstGeom prst="rect">
+          <a:prstGeom prst="roundRect">
             <a:avLst/>
           </a:prstGeom>
-          <a:gradFill flip="none" rotWithShape="1">
-            <a:gsLst>
-              <a:gs pos="0">
-                <a:srgbClr val="800000">
-                  <a:shade val="30000"/>
-                  <a:satMod val="115000"/>
-                </a:srgbClr>
-              </a:gs>
-              <a:gs pos="50000">
-                <a:srgbClr val="800000">
-                  <a:shade val="67500"/>
-                  <a:satMod val="115000"/>
-                  <a:lumMod val="100000"/>
-                </a:srgbClr>
-              </a:gs>
-              <a:gs pos="100000">
-                <a:srgbClr val="800000">
-                  <a:shade val="100000"/>
-                  <a:satMod val="115000"/>
-                </a:srgbClr>
-              </a:gs>
-            </a:gsLst>
-            <a:lin ang="10800000" scaled="1"/>
-            <a:tileRect/>
-          </a:gradFill>
-          <a:ln>
-            <a:noFill/>
-          </a:ln>
-          <a:effectLst>
-            <a:outerShdw blurRad="50800" dist="76200" algn="l" rotWithShape="0">
-              <a:schemeClr val="tx1">
-                <a:alpha val="40000"/>
-              </a:schemeClr>
-            </a:outerShdw>
-          </a:effectLst>
-          <a:scene3d>
-            <a:camera prst="perspectiveLeft">
-              <a:rot lat="0" lon="600000" rev="0"/>
-            </a:camera>
-            <a:lightRig rig="chilly" dir="t">
-              <a:rot lat="0" lon="0" rev="6600000"/>
-            </a:lightRig>
-          </a:scene3d>
-          <a:sp3d prstMaterial="metal">
-            <a:bevelT h="450850" prst="angle"/>
-          </a:sp3d>
+          <a:solidFill>
+            <a:schemeClr val="accent1">
+              <a:lumMod val="50000"/>
+            </a:schemeClr>
+          </a:solidFill>
         </p:spPr>
         <p:style>
           <a:lnRef idx="2">
@@ -6836,16 +6605,31 @@
           <a:lstStyle/>
           <a:p>
             <a:pPr algn="ctr"/>
-            <a:endParaRPr kumimoji="1" lang="ja-JP" altLang="en-US" dirty="0"/>
+            <a:r>
+              <a:rPr kumimoji="1" lang="ja-JP" altLang="en-US" sz="2800" b="1" dirty="0">
+                <a:ln w="28575">
+                  <a:noFill/>
+                </a:ln>
+                <a:solidFill>
+                  <a:schemeClr val="accent1">
+                    <a:lumMod val="20000"/>
+                    <a:lumOff val="80000"/>
+                  </a:schemeClr>
+                </a:solidFill>
+                <a:latin typeface="HG丸ｺﾞｼｯｸM-PRO" panose="020F0600000000000000" pitchFamily="50" charset="-128"/>
+                <a:ea typeface="HG丸ｺﾞｼｯｸM-PRO" panose="020F0600000000000000" pitchFamily="50" charset="-128"/>
+              </a:rPr>
+              <a:t>東１局</a:t>
+            </a:r>
           </a:p>
         </p:txBody>
       </p:sp>
       <p:sp>
         <p:nvSpPr>
-          <p:cNvPr id="8" name="正方形/長方形 7">
+          <p:cNvPr id="61" name="四角形: 角を丸くする 60">
             <a:extLst>
               <a:ext uri="{FF2B5EF4-FFF2-40B4-BE49-F238E27FC236}">
-                <a16:creationId xmlns:a16="http://schemas.microsoft.com/office/drawing/2014/main" id="{2F50A848-3ECA-6E15-1A7E-2DDD83607596}"/>
+                <a16:creationId xmlns:a16="http://schemas.microsoft.com/office/drawing/2014/main" id="{8927C12A-ED0D-FC19-821C-1F56FAF6EAB8}"/>
               </a:ext>
             </a:extLst>
           </p:cNvPr>
@@ -6853,59 +6637,18 @@
           <p:nvPr/>
         </p:nvSpPr>
         <p:spPr>
-          <a:xfrm rot="10800000">
-            <a:off x="9728126" y="240145"/>
-            <a:ext cx="766618" cy="5772728"/>
+          <a:xfrm>
+            <a:off x="3363347" y="4613778"/>
+            <a:ext cx="1403928" cy="531005"/>
           </a:xfrm>
-          <a:prstGeom prst="rect">
+          <a:prstGeom prst="roundRect">
             <a:avLst/>
           </a:prstGeom>
-          <a:gradFill flip="none" rotWithShape="1">
-            <a:gsLst>
-              <a:gs pos="0">
-                <a:srgbClr val="800000">
-                  <a:shade val="30000"/>
-                  <a:satMod val="115000"/>
-                </a:srgbClr>
-              </a:gs>
-              <a:gs pos="50000">
-                <a:srgbClr val="800000">
-                  <a:shade val="67500"/>
-                  <a:satMod val="115000"/>
-                </a:srgbClr>
-              </a:gs>
-              <a:gs pos="100000">
-                <a:srgbClr val="800000">
-                  <a:shade val="100000"/>
-                  <a:satMod val="115000"/>
-                </a:srgbClr>
-              </a:gs>
-            </a:gsLst>
-            <a:lin ang="10800000" scaled="1"/>
-            <a:tileRect/>
-          </a:gradFill>
-          <a:ln>
-            <a:noFill/>
-          </a:ln>
-          <a:effectLst>
-            <a:outerShdw blurRad="50800" dist="63500" dir="10800000" algn="r" rotWithShape="0">
-              <a:schemeClr val="tx1">
-                <a:alpha val="40000"/>
-              </a:schemeClr>
-            </a:outerShdw>
-          </a:effectLst>
-          <a:scene3d>
-            <a:camera prst="perspectiveLeft">
-              <a:rot lat="0" lon="600000" rev="0"/>
-            </a:camera>
-            <a:lightRig rig="chilly" dir="t">
-              <a:rot lat="0" lon="0" rev="7200000"/>
-            </a:lightRig>
-          </a:scene3d>
-          <a:sp3d prstMaterial="metal">
-            <a:bevelT h="450850" prst="angle"/>
-            <a:bevelB/>
-          </a:sp3d>
+          <a:solidFill>
+            <a:schemeClr val="accent1">
+              <a:lumMod val="50000"/>
+            </a:schemeClr>
+          </a:solidFill>
         </p:spPr>
         <p:style>
           <a:lnRef idx="2">
@@ -6928,10 +6671,2800 @@
           <a:lstStyle/>
           <a:p>
             <a:pPr algn="ctr"/>
-            <a:endParaRPr kumimoji="1" lang="ja-JP" altLang="en-US" dirty="0"/>
+            <a:r>
+              <a:rPr kumimoji="1" lang="ja-JP" altLang="en-US" sz="2800" b="1" dirty="0">
+                <a:ln w="28575">
+                  <a:noFill/>
+                </a:ln>
+                <a:solidFill>
+                  <a:schemeClr val="accent1">
+                    <a:lumMod val="20000"/>
+                    <a:lumOff val="80000"/>
+                  </a:schemeClr>
+                </a:solidFill>
+                <a:latin typeface="HG丸ｺﾞｼｯｸM-PRO" panose="020F0600000000000000" pitchFamily="50" charset="-128"/>
+                <a:ea typeface="HG丸ｺﾞｼｯｸM-PRO" panose="020F0600000000000000" pitchFamily="50" charset="-128"/>
+              </a:rPr>
+              <a:t>東２局</a:t>
+            </a:r>
           </a:p>
         </p:txBody>
       </p:sp>
+      <p:sp>
+        <p:nvSpPr>
+          <p:cNvPr id="62" name="四角形: 角を丸くする 61">
+            <a:extLst>
+              <a:ext uri="{FF2B5EF4-FFF2-40B4-BE49-F238E27FC236}">
+                <a16:creationId xmlns:a16="http://schemas.microsoft.com/office/drawing/2014/main" id="{8F144B0F-FE5D-3D2A-0ACF-272C553FD0A7}"/>
+              </a:ext>
+            </a:extLst>
+          </p:cNvPr>
+          <p:cNvSpPr/>
+          <p:nvPr/>
+        </p:nvSpPr>
+        <p:spPr>
+          <a:xfrm>
+            <a:off x="3363347" y="5175048"/>
+            <a:ext cx="1403928" cy="531005"/>
+          </a:xfrm>
+          <a:prstGeom prst="roundRect">
+            <a:avLst/>
+          </a:prstGeom>
+          <a:solidFill>
+            <a:schemeClr val="accent1">
+              <a:lumMod val="50000"/>
+            </a:schemeClr>
+          </a:solidFill>
+        </p:spPr>
+        <p:style>
+          <a:lnRef idx="2">
+            <a:schemeClr val="accent1">
+              <a:shade val="15000"/>
+            </a:schemeClr>
+          </a:lnRef>
+          <a:fillRef idx="1">
+            <a:schemeClr val="accent1"/>
+          </a:fillRef>
+          <a:effectRef idx="0">
+            <a:schemeClr val="accent1"/>
+          </a:effectRef>
+          <a:fontRef idx="minor">
+            <a:schemeClr val="lt1"/>
+          </a:fontRef>
+        </p:style>
+        <p:txBody>
+          <a:bodyPr rtlCol="0" anchor="ctr"/>
+          <a:lstStyle/>
+          <a:p>
+            <a:pPr algn="ctr"/>
+            <a:r>
+              <a:rPr kumimoji="1" lang="ja-JP" altLang="en-US" sz="2800" b="1" dirty="0">
+                <a:ln w="28575">
+                  <a:noFill/>
+                </a:ln>
+                <a:solidFill>
+                  <a:schemeClr val="accent1">
+                    <a:lumMod val="20000"/>
+                    <a:lumOff val="80000"/>
+                  </a:schemeClr>
+                </a:solidFill>
+                <a:latin typeface="HG丸ｺﾞｼｯｸM-PRO" panose="020F0600000000000000" pitchFamily="50" charset="-128"/>
+                <a:ea typeface="HG丸ｺﾞｼｯｸM-PRO" panose="020F0600000000000000" pitchFamily="50" charset="-128"/>
+              </a:rPr>
+              <a:t>東３局</a:t>
+            </a:r>
+          </a:p>
+        </p:txBody>
+      </p:sp>
+      <p:sp>
+        <p:nvSpPr>
+          <p:cNvPr id="63" name="四角形: 角を丸くする 62">
+            <a:extLst>
+              <a:ext uri="{FF2B5EF4-FFF2-40B4-BE49-F238E27FC236}">
+                <a16:creationId xmlns:a16="http://schemas.microsoft.com/office/drawing/2014/main" id="{D6AB03E3-103A-A645-EE57-EDB1208361FC}"/>
+              </a:ext>
+            </a:extLst>
+          </p:cNvPr>
+          <p:cNvSpPr/>
+          <p:nvPr/>
+        </p:nvSpPr>
+        <p:spPr>
+          <a:xfrm>
+            <a:off x="3363347" y="5727074"/>
+            <a:ext cx="1403928" cy="531005"/>
+          </a:xfrm>
+          <a:prstGeom prst="roundRect">
+            <a:avLst/>
+          </a:prstGeom>
+          <a:solidFill>
+            <a:schemeClr val="accent1">
+              <a:lumMod val="50000"/>
+            </a:schemeClr>
+          </a:solidFill>
+        </p:spPr>
+        <p:style>
+          <a:lnRef idx="2">
+            <a:schemeClr val="accent1">
+              <a:shade val="15000"/>
+            </a:schemeClr>
+          </a:lnRef>
+          <a:fillRef idx="1">
+            <a:schemeClr val="accent1"/>
+          </a:fillRef>
+          <a:effectRef idx="0">
+            <a:schemeClr val="accent1"/>
+          </a:effectRef>
+          <a:fontRef idx="minor">
+            <a:schemeClr val="lt1"/>
+          </a:fontRef>
+        </p:style>
+        <p:txBody>
+          <a:bodyPr rtlCol="0" anchor="ctr"/>
+          <a:lstStyle/>
+          <a:p>
+            <a:pPr algn="ctr"/>
+            <a:r>
+              <a:rPr kumimoji="1" lang="ja-JP" altLang="en-US" sz="2800" b="1" dirty="0">
+                <a:ln w="28575">
+                  <a:noFill/>
+                </a:ln>
+                <a:solidFill>
+                  <a:schemeClr val="accent1">
+                    <a:lumMod val="20000"/>
+                    <a:lumOff val="80000"/>
+                  </a:schemeClr>
+                </a:solidFill>
+                <a:latin typeface="HG丸ｺﾞｼｯｸM-PRO" panose="020F0600000000000000" pitchFamily="50" charset="-128"/>
+                <a:ea typeface="HG丸ｺﾞｼｯｸM-PRO" panose="020F0600000000000000" pitchFamily="50" charset="-128"/>
+              </a:rPr>
+              <a:t>東４局</a:t>
+            </a:r>
+          </a:p>
+        </p:txBody>
+      </p:sp>
+      <p:grpSp>
+        <p:nvGrpSpPr>
+          <p:cNvPr id="115" name="グループ化 114">
+            <a:extLst>
+              <a:ext uri="{FF2B5EF4-FFF2-40B4-BE49-F238E27FC236}">
+                <a16:creationId xmlns:a16="http://schemas.microsoft.com/office/drawing/2014/main" id="{6EFFBA30-790B-5D60-F12F-2EABE41602E1}"/>
+              </a:ext>
+            </a:extLst>
+          </p:cNvPr>
+          <p:cNvGrpSpPr/>
+          <p:nvPr/>
+        </p:nvGrpSpPr>
+        <p:grpSpPr>
+          <a:xfrm>
+            <a:off x="3600874" y="227608"/>
+            <a:ext cx="3165442" cy="3161790"/>
+            <a:chOff x="3600874" y="227608"/>
+            <a:chExt cx="3165442" cy="3161790"/>
+          </a:xfrm>
+        </p:grpSpPr>
+        <p:sp>
+          <p:nvSpPr>
+            <p:cNvPr id="65" name="フローチャート: 代替処理 64">
+              <a:extLst>
+                <a:ext uri="{FF2B5EF4-FFF2-40B4-BE49-F238E27FC236}">
+                  <a16:creationId xmlns:a16="http://schemas.microsoft.com/office/drawing/2014/main" id="{E0C64BFD-0A80-6D55-9D68-777DBA6605C3}"/>
+                </a:ext>
+              </a:extLst>
+            </p:cNvPr>
+            <p:cNvSpPr/>
+            <p:nvPr/>
+          </p:nvSpPr>
+          <p:spPr>
+            <a:xfrm>
+              <a:off x="3653595" y="272295"/>
+              <a:ext cx="3060000" cy="3060000"/>
+            </a:xfrm>
+            <a:prstGeom prst="flowChartAlternateProcess">
+              <a:avLst/>
+            </a:prstGeom>
+            <a:solidFill>
+              <a:schemeClr val="accent3">
+                <a:lumMod val="20000"/>
+                <a:lumOff val="80000"/>
+              </a:schemeClr>
+            </a:solidFill>
+            <a:ln w="9525">
+              <a:solidFill>
+                <a:schemeClr val="accent1"/>
+              </a:solidFill>
+            </a:ln>
+          </p:spPr>
+          <p:style>
+            <a:lnRef idx="2">
+              <a:schemeClr val="accent1">
+                <a:shade val="15000"/>
+              </a:schemeClr>
+            </a:lnRef>
+            <a:fillRef idx="1">
+              <a:schemeClr val="accent1"/>
+            </a:fillRef>
+            <a:effectRef idx="0">
+              <a:schemeClr val="accent1"/>
+            </a:effectRef>
+            <a:fontRef idx="minor">
+              <a:schemeClr val="lt1"/>
+            </a:fontRef>
+          </p:style>
+          <p:txBody>
+            <a:bodyPr rtlCol="0" anchor="ctr"/>
+            <a:lstStyle/>
+            <a:p>
+              <a:pPr algn="ctr"/>
+              <a:endParaRPr kumimoji="1" lang="ja-JP" altLang="en-US" b="1" dirty="0">
+                <a:latin typeface="HG丸ｺﾞｼｯｸM-PRO" panose="020F0600000000000000" pitchFamily="50" charset="-128"/>
+                <a:ea typeface="HG丸ｺﾞｼｯｸM-PRO" panose="020F0600000000000000" pitchFamily="50" charset="-128"/>
+              </a:endParaRPr>
+            </a:p>
+          </p:txBody>
+        </p:sp>
+        <p:sp>
+          <p:nvSpPr>
+            <p:cNvPr id="66" name="フローチャート: 代替処理 65">
+              <a:extLst>
+                <a:ext uri="{FF2B5EF4-FFF2-40B4-BE49-F238E27FC236}">
+                  <a16:creationId xmlns:a16="http://schemas.microsoft.com/office/drawing/2014/main" id="{AE4D29F7-C9E7-284E-134F-DB8D10F62039}"/>
+                </a:ext>
+              </a:extLst>
+            </p:cNvPr>
+            <p:cNvSpPr/>
+            <p:nvPr/>
+          </p:nvSpPr>
+          <p:spPr>
+            <a:xfrm>
+              <a:off x="3715755" y="992294"/>
+              <a:ext cx="230684" cy="1614795"/>
+            </a:xfrm>
+            <a:prstGeom prst="flowChartAlternateProcess">
+              <a:avLst/>
+            </a:prstGeom>
+            <a:solidFill>
+              <a:schemeClr val="bg1">
+                <a:lumMod val="85000"/>
+              </a:schemeClr>
+            </a:solidFill>
+            <a:ln>
+              <a:solidFill>
+                <a:schemeClr val="bg1">
+                  <a:lumMod val="65000"/>
+                </a:schemeClr>
+              </a:solidFill>
+            </a:ln>
+            <a:effectLst>
+              <a:innerShdw blurRad="63500" dist="50800">
+                <a:prstClr val="black">
+                  <a:alpha val="50000"/>
+                </a:prstClr>
+              </a:innerShdw>
+            </a:effectLst>
+            <a:scene3d>
+              <a:camera prst="orthographicFront"/>
+              <a:lightRig rig="threePt" dir="t"/>
+            </a:scene3d>
+            <a:sp3d>
+              <a:bevelT prst="relaxedInset"/>
+            </a:sp3d>
+          </p:spPr>
+          <p:style>
+            <a:lnRef idx="2">
+              <a:schemeClr val="accent1">
+                <a:shade val="15000"/>
+              </a:schemeClr>
+            </a:lnRef>
+            <a:fillRef idx="1">
+              <a:schemeClr val="accent1"/>
+            </a:fillRef>
+            <a:effectRef idx="0">
+              <a:schemeClr val="accent1"/>
+            </a:effectRef>
+            <a:fontRef idx="minor">
+              <a:schemeClr val="lt1"/>
+            </a:fontRef>
+          </p:style>
+          <p:txBody>
+            <a:bodyPr rtlCol="0" anchor="ctr"/>
+            <a:lstStyle/>
+            <a:p>
+              <a:pPr algn="ctr"/>
+              <a:endParaRPr kumimoji="1" lang="ja-JP" altLang="en-US" b="1">
+                <a:latin typeface="HG丸ｺﾞｼｯｸM-PRO" panose="020F0600000000000000" pitchFamily="50" charset="-128"/>
+                <a:ea typeface="HG丸ｺﾞｼｯｸM-PRO" panose="020F0600000000000000" pitchFamily="50" charset="-128"/>
+              </a:endParaRPr>
+            </a:p>
+          </p:txBody>
+        </p:sp>
+        <p:sp>
+          <p:nvSpPr>
+            <p:cNvPr id="67" name="フローチャート: 代替処理 66">
+              <a:extLst>
+                <a:ext uri="{FF2B5EF4-FFF2-40B4-BE49-F238E27FC236}">
+                  <a16:creationId xmlns:a16="http://schemas.microsoft.com/office/drawing/2014/main" id="{8051E176-F3DF-BDCF-6D45-9C8812186BCA}"/>
+                </a:ext>
+              </a:extLst>
+            </p:cNvPr>
+            <p:cNvSpPr/>
+            <p:nvPr/>
+          </p:nvSpPr>
+          <p:spPr>
+            <a:xfrm>
+              <a:off x="6426604" y="992294"/>
+              <a:ext cx="230684" cy="1614795"/>
+            </a:xfrm>
+            <a:prstGeom prst="flowChartAlternateProcess">
+              <a:avLst/>
+            </a:prstGeom>
+            <a:solidFill>
+              <a:schemeClr val="bg1">
+                <a:lumMod val="85000"/>
+              </a:schemeClr>
+            </a:solidFill>
+            <a:ln>
+              <a:solidFill>
+                <a:schemeClr val="bg1">
+                  <a:lumMod val="65000"/>
+                </a:schemeClr>
+              </a:solidFill>
+            </a:ln>
+            <a:effectLst>
+              <a:innerShdw blurRad="63500" dist="50800" dir="10800000">
+                <a:prstClr val="black">
+                  <a:alpha val="50000"/>
+                </a:prstClr>
+              </a:innerShdw>
+            </a:effectLst>
+            <a:scene3d>
+              <a:camera prst="orthographicFront"/>
+              <a:lightRig rig="threePt" dir="t"/>
+            </a:scene3d>
+            <a:sp3d>
+              <a:bevelT prst="relaxedInset"/>
+            </a:sp3d>
+          </p:spPr>
+          <p:style>
+            <a:lnRef idx="2">
+              <a:schemeClr val="accent1">
+                <a:shade val="15000"/>
+              </a:schemeClr>
+            </a:lnRef>
+            <a:fillRef idx="1">
+              <a:schemeClr val="accent1"/>
+            </a:fillRef>
+            <a:effectRef idx="0">
+              <a:schemeClr val="accent1"/>
+            </a:effectRef>
+            <a:fontRef idx="minor">
+              <a:schemeClr val="lt1"/>
+            </a:fontRef>
+          </p:style>
+          <p:txBody>
+            <a:bodyPr rtlCol="0" anchor="ctr"/>
+            <a:lstStyle/>
+            <a:p>
+              <a:pPr algn="ctr"/>
+              <a:endParaRPr kumimoji="1" lang="ja-JP" altLang="en-US" b="1">
+                <a:latin typeface="HG丸ｺﾞｼｯｸM-PRO" panose="020F0600000000000000" pitchFamily="50" charset="-128"/>
+                <a:ea typeface="HG丸ｺﾞｼｯｸM-PRO" panose="020F0600000000000000" pitchFamily="50" charset="-128"/>
+              </a:endParaRPr>
+            </a:p>
+          </p:txBody>
+        </p:sp>
+        <p:sp>
+          <p:nvSpPr>
+            <p:cNvPr id="68" name="フローチャート: 代替処理 67">
+              <a:extLst>
+                <a:ext uri="{FF2B5EF4-FFF2-40B4-BE49-F238E27FC236}">
+                  <a16:creationId xmlns:a16="http://schemas.microsoft.com/office/drawing/2014/main" id="{F7CD26D7-EC1F-B1F8-E0ED-0E6455A26984}"/>
+                </a:ext>
+              </a:extLst>
+            </p:cNvPr>
+            <p:cNvSpPr/>
+            <p:nvPr/>
+          </p:nvSpPr>
+          <p:spPr>
+            <a:xfrm rot="16200000">
+              <a:off x="5062712" y="2339874"/>
+              <a:ext cx="230684" cy="1614795"/>
+            </a:xfrm>
+            <a:prstGeom prst="flowChartAlternateProcess">
+              <a:avLst/>
+            </a:prstGeom>
+            <a:solidFill>
+              <a:schemeClr val="bg1">
+                <a:lumMod val="85000"/>
+              </a:schemeClr>
+            </a:solidFill>
+            <a:ln>
+              <a:solidFill>
+                <a:schemeClr val="bg1">
+                  <a:lumMod val="65000"/>
+                </a:schemeClr>
+              </a:solidFill>
+            </a:ln>
+            <a:effectLst>
+              <a:innerShdw blurRad="63500" dist="50800">
+                <a:prstClr val="black">
+                  <a:alpha val="50000"/>
+                </a:prstClr>
+              </a:innerShdw>
+            </a:effectLst>
+            <a:scene3d>
+              <a:camera prst="orthographicFront"/>
+              <a:lightRig rig="threePt" dir="t"/>
+            </a:scene3d>
+            <a:sp3d>
+              <a:bevelT prst="relaxedInset"/>
+            </a:sp3d>
+          </p:spPr>
+          <p:style>
+            <a:lnRef idx="2">
+              <a:schemeClr val="accent1">
+                <a:shade val="15000"/>
+              </a:schemeClr>
+            </a:lnRef>
+            <a:fillRef idx="1">
+              <a:schemeClr val="accent1"/>
+            </a:fillRef>
+            <a:effectRef idx="0">
+              <a:schemeClr val="accent1"/>
+            </a:effectRef>
+            <a:fontRef idx="minor">
+              <a:schemeClr val="lt1"/>
+            </a:fontRef>
+          </p:style>
+          <p:txBody>
+            <a:bodyPr rtlCol="0" anchor="ctr"/>
+            <a:lstStyle/>
+            <a:p>
+              <a:pPr algn="ctr"/>
+              <a:endParaRPr kumimoji="1" lang="ja-JP" altLang="en-US" b="1">
+                <a:latin typeface="HG丸ｺﾞｼｯｸM-PRO" panose="020F0600000000000000" pitchFamily="50" charset="-128"/>
+                <a:ea typeface="HG丸ｺﾞｼｯｸM-PRO" panose="020F0600000000000000" pitchFamily="50" charset="-128"/>
+              </a:endParaRPr>
+            </a:p>
+          </p:txBody>
+        </p:sp>
+        <p:sp>
+          <p:nvSpPr>
+            <p:cNvPr id="69" name="フローチャート: 代替処理 68">
+              <a:extLst>
+                <a:ext uri="{FF2B5EF4-FFF2-40B4-BE49-F238E27FC236}">
+                  <a16:creationId xmlns:a16="http://schemas.microsoft.com/office/drawing/2014/main" id="{8AE9E300-790C-6B7E-92BC-3637B826055C}"/>
+                </a:ext>
+              </a:extLst>
+            </p:cNvPr>
+            <p:cNvSpPr/>
+            <p:nvPr/>
+          </p:nvSpPr>
+          <p:spPr>
+            <a:xfrm rot="16200000">
+              <a:off x="5062713" y="-356864"/>
+              <a:ext cx="230684" cy="1614795"/>
+            </a:xfrm>
+            <a:prstGeom prst="flowChartAlternateProcess">
+              <a:avLst/>
+            </a:prstGeom>
+            <a:solidFill>
+              <a:schemeClr val="bg1">
+                <a:lumMod val="85000"/>
+              </a:schemeClr>
+            </a:solidFill>
+            <a:ln>
+              <a:solidFill>
+                <a:schemeClr val="bg1">
+                  <a:lumMod val="65000"/>
+                </a:schemeClr>
+              </a:solidFill>
+            </a:ln>
+            <a:effectLst>
+              <a:innerShdw blurRad="63500" dist="50800" dir="10800000">
+                <a:prstClr val="black">
+                  <a:alpha val="50000"/>
+                </a:prstClr>
+              </a:innerShdw>
+            </a:effectLst>
+            <a:scene3d>
+              <a:camera prst="orthographicFront"/>
+              <a:lightRig rig="threePt" dir="t"/>
+            </a:scene3d>
+            <a:sp3d>
+              <a:bevelT prst="relaxedInset"/>
+            </a:sp3d>
+          </p:spPr>
+          <p:style>
+            <a:lnRef idx="2">
+              <a:schemeClr val="accent1">
+                <a:shade val="15000"/>
+              </a:schemeClr>
+            </a:lnRef>
+            <a:fillRef idx="1">
+              <a:schemeClr val="accent1"/>
+            </a:fillRef>
+            <a:effectRef idx="0">
+              <a:schemeClr val="accent1"/>
+            </a:effectRef>
+            <a:fontRef idx="minor">
+              <a:schemeClr val="lt1"/>
+            </a:fontRef>
+          </p:style>
+          <p:txBody>
+            <a:bodyPr rtlCol="0" anchor="ctr"/>
+            <a:lstStyle/>
+            <a:p>
+              <a:pPr algn="ctr"/>
+              <a:endParaRPr kumimoji="1" lang="ja-JP" altLang="en-US" b="1">
+                <a:latin typeface="HG丸ｺﾞｼｯｸM-PRO" panose="020F0600000000000000" pitchFamily="50" charset="-128"/>
+                <a:ea typeface="HG丸ｺﾞｼｯｸM-PRO" panose="020F0600000000000000" pitchFamily="50" charset="-128"/>
+              </a:endParaRPr>
+            </a:p>
+          </p:txBody>
+        </p:sp>
+        <p:sp>
+          <p:nvSpPr>
+            <p:cNvPr id="70" name="正方形/長方形 69">
+              <a:extLst>
+                <a:ext uri="{FF2B5EF4-FFF2-40B4-BE49-F238E27FC236}">
+                  <a16:creationId xmlns:a16="http://schemas.microsoft.com/office/drawing/2014/main" id="{902882E6-4023-4FA3-DDBA-315DD21D4183}"/>
+                </a:ext>
+              </a:extLst>
+            </p:cNvPr>
+            <p:cNvSpPr/>
+            <p:nvPr/>
+          </p:nvSpPr>
+          <p:spPr>
+            <a:xfrm>
+              <a:off x="3995900" y="613824"/>
+              <a:ext cx="2394971" cy="2364262"/>
+            </a:xfrm>
+            <a:prstGeom prst="rect">
+              <a:avLst/>
+            </a:prstGeom>
+            <a:solidFill>
+              <a:schemeClr val="accent1">
+                <a:lumMod val="50000"/>
+              </a:schemeClr>
+            </a:solidFill>
+          </p:spPr>
+          <p:style>
+            <a:lnRef idx="2">
+              <a:schemeClr val="accent1">
+                <a:shade val="15000"/>
+              </a:schemeClr>
+            </a:lnRef>
+            <a:fillRef idx="1">
+              <a:schemeClr val="accent1"/>
+            </a:fillRef>
+            <a:effectRef idx="0">
+              <a:schemeClr val="accent1"/>
+            </a:effectRef>
+            <a:fontRef idx="minor">
+              <a:schemeClr val="lt1"/>
+            </a:fontRef>
+          </p:style>
+          <p:txBody>
+            <a:bodyPr rtlCol="0" anchor="ctr"/>
+            <a:lstStyle/>
+            <a:p>
+              <a:pPr algn="ctr"/>
+              <a:endParaRPr kumimoji="1" lang="ja-JP" altLang="en-US" b="1">
+                <a:latin typeface="HG丸ｺﾞｼｯｸM-PRO" panose="020F0600000000000000" pitchFamily="50" charset="-128"/>
+                <a:ea typeface="HG丸ｺﾞｼｯｸM-PRO" panose="020F0600000000000000" pitchFamily="50" charset="-128"/>
+              </a:endParaRPr>
+            </a:p>
+          </p:txBody>
+        </p:sp>
+        <p:sp>
+          <p:nvSpPr>
+            <p:cNvPr id="71" name="正方形/長方形 70">
+              <a:extLst>
+                <a:ext uri="{FF2B5EF4-FFF2-40B4-BE49-F238E27FC236}">
+                  <a16:creationId xmlns:a16="http://schemas.microsoft.com/office/drawing/2014/main" id="{0A46C037-A1D3-40CA-AAF7-AF5F1A9AF32D}"/>
+                </a:ext>
+              </a:extLst>
+            </p:cNvPr>
+            <p:cNvSpPr/>
+            <p:nvPr/>
+          </p:nvSpPr>
+          <p:spPr>
+            <a:xfrm>
+              <a:off x="4388503" y="1016528"/>
+              <a:ext cx="1579101" cy="1558853"/>
+            </a:xfrm>
+            <a:prstGeom prst="rect">
+              <a:avLst/>
+            </a:prstGeom>
+            <a:solidFill>
+              <a:schemeClr val="accent6">
+                <a:lumMod val="20000"/>
+                <a:lumOff val="80000"/>
+              </a:schemeClr>
+            </a:solidFill>
+            <a:scene3d>
+              <a:camera prst="orthographicFront"/>
+              <a:lightRig rig="threePt" dir="t"/>
+            </a:scene3d>
+            <a:sp3d>
+              <a:bevelT prst="angle"/>
+            </a:sp3d>
+          </p:spPr>
+          <p:style>
+            <a:lnRef idx="2">
+              <a:schemeClr val="accent1">
+                <a:shade val="15000"/>
+              </a:schemeClr>
+            </a:lnRef>
+            <a:fillRef idx="1">
+              <a:schemeClr val="accent1"/>
+            </a:fillRef>
+            <a:effectRef idx="0">
+              <a:schemeClr val="accent1"/>
+            </a:effectRef>
+            <a:fontRef idx="minor">
+              <a:schemeClr val="lt1"/>
+            </a:fontRef>
+          </p:style>
+          <p:txBody>
+            <a:bodyPr rtlCol="0" anchor="ctr"/>
+            <a:lstStyle/>
+            <a:p>
+              <a:pPr algn="ctr"/>
+              <a:endParaRPr kumimoji="1" lang="ja-JP" altLang="en-US" b="1">
+                <a:latin typeface="HG丸ｺﾞｼｯｸM-PRO" panose="020F0600000000000000" pitchFamily="50" charset="-128"/>
+                <a:ea typeface="HG丸ｺﾞｼｯｸM-PRO" panose="020F0600000000000000" pitchFamily="50" charset="-128"/>
+              </a:endParaRPr>
+            </a:p>
+          </p:txBody>
+        </p:sp>
+        <p:sp>
+          <p:nvSpPr>
+            <p:cNvPr id="72" name="四角形: 角を丸くする 71">
+              <a:extLst>
+                <a:ext uri="{FF2B5EF4-FFF2-40B4-BE49-F238E27FC236}">
+                  <a16:creationId xmlns:a16="http://schemas.microsoft.com/office/drawing/2014/main" id="{19DD8B87-EE3B-A227-6698-A8BE90F4B446}"/>
+                </a:ext>
+              </a:extLst>
+            </p:cNvPr>
+            <p:cNvSpPr/>
+            <p:nvPr/>
+          </p:nvSpPr>
+          <p:spPr>
+            <a:xfrm>
+              <a:off x="4472911" y="1921072"/>
+              <a:ext cx="1403928" cy="531005"/>
+            </a:xfrm>
+            <a:prstGeom prst="roundRect">
+              <a:avLst/>
+            </a:prstGeom>
+            <a:solidFill>
+              <a:schemeClr val="accent1">
+                <a:lumMod val="50000"/>
+              </a:schemeClr>
+            </a:solidFill>
+          </p:spPr>
+          <p:style>
+            <a:lnRef idx="2">
+              <a:schemeClr val="accent1">
+                <a:shade val="15000"/>
+              </a:schemeClr>
+            </a:lnRef>
+            <a:fillRef idx="1">
+              <a:schemeClr val="accent1"/>
+            </a:fillRef>
+            <a:effectRef idx="0">
+              <a:schemeClr val="accent1"/>
+            </a:effectRef>
+            <a:fontRef idx="minor">
+              <a:schemeClr val="lt1"/>
+            </a:fontRef>
+          </p:style>
+          <p:txBody>
+            <a:bodyPr rtlCol="0" anchor="ctr"/>
+            <a:lstStyle/>
+            <a:p>
+              <a:r>
+                <a:rPr kumimoji="1" lang="ja-JP" altLang="en-US" sz="2400" b="1" dirty="0">
+                  <a:ln w="28575">
+                    <a:noFill/>
+                  </a:ln>
+                  <a:solidFill>
+                    <a:schemeClr val="accent1">
+                      <a:lumMod val="20000"/>
+                      <a:lumOff val="80000"/>
+                    </a:schemeClr>
+                  </a:solidFill>
+                  <a:latin typeface="HG丸ｺﾞｼｯｸM-PRO" panose="020F0600000000000000" pitchFamily="50" charset="-128"/>
+                  <a:ea typeface="HG丸ｺﾞｼｯｸM-PRO" panose="020F0600000000000000" pitchFamily="50" charset="-128"/>
+                </a:rPr>
+                <a:t>残</a:t>
+              </a:r>
+            </a:p>
+          </p:txBody>
+        </p:sp>
+        <p:grpSp>
+          <p:nvGrpSpPr>
+            <p:cNvPr id="73" name="グループ化 72">
+              <a:extLst>
+                <a:ext uri="{FF2B5EF4-FFF2-40B4-BE49-F238E27FC236}">
+                  <a16:creationId xmlns:a16="http://schemas.microsoft.com/office/drawing/2014/main" id="{FBEE8AAA-1C5A-DAD2-A211-7F6D725BD246}"/>
+                </a:ext>
+              </a:extLst>
+            </p:cNvPr>
+            <p:cNvGrpSpPr/>
+            <p:nvPr/>
+          </p:nvGrpSpPr>
+          <p:grpSpPr>
+            <a:xfrm rot="10800000">
+              <a:off x="3600874" y="227608"/>
+              <a:ext cx="3165442" cy="3161790"/>
+              <a:chOff x="6511077" y="1328271"/>
+              <a:chExt cx="3165442" cy="3161790"/>
+            </a:xfrm>
+          </p:grpSpPr>
+          <p:sp>
+            <p:nvSpPr>
+              <p:cNvPr id="74" name="フローチャート: 代替処理 73">
+                <a:extLst>
+                  <a:ext uri="{FF2B5EF4-FFF2-40B4-BE49-F238E27FC236}">
+                    <a16:creationId xmlns:a16="http://schemas.microsoft.com/office/drawing/2014/main" id="{6D5566C7-4E69-9B31-457E-0CB2F4035CC3}"/>
+                  </a:ext>
+                </a:extLst>
+              </p:cNvPr>
+              <p:cNvSpPr/>
+              <p:nvPr/>
+            </p:nvSpPr>
+            <p:spPr>
+              <a:xfrm rot="10800000">
+                <a:off x="8955215" y="1331210"/>
+                <a:ext cx="720000" cy="720000"/>
+              </a:xfrm>
+              <a:prstGeom prst="flowChartAlternateProcess">
+                <a:avLst/>
+              </a:prstGeom>
+              <a:solidFill>
+                <a:schemeClr val="accent4">
+                  <a:lumMod val="60000"/>
+                  <a:lumOff val="40000"/>
+                </a:schemeClr>
+              </a:solidFill>
+              <a:ln w="38100">
+                <a:solidFill>
+                  <a:schemeClr val="bg1"/>
+                </a:solidFill>
+              </a:ln>
+              <a:scene3d>
+                <a:camera prst="orthographicFront"/>
+                <a:lightRig rig="threePt" dir="t"/>
+              </a:scene3d>
+              <a:sp3d>
+                <a:bevelT/>
+              </a:sp3d>
+            </p:spPr>
+            <p:style>
+              <a:lnRef idx="2">
+                <a:schemeClr val="accent1">
+                  <a:shade val="15000"/>
+                </a:schemeClr>
+              </a:lnRef>
+              <a:fillRef idx="1">
+                <a:schemeClr val="accent1"/>
+              </a:fillRef>
+              <a:effectRef idx="0">
+                <a:schemeClr val="accent1"/>
+              </a:effectRef>
+              <a:fontRef idx="minor">
+                <a:schemeClr val="lt1"/>
+              </a:fontRef>
+            </p:style>
+            <p:txBody>
+              <a:bodyPr rtlCol="0" anchor="b"/>
+              <a:lstStyle/>
+              <a:p>
+                <a:pPr algn="ctr"/>
+                <a:r>
+                  <a:rPr kumimoji="1" lang="ja-JP" altLang="en-US" sz="4000" b="1" dirty="0">
+                    <a:ln w="3175">
+                      <a:solidFill>
+                        <a:schemeClr val="tx1"/>
+                      </a:solidFill>
+                    </a:ln>
+                    <a:latin typeface="HG丸ｺﾞｼｯｸM-PRO" panose="020F0600000000000000" pitchFamily="50" charset="-128"/>
+                    <a:ea typeface="HG丸ｺﾞｼｯｸM-PRO" panose="020F0600000000000000" pitchFamily="50" charset="-128"/>
+                  </a:rPr>
+                  <a:t>南</a:t>
+                </a:r>
+              </a:p>
+            </p:txBody>
+          </p:sp>
+          <p:sp>
+            <p:nvSpPr>
+              <p:cNvPr id="75" name="フローチャート: 代替処理 74">
+                <a:extLst>
+                  <a:ext uri="{FF2B5EF4-FFF2-40B4-BE49-F238E27FC236}">
+                    <a16:creationId xmlns:a16="http://schemas.microsoft.com/office/drawing/2014/main" id="{E5FC62C9-E20E-B65A-B8D0-8D73533518AA}"/>
+                  </a:ext>
+                </a:extLst>
+              </p:cNvPr>
+              <p:cNvSpPr/>
+              <p:nvPr/>
+            </p:nvSpPr>
+            <p:spPr>
+              <a:xfrm rot="5400000">
+                <a:off x="6511743" y="1328271"/>
+                <a:ext cx="720000" cy="720000"/>
+              </a:xfrm>
+              <a:prstGeom prst="flowChartAlternateProcess">
+                <a:avLst/>
+              </a:prstGeom>
+              <a:solidFill>
+                <a:schemeClr val="accent2">
+                  <a:lumMod val="60000"/>
+                  <a:lumOff val="40000"/>
+                </a:schemeClr>
+              </a:solidFill>
+              <a:ln w="38100">
+                <a:solidFill>
+                  <a:schemeClr val="bg1"/>
+                </a:solidFill>
+              </a:ln>
+              <a:scene3d>
+                <a:camera prst="orthographicFront"/>
+                <a:lightRig rig="threePt" dir="t"/>
+              </a:scene3d>
+              <a:sp3d>
+                <a:bevelT/>
+              </a:sp3d>
+            </p:spPr>
+            <p:style>
+              <a:lnRef idx="2">
+                <a:schemeClr val="accent1">
+                  <a:shade val="15000"/>
+                </a:schemeClr>
+              </a:lnRef>
+              <a:fillRef idx="1">
+                <a:schemeClr val="accent1"/>
+              </a:fillRef>
+              <a:effectRef idx="0">
+                <a:schemeClr val="accent1"/>
+              </a:effectRef>
+              <a:fontRef idx="minor">
+                <a:schemeClr val="lt1"/>
+              </a:fontRef>
+            </p:style>
+            <p:txBody>
+              <a:bodyPr rtlCol="0" anchor="b"/>
+              <a:lstStyle/>
+              <a:p>
+                <a:pPr algn="ctr"/>
+                <a:r>
+                  <a:rPr kumimoji="1" lang="ja-JP" altLang="en-US" sz="4000" b="1" dirty="0">
+                    <a:ln w="3175">
+                      <a:solidFill>
+                        <a:schemeClr val="tx1"/>
+                      </a:solidFill>
+                    </a:ln>
+                    <a:latin typeface="HG丸ｺﾞｼｯｸM-PRO" panose="020F0600000000000000" pitchFamily="50" charset="-128"/>
+                    <a:ea typeface="HG丸ｺﾞｼｯｸM-PRO" panose="020F0600000000000000" pitchFamily="50" charset="-128"/>
+                  </a:rPr>
+                  <a:t>西</a:t>
+                </a:r>
+              </a:p>
+            </p:txBody>
+          </p:sp>
+          <p:sp>
+            <p:nvSpPr>
+              <p:cNvPr id="76" name="フローチャート: 代替処理 75">
+                <a:extLst>
+                  <a:ext uri="{FF2B5EF4-FFF2-40B4-BE49-F238E27FC236}">
+                    <a16:creationId xmlns:a16="http://schemas.microsoft.com/office/drawing/2014/main" id="{EFD0E4A0-811A-504D-886C-EEB2EA9AA4E7}"/>
+                  </a:ext>
+                </a:extLst>
+              </p:cNvPr>
+              <p:cNvSpPr/>
+              <p:nvPr/>
+            </p:nvSpPr>
+            <p:spPr>
+              <a:xfrm>
+                <a:off x="6511077" y="3770061"/>
+                <a:ext cx="720000" cy="720000"/>
+              </a:xfrm>
+              <a:prstGeom prst="flowChartAlternateProcess">
+                <a:avLst/>
+              </a:prstGeom>
+              <a:solidFill>
+                <a:schemeClr val="accent6">
+                  <a:lumMod val="60000"/>
+                  <a:lumOff val="40000"/>
+                </a:schemeClr>
+              </a:solidFill>
+              <a:ln w="38100">
+                <a:solidFill>
+                  <a:schemeClr val="bg1"/>
+                </a:solidFill>
+              </a:ln>
+              <a:scene3d>
+                <a:camera prst="orthographicFront"/>
+                <a:lightRig rig="threePt" dir="t"/>
+              </a:scene3d>
+              <a:sp3d>
+                <a:bevelT/>
+              </a:sp3d>
+            </p:spPr>
+            <p:style>
+              <a:lnRef idx="2">
+                <a:schemeClr val="accent1">
+                  <a:shade val="15000"/>
+                </a:schemeClr>
+              </a:lnRef>
+              <a:fillRef idx="1">
+                <a:schemeClr val="accent1"/>
+              </a:fillRef>
+              <a:effectRef idx="0">
+                <a:schemeClr val="accent1"/>
+              </a:effectRef>
+              <a:fontRef idx="minor">
+                <a:schemeClr val="lt1"/>
+              </a:fontRef>
+            </p:style>
+            <p:txBody>
+              <a:bodyPr rtlCol="0" anchor="b"/>
+              <a:lstStyle/>
+              <a:p>
+                <a:pPr algn="ctr"/>
+                <a:r>
+                  <a:rPr kumimoji="1" lang="ja-JP" altLang="en-US" sz="4000" b="1" dirty="0">
+                    <a:ln w="3175">
+                      <a:solidFill>
+                        <a:schemeClr val="tx1"/>
+                      </a:solidFill>
+                    </a:ln>
+                    <a:latin typeface="HG丸ｺﾞｼｯｸM-PRO" panose="020F0600000000000000" pitchFamily="50" charset="-128"/>
+                    <a:ea typeface="HG丸ｺﾞｼｯｸM-PRO" panose="020F0600000000000000" pitchFamily="50" charset="-128"/>
+                  </a:rPr>
+                  <a:t>北</a:t>
+                </a:r>
+              </a:p>
+            </p:txBody>
+          </p:sp>
+          <p:sp>
+            <p:nvSpPr>
+              <p:cNvPr id="77" name="フローチャート: 代替処理 76">
+                <a:extLst>
+                  <a:ext uri="{FF2B5EF4-FFF2-40B4-BE49-F238E27FC236}">
+                    <a16:creationId xmlns:a16="http://schemas.microsoft.com/office/drawing/2014/main" id="{3704EAA2-A99C-4B1D-B569-39F4F312A900}"/>
+                  </a:ext>
+                </a:extLst>
+              </p:cNvPr>
+              <p:cNvSpPr/>
+              <p:nvPr/>
+            </p:nvSpPr>
+            <p:spPr>
+              <a:xfrm rot="16200000">
+                <a:off x="8956519" y="3770061"/>
+                <a:ext cx="720000" cy="720000"/>
+              </a:xfrm>
+              <a:prstGeom prst="flowChartAlternateProcess">
+                <a:avLst/>
+              </a:prstGeom>
+              <a:solidFill>
+                <a:srgbClr val="FF5050"/>
+              </a:solidFill>
+              <a:ln w="38100">
+                <a:solidFill>
+                  <a:schemeClr val="bg1"/>
+                </a:solidFill>
+              </a:ln>
+              <a:scene3d>
+                <a:camera prst="orthographicFront"/>
+                <a:lightRig rig="threePt" dir="t"/>
+              </a:scene3d>
+              <a:sp3d>
+                <a:bevelT/>
+              </a:sp3d>
+            </p:spPr>
+            <p:style>
+              <a:lnRef idx="2">
+                <a:schemeClr val="accent1">
+                  <a:shade val="15000"/>
+                </a:schemeClr>
+              </a:lnRef>
+              <a:fillRef idx="1">
+                <a:schemeClr val="accent1"/>
+              </a:fillRef>
+              <a:effectRef idx="0">
+                <a:schemeClr val="accent1"/>
+              </a:effectRef>
+              <a:fontRef idx="minor">
+                <a:schemeClr val="lt1"/>
+              </a:fontRef>
+            </p:style>
+            <p:txBody>
+              <a:bodyPr rtlCol="0" anchor="b"/>
+              <a:lstStyle/>
+              <a:p>
+                <a:pPr algn="ctr"/>
+                <a:r>
+                  <a:rPr kumimoji="1" lang="ja-JP" altLang="en-US" sz="4000" b="1" dirty="0">
+                    <a:ln w="19050">
+                      <a:noFill/>
+                    </a:ln>
+                    <a:solidFill>
+                      <a:schemeClr val="tx1"/>
+                    </a:solidFill>
+                    <a:latin typeface="HG丸ｺﾞｼｯｸM-PRO" panose="020F0600000000000000" pitchFamily="50" charset="-128"/>
+                    <a:ea typeface="HG丸ｺﾞｼｯｸM-PRO" panose="020F0600000000000000" pitchFamily="50" charset="-128"/>
+                  </a:rPr>
+                  <a:t>東</a:t>
+                </a:r>
+              </a:p>
+            </p:txBody>
+          </p:sp>
+        </p:grpSp>
+      </p:grpSp>
+      <p:grpSp>
+        <p:nvGrpSpPr>
+          <p:cNvPr id="116" name="グループ化 115">
+            <a:extLst>
+              <a:ext uri="{FF2B5EF4-FFF2-40B4-BE49-F238E27FC236}">
+                <a16:creationId xmlns:a16="http://schemas.microsoft.com/office/drawing/2014/main" id="{95564155-37F6-A087-0C8A-C32FE178DEB0}"/>
+              </a:ext>
+            </a:extLst>
+          </p:cNvPr>
+          <p:cNvGrpSpPr/>
+          <p:nvPr/>
+        </p:nvGrpSpPr>
+        <p:grpSpPr>
+          <a:xfrm>
+            <a:off x="6923080" y="225782"/>
+            <a:ext cx="3161790" cy="3165442"/>
+            <a:chOff x="6923080" y="225782"/>
+            <a:chExt cx="3161790" cy="3165442"/>
+          </a:xfrm>
+        </p:grpSpPr>
+        <p:sp>
+          <p:nvSpPr>
+            <p:cNvPr id="89" name="フローチャート: 代替処理 88">
+              <a:extLst>
+                <a:ext uri="{FF2B5EF4-FFF2-40B4-BE49-F238E27FC236}">
+                  <a16:creationId xmlns:a16="http://schemas.microsoft.com/office/drawing/2014/main" id="{CABCC33F-9907-99DE-6D8F-F04568C01FCD}"/>
+                </a:ext>
+              </a:extLst>
+            </p:cNvPr>
+            <p:cNvSpPr/>
+            <p:nvPr/>
+          </p:nvSpPr>
+          <p:spPr>
+            <a:xfrm>
+              <a:off x="6973975" y="272295"/>
+              <a:ext cx="3060000" cy="3060000"/>
+            </a:xfrm>
+            <a:prstGeom prst="flowChartAlternateProcess">
+              <a:avLst/>
+            </a:prstGeom>
+            <a:solidFill>
+              <a:schemeClr val="accent3">
+                <a:lumMod val="20000"/>
+                <a:lumOff val="80000"/>
+              </a:schemeClr>
+            </a:solidFill>
+            <a:ln w="9525">
+              <a:solidFill>
+                <a:schemeClr val="accent1"/>
+              </a:solidFill>
+            </a:ln>
+          </p:spPr>
+          <p:style>
+            <a:lnRef idx="2">
+              <a:schemeClr val="accent1">
+                <a:shade val="15000"/>
+              </a:schemeClr>
+            </a:lnRef>
+            <a:fillRef idx="1">
+              <a:schemeClr val="accent1"/>
+            </a:fillRef>
+            <a:effectRef idx="0">
+              <a:schemeClr val="accent1"/>
+            </a:effectRef>
+            <a:fontRef idx="minor">
+              <a:schemeClr val="lt1"/>
+            </a:fontRef>
+          </p:style>
+          <p:txBody>
+            <a:bodyPr rtlCol="0" anchor="ctr"/>
+            <a:lstStyle/>
+            <a:p>
+              <a:pPr algn="ctr"/>
+              <a:endParaRPr kumimoji="1" lang="ja-JP" altLang="en-US" b="1" dirty="0">
+                <a:latin typeface="HG丸ｺﾞｼｯｸM-PRO" panose="020F0600000000000000" pitchFamily="50" charset="-128"/>
+                <a:ea typeface="HG丸ｺﾞｼｯｸM-PRO" panose="020F0600000000000000" pitchFamily="50" charset="-128"/>
+              </a:endParaRPr>
+            </a:p>
+          </p:txBody>
+        </p:sp>
+        <p:sp>
+          <p:nvSpPr>
+            <p:cNvPr id="90" name="フローチャート: 代替処理 89">
+              <a:extLst>
+                <a:ext uri="{FF2B5EF4-FFF2-40B4-BE49-F238E27FC236}">
+                  <a16:creationId xmlns:a16="http://schemas.microsoft.com/office/drawing/2014/main" id="{E8CBB424-0EC2-9A05-A18D-D8D5DD96FA8C}"/>
+                </a:ext>
+              </a:extLst>
+            </p:cNvPr>
+            <p:cNvSpPr/>
+            <p:nvPr/>
+          </p:nvSpPr>
+          <p:spPr>
+            <a:xfrm>
+              <a:off x="7036135" y="992294"/>
+              <a:ext cx="230684" cy="1614795"/>
+            </a:xfrm>
+            <a:prstGeom prst="flowChartAlternateProcess">
+              <a:avLst/>
+            </a:prstGeom>
+            <a:solidFill>
+              <a:schemeClr val="bg1">
+                <a:lumMod val="85000"/>
+              </a:schemeClr>
+            </a:solidFill>
+            <a:ln>
+              <a:solidFill>
+                <a:schemeClr val="bg1">
+                  <a:lumMod val="65000"/>
+                </a:schemeClr>
+              </a:solidFill>
+            </a:ln>
+            <a:effectLst>
+              <a:innerShdw blurRad="63500" dist="50800">
+                <a:prstClr val="black">
+                  <a:alpha val="50000"/>
+                </a:prstClr>
+              </a:innerShdw>
+            </a:effectLst>
+            <a:scene3d>
+              <a:camera prst="orthographicFront"/>
+              <a:lightRig rig="threePt" dir="t"/>
+            </a:scene3d>
+            <a:sp3d>
+              <a:bevelT prst="relaxedInset"/>
+            </a:sp3d>
+          </p:spPr>
+          <p:style>
+            <a:lnRef idx="2">
+              <a:schemeClr val="accent1">
+                <a:shade val="15000"/>
+              </a:schemeClr>
+            </a:lnRef>
+            <a:fillRef idx="1">
+              <a:schemeClr val="accent1"/>
+            </a:fillRef>
+            <a:effectRef idx="0">
+              <a:schemeClr val="accent1"/>
+            </a:effectRef>
+            <a:fontRef idx="minor">
+              <a:schemeClr val="lt1"/>
+            </a:fontRef>
+          </p:style>
+          <p:txBody>
+            <a:bodyPr rtlCol="0" anchor="ctr"/>
+            <a:lstStyle/>
+            <a:p>
+              <a:pPr algn="ctr"/>
+              <a:endParaRPr kumimoji="1" lang="ja-JP" altLang="en-US" b="1">
+                <a:latin typeface="HG丸ｺﾞｼｯｸM-PRO" panose="020F0600000000000000" pitchFamily="50" charset="-128"/>
+                <a:ea typeface="HG丸ｺﾞｼｯｸM-PRO" panose="020F0600000000000000" pitchFamily="50" charset="-128"/>
+              </a:endParaRPr>
+            </a:p>
+          </p:txBody>
+        </p:sp>
+        <p:sp>
+          <p:nvSpPr>
+            <p:cNvPr id="91" name="フローチャート: 代替処理 90">
+              <a:extLst>
+                <a:ext uri="{FF2B5EF4-FFF2-40B4-BE49-F238E27FC236}">
+                  <a16:creationId xmlns:a16="http://schemas.microsoft.com/office/drawing/2014/main" id="{446A917F-992F-E33C-9249-E8ECBDCF8097}"/>
+                </a:ext>
+              </a:extLst>
+            </p:cNvPr>
+            <p:cNvSpPr/>
+            <p:nvPr/>
+          </p:nvSpPr>
+          <p:spPr>
+            <a:xfrm>
+              <a:off x="9746984" y="992294"/>
+              <a:ext cx="230684" cy="1614795"/>
+            </a:xfrm>
+            <a:prstGeom prst="flowChartAlternateProcess">
+              <a:avLst/>
+            </a:prstGeom>
+            <a:solidFill>
+              <a:schemeClr val="bg1">
+                <a:lumMod val="85000"/>
+              </a:schemeClr>
+            </a:solidFill>
+            <a:ln>
+              <a:solidFill>
+                <a:schemeClr val="bg1">
+                  <a:lumMod val="65000"/>
+                </a:schemeClr>
+              </a:solidFill>
+            </a:ln>
+            <a:effectLst>
+              <a:innerShdw blurRad="63500" dist="50800" dir="10800000">
+                <a:prstClr val="black">
+                  <a:alpha val="50000"/>
+                </a:prstClr>
+              </a:innerShdw>
+            </a:effectLst>
+            <a:scene3d>
+              <a:camera prst="orthographicFront"/>
+              <a:lightRig rig="threePt" dir="t"/>
+            </a:scene3d>
+            <a:sp3d>
+              <a:bevelT prst="relaxedInset"/>
+            </a:sp3d>
+          </p:spPr>
+          <p:style>
+            <a:lnRef idx="2">
+              <a:schemeClr val="accent1">
+                <a:shade val="15000"/>
+              </a:schemeClr>
+            </a:lnRef>
+            <a:fillRef idx="1">
+              <a:schemeClr val="accent1"/>
+            </a:fillRef>
+            <a:effectRef idx="0">
+              <a:schemeClr val="accent1"/>
+            </a:effectRef>
+            <a:fontRef idx="minor">
+              <a:schemeClr val="lt1"/>
+            </a:fontRef>
+          </p:style>
+          <p:txBody>
+            <a:bodyPr rtlCol="0" anchor="ctr"/>
+            <a:lstStyle/>
+            <a:p>
+              <a:pPr algn="ctr"/>
+              <a:endParaRPr kumimoji="1" lang="ja-JP" altLang="en-US" b="1">
+                <a:latin typeface="HG丸ｺﾞｼｯｸM-PRO" panose="020F0600000000000000" pitchFamily="50" charset="-128"/>
+                <a:ea typeface="HG丸ｺﾞｼｯｸM-PRO" panose="020F0600000000000000" pitchFamily="50" charset="-128"/>
+              </a:endParaRPr>
+            </a:p>
+          </p:txBody>
+        </p:sp>
+        <p:sp>
+          <p:nvSpPr>
+            <p:cNvPr id="92" name="フローチャート: 代替処理 91">
+              <a:extLst>
+                <a:ext uri="{FF2B5EF4-FFF2-40B4-BE49-F238E27FC236}">
+                  <a16:creationId xmlns:a16="http://schemas.microsoft.com/office/drawing/2014/main" id="{E7A234C4-F1F1-C2AA-6DB5-FA57362C71FC}"/>
+                </a:ext>
+              </a:extLst>
+            </p:cNvPr>
+            <p:cNvSpPr/>
+            <p:nvPr/>
+          </p:nvSpPr>
+          <p:spPr>
+            <a:xfrm rot="16200000">
+              <a:off x="8383092" y="2339874"/>
+              <a:ext cx="230684" cy="1614795"/>
+            </a:xfrm>
+            <a:prstGeom prst="flowChartAlternateProcess">
+              <a:avLst/>
+            </a:prstGeom>
+            <a:solidFill>
+              <a:schemeClr val="bg1">
+                <a:lumMod val="85000"/>
+              </a:schemeClr>
+            </a:solidFill>
+            <a:ln>
+              <a:solidFill>
+                <a:schemeClr val="bg1">
+                  <a:lumMod val="65000"/>
+                </a:schemeClr>
+              </a:solidFill>
+            </a:ln>
+            <a:effectLst>
+              <a:innerShdw blurRad="63500" dist="50800">
+                <a:prstClr val="black">
+                  <a:alpha val="50000"/>
+                </a:prstClr>
+              </a:innerShdw>
+            </a:effectLst>
+            <a:scene3d>
+              <a:camera prst="orthographicFront"/>
+              <a:lightRig rig="threePt" dir="t"/>
+            </a:scene3d>
+            <a:sp3d>
+              <a:bevelT prst="relaxedInset"/>
+            </a:sp3d>
+          </p:spPr>
+          <p:style>
+            <a:lnRef idx="2">
+              <a:schemeClr val="accent1">
+                <a:shade val="15000"/>
+              </a:schemeClr>
+            </a:lnRef>
+            <a:fillRef idx="1">
+              <a:schemeClr val="accent1"/>
+            </a:fillRef>
+            <a:effectRef idx="0">
+              <a:schemeClr val="accent1"/>
+            </a:effectRef>
+            <a:fontRef idx="minor">
+              <a:schemeClr val="lt1"/>
+            </a:fontRef>
+          </p:style>
+          <p:txBody>
+            <a:bodyPr rtlCol="0" anchor="ctr"/>
+            <a:lstStyle/>
+            <a:p>
+              <a:pPr algn="ctr"/>
+              <a:endParaRPr kumimoji="1" lang="ja-JP" altLang="en-US" b="1">
+                <a:latin typeface="HG丸ｺﾞｼｯｸM-PRO" panose="020F0600000000000000" pitchFamily="50" charset="-128"/>
+                <a:ea typeface="HG丸ｺﾞｼｯｸM-PRO" panose="020F0600000000000000" pitchFamily="50" charset="-128"/>
+              </a:endParaRPr>
+            </a:p>
+          </p:txBody>
+        </p:sp>
+        <p:sp>
+          <p:nvSpPr>
+            <p:cNvPr id="93" name="フローチャート: 代替処理 92">
+              <a:extLst>
+                <a:ext uri="{FF2B5EF4-FFF2-40B4-BE49-F238E27FC236}">
+                  <a16:creationId xmlns:a16="http://schemas.microsoft.com/office/drawing/2014/main" id="{2BFA6F59-8EF5-932C-37D4-F1176F9862E8}"/>
+                </a:ext>
+              </a:extLst>
+            </p:cNvPr>
+            <p:cNvSpPr/>
+            <p:nvPr/>
+          </p:nvSpPr>
+          <p:spPr>
+            <a:xfrm rot="16200000">
+              <a:off x="8383093" y="-356864"/>
+              <a:ext cx="230684" cy="1614795"/>
+            </a:xfrm>
+            <a:prstGeom prst="flowChartAlternateProcess">
+              <a:avLst/>
+            </a:prstGeom>
+            <a:solidFill>
+              <a:schemeClr val="bg1">
+                <a:lumMod val="85000"/>
+              </a:schemeClr>
+            </a:solidFill>
+            <a:ln>
+              <a:solidFill>
+                <a:schemeClr val="bg1">
+                  <a:lumMod val="65000"/>
+                </a:schemeClr>
+              </a:solidFill>
+            </a:ln>
+            <a:effectLst>
+              <a:innerShdw blurRad="63500" dist="50800" dir="10800000">
+                <a:prstClr val="black">
+                  <a:alpha val="50000"/>
+                </a:prstClr>
+              </a:innerShdw>
+            </a:effectLst>
+            <a:scene3d>
+              <a:camera prst="orthographicFront"/>
+              <a:lightRig rig="threePt" dir="t"/>
+            </a:scene3d>
+            <a:sp3d>
+              <a:bevelT prst="relaxedInset"/>
+            </a:sp3d>
+          </p:spPr>
+          <p:style>
+            <a:lnRef idx="2">
+              <a:schemeClr val="accent1">
+                <a:shade val="15000"/>
+              </a:schemeClr>
+            </a:lnRef>
+            <a:fillRef idx="1">
+              <a:schemeClr val="accent1"/>
+            </a:fillRef>
+            <a:effectRef idx="0">
+              <a:schemeClr val="accent1"/>
+            </a:effectRef>
+            <a:fontRef idx="minor">
+              <a:schemeClr val="lt1"/>
+            </a:fontRef>
+          </p:style>
+          <p:txBody>
+            <a:bodyPr rtlCol="0" anchor="ctr"/>
+            <a:lstStyle/>
+            <a:p>
+              <a:pPr algn="ctr"/>
+              <a:endParaRPr kumimoji="1" lang="ja-JP" altLang="en-US" b="1">
+                <a:latin typeface="HG丸ｺﾞｼｯｸM-PRO" panose="020F0600000000000000" pitchFamily="50" charset="-128"/>
+                <a:ea typeface="HG丸ｺﾞｼｯｸM-PRO" panose="020F0600000000000000" pitchFamily="50" charset="-128"/>
+              </a:endParaRPr>
+            </a:p>
+          </p:txBody>
+        </p:sp>
+        <p:sp>
+          <p:nvSpPr>
+            <p:cNvPr id="94" name="正方形/長方形 93">
+              <a:extLst>
+                <a:ext uri="{FF2B5EF4-FFF2-40B4-BE49-F238E27FC236}">
+                  <a16:creationId xmlns:a16="http://schemas.microsoft.com/office/drawing/2014/main" id="{CAEE3082-2C74-E617-FD50-F43CCA5CE623}"/>
+                </a:ext>
+              </a:extLst>
+            </p:cNvPr>
+            <p:cNvSpPr/>
+            <p:nvPr/>
+          </p:nvSpPr>
+          <p:spPr>
+            <a:xfrm>
+              <a:off x="7316280" y="613824"/>
+              <a:ext cx="2394971" cy="2364262"/>
+            </a:xfrm>
+            <a:prstGeom prst="rect">
+              <a:avLst/>
+            </a:prstGeom>
+            <a:solidFill>
+              <a:schemeClr val="accent1">
+                <a:lumMod val="50000"/>
+              </a:schemeClr>
+            </a:solidFill>
+          </p:spPr>
+          <p:style>
+            <a:lnRef idx="2">
+              <a:schemeClr val="accent1">
+                <a:shade val="15000"/>
+              </a:schemeClr>
+            </a:lnRef>
+            <a:fillRef idx="1">
+              <a:schemeClr val="accent1"/>
+            </a:fillRef>
+            <a:effectRef idx="0">
+              <a:schemeClr val="accent1"/>
+            </a:effectRef>
+            <a:fontRef idx="minor">
+              <a:schemeClr val="lt1"/>
+            </a:fontRef>
+          </p:style>
+          <p:txBody>
+            <a:bodyPr rtlCol="0" anchor="ctr"/>
+            <a:lstStyle/>
+            <a:p>
+              <a:pPr algn="ctr"/>
+              <a:endParaRPr kumimoji="1" lang="ja-JP" altLang="en-US" b="1">
+                <a:latin typeface="HG丸ｺﾞｼｯｸM-PRO" panose="020F0600000000000000" pitchFamily="50" charset="-128"/>
+                <a:ea typeface="HG丸ｺﾞｼｯｸM-PRO" panose="020F0600000000000000" pitchFamily="50" charset="-128"/>
+              </a:endParaRPr>
+            </a:p>
+          </p:txBody>
+        </p:sp>
+        <p:sp>
+          <p:nvSpPr>
+            <p:cNvPr id="95" name="正方形/長方形 94">
+              <a:extLst>
+                <a:ext uri="{FF2B5EF4-FFF2-40B4-BE49-F238E27FC236}">
+                  <a16:creationId xmlns:a16="http://schemas.microsoft.com/office/drawing/2014/main" id="{9F15C5AB-4024-B33F-A5B5-9E8B62A5E708}"/>
+                </a:ext>
+              </a:extLst>
+            </p:cNvPr>
+            <p:cNvSpPr/>
+            <p:nvPr/>
+          </p:nvSpPr>
+          <p:spPr>
+            <a:xfrm>
+              <a:off x="7708883" y="1016528"/>
+              <a:ext cx="1579101" cy="1558853"/>
+            </a:xfrm>
+            <a:prstGeom prst="rect">
+              <a:avLst/>
+            </a:prstGeom>
+            <a:solidFill>
+              <a:schemeClr val="accent6">
+                <a:lumMod val="20000"/>
+                <a:lumOff val="80000"/>
+              </a:schemeClr>
+            </a:solidFill>
+            <a:scene3d>
+              <a:camera prst="orthographicFront"/>
+              <a:lightRig rig="threePt" dir="t"/>
+            </a:scene3d>
+            <a:sp3d>
+              <a:bevelT prst="angle"/>
+            </a:sp3d>
+          </p:spPr>
+          <p:style>
+            <a:lnRef idx="2">
+              <a:schemeClr val="accent1">
+                <a:shade val="15000"/>
+              </a:schemeClr>
+            </a:lnRef>
+            <a:fillRef idx="1">
+              <a:schemeClr val="accent1"/>
+            </a:fillRef>
+            <a:effectRef idx="0">
+              <a:schemeClr val="accent1"/>
+            </a:effectRef>
+            <a:fontRef idx="minor">
+              <a:schemeClr val="lt1"/>
+            </a:fontRef>
+          </p:style>
+          <p:txBody>
+            <a:bodyPr rtlCol="0" anchor="ctr"/>
+            <a:lstStyle/>
+            <a:p>
+              <a:pPr algn="ctr"/>
+              <a:endParaRPr kumimoji="1" lang="ja-JP" altLang="en-US" b="1">
+                <a:latin typeface="HG丸ｺﾞｼｯｸM-PRO" panose="020F0600000000000000" pitchFamily="50" charset="-128"/>
+                <a:ea typeface="HG丸ｺﾞｼｯｸM-PRO" panose="020F0600000000000000" pitchFamily="50" charset="-128"/>
+              </a:endParaRPr>
+            </a:p>
+          </p:txBody>
+        </p:sp>
+        <p:sp>
+          <p:nvSpPr>
+            <p:cNvPr id="96" name="四角形: 角を丸くする 95">
+              <a:extLst>
+                <a:ext uri="{FF2B5EF4-FFF2-40B4-BE49-F238E27FC236}">
+                  <a16:creationId xmlns:a16="http://schemas.microsoft.com/office/drawing/2014/main" id="{FE96EA4F-B0E3-EF30-F3A2-6CC2E3DF05C7}"/>
+                </a:ext>
+              </a:extLst>
+            </p:cNvPr>
+            <p:cNvSpPr/>
+            <p:nvPr/>
+          </p:nvSpPr>
+          <p:spPr>
+            <a:xfrm>
+              <a:off x="7793291" y="1921072"/>
+              <a:ext cx="1403928" cy="531005"/>
+            </a:xfrm>
+            <a:prstGeom prst="roundRect">
+              <a:avLst/>
+            </a:prstGeom>
+            <a:solidFill>
+              <a:schemeClr val="accent1">
+                <a:lumMod val="50000"/>
+              </a:schemeClr>
+            </a:solidFill>
+          </p:spPr>
+          <p:style>
+            <a:lnRef idx="2">
+              <a:schemeClr val="accent1">
+                <a:shade val="15000"/>
+              </a:schemeClr>
+            </a:lnRef>
+            <a:fillRef idx="1">
+              <a:schemeClr val="accent1"/>
+            </a:fillRef>
+            <a:effectRef idx="0">
+              <a:schemeClr val="accent1"/>
+            </a:effectRef>
+            <a:fontRef idx="minor">
+              <a:schemeClr val="lt1"/>
+            </a:fontRef>
+          </p:style>
+          <p:txBody>
+            <a:bodyPr rtlCol="0" anchor="ctr"/>
+            <a:lstStyle/>
+            <a:p>
+              <a:r>
+                <a:rPr kumimoji="1" lang="ja-JP" altLang="en-US" sz="2400" b="1" dirty="0">
+                  <a:ln w="28575">
+                    <a:noFill/>
+                  </a:ln>
+                  <a:solidFill>
+                    <a:schemeClr val="accent1">
+                      <a:lumMod val="20000"/>
+                      <a:lumOff val="80000"/>
+                    </a:schemeClr>
+                  </a:solidFill>
+                  <a:latin typeface="HG丸ｺﾞｼｯｸM-PRO" panose="020F0600000000000000" pitchFamily="50" charset="-128"/>
+                  <a:ea typeface="HG丸ｺﾞｼｯｸM-PRO" panose="020F0600000000000000" pitchFamily="50" charset="-128"/>
+                </a:rPr>
+                <a:t>残</a:t>
+              </a:r>
+            </a:p>
+          </p:txBody>
+        </p:sp>
+        <p:grpSp>
+          <p:nvGrpSpPr>
+            <p:cNvPr id="97" name="グループ化 96">
+              <a:extLst>
+                <a:ext uri="{FF2B5EF4-FFF2-40B4-BE49-F238E27FC236}">
+                  <a16:creationId xmlns:a16="http://schemas.microsoft.com/office/drawing/2014/main" id="{E976877D-B730-C7D3-831E-06C644A69C7A}"/>
+                </a:ext>
+              </a:extLst>
+            </p:cNvPr>
+            <p:cNvGrpSpPr/>
+            <p:nvPr/>
+          </p:nvGrpSpPr>
+          <p:grpSpPr>
+            <a:xfrm rot="16200000">
+              <a:off x="6921254" y="227608"/>
+              <a:ext cx="3165442" cy="3161790"/>
+              <a:chOff x="6511077" y="1328271"/>
+              <a:chExt cx="3165442" cy="3161790"/>
+            </a:xfrm>
+          </p:grpSpPr>
+          <p:sp>
+            <p:nvSpPr>
+              <p:cNvPr id="98" name="フローチャート: 代替処理 97">
+                <a:extLst>
+                  <a:ext uri="{FF2B5EF4-FFF2-40B4-BE49-F238E27FC236}">
+                    <a16:creationId xmlns:a16="http://schemas.microsoft.com/office/drawing/2014/main" id="{EA443114-BE65-48A2-240C-1DC4E8120C62}"/>
+                  </a:ext>
+                </a:extLst>
+              </p:cNvPr>
+              <p:cNvSpPr/>
+              <p:nvPr/>
+            </p:nvSpPr>
+            <p:spPr>
+              <a:xfrm rot="10800000">
+                <a:off x="8955215" y="1331210"/>
+                <a:ext cx="720000" cy="720000"/>
+              </a:xfrm>
+              <a:prstGeom prst="flowChartAlternateProcess">
+                <a:avLst/>
+              </a:prstGeom>
+              <a:solidFill>
+                <a:schemeClr val="accent4">
+                  <a:lumMod val="60000"/>
+                  <a:lumOff val="40000"/>
+                </a:schemeClr>
+              </a:solidFill>
+              <a:ln w="38100">
+                <a:solidFill>
+                  <a:schemeClr val="bg1"/>
+                </a:solidFill>
+              </a:ln>
+              <a:scene3d>
+                <a:camera prst="orthographicFront"/>
+                <a:lightRig rig="threePt" dir="t"/>
+              </a:scene3d>
+              <a:sp3d>
+                <a:bevelT/>
+              </a:sp3d>
+            </p:spPr>
+            <p:style>
+              <a:lnRef idx="2">
+                <a:schemeClr val="accent1">
+                  <a:shade val="15000"/>
+                </a:schemeClr>
+              </a:lnRef>
+              <a:fillRef idx="1">
+                <a:schemeClr val="accent1"/>
+              </a:fillRef>
+              <a:effectRef idx="0">
+                <a:schemeClr val="accent1"/>
+              </a:effectRef>
+              <a:fontRef idx="minor">
+                <a:schemeClr val="lt1"/>
+              </a:fontRef>
+            </p:style>
+            <p:txBody>
+              <a:bodyPr rtlCol="0" anchor="b"/>
+              <a:lstStyle/>
+              <a:p>
+                <a:pPr algn="ctr"/>
+                <a:r>
+                  <a:rPr kumimoji="1" lang="ja-JP" altLang="en-US" sz="4000" b="1" dirty="0">
+                    <a:ln w="3175">
+                      <a:solidFill>
+                        <a:schemeClr val="tx1"/>
+                      </a:solidFill>
+                    </a:ln>
+                    <a:latin typeface="HG丸ｺﾞｼｯｸM-PRO" panose="020F0600000000000000" pitchFamily="50" charset="-128"/>
+                    <a:ea typeface="HG丸ｺﾞｼｯｸM-PRO" panose="020F0600000000000000" pitchFamily="50" charset="-128"/>
+                  </a:rPr>
+                  <a:t>南</a:t>
+                </a:r>
+              </a:p>
+            </p:txBody>
+          </p:sp>
+          <p:sp>
+            <p:nvSpPr>
+              <p:cNvPr id="99" name="フローチャート: 代替処理 98">
+                <a:extLst>
+                  <a:ext uri="{FF2B5EF4-FFF2-40B4-BE49-F238E27FC236}">
+                    <a16:creationId xmlns:a16="http://schemas.microsoft.com/office/drawing/2014/main" id="{20BC3C9D-F5CA-81DF-E90E-06CD3442F8E2}"/>
+                  </a:ext>
+                </a:extLst>
+              </p:cNvPr>
+              <p:cNvSpPr/>
+              <p:nvPr/>
+            </p:nvSpPr>
+            <p:spPr>
+              <a:xfrm rot="5400000">
+                <a:off x="6511743" y="1328271"/>
+                <a:ext cx="720000" cy="720000"/>
+              </a:xfrm>
+              <a:prstGeom prst="flowChartAlternateProcess">
+                <a:avLst/>
+              </a:prstGeom>
+              <a:solidFill>
+                <a:schemeClr val="accent2">
+                  <a:lumMod val="60000"/>
+                  <a:lumOff val="40000"/>
+                </a:schemeClr>
+              </a:solidFill>
+              <a:ln w="38100">
+                <a:solidFill>
+                  <a:schemeClr val="bg1"/>
+                </a:solidFill>
+              </a:ln>
+              <a:scene3d>
+                <a:camera prst="orthographicFront"/>
+                <a:lightRig rig="threePt" dir="t"/>
+              </a:scene3d>
+              <a:sp3d>
+                <a:bevelT/>
+              </a:sp3d>
+            </p:spPr>
+            <p:style>
+              <a:lnRef idx="2">
+                <a:schemeClr val="accent1">
+                  <a:shade val="15000"/>
+                </a:schemeClr>
+              </a:lnRef>
+              <a:fillRef idx="1">
+                <a:schemeClr val="accent1"/>
+              </a:fillRef>
+              <a:effectRef idx="0">
+                <a:schemeClr val="accent1"/>
+              </a:effectRef>
+              <a:fontRef idx="minor">
+                <a:schemeClr val="lt1"/>
+              </a:fontRef>
+            </p:style>
+            <p:txBody>
+              <a:bodyPr rtlCol="0" anchor="b"/>
+              <a:lstStyle/>
+              <a:p>
+                <a:pPr algn="ctr"/>
+                <a:r>
+                  <a:rPr kumimoji="1" lang="ja-JP" altLang="en-US" sz="4000" b="1" dirty="0">
+                    <a:ln w="3175">
+                      <a:solidFill>
+                        <a:schemeClr val="tx1"/>
+                      </a:solidFill>
+                    </a:ln>
+                    <a:latin typeface="HG丸ｺﾞｼｯｸM-PRO" panose="020F0600000000000000" pitchFamily="50" charset="-128"/>
+                    <a:ea typeface="HG丸ｺﾞｼｯｸM-PRO" panose="020F0600000000000000" pitchFamily="50" charset="-128"/>
+                  </a:rPr>
+                  <a:t>西</a:t>
+                </a:r>
+              </a:p>
+            </p:txBody>
+          </p:sp>
+          <p:sp>
+            <p:nvSpPr>
+              <p:cNvPr id="100" name="フローチャート: 代替処理 99">
+                <a:extLst>
+                  <a:ext uri="{FF2B5EF4-FFF2-40B4-BE49-F238E27FC236}">
+                    <a16:creationId xmlns:a16="http://schemas.microsoft.com/office/drawing/2014/main" id="{FB73B207-EB2B-E32C-57AE-7E299BB0EED4}"/>
+                  </a:ext>
+                </a:extLst>
+              </p:cNvPr>
+              <p:cNvSpPr/>
+              <p:nvPr/>
+            </p:nvSpPr>
+            <p:spPr>
+              <a:xfrm>
+                <a:off x="6511077" y="3770061"/>
+                <a:ext cx="720000" cy="720000"/>
+              </a:xfrm>
+              <a:prstGeom prst="flowChartAlternateProcess">
+                <a:avLst/>
+              </a:prstGeom>
+              <a:solidFill>
+                <a:schemeClr val="accent6">
+                  <a:lumMod val="60000"/>
+                  <a:lumOff val="40000"/>
+                </a:schemeClr>
+              </a:solidFill>
+              <a:ln w="38100">
+                <a:solidFill>
+                  <a:schemeClr val="bg1"/>
+                </a:solidFill>
+              </a:ln>
+              <a:scene3d>
+                <a:camera prst="orthographicFront"/>
+                <a:lightRig rig="threePt" dir="t"/>
+              </a:scene3d>
+              <a:sp3d>
+                <a:bevelT/>
+              </a:sp3d>
+            </p:spPr>
+            <p:style>
+              <a:lnRef idx="2">
+                <a:schemeClr val="accent1">
+                  <a:shade val="15000"/>
+                </a:schemeClr>
+              </a:lnRef>
+              <a:fillRef idx="1">
+                <a:schemeClr val="accent1"/>
+              </a:fillRef>
+              <a:effectRef idx="0">
+                <a:schemeClr val="accent1"/>
+              </a:effectRef>
+              <a:fontRef idx="minor">
+                <a:schemeClr val="lt1"/>
+              </a:fontRef>
+            </p:style>
+            <p:txBody>
+              <a:bodyPr rtlCol="0" anchor="b"/>
+              <a:lstStyle/>
+              <a:p>
+                <a:pPr algn="ctr"/>
+                <a:r>
+                  <a:rPr kumimoji="1" lang="ja-JP" altLang="en-US" sz="4000" b="1" dirty="0">
+                    <a:ln w="3175">
+                      <a:solidFill>
+                        <a:schemeClr val="tx1"/>
+                      </a:solidFill>
+                    </a:ln>
+                    <a:latin typeface="HG丸ｺﾞｼｯｸM-PRO" panose="020F0600000000000000" pitchFamily="50" charset="-128"/>
+                    <a:ea typeface="HG丸ｺﾞｼｯｸM-PRO" panose="020F0600000000000000" pitchFamily="50" charset="-128"/>
+                  </a:rPr>
+                  <a:t>北</a:t>
+                </a:r>
+              </a:p>
+            </p:txBody>
+          </p:sp>
+          <p:sp>
+            <p:nvSpPr>
+              <p:cNvPr id="101" name="フローチャート: 代替処理 100">
+                <a:extLst>
+                  <a:ext uri="{FF2B5EF4-FFF2-40B4-BE49-F238E27FC236}">
+                    <a16:creationId xmlns:a16="http://schemas.microsoft.com/office/drawing/2014/main" id="{41144B4B-D09A-2402-AA83-517E68FBDEC2}"/>
+                  </a:ext>
+                </a:extLst>
+              </p:cNvPr>
+              <p:cNvSpPr/>
+              <p:nvPr/>
+            </p:nvSpPr>
+            <p:spPr>
+              <a:xfrm rot="16200000">
+                <a:off x="8956519" y="3770061"/>
+                <a:ext cx="720000" cy="720000"/>
+              </a:xfrm>
+              <a:prstGeom prst="flowChartAlternateProcess">
+                <a:avLst/>
+              </a:prstGeom>
+              <a:solidFill>
+                <a:srgbClr val="FF5050"/>
+              </a:solidFill>
+              <a:ln w="38100">
+                <a:solidFill>
+                  <a:schemeClr val="bg1"/>
+                </a:solidFill>
+              </a:ln>
+              <a:scene3d>
+                <a:camera prst="orthographicFront"/>
+                <a:lightRig rig="threePt" dir="t"/>
+              </a:scene3d>
+              <a:sp3d>
+                <a:bevelT/>
+              </a:sp3d>
+            </p:spPr>
+            <p:style>
+              <a:lnRef idx="2">
+                <a:schemeClr val="accent1">
+                  <a:shade val="15000"/>
+                </a:schemeClr>
+              </a:lnRef>
+              <a:fillRef idx="1">
+                <a:schemeClr val="accent1"/>
+              </a:fillRef>
+              <a:effectRef idx="0">
+                <a:schemeClr val="accent1"/>
+              </a:effectRef>
+              <a:fontRef idx="minor">
+                <a:schemeClr val="lt1"/>
+              </a:fontRef>
+            </p:style>
+            <p:txBody>
+              <a:bodyPr rtlCol="0" anchor="b"/>
+              <a:lstStyle/>
+              <a:p>
+                <a:pPr algn="ctr"/>
+                <a:r>
+                  <a:rPr kumimoji="1" lang="ja-JP" altLang="en-US" sz="4000" b="1" dirty="0">
+                    <a:ln w="19050">
+                      <a:noFill/>
+                    </a:ln>
+                    <a:solidFill>
+                      <a:schemeClr val="tx1"/>
+                    </a:solidFill>
+                    <a:latin typeface="HG丸ｺﾞｼｯｸM-PRO" panose="020F0600000000000000" pitchFamily="50" charset="-128"/>
+                    <a:ea typeface="HG丸ｺﾞｼｯｸM-PRO" panose="020F0600000000000000" pitchFamily="50" charset="-128"/>
+                  </a:rPr>
+                  <a:t>東</a:t>
+                </a:r>
+              </a:p>
+            </p:txBody>
+          </p:sp>
+        </p:grpSp>
+      </p:grpSp>
+      <p:grpSp>
+        <p:nvGrpSpPr>
+          <p:cNvPr id="117" name="グループ化 116">
+            <a:extLst>
+              <a:ext uri="{FF2B5EF4-FFF2-40B4-BE49-F238E27FC236}">
+                <a16:creationId xmlns:a16="http://schemas.microsoft.com/office/drawing/2014/main" id="{92D916D2-0F86-4807-F3F4-71E99F45BEBA}"/>
+              </a:ext>
+            </a:extLst>
+          </p:cNvPr>
+          <p:cNvGrpSpPr/>
+          <p:nvPr/>
+        </p:nvGrpSpPr>
+        <p:grpSpPr>
+          <a:xfrm>
+            <a:off x="6921254" y="3513459"/>
+            <a:ext cx="3165442" cy="3161790"/>
+            <a:chOff x="6921254" y="3513459"/>
+            <a:chExt cx="3165442" cy="3161790"/>
+          </a:xfrm>
+        </p:grpSpPr>
+        <p:sp>
+          <p:nvSpPr>
+            <p:cNvPr id="102" name="フローチャート: 代替処理 101">
+              <a:extLst>
+                <a:ext uri="{FF2B5EF4-FFF2-40B4-BE49-F238E27FC236}">
+                  <a16:creationId xmlns:a16="http://schemas.microsoft.com/office/drawing/2014/main" id="{68795B40-08A5-D53F-E799-487BF1E31489}"/>
+                </a:ext>
+              </a:extLst>
+            </p:cNvPr>
+            <p:cNvSpPr/>
+            <p:nvPr/>
+          </p:nvSpPr>
+          <p:spPr>
+            <a:xfrm>
+              <a:off x="6973975" y="3558146"/>
+              <a:ext cx="3060000" cy="3060000"/>
+            </a:xfrm>
+            <a:prstGeom prst="flowChartAlternateProcess">
+              <a:avLst/>
+            </a:prstGeom>
+            <a:solidFill>
+              <a:schemeClr val="accent3">
+                <a:lumMod val="20000"/>
+                <a:lumOff val="80000"/>
+              </a:schemeClr>
+            </a:solidFill>
+            <a:ln w="9525">
+              <a:solidFill>
+                <a:schemeClr val="accent1"/>
+              </a:solidFill>
+            </a:ln>
+          </p:spPr>
+          <p:style>
+            <a:lnRef idx="2">
+              <a:schemeClr val="accent1">
+                <a:shade val="15000"/>
+              </a:schemeClr>
+            </a:lnRef>
+            <a:fillRef idx="1">
+              <a:schemeClr val="accent1"/>
+            </a:fillRef>
+            <a:effectRef idx="0">
+              <a:schemeClr val="accent1"/>
+            </a:effectRef>
+            <a:fontRef idx="minor">
+              <a:schemeClr val="lt1"/>
+            </a:fontRef>
+          </p:style>
+          <p:txBody>
+            <a:bodyPr rtlCol="0" anchor="ctr"/>
+            <a:lstStyle/>
+            <a:p>
+              <a:pPr algn="ctr"/>
+              <a:endParaRPr kumimoji="1" lang="ja-JP" altLang="en-US" b="1" dirty="0">
+                <a:latin typeface="HG丸ｺﾞｼｯｸM-PRO" panose="020F0600000000000000" pitchFamily="50" charset="-128"/>
+                <a:ea typeface="HG丸ｺﾞｼｯｸM-PRO" panose="020F0600000000000000" pitchFamily="50" charset="-128"/>
+              </a:endParaRPr>
+            </a:p>
+          </p:txBody>
+        </p:sp>
+        <p:sp>
+          <p:nvSpPr>
+            <p:cNvPr id="103" name="フローチャート: 代替処理 102">
+              <a:extLst>
+                <a:ext uri="{FF2B5EF4-FFF2-40B4-BE49-F238E27FC236}">
+                  <a16:creationId xmlns:a16="http://schemas.microsoft.com/office/drawing/2014/main" id="{C814ED25-B88B-93A8-8336-200D62CCA70B}"/>
+                </a:ext>
+              </a:extLst>
+            </p:cNvPr>
+            <p:cNvSpPr/>
+            <p:nvPr/>
+          </p:nvSpPr>
+          <p:spPr>
+            <a:xfrm>
+              <a:off x="7036135" y="4278145"/>
+              <a:ext cx="230684" cy="1614795"/>
+            </a:xfrm>
+            <a:prstGeom prst="flowChartAlternateProcess">
+              <a:avLst/>
+            </a:prstGeom>
+            <a:solidFill>
+              <a:schemeClr val="bg1">
+                <a:lumMod val="85000"/>
+              </a:schemeClr>
+            </a:solidFill>
+            <a:ln>
+              <a:solidFill>
+                <a:schemeClr val="bg1">
+                  <a:lumMod val="65000"/>
+                </a:schemeClr>
+              </a:solidFill>
+            </a:ln>
+            <a:effectLst>
+              <a:innerShdw blurRad="63500" dist="50800">
+                <a:prstClr val="black">
+                  <a:alpha val="50000"/>
+                </a:prstClr>
+              </a:innerShdw>
+            </a:effectLst>
+            <a:scene3d>
+              <a:camera prst="orthographicFront"/>
+              <a:lightRig rig="threePt" dir="t"/>
+            </a:scene3d>
+            <a:sp3d>
+              <a:bevelT prst="relaxedInset"/>
+            </a:sp3d>
+          </p:spPr>
+          <p:style>
+            <a:lnRef idx="2">
+              <a:schemeClr val="accent1">
+                <a:shade val="15000"/>
+              </a:schemeClr>
+            </a:lnRef>
+            <a:fillRef idx="1">
+              <a:schemeClr val="accent1"/>
+            </a:fillRef>
+            <a:effectRef idx="0">
+              <a:schemeClr val="accent1"/>
+            </a:effectRef>
+            <a:fontRef idx="minor">
+              <a:schemeClr val="lt1"/>
+            </a:fontRef>
+          </p:style>
+          <p:txBody>
+            <a:bodyPr rtlCol="0" anchor="ctr"/>
+            <a:lstStyle/>
+            <a:p>
+              <a:pPr algn="ctr"/>
+              <a:endParaRPr kumimoji="1" lang="ja-JP" altLang="en-US" b="1">
+                <a:latin typeface="HG丸ｺﾞｼｯｸM-PRO" panose="020F0600000000000000" pitchFamily="50" charset="-128"/>
+                <a:ea typeface="HG丸ｺﾞｼｯｸM-PRO" panose="020F0600000000000000" pitchFamily="50" charset="-128"/>
+              </a:endParaRPr>
+            </a:p>
+          </p:txBody>
+        </p:sp>
+        <p:sp>
+          <p:nvSpPr>
+            <p:cNvPr id="104" name="フローチャート: 代替処理 103">
+              <a:extLst>
+                <a:ext uri="{FF2B5EF4-FFF2-40B4-BE49-F238E27FC236}">
+                  <a16:creationId xmlns:a16="http://schemas.microsoft.com/office/drawing/2014/main" id="{28CAB59F-2EDB-C658-9D7D-E6E9F78B4A7B}"/>
+                </a:ext>
+              </a:extLst>
+            </p:cNvPr>
+            <p:cNvSpPr/>
+            <p:nvPr/>
+          </p:nvSpPr>
+          <p:spPr>
+            <a:xfrm>
+              <a:off x="9746984" y="4278145"/>
+              <a:ext cx="230684" cy="1614795"/>
+            </a:xfrm>
+            <a:prstGeom prst="flowChartAlternateProcess">
+              <a:avLst/>
+            </a:prstGeom>
+            <a:solidFill>
+              <a:schemeClr val="bg1">
+                <a:lumMod val="85000"/>
+              </a:schemeClr>
+            </a:solidFill>
+            <a:ln>
+              <a:solidFill>
+                <a:schemeClr val="bg1">
+                  <a:lumMod val="65000"/>
+                </a:schemeClr>
+              </a:solidFill>
+            </a:ln>
+            <a:effectLst>
+              <a:innerShdw blurRad="63500" dist="50800" dir="10800000">
+                <a:prstClr val="black">
+                  <a:alpha val="50000"/>
+                </a:prstClr>
+              </a:innerShdw>
+            </a:effectLst>
+            <a:scene3d>
+              <a:camera prst="orthographicFront"/>
+              <a:lightRig rig="threePt" dir="t"/>
+            </a:scene3d>
+            <a:sp3d>
+              <a:bevelT prst="relaxedInset"/>
+            </a:sp3d>
+          </p:spPr>
+          <p:style>
+            <a:lnRef idx="2">
+              <a:schemeClr val="accent1">
+                <a:shade val="15000"/>
+              </a:schemeClr>
+            </a:lnRef>
+            <a:fillRef idx="1">
+              <a:schemeClr val="accent1"/>
+            </a:fillRef>
+            <a:effectRef idx="0">
+              <a:schemeClr val="accent1"/>
+            </a:effectRef>
+            <a:fontRef idx="minor">
+              <a:schemeClr val="lt1"/>
+            </a:fontRef>
+          </p:style>
+          <p:txBody>
+            <a:bodyPr rtlCol="0" anchor="ctr"/>
+            <a:lstStyle/>
+            <a:p>
+              <a:pPr algn="ctr"/>
+              <a:endParaRPr kumimoji="1" lang="ja-JP" altLang="en-US" b="1">
+                <a:latin typeface="HG丸ｺﾞｼｯｸM-PRO" panose="020F0600000000000000" pitchFamily="50" charset="-128"/>
+                <a:ea typeface="HG丸ｺﾞｼｯｸM-PRO" panose="020F0600000000000000" pitchFamily="50" charset="-128"/>
+              </a:endParaRPr>
+            </a:p>
+          </p:txBody>
+        </p:sp>
+        <p:sp>
+          <p:nvSpPr>
+            <p:cNvPr id="105" name="フローチャート: 代替処理 104">
+              <a:extLst>
+                <a:ext uri="{FF2B5EF4-FFF2-40B4-BE49-F238E27FC236}">
+                  <a16:creationId xmlns:a16="http://schemas.microsoft.com/office/drawing/2014/main" id="{C1B4DCEA-6D6E-A2D2-E861-C9FD13051EAC}"/>
+                </a:ext>
+              </a:extLst>
+            </p:cNvPr>
+            <p:cNvSpPr/>
+            <p:nvPr/>
+          </p:nvSpPr>
+          <p:spPr>
+            <a:xfrm rot="16200000">
+              <a:off x="8383092" y="5625725"/>
+              <a:ext cx="230684" cy="1614795"/>
+            </a:xfrm>
+            <a:prstGeom prst="flowChartAlternateProcess">
+              <a:avLst/>
+            </a:prstGeom>
+            <a:solidFill>
+              <a:schemeClr val="bg1">
+                <a:lumMod val="85000"/>
+              </a:schemeClr>
+            </a:solidFill>
+            <a:ln>
+              <a:solidFill>
+                <a:schemeClr val="bg1">
+                  <a:lumMod val="65000"/>
+                </a:schemeClr>
+              </a:solidFill>
+            </a:ln>
+            <a:effectLst>
+              <a:innerShdw blurRad="63500" dist="50800">
+                <a:prstClr val="black">
+                  <a:alpha val="50000"/>
+                </a:prstClr>
+              </a:innerShdw>
+            </a:effectLst>
+            <a:scene3d>
+              <a:camera prst="orthographicFront"/>
+              <a:lightRig rig="threePt" dir="t"/>
+            </a:scene3d>
+            <a:sp3d>
+              <a:bevelT prst="relaxedInset"/>
+            </a:sp3d>
+          </p:spPr>
+          <p:style>
+            <a:lnRef idx="2">
+              <a:schemeClr val="accent1">
+                <a:shade val="15000"/>
+              </a:schemeClr>
+            </a:lnRef>
+            <a:fillRef idx="1">
+              <a:schemeClr val="accent1"/>
+            </a:fillRef>
+            <a:effectRef idx="0">
+              <a:schemeClr val="accent1"/>
+            </a:effectRef>
+            <a:fontRef idx="minor">
+              <a:schemeClr val="lt1"/>
+            </a:fontRef>
+          </p:style>
+          <p:txBody>
+            <a:bodyPr rtlCol="0" anchor="ctr"/>
+            <a:lstStyle/>
+            <a:p>
+              <a:pPr algn="ctr"/>
+              <a:endParaRPr kumimoji="1" lang="ja-JP" altLang="en-US" b="1">
+                <a:latin typeface="HG丸ｺﾞｼｯｸM-PRO" panose="020F0600000000000000" pitchFamily="50" charset="-128"/>
+                <a:ea typeface="HG丸ｺﾞｼｯｸM-PRO" panose="020F0600000000000000" pitchFamily="50" charset="-128"/>
+              </a:endParaRPr>
+            </a:p>
+          </p:txBody>
+        </p:sp>
+        <p:sp>
+          <p:nvSpPr>
+            <p:cNvPr id="106" name="フローチャート: 代替処理 105">
+              <a:extLst>
+                <a:ext uri="{FF2B5EF4-FFF2-40B4-BE49-F238E27FC236}">
+                  <a16:creationId xmlns:a16="http://schemas.microsoft.com/office/drawing/2014/main" id="{3137D2D7-7873-852B-808A-15865EFAFE8F}"/>
+                </a:ext>
+              </a:extLst>
+            </p:cNvPr>
+            <p:cNvSpPr/>
+            <p:nvPr/>
+          </p:nvSpPr>
+          <p:spPr>
+            <a:xfrm rot="16200000">
+              <a:off x="8383093" y="2928987"/>
+              <a:ext cx="230684" cy="1614795"/>
+            </a:xfrm>
+            <a:prstGeom prst="flowChartAlternateProcess">
+              <a:avLst/>
+            </a:prstGeom>
+            <a:solidFill>
+              <a:schemeClr val="bg1">
+                <a:lumMod val="85000"/>
+              </a:schemeClr>
+            </a:solidFill>
+            <a:ln>
+              <a:solidFill>
+                <a:schemeClr val="bg1">
+                  <a:lumMod val="65000"/>
+                </a:schemeClr>
+              </a:solidFill>
+            </a:ln>
+            <a:effectLst>
+              <a:innerShdw blurRad="63500" dist="50800" dir="10800000">
+                <a:prstClr val="black">
+                  <a:alpha val="50000"/>
+                </a:prstClr>
+              </a:innerShdw>
+            </a:effectLst>
+            <a:scene3d>
+              <a:camera prst="orthographicFront"/>
+              <a:lightRig rig="threePt" dir="t"/>
+            </a:scene3d>
+            <a:sp3d>
+              <a:bevelT prst="relaxedInset"/>
+            </a:sp3d>
+          </p:spPr>
+          <p:style>
+            <a:lnRef idx="2">
+              <a:schemeClr val="accent1">
+                <a:shade val="15000"/>
+              </a:schemeClr>
+            </a:lnRef>
+            <a:fillRef idx="1">
+              <a:schemeClr val="accent1"/>
+            </a:fillRef>
+            <a:effectRef idx="0">
+              <a:schemeClr val="accent1"/>
+            </a:effectRef>
+            <a:fontRef idx="minor">
+              <a:schemeClr val="lt1"/>
+            </a:fontRef>
+          </p:style>
+          <p:txBody>
+            <a:bodyPr rtlCol="0" anchor="ctr"/>
+            <a:lstStyle/>
+            <a:p>
+              <a:pPr algn="ctr"/>
+              <a:endParaRPr kumimoji="1" lang="ja-JP" altLang="en-US" b="1">
+                <a:latin typeface="HG丸ｺﾞｼｯｸM-PRO" panose="020F0600000000000000" pitchFamily="50" charset="-128"/>
+                <a:ea typeface="HG丸ｺﾞｼｯｸM-PRO" panose="020F0600000000000000" pitchFamily="50" charset="-128"/>
+              </a:endParaRPr>
+            </a:p>
+          </p:txBody>
+        </p:sp>
+        <p:sp>
+          <p:nvSpPr>
+            <p:cNvPr id="107" name="正方形/長方形 106">
+              <a:extLst>
+                <a:ext uri="{FF2B5EF4-FFF2-40B4-BE49-F238E27FC236}">
+                  <a16:creationId xmlns:a16="http://schemas.microsoft.com/office/drawing/2014/main" id="{9ABAB3BB-48CC-FF91-9D9D-51A4B4A07ABC}"/>
+                </a:ext>
+              </a:extLst>
+            </p:cNvPr>
+            <p:cNvSpPr/>
+            <p:nvPr/>
+          </p:nvSpPr>
+          <p:spPr>
+            <a:xfrm>
+              <a:off x="7316280" y="3899675"/>
+              <a:ext cx="2394971" cy="2364262"/>
+            </a:xfrm>
+            <a:prstGeom prst="rect">
+              <a:avLst/>
+            </a:prstGeom>
+            <a:solidFill>
+              <a:schemeClr val="accent1">
+                <a:lumMod val="50000"/>
+              </a:schemeClr>
+            </a:solidFill>
+          </p:spPr>
+          <p:style>
+            <a:lnRef idx="2">
+              <a:schemeClr val="accent1">
+                <a:shade val="15000"/>
+              </a:schemeClr>
+            </a:lnRef>
+            <a:fillRef idx="1">
+              <a:schemeClr val="accent1"/>
+            </a:fillRef>
+            <a:effectRef idx="0">
+              <a:schemeClr val="accent1"/>
+            </a:effectRef>
+            <a:fontRef idx="minor">
+              <a:schemeClr val="lt1"/>
+            </a:fontRef>
+          </p:style>
+          <p:txBody>
+            <a:bodyPr rtlCol="0" anchor="ctr"/>
+            <a:lstStyle/>
+            <a:p>
+              <a:pPr algn="ctr"/>
+              <a:endParaRPr kumimoji="1" lang="ja-JP" altLang="en-US" b="1">
+                <a:latin typeface="HG丸ｺﾞｼｯｸM-PRO" panose="020F0600000000000000" pitchFamily="50" charset="-128"/>
+                <a:ea typeface="HG丸ｺﾞｼｯｸM-PRO" panose="020F0600000000000000" pitchFamily="50" charset="-128"/>
+              </a:endParaRPr>
+            </a:p>
+          </p:txBody>
+        </p:sp>
+        <p:sp>
+          <p:nvSpPr>
+            <p:cNvPr id="108" name="正方形/長方形 107">
+              <a:extLst>
+                <a:ext uri="{FF2B5EF4-FFF2-40B4-BE49-F238E27FC236}">
+                  <a16:creationId xmlns:a16="http://schemas.microsoft.com/office/drawing/2014/main" id="{187CEA1F-7F1F-ACCA-99B4-6A2C8D93B9D1}"/>
+                </a:ext>
+              </a:extLst>
+            </p:cNvPr>
+            <p:cNvSpPr/>
+            <p:nvPr/>
+          </p:nvSpPr>
+          <p:spPr>
+            <a:xfrm>
+              <a:off x="7708883" y="4302379"/>
+              <a:ext cx="1579101" cy="1558853"/>
+            </a:xfrm>
+            <a:prstGeom prst="rect">
+              <a:avLst/>
+            </a:prstGeom>
+            <a:solidFill>
+              <a:schemeClr val="accent6">
+                <a:lumMod val="20000"/>
+                <a:lumOff val="80000"/>
+              </a:schemeClr>
+            </a:solidFill>
+            <a:scene3d>
+              <a:camera prst="orthographicFront"/>
+              <a:lightRig rig="threePt" dir="t"/>
+            </a:scene3d>
+            <a:sp3d>
+              <a:bevelT prst="angle"/>
+            </a:sp3d>
+          </p:spPr>
+          <p:style>
+            <a:lnRef idx="2">
+              <a:schemeClr val="accent1">
+                <a:shade val="15000"/>
+              </a:schemeClr>
+            </a:lnRef>
+            <a:fillRef idx="1">
+              <a:schemeClr val="accent1"/>
+            </a:fillRef>
+            <a:effectRef idx="0">
+              <a:schemeClr val="accent1"/>
+            </a:effectRef>
+            <a:fontRef idx="minor">
+              <a:schemeClr val="lt1"/>
+            </a:fontRef>
+          </p:style>
+          <p:txBody>
+            <a:bodyPr rtlCol="0" anchor="ctr"/>
+            <a:lstStyle/>
+            <a:p>
+              <a:pPr algn="ctr"/>
+              <a:endParaRPr kumimoji="1" lang="ja-JP" altLang="en-US" b="1">
+                <a:latin typeface="HG丸ｺﾞｼｯｸM-PRO" panose="020F0600000000000000" pitchFamily="50" charset="-128"/>
+                <a:ea typeface="HG丸ｺﾞｼｯｸM-PRO" panose="020F0600000000000000" pitchFamily="50" charset="-128"/>
+              </a:endParaRPr>
+            </a:p>
+          </p:txBody>
+        </p:sp>
+        <p:sp>
+          <p:nvSpPr>
+            <p:cNvPr id="109" name="四角形: 角を丸くする 108">
+              <a:extLst>
+                <a:ext uri="{FF2B5EF4-FFF2-40B4-BE49-F238E27FC236}">
+                  <a16:creationId xmlns:a16="http://schemas.microsoft.com/office/drawing/2014/main" id="{3552F1E1-8479-52BC-566F-D9C5B5AB3CEF}"/>
+                </a:ext>
+              </a:extLst>
+            </p:cNvPr>
+            <p:cNvSpPr/>
+            <p:nvPr/>
+          </p:nvSpPr>
+          <p:spPr>
+            <a:xfrm>
+              <a:off x="7793291" y="5206923"/>
+              <a:ext cx="1403928" cy="531005"/>
+            </a:xfrm>
+            <a:prstGeom prst="roundRect">
+              <a:avLst/>
+            </a:prstGeom>
+            <a:solidFill>
+              <a:schemeClr val="accent1">
+                <a:lumMod val="50000"/>
+              </a:schemeClr>
+            </a:solidFill>
+          </p:spPr>
+          <p:style>
+            <a:lnRef idx="2">
+              <a:schemeClr val="accent1">
+                <a:shade val="15000"/>
+              </a:schemeClr>
+            </a:lnRef>
+            <a:fillRef idx="1">
+              <a:schemeClr val="accent1"/>
+            </a:fillRef>
+            <a:effectRef idx="0">
+              <a:schemeClr val="accent1"/>
+            </a:effectRef>
+            <a:fontRef idx="minor">
+              <a:schemeClr val="lt1"/>
+            </a:fontRef>
+          </p:style>
+          <p:txBody>
+            <a:bodyPr rtlCol="0" anchor="ctr"/>
+            <a:lstStyle/>
+            <a:p>
+              <a:r>
+                <a:rPr kumimoji="1" lang="ja-JP" altLang="en-US" sz="2400" b="1" dirty="0">
+                  <a:ln w="28575">
+                    <a:noFill/>
+                  </a:ln>
+                  <a:solidFill>
+                    <a:schemeClr val="accent1">
+                      <a:lumMod val="20000"/>
+                      <a:lumOff val="80000"/>
+                    </a:schemeClr>
+                  </a:solidFill>
+                  <a:latin typeface="HG丸ｺﾞｼｯｸM-PRO" panose="020F0600000000000000" pitchFamily="50" charset="-128"/>
+                  <a:ea typeface="HG丸ｺﾞｼｯｸM-PRO" panose="020F0600000000000000" pitchFamily="50" charset="-128"/>
+                </a:rPr>
+                <a:t>残</a:t>
+              </a:r>
+            </a:p>
+          </p:txBody>
+        </p:sp>
+        <p:grpSp>
+          <p:nvGrpSpPr>
+            <p:cNvPr id="110" name="グループ化 109">
+              <a:extLst>
+                <a:ext uri="{FF2B5EF4-FFF2-40B4-BE49-F238E27FC236}">
+                  <a16:creationId xmlns:a16="http://schemas.microsoft.com/office/drawing/2014/main" id="{EADEEEF6-2E0C-BE5F-B243-62F21CC3058F}"/>
+                </a:ext>
+              </a:extLst>
+            </p:cNvPr>
+            <p:cNvGrpSpPr/>
+            <p:nvPr/>
+          </p:nvGrpSpPr>
+          <p:grpSpPr>
+            <a:xfrm>
+              <a:off x="6921254" y="3513459"/>
+              <a:ext cx="3165442" cy="3161790"/>
+              <a:chOff x="6511077" y="1328271"/>
+              <a:chExt cx="3165442" cy="3161790"/>
+            </a:xfrm>
+          </p:grpSpPr>
+          <p:sp>
+            <p:nvSpPr>
+              <p:cNvPr id="111" name="フローチャート: 代替処理 110">
+                <a:extLst>
+                  <a:ext uri="{FF2B5EF4-FFF2-40B4-BE49-F238E27FC236}">
+                    <a16:creationId xmlns:a16="http://schemas.microsoft.com/office/drawing/2014/main" id="{C318E564-69F9-A1F5-AF01-5D70C52AD8A5}"/>
+                  </a:ext>
+                </a:extLst>
+              </p:cNvPr>
+              <p:cNvSpPr/>
+              <p:nvPr/>
+            </p:nvSpPr>
+            <p:spPr>
+              <a:xfrm rot="10800000">
+                <a:off x="8955215" y="1331210"/>
+                <a:ext cx="720000" cy="720000"/>
+              </a:xfrm>
+              <a:prstGeom prst="flowChartAlternateProcess">
+                <a:avLst/>
+              </a:prstGeom>
+              <a:solidFill>
+                <a:schemeClr val="accent4">
+                  <a:lumMod val="60000"/>
+                  <a:lumOff val="40000"/>
+                </a:schemeClr>
+              </a:solidFill>
+              <a:ln w="38100">
+                <a:solidFill>
+                  <a:schemeClr val="bg1"/>
+                </a:solidFill>
+              </a:ln>
+              <a:scene3d>
+                <a:camera prst="orthographicFront"/>
+                <a:lightRig rig="threePt" dir="t"/>
+              </a:scene3d>
+              <a:sp3d>
+                <a:bevelT/>
+              </a:sp3d>
+            </p:spPr>
+            <p:style>
+              <a:lnRef idx="2">
+                <a:schemeClr val="accent1">
+                  <a:shade val="15000"/>
+                </a:schemeClr>
+              </a:lnRef>
+              <a:fillRef idx="1">
+                <a:schemeClr val="accent1"/>
+              </a:fillRef>
+              <a:effectRef idx="0">
+                <a:schemeClr val="accent1"/>
+              </a:effectRef>
+              <a:fontRef idx="minor">
+                <a:schemeClr val="lt1"/>
+              </a:fontRef>
+            </p:style>
+            <p:txBody>
+              <a:bodyPr rtlCol="0" anchor="b"/>
+              <a:lstStyle/>
+              <a:p>
+                <a:pPr algn="ctr"/>
+                <a:r>
+                  <a:rPr kumimoji="1" lang="ja-JP" altLang="en-US" sz="4000" b="1" dirty="0">
+                    <a:ln w="3175">
+                      <a:solidFill>
+                        <a:schemeClr val="tx1"/>
+                      </a:solidFill>
+                    </a:ln>
+                    <a:latin typeface="HG丸ｺﾞｼｯｸM-PRO" panose="020F0600000000000000" pitchFamily="50" charset="-128"/>
+                    <a:ea typeface="HG丸ｺﾞｼｯｸM-PRO" panose="020F0600000000000000" pitchFamily="50" charset="-128"/>
+                  </a:rPr>
+                  <a:t>南</a:t>
+                </a:r>
+              </a:p>
+            </p:txBody>
+          </p:sp>
+          <p:sp>
+            <p:nvSpPr>
+              <p:cNvPr id="112" name="フローチャート: 代替処理 111">
+                <a:extLst>
+                  <a:ext uri="{FF2B5EF4-FFF2-40B4-BE49-F238E27FC236}">
+                    <a16:creationId xmlns:a16="http://schemas.microsoft.com/office/drawing/2014/main" id="{D53B0116-1F5A-AC8B-05F1-6DEC1924B36B}"/>
+                  </a:ext>
+                </a:extLst>
+              </p:cNvPr>
+              <p:cNvSpPr/>
+              <p:nvPr/>
+            </p:nvSpPr>
+            <p:spPr>
+              <a:xfrm rot="5400000">
+                <a:off x="6511743" y="1328271"/>
+                <a:ext cx="720000" cy="720000"/>
+              </a:xfrm>
+              <a:prstGeom prst="flowChartAlternateProcess">
+                <a:avLst/>
+              </a:prstGeom>
+              <a:solidFill>
+                <a:schemeClr val="accent2">
+                  <a:lumMod val="60000"/>
+                  <a:lumOff val="40000"/>
+                </a:schemeClr>
+              </a:solidFill>
+              <a:ln w="38100">
+                <a:solidFill>
+                  <a:schemeClr val="bg1"/>
+                </a:solidFill>
+              </a:ln>
+              <a:scene3d>
+                <a:camera prst="orthographicFront"/>
+                <a:lightRig rig="threePt" dir="t"/>
+              </a:scene3d>
+              <a:sp3d>
+                <a:bevelT/>
+              </a:sp3d>
+            </p:spPr>
+            <p:style>
+              <a:lnRef idx="2">
+                <a:schemeClr val="accent1">
+                  <a:shade val="15000"/>
+                </a:schemeClr>
+              </a:lnRef>
+              <a:fillRef idx="1">
+                <a:schemeClr val="accent1"/>
+              </a:fillRef>
+              <a:effectRef idx="0">
+                <a:schemeClr val="accent1"/>
+              </a:effectRef>
+              <a:fontRef idx="minor">
+                <a:schemeClr val="lt1"/>
+              </a:fontRef>
+            </p:style>
+            <p:txBody>
+              <a:bodyPr rtlCol="0" anchor="b"/>
+              <a:lstStyle/>
+              <a:p>
+                <a:pPr algn="ctr"/>
+                <a:r>
+                  <a:rPr kumimoji="1" lang="ja-JP" altLang="en-US" sz="4000" b="1" dirty="0">
+                    <a:ln w="3175">
+                      <a:solidFill>
+                        <a:schemeClr val="tx1"/>
+                      </a:solidFill>
+                    </a:ln>
+                    <a:latin typeface="HG丸ｺﾞｼｯｸM-PRO" panose="020F0600000000000000" pitchFamily="50" charset="-128"/>
+                    <a:ea typeface="HG丸ｺﾞｼｯｸM-PRO" panose="020F0600000000000000" pitchFamily="50" charset="-128"/>
+                  </a:rPr>
+                  <a:t>西</a:t>
+                </a:r>
+              </a:p>
+            </p:txBody>
+          </p:sp>
+          <p:sp>
+            <p:nvSpPr>
+              <p:cNvPr id="113" name="フローチャート: 代替処理 112">
+                <a:extLst>
+                  <a:ext uri="{FF2B5EF4-FFF2-40B4-BE49-F238E27FC236}">
+                    <a16:creationId xmlns:a16="http://schemas.microsoft.com/office/drawing/2014/main" id="{0BC7C076-31A2-870A-A337-775A17888EE4}"/>
+                  </a:ext>
+                </a:extLst>
+              </p:cNvPr>
+              <p:cNvSpPr/>
+              <p:nvPr/>
+            </p:nvSpPr>
+            <p:spPr>
+              <a:xfrm>
+                <a:off x="6511077" y="3770061"/>
+                <a:ext cx="720000" cy="720000"/>
+              </a:xfrm>
+              <a:prstGeom prst="flowChartAlternateProcess">
+                <a:avLst/>
+              </a:prstGeom>
+              <a:solidFill>
+                <a:schemeClr val="accent6">
+                  <a:lumMod val="60000"/>
+                  <a:lumOff val="40000"/>
+                </a:schemeClr>
+              </a:solidFill>
+              <a:ln w="38100">
+                <a:solidFill>
+                  <a:schemeClr val="bg1"/>
+                </a:solidFill>
+              </a:ln>
+              <a:scene3d>
+                <a:camera prst="orthographicFront"/>
+                <a:lightRig rig="threePt" dir="t"/>
+              </a:scene3d>
+              <a:sp3d>
+                <a:bevelT/>
+              </a:sp3d>
+            </p:spPr>
+            <p:style>
+              <a:lnRef idx="2">
+                <a:schemeClr val="accent1">
+                  <a:shade val="15000"/>
+                </a:schemeClr>
+              </a:lnRef>
+              <a:fillRef idx="1">
+                <a:schemeClr val="accent1"/>
+              </a:fillRef>
+              <a:effectRef idx="0">
+                <a:schemeClr val="accent1"/>
+              </a:effectRef>
+              <a:fontRef idx="minor">
+                <a:schemeClr val="lt1"/>
+              </a:fontRef>
+            </p:style>
+            <p:txBody>
+              <a:bodyPr rtlCol="0" anchor="b"/>
+              <a:lstStyle/>
+              <a:p>
+                <a:pPr algn="ctr"/>
+                <a:r>
+                  <a:rPr kumimoji="1" lang="ja-JP" altLang="en-US" sz="4000" b="1" dirty="0">
+                    <a:ln w="3175">
+                      <a:solidFill>
+                        <a:schemeClr val="tx1"/>
+                      </a:solidFill>
+                    </a:ln>
+                    <a:latin typeface="HG丸ｺﾞｼｯｸM-PRO" panose="020F0600000000000000" pitchFamily="50" charset="-128"/>
+                    <a:ea typeface="HG丸ｺﾞｼｯｸM-PRO" panose="020F0600000000000000" pitchFamily="50" charset="-128"/>
+                  </a:rPr>
+                  <a:t>北</a:t>
+                </a:r>
+              </a:p>
+            </p:txBody>
+          </p:sp>
+          <p:sp>
+            <p:nvSpPr>
+              <p:cNvPr id="114" name="フローチャート: 代替処理 113">
+                <a:extLst>
+                  <a:ext uri="{FF2B5EF4-FFF2-40B4-BE49-F238E27FC236}">
+                    <a16:creationId xmlns:a16="http://schemas.microsoft.com/office/drawing/2014/main" id="{951F9F5D-DBB0-2A48-C51D-63FF177A1A7E}"/>
+                  </a:ext>
+                </a:extLst>
+              </p:cNvPr>
+              <p:cNvSpPr/>
+              <p:nvPr/>
+            </p:nvSpPr>
+            <p:spPr>
+              <a:xfrm rot="16200000">
+                <a:off x="8956519" y="3770061"/>
+                <a:ext cx="720000" cy="720000"/>
+              </a:xfrm>
+              <a:prstGeom prst="flowChartAlternateProcess">
+                <a:avLst/>
+              </a:prstGeom>
+              <a:solidFill>
+                <a:srgbClr val="FF5050"/>
+              </a:solidFill>
+              <a:ln w="38100">
+                <a:solidFill>
+                  <a:schemeClr val="bg1"/>
+                </a:solidFill>
+              </a:ln>
+              <a:scene3d>
+                <a:camera prst="orthographicFront"/>
+                <a:lightRig rig="threePt" dir="t"/>
+              </a:scene3d>
+              <a:sp3d>
+                <a:bevelT/>
+              </a:sp3d>
+            </p:spPr>
+            <p:style>
+              <a:lnRef idx="2">
+                <a:schemeClr val="accent1">
+                  <a:shade val="15000"/>
+                </a:schemeClr>
+              </a:lnRef>
+              <a:fillRef idx="1">
+                <a:schemeClr val="accent1"/>
+              </a:fillRef>
+              <a:effectRef idx="0">
+                <a:schemeClr val="accent1"/>
+              </a:effectRef>
+              <a:fontRef idx="minor">
+                <a:schemeClr val="lt1"/>
+              </a:fontRef>
+            </p:style>
+            <p:txBody>
+              <a:bodyPr rtlCol="0" anchor="b"/>
+              <a:lstStyle/>
+              <a:p>
+                <a:pPr algn="ctr"/>
+                <a:r>
+                  <a:rPr kumimoji="1" lang="ja-JP" altLang="en-US" sz="4000" b="1" dirty="0">
+                    <a:ln w="19050">
+                      <a:noFill/>
+                    </a:ln>
+                    <a:solidFill>
+                      <a:schemeClr val="tx1"/>
+                    </a:solidFill>
+                    <a:latin typeface="HG丸ｺﾞｼｯｸM-PRO" panose="020F0600000000000000" pitchFamily="50" charset="-128"/>
+                    <a:ea typeface="HG丸ｺﾞｼｯｸM-PRO" panose="020F0600000000000000" pitchFamily="50" charset="-128"/>
+                  </a:rPr>
+                  <a:t>東</a:t>
+                </a:r>
+              </a:p>
+            </p:txBody>
+          </p:sp>
+        </p:grpSp>
+      </p:grpSp>
     </p:spTree>
     <p:extLst>
       <p:ext uri="{BB962C8B-B14F-4D97-AF65-F5344CB8AC3E}">
@@ -7253,329 +9786,12 @@
           </p:txBody>
         </p:sp>
       </p:grpSp>
-      <p:grpSp>
-        <p:nvGrpSpPr>
-          <p:cNvPr id="22" name="グループ化 21">
-            <a:extLst>
-              <a:ext uri="{FF2B5EF4-FFF2-40B4-BE49-F238E27FC236}">
-                <a16:creationId xmlns:a16="http://schemas.microsoft.com/office/drawing/2014/main" id="{3E8DD750-2A4B-7C1E-FBAF-553E7D9DD91C}"/>
-              </a:ext>
-            </a:extLst>
-          </p:cNvPr>
-          <p:cNvGrpSpPr/>
-          <p:nvPr/>
-        </p:nvGrpSpPr>
-        <p:grpSpPr>
-          <a:xfrm>
-            <a:off x="893705" y="527733"/>
-            <a:ext cx="3640871" cy="5630822"/>
-            <a:chOff x="893705" y="527733"/>
-            <a:chExt cx="3640871" cy="5630822"/>
-          </a:xfrm>
-        </p:grpSpPr>
-        <p:grpSp>
-          <p:nvGrpSpPr>
-            <p:cNvPr id="21" name="グループ化 20">
-              <a:extLst>
-                <a:ext uri="{FF2B5EF4-FFF2-40B4-BE49-F238E27FC236}">
-                  <a16:creationId xmlns:a16="http://schemas.microsoft.com/office/drawing/2014/main" id="{434B1D4D-5316-4BDB-DD20-AF1FB922A2EC}"/>
-                </a:ext>
-              </a:extLst>
-            </p:cNvPr>
-            <p:cNvGrpSpPr/>
-            <p:nvPr/>
-          </p:nvGrpSpPr>
-          <p:grpSpPr>
-            <a:xfrm>
-              <a:off x="893705" y="1461333"/>
-              <a:ext cx="3640871" cy="4697222"/>
-              <a:chOff x="893705" y="1461333"/>
-              <a:chExt cx="3640871" cy="4697222"/>
-            </a:xfrm>
-          </p:grpSpPr>
-          <p:pic>
-            <p:nvPicPr>
-              <p:cNvPr id="5" name="図 4">
-                <a:extLst>
-                  <a:ext uri="{FF2B5EF4-FFF2-40B4-BE49-F238E27FC236}">
-                    <a16:creationId xmlns:a16="http://schemas.microsoft.com/office/drawing/2014/main" id="{3D80875E-B8CC-5296-8486-02FFE02CFC00}"/>
-                  </a:ext>
-                </a:extLst>
-              </p:cNvPr>
-              <p:cNvPicPr>
-                <a:picLocks noChangeAspect="1"/>
-              </p:cNvPicPr>
-              <p:nvPr/>
-            </p:nvPicPr>
-            <p:blipFill>
-              <a:blip r:embed="rId2">
-                <a:extLst>
-                  <a:ext uri="{28A0092B-C50C-407E-A947-70E740481C1C}">
-                    <a14:useLocalDpi xmlns:a14="http://schemas.microsoft.com/office/drawing/2010/main" val="0"/>
-                  </a:ext>
-                </a:extLst>
-              </a:blip>
-              <a:stretch>
-                <a:fillRect/>
-              </a:stretch>
-            </p:blipFill>
-            <p:spPr>
-              <a:xfrm>
-                <a:off x="893705" y="4860644"/>
-                <a:ext cx="1920493" cy="1297911"/>
-              </a:xfrm>
-              <a:prstGeom prst="rect">
-                <a:avLst/>
-              </a:prstGeom>
-            </p:spPr>
-          </p:pic>
-          <p:pic>
-            <p:nvPicPr>
-              <p:cNvPr id="11" name="図 10" descr="テキスト が含まれている画像&#10;&#10;自動的に生成された説明">
-                <a:extLst>
-                  <a:ext uri="{FF2B5EF4-FFF2-40B4-BE49-F238E27FC236}">
-                    <a16:creationId xmlns:a16="http://schemas.microsoft.com/office/drawing/2014/main" id="{9FA1BAFD-2017-245F-84AB-AAF2CABED864}"/>
-                  </a:ext>
-                </a:extLst>
-              </p:cNvPr>
-              <p:cNvPicPr>
-                <a:picLocks noChangeAspect="1"/>
-              </p:cNvPicPr>
-              <p:nvPr/>
-            </p:nvPicPr>
-            <p:blipFill>
-              <a:blip r:embed="rId3">
-                <a:extLst>
-                  <a:ext uri="{28A0092B-C50C-407E-A947-70E740481C1C}">
-                    <a14:useLocalDpi xmlns:a14="http://schemas.microsoft.com/office/drawing/2010/main" val="0"/>
-                  </a:ext>
-                </a:extLst>
-              </a:blip>
-              <a:srcRect r="65884"/>
-              <a:stretch/>
-            </p:blipFill>
-            <p:spPr>
-              <a:xfrm rot="19702816">
-                <a:off x="1326993" y="2792524"/>
-                <a:ext cx="655199" cy="1440370"/>
-              </a:xfrm>
-              <a:prstGeom prst="rect">
-                <a:avLst/>
-              </a:prstGeom>
-              <a:effectLst>
-                <a:outerShdw dist="88900" dir="2700000" algn="tl" rotWithShape="0">
-                  <a:srgbClr val="D9CDE9"/>
-                </a:outerShdw>
-              </a:effectLst>
-            </p:spPr>
-          </p:pic>
-          <p:pic>
-            <p:nvPicPr>
-              <p:cNvPr id="13" name="図 12" descr="白いバックグラウンドの前に並んでいる&#10;&#10;中程度の精度で自動的に生成された説明">
-                <a:extLst>
-                  <a:ext uri="{FF2B5EF4-FFF2-40B4-BE49-F238E27FC236}">
-                    <a16:creationId xmlns:a16="http://schemas.microsoft.com/office/drawing/2014/main" id="{C614EB40-9E48-CDB4-BBE1-BC768CE87EF0}"/>
-                  </a:ext>
-                </a:extLst>
-              </p:cNvPr>
-              <p:cNvPicPr>
-                <a:picLocks noChangeAspect="1"/>
-              </p:cNvPicPr>
-              <p:nvPr/>
-            </p:nvPicPr>
-            <p:blipFill>
-              <a:blip r:embed="rId4">
-                <a:extLst>
-                  <a:ext uri="{28A0092B-C50C-407E-A947-70E740481C1C}">
-                    <a14:useLocalDpi xmlns:a14="http://schemas.microsoft.com/office/drawing/2010/main" val="0"/>
-                  </a:ext>
-                </a:extLst>
-              </a:blip>
-              <a:srcRect l="1" r="65894"/>
-              <a:stretch/>
-            </p:blipFill>
-            <p:spPr>
-              <a:xfrm rot="21414632">
-                <a:off x="2676197" y="1461333"/>
-                <a:ext cx="655199" cy="1440836"/>
-              </a:xfrm>
-              <a:prstGeom prst="rect">
-                <a:avLst/>
-              </a:prstGeom>
-              <a:effectLst>
-                <a:outerShdw dist="88900" dir="2700000" algn="tl" rotWithShape="0">
-                  <a:srgbClr val="D9CDE9"/>
-                </a:outerShdw>
-              </a:effectLst>
-            </p:spPr>
-          </p:pic>
-          <p:pic>
-            <p:nvPicPr>
-              <p:cNvPr id="17" name="図 16" descr="テキスト が含まれている画像&#10;&#10;自動的に生成された説明">
-                <a:extLst>
-                  <a:ext uri="{FF2B5EF4-FFF2-40B4-BE49-F238E27FC236}">
-                    <a16:creationId xmlns:a16="http://schemas.microsoft.com/office/drawing/2014/main" id="{E2D111AC-CB11-517A-701D-6B82D4245147}"/>
-                  </a:ext>
-                </a:extLst>
-              </p:cNvPr>
-              <p:cNvPicPr>
-                <a:picLocks noChangeAspect="1"/>
-              </p:cNvPicPr>
-              <p:nvPr/>
-            </p:nvPicPr>
-            <p:blipFill>
-              <a:blip r:embed="rId5">
-                <a:extLst>
-                  <a:ext uri="{28A0092B-C50C-407E-A947-70E740481C1C}">
-                    <a14:useLocalDpi xmlns:a14="http://schemas.microsoft.com/office/drawing/2010/main" val="0"/>
-                  </a:ext>
-                </a:extLst>
-              </a:blip>
-              <a:stretch>
-                <a:fillRect/>
-              </a:stretch>
-            </p:blipFill>
-            <p:spPr>
-              <a:xfrm>
-                <a:off x="2849097" y="4216204"/>
-                <a:ext cx="1685479" cy="1264109"/>
-              </a:xfrm>
-              <a:prstGeom prst="rect">
-                <a:avLst/>
-              </a:prstGeom>
-              <a:effectLst>
-                <a:outerShdw dist="88900" dir="2700000" algn="tl" rotWithShape="0">
-                  <a:srgbClr val="D9CDE9"/>
-                </a:outerShdw>
-              </a:effectLst>
-            </p:spPr>
-          </p:pic>
-          <p:pic>
-            <p:nvPicPr>
-              <p:cNvPr id="18" name="図 17" descr="白いバックグラウンドの前に並んでいる&#10;&#10;中程度の精度で自動的に生成された説明">
-                <a:extLst>
-                  <a:ext uri="{FF2B5EF4-FFF2-40B4-BE49-F238E27FC236}">
-                    <a16:creationId xmlns:a16="http://schemas.microsoft.com/office/drawing/2014/main" id="{EDDD8D61-9311-27C0-E7A1-C7936FBD3E7E}"/>
-                  </a:ext>
-                </a:extLst>
-              </p:cNvPr>
-              <p:cNvPicPr>
-                <a:picLocks noChangeAspect="1"/>
-              </p:cNvPicPr>
-              <p:nvPr/>
-            </p:nvPicPr>
-            <p:blipFill>
-              <a:blip r:embed="rId4">
-                <a:extLst>
-                  <a:ext uri="{28A0092B-C50C-407E-A947-70E740481C1C}">
-                    <a14:useLocalDpi xmlns:a14="http://schemas.microsoft.com/office/drawing/2010/main" val="0"/>
-                  </a:ext>
-                </a:extLst>
-              </a:blip>
-              <a:srcRect l="65894" r="1"/>
-              <a:stretch/>
-            </p:blipFill>
-            <p:spPr>
-              <a:xfrm rot="19778394">
-                <a:off x="3546510" y="2708582"/>
-                <a:ext cx="655199" cy="1440836"/>
-              </a:xfrm>
-              <a:prstGeom prst="rect">
-                <a:avLst/>
-              </a:prstGeom>
-              <a:effectLst>
-                <a:outerShdw dist="88900" dir="2700000" algn="tl" rotWithShape="0">
-                  <a:srgbClr val="D9CDE9"/>
-                </a:outerShdw>
-              </a:effectLst>
-            </p:spPr>
-          </p:pic>
-        </p:grpSp>
-        <p:pic>
-          <p:nvPicPr>
-            <p:cNvPr id="20" name="図 19" descr="テキスト が含まれている画像&#10;&#10;自動的に生成された説明">
-              <a:extLst>
-                <a:ext uri="{FF2B5EF4-FFF2-40B4-BE49-F238E27FC236}">
-                  <a16:creationId xmlns:a16="http://schemas.microsoft.com/office/drawing/2014/main" id="{ACA9F7F8-CFAF-55F6-7A6C-E58EE7E779BB}"/>
-                </a:ext>
-              </a:extLst>
-            </p:cNvPr>
-            <p:cNvPicPr>
-              <a:picLocks noChangeAspect="1"/>
-            </p:cNvPicPr>
-            <p:nvPr/>
-          </p:nvPicPr>
-          <p:blipFill>
-            <a:blip r:embed="rId3">
-              <a:extLst>
-                <a:ext uri="{28A0092B-C50C-407E-A947-70E740481C1C}">
-                  <a14:useLocalDpi xmlns:a14="http://schemas.microsoft.com/office/drawing/2010/main" val="0"/>
-                </a:ext>
-              </a:extLst>
-            </a:blip>
-            <a:srcRect l="65884"/>
-            <a:stretch/>
-          </p:blipFill>
-          <p:spPr>
-            <a:xfrm rot="20890740">
-              <a:off x="1740448" y="527733"/>
-              <a:ext cx="655199" cy="1440370"/>
-            </a:xfrm>
-            <a:prstGeom prst="rect">
-              <a:avLst/>
-            </a:prstGeom>
-            <a:effectLst>
-              <a:outerShdw dist="88900" dir="2700000" algn="tl" rotWithShape="0">
-                <a:srgbClr val="D9CDE9"/>
-              </a:outerShdw>
-            </a:effectLst>
-          </p:spPr>
-        </p:pic>
-      </p:grpSp>
-    </p:spTree>
-    <p:extLst>
-      <p:ext uri="{BB962C8B-B14F-4D97-AF65-F5344CB8AC3E}">
-        <p14:creationId xmlns:p14="http://schemas.microsoft.com/office/powerpoint/2010/main" val="3596273616"/>
-      </p:ext>
-    </p:extLst>
-  </p:cSld>
-  <p:clrMapOvr>
-    <a:masterClrMapping/>
-  </p:clrMapOvr>
-</p:sld>
-</file>
-
-<file path=ppt/slides/slide4.xml><?xml version="1.0" encoding="utf-8"?>
-<p:sld xmlns:a="http://schemas.openxmlformats.org/drawingml/2006/main" xmlns:r="http://schemas.openxmlformats.org/officeDocument/2006/relationships" xmlns:p="http://schemas.openxmlformats.org/presentationml/2006/main">
-  <p:cSld>
-    <p:bg>
-      <p:bgPr>
-        <a:solidFill>
-          <a:schemeClr val="bg1"/>
-        </a:solidFill>
-        <a:effectLst/>
-      </p:bgPr>
-    </p:bg>
-    <p:spTree>
-      <p:nvGrpSpPr>
-        <p:cNvPr id="1" name=""/>
-        <p:cNvGrpSpPr/>
-        <p:nvPr/>
-      </p:nvGrpSpPr>
-      <p:grpSpPr>
-        <a:xfrm>
-          <a:off x="0" y="0"/>
-          <a:ext cx="0" cy="0"/>
-          <a:chOff x="0" y="0"/>
-          <a:chExt cx="0" cy="0"/>
-        </a:xfrm>
-      </p:grpSpPr>
       <p:pic>
         <p:nvPicPr>
           <p:cNvPr id="5" name="図 4">
             <a:extLst>
               <a:ext uri="{FF2B5EF4-FFF2-40B4-BE49-F238E27FC236}">
-                <a16:creationId xmlns:a16="http://schemas.microsoft.com/office/drawing/2014/main" id="{C7A67D10-633A-F507-E59A-7DEC877382D4}"/>
+                <a16:creationId xmlns:a16="http://schemas.microsoft.com/office/drawing/2014/main" id="{3D80875E-B8CC-5296-8486-02FFE02CFC00}"/>
               </a:ext>
             </a:extLst>
           </p:cNvPr>
@@ -7585,15 +9801,21 @@
           <p:nvPr/>
         </p:nvPicPr>
         <p:blipFill>
-          <a:blip r:embed="rId2"/>
+          <a:blip r:embed="rId2">
+            <a:extLst>
+              <a:ext uri="{28A0092B-C50C-407E-A947-70E740481C1C}">
+                <a14:useLocalDpi xmlns:a14="http://schemas.microsoft.com/office/drawing/2010/main" val="0"/>
+              </a:ext>
+            </a:extLst>
+          </a:blip>
           <a:stretch>
             <a:fillRect/>
           </a:stretch>
         </p:blipFill>
         <p:spPr>
           <a:xfrm>
-            <a:off x="3034974" y="643466"/>
-            <a:ext cx="6122051" cy="5571067"/>
+            <a:off x="472630" y="5733288"/>
+            <a:ext cx="1920493" cy="1297911"/>
           </a:xfrm>
           <a:prstGeom prst="rect">
             <a:avLst/>
@@ -7603,7 +9825,7 @@
     </p:spTree>
     <p:extLst>
       <p:ext uri="{BB962C8B-B14F-4D97-AF65-F5344CB8AC3E}">
-        <p14:creationId xmlns:p14="http://schemas.microsoft.com/office/powerpoint/2010/main" val="2626411632"/>
+        <p14:creationId xmlns:p14="http://schemas.microsoft.com/office/powerpoint/2010/main" val="3596273616"/>
       </p:ext>
     </p:extLst>
   </p:cSld>

--- a/public/assets/images/図作成用.pptx
+++ b/public/assets/images/図作成用.pptx
@@ -199,7 +199,7 @@
           <a:p>
             <a:fld id="{2B8CF655-508B-450C-94C8-832930E49C1B}" type="datetimeFigureOut">
               <a:rPr kumimoji="1" lang="ja-JP" altLang="en-US" smtClean="0"/>
-              <a:t>2025/6/14</a:t>
+              <a:t>2025/6/28</a:t>
             </a:fld>
             <a:endParaRPr kumimoji="1" lang="ja-JP" altLang="en-US"/>
           </a:p>
@@ -582,6 +582,90 @@
 </p:notes>
 </file>
 
+<file path=ppt/notesSlides/notesSlide2.xml><?xml version="1.0" encoding="utf-8"?>
+<p:notes xmlns:a="http://schemas.openxmlformats.org/drawingml/2006/main" xmlns:r="http://schemas.openxmlformats.org/officeDocument/2006/relationships" xmlns:p="http://schemas.openxmlformats.org/presentationml/2006/main">
+  <p:cSld>
+    <p:spTree>
+      <p:nvGrpSpPr>
+        <p:cNvPr id="1" name=""/>
+        <p:cNvGrpSpPr/>
+        <p:nvPr/>
+      </p:nvGrpSpPr>
+      <p:grpSpPr>
+        <a:xfrm>
+          <a:off x="0" y="0"/>
+          <a:ext cx="0" cy="0"/>
+          <a:chOff x="0" y="0"/>
+          <a:chExt cx="0" cy="0"/>
+        </a:xfrm>
+      </p:grpSpPr>
+      <p:sp>
+        <p:nvSpPr>
+          <p:cNvPr id="2" name="スライド イメージ プレースホルダー 1"/>
+          <p:cNvSpPr>
+            <a:spLocks noGrp="1" noRot="1" noChangeAspect="1"/>
+          </p:cNvSpPr>
+          <p:nvPr>
+            <p:ph type="sldImg"/>
+          </p:nvPr>
+        </p:nvSpPr>
+        <p:spPr/>
+      </p:sp>
+      <p:sp>
+        <p:nvSpPr>
+          <p:cNvPr id="3" name="ノート プレースホルダー 2"/>
+          <p:cNvSpPr>
+            <a:spLocks noGrp="1"/>
+          </p:cNvSpPr>
+          <p:nvPr>
+            <p:ph type="body" idx="1"/>
+          </p:nvPr>
+        </p:nvSpPr>
+        <p:spPr/>
+        <p:txBody>
+          <a:bodyPr/>
+          <a:lstStyle/>
+          <a:p>
+            <a:endParaRPr kumimoji="1" lang="ja-JP" altLang="en-US" dirty="0"/>
+          </a:p>
+        </p:txBody>
+      </p:sp>
+      <p:sp>
+        <p:nvSpPr>
+          <p:cNvPr id="4" name="スライド番号プレースホルダー 3"/>
+          <p:cNvSpPr>
+            <a:spLocks noGrp="1"/>
+          </p:cNvSpPr>
+          <p:nvPr>
+            <p:ph type="sldNum" sz="quarter" idx="5"/>
+          </p:nvPr>
+        </p:nvSpPr>
+        <p:spPr/>
+        <p:txBody>
+          <a:bodyPr/>
+          <a:lstStyle/>
+          <a:p>
+            <a:fld id="{AB2C0F31-49AB-4B88-865E-A233548DDF7D}" type="slidenum">
+              <a:rPr kumimoji="1" lang="ja-JP" altLang="en-US" smtClean="0"/>
+              <a:t>2</a:t>
+            </a:fld>
+            <a:endParaRPr kumimoji="1" lang="ja-JP" altLang="en-US"/>
+          </a:p>
+        </p:txBody>
+      </p:sp>
+    </p:spTree>
+    <p:extLst>
+      <p:ext uri="{BB962C8B-B14F-4D97-AF65-F5344CB8AC3E}">
+        <p14:creationId xmlns:p14="http://schemas.microsoft.com/office/powerpoint/2010/main" val="3088083264"/>
+      </p:ext>
+    </p:extLst>
+  </p:cSld>
+  <p:clrMapOvr>
+    <a:masterClrMapping/>
+  </p:clrMapOvr>
+</p:notes>
+</file>
+
 <file path=ppt/slideLayouts/slideLayout1.xml><?xml version="1.0" encoding="utf-8"?>
 <p:sldLayout xmlns:a="http://schemas.openxmlformats.org/drawingml/2006/main" xmlns:r="http://schemas.openxmlformats.org/officeDocument/2006/relationships" xmlns:p="http://schemas.openxmlformats.org/presentationml/2006/main" type="title" preserve="1">
   <p:cSld name="タイトル スライド">
@@ -729,7 +813,7 @@
           <a:p>
             <a:fld id="{5AC917AA-9460-47BC-9370-797960620197}" type="datetimeFigureOut">
               <a:rPr kumimoji="1" lang="ja-JP" altLang="en-US" smtClean="0"/>
-              <a:t>2025/6/14</a:t>
+              <a:t>2025/6/28</a:t>
             </a:fld>
             <a:endParaRPr kumimoji="1" lang="ja-JP" altLang="en-US"/>
           </a:p>
@@ -959,7 +1043,7 @@
           <a:p>
             <a:fld id="{5AC917AA-9460-47BC-9370-797960620197}" type="datetimeFigureOut">
               <a:rPr kumimoji="1" lang="ja-JP" altLang="en-US" smtClean="0"/>
-              <a:t>2025/6/14</a:t>
+              <a:t>2025/6/28</a:t>
             </a:fld>
             <a:endParaRPr kumimoji="1" lang="ja-JP" altLang="en-US"/>
           </a:p>
@@ -1199,7 +1283,7 @@
           <a:p>
             <a:fld id="{5AC917AA-9460-47BC-9370-797960620197}" type="datetimeFigureOut">
               <a:rPr kumimoji="1" lang="ja-JP" altLang="en-US" smtClean="0"/>
-              <a:t>2025/6/14</a:t>
+              <a:t>2025/6/28</a:t>
             </a:fld>
             <a:endParaRPr kumimoji="1" lang="ja-JP" altLang="en-US"/>
           </a:p>
@@ -1429,7 +1513,7 @@
           <a:p>
             <a:fld id="{5AC917AA-9460-47BC-9370-797960620197}" type="datetimeFigureOut">
               <a:rPr kumimoji="1" lang="ja-JP" altLang="en-US" smtClean="0"/>
-              <a:t>2025/6/14</a:t>
+              <a:t>2025/6/28</a:t>
             </a:fld>
             <a:endParaRPr kumimoji="1" lang="ja-JP" altLang="en-US"/>
           </a:p>
@@ -1704,7 +1788,7 @@
           <a:p>
             <a:fld id="{5AC917AA-9460-47BC-9370-797960620197}" type="datetimeFigureOut">
               <a:rPr kumimoji="1" lang="ja-JP" altLang="en-US" smtClean="0"/>
-              <a:t>2025/6/14</a:t>
+              <a:t>2025/6/28</a:t>
             </a:fld>
             <a:endParaRPr kumimoji="1" lang="ja-JP" altLang="en-US"/>
           </a:p>
@@ -2033,7 +2117,7 @@
           <a:p>
             <a:fld id="{5AC917AA-9460-47BC-9370-797960620197}" type="datetimeFigureOut">
               <a:rPr kumimoji="1" lang="ja-JP" altLang="en-US" smtClean="0"/>
-              <a:t>2025/6/14</a:t>
+              <a:t>2025/6/28</a:t>
             </a:fld>
             <a:endParaRPr kumimoji="1" lang="ja-JP" altLang="en-US"/>
           </a:p>
@@ -2509,7 +2593,7 @@
           <a:p>
             <a:fld id="{5AC917AA-9460-47BC-9370-797960620197}" type="datetimeFigureOut">
               <a:rPr kumimoji="1" lang="ja-JP" altLang="en-US" smtClean="0"/>
-              <a:t>2025/6/14</a:t>
+              <a:t>2025/6/28</a:t>
             </a:fld>
             <a:endParaRPr kumimoji="1" lang="ja-JP" altLang="en-US"/>
           </a:p>
@@ -2650,7 +2734,7 @@
           <a:p>
             <a:fld id="{5AC917AA-9460-47BC-9370-797960620197}" type="datetimeFigureOut">
               <a:rPr kumimoji="1" lang="ja-JP" altLang="en-US" smtClean="0"/>
-              <a:t>2025/6/14</a:t>
+              <a:t>2025/6/28</a:t>
             </a:fld>
             <a:endParaRPr kumimoji="1" lang="ja-JP" altLang="en-US"/>
           </a:p>
@@ -2763,7 +2847,7 @@
           <a:p>
             <a:fld id="{5AC917AA-9460-47BC-9370-797960620197}" type="datetimeFigureOut">
               <a:rPr kumimoji="1" lang="ja-JP" altLang="en-US" smtClean="0"/>
-              <a:t>2025/6/14</a:t>
+              <a:t>2025/6/28</a:t>
             </a:fld>
             <a:endParaRPr kumimoji="1" lang="ja-JP" altLang="en-US"/>
           </a:p>
@@ -3106,7 +3190,7 @@
           <a:p>
             <a:fld id="{5AC917AA-9460-47BC-9370-797960620197}" type="datetimeFigureOut">
               <a:rPr kumimoji="1" lang="ja-JP" altLang="en-US" smtClean="0"/>
-              <a:t>2025/6/14</a:t>
+              <a:t>2025/6/28</a:t>
             </a:fld>
             <a:endParaRPr kumimoji="1" lang="ja-JP" altLang="en-US"/>
           </a:p>
@@ -3394,7 +3478,7 @@
           <a:p>
             <a:fld id="{5AC917AA-9460-47BC-9370-797960620197}" type="datetimeFigureOut">
               <a:rPr kumimoji="1" lang="ja-JP" altLang="en-US" smtClean="0"/>
-              <a:t>2025/6/14</a:t>
+              <a:t>2025/6/28</a:t>
             </a:fld>
             <a:endParaRPr kumimoji="1" lang="ja-JP" altLang="en-US"/>
           </a:p>
@@ -3667,7 +3751,7 @@
           <a:p>
             <a:fld id="{5AC917AA-9460-47BC-9370-797960620197}" type="datetimeFigureOut">
               <a:rPr kumimoji="1" lang="ja-JP" altLang="en-US" smtClean="0"/>
-              <a:t>2025/6/14</a:t>
+              <a:t>2025/6/28</a:t>
             </a:fld>
             <a:endParaRPr kumimoji="1" lang="ja-JP" altLang="en-US"/>
           </a:p>
@@ -4084,529 +4168,6 @@
           <a:chExt cx="0" cy="0"/>
         </a:xfrm>
       </p:grpSpPr>
-      <p:grpSp>
-        <p:nvGrpSpPr>
-          <p:cNvPr id="30" name="グループ化 29">
-            <a:extLst>
-              <a:ext uri="{FF2B5EF4-FFF2-40B4-BE49-F238E27FC236}">
-                <a16:creationId xmlns:a16="http://schemas.microsoft.com/office/drawing/2014/main" id="{03540E01-1D3B-D282-394F-FA852772FF25}"/>
-              </a:ext>
-            </a:extLst>
-          </p:cNvPr>
-          <p:cNvGrpSpPr/>
-          <p:nvPr/>
-        </p:nvGrpSpPr>
-        <p:grpSpPr>
-          <a:xfrm>
-            <a:off x="10627303" y="4316558"/>
-            <a:ext cx="2686050" cy="1038225"/>
-            <a:chOff x="10627303" y="4316558"/>
-            <a:chExt cx="2686050" cy="1038225"/>
-          </a:xfrm>
-        </p:grpSpPr>
-        <p:pic>
-          <p:nvPicPr>
-            <p:cNvPr id="7" name="図 6" descr="グラフィカル ユーザー インターフェイス が含まれている画像&#10;&#10;自動的に生成された説明">
-              <a:extLst>
-                <a:ext uri="{FF2B5EF4-FFF2-40B4-BE49-F238E27FC236}">
-                  <a16:creationId xmlns:a16="http://schemas.microsoft.com/office/drawing/2014/main" id="{54925800-4676-D578-6C28-0E67D6E78873}"/>
-                </a:ext>
-              </a:extLst>
-            </p:cNvPr>
-            <p:cNvPicPr>
-              <a:picLocks noChangeAspect="1"/>
-            </p:cNvPicPr>
-            <p:nvPr/>
-          </p:nvPicPr>
-          <p:blipFill>
-            <a:blip r:embed="rId3">
-              <a:extLst>
-                <a:ext uri="{28A0092B-C50C-407E-A947-70E740481C1C}">
-                  <a14:useLocalDpi xmlns:a14="http://schemas.microsoft.com/office/drawing/2010/main" val="0"/>
-                </a:ext>
-              </a:extLst>
-            </a:blip>
-            <a:stretch>
-              <a:fillRect/>
-            </a:stretch>
-          </p:blipFill>
-          <p:spPr>
-            <a:xfrm>
-              <a:off x="10627303" y="4316558"/>
-              <a:ext cx="2686050" cy="1038225"/>
-            </a:xfrm>
-            <a:prstGeom prst="rect">
-              <a:avLst/>
-            </a:prstGeom>
-          </p:spPr>
-        </p:pic>
-        <p:sp>
-          <p:nvSpPr>
-            <p:cNvPr id="9" name="正方形/長方形 8">
-              <a:extLst>
-                <a:ext uri="{FF2B5EF4-FFF2-40B4-BE49-F238E27FC236}">
-                  <a16:creationId xmlns:a16="http://schemas.microsoft.com/office/drawing/2014/main" id="{FBF1BFDB-F552-BCE9-6DEB-096080A7A5BD}"/>
-                </a:ext>
-              </a:extLst>
-            </p:cNvPr>
-            <p:cNvSpPr/>
-            <p:nvPr/>
-          </p:nvSpPr>
-          <p:spPr>
-            <a:xfrm>
-              <a:off x="10736657" y="4450949"/>
-              <a:ext cx="2467342" cy="769441"/>
-            </a:xfrm>
-            <a:prstGeom prst="rect">
-              <a:avLst/>
-            </a:prstGeom>
-            <a:noFill/>
-          </p:spPr>
-          <p:txBody>
-            <a:bodyPr wrap="none" lIns="91440" tIns="45720" rIns="91440" bIns="45720">
-              <a:spAutoFit/>
-            </a:bodyPr>
-            <a:lstStyle/>
-            <a:p>
-              <a:pPr algn="ctr"/>
-              <a:r>
-                <a:rPr lang="ja-JP" altLang="en-US" sz="4400" b="1" cap="none" spc="50" dirty="0">
-                  <a:ln w="0"/>
-                  <a:solidFill>
-                    <a:schemeClr val="bg2"/>
-                  </a:solidFill>
-                  <a:effectLst>
-                    <a:glow rad="101600">
-                      <a:schemeClr val="bg1">
-                        <a:lumMod val="50000"/>
-                        <a:alpha val="60000"/>
-                      </a:schemeClr>
-                    </a:glow>
-                    <a:outerShdw blurRad="50800" dist="38100" dir="2700000" algn="tl" rotWithShape="0">
-                      <a:prstClr val="black">
-                        <a:alpha val="40000"/>
-                      </a:prstClr>
-                    </a:outerShdw>
-                  </a:effectLst>
-                  <a:latin typeface="HGS創英ﾌﾟﾚｾﾞﾝｽEB" panose="02020800000000000000" pitchFamily="18" charset="-128"/>
-                  <a:ea typeface="HGS創英ﾌﾟﾚｾﾞﾝｽEB" panose="02020800000000000000" pitchFamily="18" charset="-128"/>
-                </a:rPr>
-                <a:t>スキップ</a:t>
-              </a:r>
-            </a:p>
-          </p:txBody>
-        </p:sp>
-      </p:grpSp>
-      <p:pic>
-        <p:nvPicPr>
-          <p:cNvPr id="11" name="図 10" descr="図形, 四角形&#10;&#10;自動的に生成された説明">
-            <a:extLst>
-              <a:ext uri="{FF2B5EF4-FFF2-40B4-BE49-F238E27FC236}">
-                <a16:creationId xmlns:a16="http://schemas.microsoft.com/office/drawing/2014/main" id="{4F8B6704-DD55-BEB8-4D61-FC1B49E049EC}"/>
-              </a:ext>
-            </a:extLst>
-          </p:cNvPr>
-          <p:cNvPicPr>
-            <a:picLocks noChangeAspect="1"/>
-          </p:cNvPicPr>
-          <p:nvPr/>
-        </p:nvPicPr>
-        <p:blipFill>
-          <a:blip r:embed="rId4">
-            <a:extLst>
-              <a:ext uri="{28A0092B-C50C-407E-A947-70E740481C1C}">
-                <a14:useLocalDpi xmlns:a14="http://schemas.microsoft.com/office/drawing/2010/main" val="0"/>
-              </a:ext>
-            </a:extLst>
-          </a:blip>
-          <a:stretch>
-            <a:fillRect/>
-          </a:stretch>
-        </p:blipFill>
-        <p:spPr>
-          <a:xfrm>
-            <a:off x="4752975" y="5412942"/>
-            <a:ext cx="2686050" cy="1038225"/>
-          </a:xfrm>
-          <a:prstGeom prst="rect">
-            <a:avLst/>
-          </a:prstGeom>
-        </p:spPr>
-      </p:pic>
-      <p:sp>
-        <p:nvSpPr>
-          <p:cNvPr id="12" name="正方形/長方形 11">
-            <a:extLst>
-              <a:ext uri="{FF2B5EF4-FFF2-40B4-BE49-F238E27FC236}">
-                <a16:creationId xmlns:a16="http://schemas.microsoft.com/office/drawing/2014/main" id="{840A58E4-7DEF-51F5-8C2E-DC086FA3A3A7}"/>
-              </a:ext>
-            </a:extLst>
-          </p:cNvPr>
-          <p:cNvSpPr/>
-          <p:nvPr/>
-        </p:nvSpPr>
-        <p:spPr>
-          <a:xfrm>
-            <a:off x="5378496" y="5491914"/>
-            <a:ext cx="1435008" cy="830997"/>
-          </a:xfrm>
-          <a:prstGeom prst="rect">
-            <a:avLst/>
-          </a:prstGeom>
-          <a:noFill/>
-        </p:spPr>
-        <p:txBody>
-          <a:bodyPr wrap="none" lIns="91440" tIns="45720" rIns="91440" bIns="45720">
-            <a:spAutoFit/>
-          </a:bodyPr>
-          <a:lstStyle/>
-          <a:p>
-            <a:pPr algn="ctr"/>
-            <a:r>
-              <a:rPr lang="ja-JP" altLang="en-US" sz="4800" b="1" cap="none" spc="50" dirty="0">
-                <a:ln w="0"/>
-                <a:solidFill>
-                  <a:schemeClr val="bg2"/>
-                </a:solidFill>
-                <a:effectLst>
-                  <a:glow rad="228600">
-                    <a:schemeClr val="accent2">
-                      <a:satMod val="175000"/>
-                      <a:alpha val="40000"/>
-                    </a:schemeClr>
-                  </a:glow>
-                  <a:outerShdw blurRad="50800" dist="38100" dir="2700000" algn="tl" rotWithShape="0">
-                    <a:prstClr val="black">
-                      <a:alpha val="40000"/>
-                    </a:prstClr>
-                  </a:outerShdw>
-                </a:effectLst>
-                <a:latin typeface="HGS創英ﾌﾟﾚｾﾞﾝｽEB" panose="02020800000000000000" pitchFamily="18" charset="-128"/>
-                <a:ea typeface="HGS創英ﾌﾟﾚｾﾞﾝｽEB" panose="02020800000000000000" pitchFamily="18" charset="-128"/>
-              </a:rPr>
-              <a:t>ツモ</a:t>
-            </a:r>
-          </a:p>
-        </p:txBody>
-      </p:sp>
-      <p:pic>
-        <p:nvPicPr>
-          <p:cNvPr id="13" name="図 12" descr="図形, 四角形&#10;&#10;自動的に生成された説明">
-            <a:extLst>
-              <a:ext uri="{FF2B5EF4-FFF2-40B4-BE49-F238E27FC236}">
-                <a16:creationId xmlns:a16="http://schemas.microsoft.com/office/drawing/2014/main" id="{2E95FECA-A80C-C477-2B81-5B80674028C6}"/>
-              </a:ext>
-            </a:extLst>
-          </p:cNvPr>
-          <p:cNvPicPr>
-            <a:picLocks noChangeAspect="1"/>
-          </p:cNvPicPr>
-          <p:nvPr/>
-        </p:nvPicPr>
-        <p:blipFill>
-          <a:blip r:embed="rId4">
-            <a:extLst>
-              <a:ext uri="{28A0092B-C50C-407E-A947-70E740481C1C}">
-                <a14:useLocalDpi xmlns:a14="http://schemas.microsoft.com/office/drawing/2010/main" val="0"/>
-              </a:ext>
-            </a:extLst>
-          </a:blip>
-          <a:stretch>
-            <a:fillRect/>
-          </a:stretch>
-        </p:blipFill>
-        <p:spPr>
-          <a:xfrm>
-            <a:off x="1386902" y="5412942"/>
-            <a:ext cx="2686050" cy="1038225"/>
-          </a:xfrm>
-          <a:prstGeom prst="rect">
-            <a:avLst/>
-          </a:prstGeom>
-        </p:spPr>
-      </p:pic>
-      <p:sp>
-        <p:nvSpPr>
-          <p:cNvPr id="14" name="正方形/長方形 13">
-            <a:extLst>
-              <a:ext uri="{FF2B5EF4-FFF2-40B4-BE49-F238E27FC236}">
-                <a16:creationId xmlns:a16="http://schemas.microsoft.com/office/drawing/2014/main" id="{28AAEEF3-264F-A120-C13E-A4E47261052B}"/>
-              </a:ext>
-            </a:extLst>
-          </p:cNvPr>
-          <p:cNvSpPr/>
-          <p:nvPr/>
-        </p:nvSpPr>
-        <p:spPr>
-          <a:xfrm>
-            <a:off x="2012423" y="5491914"/>
-            <a:ext cx="1435008" cy="830997"/>
-          </a:xfrm>
-          <a:prstGeom prst="rect">
-            <a:avLst/>
-          </a:prstGeom>
-          <a:noFill/>
-        </p:spPr>
-        <p:txBody>
-          <a:bodyPr wrap="none" lIns="91440" tIns="45720" rIns="91440" bIns="45720">
-            <a:spAutoFit/>
-          </a:bodyPr>
-          <a:lstStyle/>
-          <a:p>
-            <a:pPr algn="ctr"/>
-            <a:r>
-              <a:rPr lang="ja-JP" altLang="en-US" sz="4800" b="1" spc="50" dirty="0">
-                <a:ln w="0"/>
-                <a:solidFill>
-                  <a:schemeClr val="bg2"/>
-                </a:solidFill>
-                <a:effectLst>
-                  <a:glow rad="228600">
-                    <a:schemeClr val="accent2">
-                      <a:satMod val="175000"/>
-                      <a:alpha val="40000"/>
-                    </a:schemeClr>
-                  </a:glow>
-                  <a:outerShdw blurRad="50800" dist="38100" dir="2700000" algn="tl" rotWithShape="0">
-                    <a:prstClr val="black">
-                      <a:alpha val="40000"/>
-                    </a:prstClr>
-                  </a:outerShdw>
-                </a:effectLst>
-                <a:latin typeface="HGS創英ﾌﾟﾚｾﾞﾝｽEB" panose="02020800000000000000" pitchFamily="18" charset="-128"/>
-                <a:ea typeface="HGS創英ﾌﾟﾚｾﾞﾝｽEB" panose="02020800000000000000" pitchFamily="18" charset="-128"/>
-              </a:rPr>
-              <a:t>ロン</a:t>
-            </a:r>
-            <a:endParaRPr lang="ja-JP" altLang="en-US" sz="4800" b="1" cap="none" spc="50" dirty="0">
-              <a:ln w="0"/>
-              <a:solidFill>
-                <a:schemeClr val="bg2"/>
-              </a:solidFill>
-              <a:effectLst>
-                <a:glow rad="228600">
-                  <a:schemeClr val="accent2">
-                    <a:satMod val="175000"/>
-                    <a:alpha val="40000"/>
-                  </a:schemeClr>
-                </a:glow>
-                <a:outerShdw blurRad="50800" dist="38100" dir="2700000" algn="tl" rotWithShape="0">
-                  <a:prstClr val="black">
-                    <a:alpha val="40000"/>
-                  </a:prstClr>
-                </a:outerShdw>
-              </a:effectLst>
-              <a:latin typeface="HGS創英ﾌﾟﾚｾﾞﾝｽEB" panose="02020800000000000000" pitchFamily="18" charset="-128"/>
-              <a:ea typeface="HGS創英ﾌﾟﾚｾﾞﾝｽEB" panose="02020800000000000000" pitchFamily="18" charset="-128"/>
-            </a:endParaRPr>
-          </a:p>
-        </p:txBody>
-      </p:sp>
-      <p:pic>
-        <p:nvPicPr>
-          <p:cNvPr id="16" name="図 15" descr="図形, 四角形&#10;&#10;自動的に生成された説明">
-            <a:extLst>
-              <a:ext uri="{FF2B5EF4-FFF2-40B4-BE49-F238E27FC236}">
-                <a16:creationId xmlns:a16="http://schemas.microsoft.com/office/drawing/2014/main" id="{2C65E9F7-5FCE-EE46-38FA-B4BD4AE5E0A4}"/>
-              </a:ext>
-            </a:extLst>
-          </p:cNvPr>
-          <p:cNvPicPr>
-            <a:picLocks noChangeAspect="1"/>
-          </p:cNvPicPr>
-          <p:nvPr/>
-        </p:nvPicPr>
-        <p:blipFill>
-          <a:blip r:embed="rId5">
-            <a:extLst>
-              <a:ext uri="{28A0092B-C50C-407E-A947-70E740481C1C}">
-                <a14:useLocalDpi xmlns:a14="http://schemas.microsoft.com/office/drawing/2010/main" val="0"/>
-              </a:ext>
-            </a:extLst>
-          </a:blip>
-          <a:stretch>
-            <a:fillRect/>
-          </a:stretch>
-        </p:blipFill>
-        <p:spPr>
-          <a:xfrm>
-            <a:off x="7791739" y="5412942"/>
-            <a:ext cx="2686050" cy="1038225"/>
-          </a:xfrm>
-          <a:prstGeom prst="rect">
-            <a:avLst/>
-          </a:prstGeom>
-        </p:spPr>
-      </p:pic>
-      <p:sp>
-        <p:nvSpPr>
-          <p:cNvPr id="17" name="正方形/長方形 16">
-            <a:extLst>
-              <a:ext uri="{FF2B5EF4-FFF2-40B4-BE49-F238E27FC236}">
-                <a16:creationId xmlns:a16="http://schemas.microsoft.com/office/drawing/2014/main" id="{63ADFF68-5C97-8814-5BAF-AF321714CC10}"/>
-              </a:ext>
-            </a:extLst>
-          </p:cNvPr>
-          <p:cNvSpPr/>
-          <p:nvPr/>
-        </p:nvSpPr>
-        <p:spPr>
-          <a:xfrm>
-            <a:off x="8417260" y="5491914"/>
-            <a:ext cx="1435008" cy="830997"/>
-          </a:xfrm>
-          <a:prstGeom prst="rect">
-            <a:avLst/>
-          </a:prstGeom>
-          <a:noFill/>
-        </p:spPr>
-        <p:txBody>
-          <a:bodyPr wrap="none" lIns="91440" tIns="45720" rIns="91440" bIns="45720">
-            <a:spAutoFit/>
-          </a:bodyPr>
-          <a:lstStyle/>
-          <a:p>
-            <a:pPr algn="ctr"/>
-            <a:r>
-              <a:rPr lang="ja-JP" altLang="en-US" sz="4800" b="1" spc="50" dirty="0">
-                <a:ln w="0"/>
-                <a:solidFill>
-                  <a:schemeClr val="bg2"/>
-                </a:solidFill>
-                <a:effectLst>
-                  <a:glow rad="228600">
-                    <a:schemeClr val="accent6">
-                      <a:satMod val="175000"/>
-                      <a:alpha val="40000"/>
-                    </a:schemeClr>
-                  </a:glow>
-                  <a:outerShdw blurRad="50800" dist="38100" dir="2700000" algn="tl" rotWithShape="0">
-                    <a:prstClr val="black">
-                      <a:alpha val="40000"/>
-                    </a:prstClr>
-                  </a:outerShdw>
-                </a:effectLst>
-                <a:latin typeface="HGS創英ﾌﾟﾚｾﾞﾝｽEB" panose="02020800000000000000" pitchFamily="18" charset="-128"/>
-                <a:ea typeface="HGS創英ﾌﾟﾚｾﾞﾝｽEB" panose="02020800000000000000" pitchFamily="18" charset="-128"/>
-              </a:rPr>
-              <a:t>ポン</a:t>
-            </a:r>
-            <a:endParaRPr lang="ja-JP" altLang="en-US" sz="4800" b="1" cap="none" spc="50" dirty="0">
-              <a:ln w="0"/>
-              <a:solidFill>
-                <a:schemeClr val="bg2"/>
-              </a:solidFill>
-              <a:effectLst>
-                <a:glow rad="228600">
-                  <a:schemeClr val="accent6">
-                    <a:satMod val="175000"/>
-                    <a:alpha val="40000"/>
-                  </a:schemeClr>
-                </a:glow>
-                <a:outerShdw blurRad="50800" dist="38100" dir="2700000" algn="tl" rotWithShape="0">
-                  <a:prstClr val="black">
-                    <a:alpha val="40000"/>
-                  </a:prstClr>
-                </a:outerShdw>
-              </a:effectLst>
-              <a:latin typeface="HGS創英ﾌﾟﾚｾﾞﾝｽEB" panose="02020800000000000000" pitchFamily="18" charset="-128"/>
-              <a:ea typeface="HGS創英ﾌﾟﾚｾﾞﾝｽEB" panose="02020800000000000000" pitchFamily="18" charset="-128"/>
-            </a:endParaRPr>
-          </a:p>
-        </p:txBody>
-      </p:sp>
-      <p:pic>
-        <p:nvPicPr>
-          <p:cNvPr id="18" name="図 17" descr="図形, 四角形&#10;&#10;自動的に生成された説明">
-            <a:extLst>
-              <a:ext uri="{FF2B5EF4-FFF2-40B4-BE49-F238E27FC236}">
-                <a16:creationId xmlns:a16="http://schemas.microsoft.com/office/drawing/2014/main" id="{B711B863-50A6-A99F-1DB2-26EDB423E5AD}"/>
-              </a:ext>
-            </a:extLst>
-          </p:cNvPr>
-          <p:cNvPicPr>
-            <a:picLocks noChangeAspect="1"/>
-          </p:cNvPicPr>
-          <p:nvPr/>
-        </p:nvPicPr>
-        <p:blipFill>
-          <a:blip r:embed="rId5">
-            <a:extLst>
-              <a:ext uri="{28A0092B-C50C-407E-A947-70E740481C1C}">
-                <a14:useLocalDpi xmlns:a14="http://schemas.microsoft.com/office/drawing/2010/main" val="0"/>
-              </a:ext>
-            </a:extLst>
-          </a:blip>
-          <a:stretch>
-            <a:fillRect/>
-          </a:stretch>
-        </p:blipFill>
-        <p:spPr>
-          <a:xfrm>
-            <a:off x="10627303" y="5412942"/>
-            <a:ext cx="2686050" cy="1038225"/>
-          </a:xfrm>
-          <a:prstGeom prst="rect">
-            <a:avLst/>
-          </a:prstGeom>
-        </p:spPr>
-      </p:pic>
-      <p:sp>
-        <p:nvSpPr>
-          <p:cNvPr id="19" name="正方形/長方形 18">
-            <a:extLst>
-              <a:ext uri="{FF2B5EF4-FFF2-40B4-BE49-F238E27FC236}">
-                <a16:creationId xmlns:a16="http://schemas.microsoft.com/office/drawing/2014/main" id="{682E9901-DE0D-6154-F92F-DF4EFFE66205}"/>
-              </a:ext>
-            </a:extLst>
-          </p:cNvPr>
-          <p:cNvSpPr/>
-          <p:nvPr/>
-        </p:nvSpPr>
-        <p:spPr>
-          <a:xfrm>
-            <a:off x="11252824" y="5491914"/>
-            <a:ext cx="1435008" cy="830997"/>
-          </a:xfrm>
-          <a:prstGeom prst="rect">
-            <a:avLst/>
-          </a:prstGeom>
-          <a:noFill/>
-        </p:spPr>
-        <p:txBody>
-          <a:bodyPr wrap="none" lIns="91440" tIns="45720" rIns="91440" bIns="45720">
-            <a:spAutoFit/>
-          </a:bodyPr>
-          <a:lstStyle/>
-          <a:p>
-            <a:pPr algn="ctr"/>
-            <a:r>
-              <a:rPr lang="ja-JP" altLang="en-US" sz="4800" b="1" cap="none" spc="50" dirty="0">
-                <a:ln w="0"/>
-                <a:solidFill>
-                  <a:schemeClr val="bg2"/>
-                </a:solidFill>
-                <a:effectLst>
-                  <a:glow rad="228600">
-                    <a:schemeClr val="accent6">
-                      <a:satMod val="175000"/>
-                      <a:alpha val="40000"/>
-                    </a:schemeClr>
-                  </a:glow>
-                  <a:outerShdw blurRad="50800" dist="38100" dir="2700000" algn="tl" rotWithShape="0">
-                    <a:prstClr val="black">
-                      <a:alpha val="40000"/>
-                    </a:prstClr>
-                  </a:outerShdw>
-                </a:effectLst>
-                <a:latin typeface="HGS創英ﾌﾟﾚｾﾞﾝｽEB" panose="02020800000000000000" pitchFamily="18" charset="-128"/>
-                <a:ea typeface="HGS創英ﾌﾟﾚｾﾞﾝｽEB" panose="02020800000000000000" pitchFamily="18" charset="-128"/>
-              </a:rPr>
-              <a:t>カン</a:t>
-            </a:r>
-          </a:p>
-        </p:txBody>
-      </p:sp>
       <p:sp>
         <p:nvSpPr>
           <p:cNvPr id="3" name="正方形/長方形 2">
@@ -4621,8 +4182,8 @@
         </p:nvSpPr>
         <p:spPr>
           <a:xfrm>
-            <a:off x="1493051" y="4450949"/>
-            <a:ext cx="2473754" cy="769441"/>
+            <a:off x="1522423" y="4670010"/>
+            <a:ext cx="2473755" cy="769441"/>
           </a:xfrm>
           <a:prstGeom prst="rect">
             <a:avLst/>
@@ -4655,8 +4216,8 @@
                     </a:prstClr>
                   </a:outerShdw>
                 </a:effectLst>
-                <a:latin typeface="HGS創英ﾌﾟﾚｾﾞﾝｽEB" panose="02020800000000000000" pitchFamily="18" charset="-128"/>
-                <a:ea typeface="HGS創英ﾌﾟﾚｾﾞﾝｽEB" panose="02020800000000000000" pitchFamily="18" charset="-128"/>
+                <a:latin typeface="HGS創英角ﾎﾟｯﾌﾟ体" panose="040B0A00000000000000" pitchFamily="50" charset="-128"/>
+                <a:ea typeface="HGS創英角ﾎﾟｯﾌﾟ体" panose="040B0A00000000000000" pitchFamily="50" charset="-128"/>
               </a:rPr>
               <a:t>フリテン</a:t>
             </a:r>
@@ -4935,242 +4496,6 @@
           </p:txBody>
         </p:sp>
       </p:grpSp>
-      <p:grpSp>
-        <p:nvGrpSpPr>
-          <p:cNvPr id="35" name="グループ化 34">
-            <a:extLst>
-              <a:ext uri="{FF2B5EF4-FFF2-40B4-BE49-F238E27FC236}">
-                <a16:creationId xmlns:a16="http://schemas.microsoft.com/office/drawing/2014/main" id="{F7DAF4E4-3C76-A9C0-AA2F-ECE5BE504B47}"/>
-              </a:ext>
-            </a:extLst>
-          </p:cNvPr>
-          <p:cNvGrpSpPr/>
-          <p:nvPr/>
-        </p:nvGrpSpPr>
-        <p:grpSpPr>
-          <a:xfrm>
-            <a:off x="7791739" y="6540302"/>
-            <a:ext cx="2686050" cy="1038225"/>
-            <a:chOff x="7791739" y="6540302"/>
-            <a:chExt cx="2686050" cy="1038225"/>
-          </a:xfrm>
-        </p:grpSpPr>
-        <p:pic>
-          <p:nvPicPr>
-            <p:cNvPr id="34" name="図 33" descr="グラフィカル ユーザー インターフェイス が含まれている画像&#10;&#10;自動的に生成された説明">
-              <a:extLst>
-                <a:ext uri="{FF2B5EF4-FFF2-40B4-BE49-F238E27FC236}">
-                  <a16:creationId xmlns:a16="http://schemas.microsoft.com/office/drawing/2014/main" id="{816B80A7-710A-3F88-1475-C32D95E348AF}"/>
-                </a:ext>
-              </a:extLst>
-            </p:cNvPr>
-            <p:cNvPicPr>
-              <a:picLocks noChangeAspect="1"/>
-            </p:cNvPicPr>
-            <p:nvPr/>
-          </p:nvPicPr>
-          <p:blipFill>
-            <a:blip r:embed="rId3">
-              <a:extLst>
-                <a:ext uri="{28A0092B-C50C-407E-A947-70E740481C1C}">
-                  <a14:useLocalDpi xmlns:a14="http://schemas.microsoft.com/office/drawing/2010/main" val="0"/>
-                </a:ext>
-              </a:extLst>
-            </a:blip>
-            <a:stretch>
-              <a:fillRect/>
-            </a:stretch>
-          </p:blipFill>
-          <p:spPr>
-            <a:xfrm>
-              <a:off x="7791739" y="6540302"/>
-              <a:ext cx="2686050" cy="1038225"/>
-            </a:xfrm>
-            <a:prstGeom prst="rect">
-              <a:avLst/>
-            </a:prstGeom>
-          </p:spPr>
-        </p:pic>
-        <p:sp>
-          <p:nvSpPr>
-            <p:cNvPr id="32" name="正方形/長方形 31">
-              <a:extLst>
-                <a:ext uri="{FF2B5EF4-FFF2-40B4-BE49-F238E27FC236}">
-                  <a16:creationId xmlns:a16="http://schemas.microsoft.com/office/drawing/2014/main" id="{173EEE9D-E0FA-0B54-B7C4-C3C9FBB00422}"/>
-                </a:ext>
-              </a:extLst>
-            </p:cNvPr>
-            <p:cNvSpPr/>
-            <p:nvPr/>
-          </p:nvSpPr>
-          <p:spPr>
-            <a:xfrm>
-              <a:off x="7791739" y="6609111"/>
-              <a:ext cx="2685352" cy="830997"/>
-            </a:xfrm>
-            <a:prstGeom prst="rect">
-              <a:avLst/>
-            </a:prstGeom>
-            <a:noFill/>
-          </p:spPr>
-          <p:txBody>
-            <a:bodyPr wrap="none" lIns="91440" tIns="45720" rIns="91440" bIns="45720">
-              <a:spAutoFit/>
-            </a:bodyPr>
-            <a:lstStyle/>
-            <a:p>
-              <a:pPr algn="ctr"/>
-              <a:r>
-                <a:rPr lang="ja-JP" altLang="en-US" sz="4800" b="1" spc="50" dirty="0">
-                  <a:ln w="0"/>
-                  <a:solidFill>
-                    <a:schemeClr val="bg2"/>
-                  </a:solidFill>
-                  <a:effectLst>
-                    <a:glow rad="228600">
-                      <a:schemeClr val="tx1">
-                        <a:lumMod val="50000"/>
-                        <a:lumOff val="50000"/>
-                        <a:alpha val="40000"/>
-                      </a:schemeClr>
-                    </a:glow>
-                    <a:outerShdw blurRad="50800" dist="38100" dir="2700000" algn="tl" rotWithShape="0">
-                      <a:prstClr val="black">
-                        <a:alpha val="40000"/>
-                      </a:prstClr>
-                    </a:outerShdw>
-                  </a:effectLst>
-                  <a:latin typeface="HGS創英ﾌﾟﾚｾﾞﾝｽEB" panose="02020800000000000000" pitchFamily="18" charset="-128"/>
-                  <a:ea typeface="HGS創英ﾌﾟﾚｾﾞﾝｽEB" panose="02020800000000000000" pitchFamily="18" charset="-128"/>
-                </a:rPr>
-                <a:t>スキップ</a:t>
-              </a:r>
-              <a:endParaRPr lang="ja-JP" altLang="en-US" sz="4800" b="1" cap="none" spc="50" dirty="0">
-                <a:ln w="0"/>
-                <a:solidFill>
-                  <a:schemeClr val="bg2"/>
-                </a:solidFill>
-                <a:effectLst>
-                  <a:glow rad="228600">
-                    <a:schemeClr val="tx1">
-                      <a:lumMod val="50000"/>
-                      <a:lumOff val="50000"/>
-                      <a:alpha val="40000"/>
-                    </a:schemeClr>
-                  </a:glow>
-                  <a:outerShdw blurRad="50800" dist="38100" dir="2700000" algn="tl" rotWithShape="0">
-                    <a:prstClr val="black">
-                      <a:alpha val="40000"/>
-                    </a:prstClr>
-                  </a:outerShdw>
-                </a:effectLst>
-                <a:latin typeface="HGS創英ﾌﾟﾚｾﾞﾝｽEB" panose="02020800000000000000" pitchFamily="18" charset="-128"/>
-                <a:ea typeface="HGS創英ﾌﾟﾚｾﾞﾝｽEB" panose="02020800000000000000" pitchFamily="18" charset="-128"/>
-              </a:endParaRPr>
-            </a:p>
-          </p:txBody>
-        </p:sp>
-      </p:grpSp>
-      <p:pic>
-        <p:nvPicPr>
-          <p:cNvPr id="38" name="図 37" descr="図形, 四角形&#10;&#10;自動的に生成された説明">
-            <a:extLst>
-              <a:ext uri="{FF2B5EF4-FFF2-40B4-BE49-F238E27FC236}">
-                <a16:creationId xmlns:a16="http://schemas.microsoft.com/office/drawing/2014/main" id="{9F9BBE6B-AFD2-0E72-F169-675F2FC2CF1F}"/>
-              </a:ext>
-            </a:extLst>
-          </p:cNvPr>
-          <p:cNvPicPr>
-            <a:picLocks noChangeAspect="1"/>
-          </p:cNvPicPr>
-          <p:nvPr/>
-        </p:nvPicPr>
-        <p:blipFill>
-          <a:blip r:embed="rId6">
-            <a:extLst>
-              <a:ext uri="{28A0092B-C50C-407E-A947-70E740481C1C}">
-                <a14:useLocalDpi xmlns:a14="http://schemas.microsoft.com/office/drawing/2010/main" val="0"/>
-              </a:ext>
-            </a:extLst>
-          </a:blip>
-          <a:stretch>
-            <a:fillRect/>
-          </a:stretch>
-        </p:blipFill>
-        <p:spPr>
-          <a:xfrm>
-            <a:off x="4766409" y="6530139"/>
-            <a:ext cx="2686050" cy="1038225"/>
-          </a:xfrm>
-          <a:prstGeom prst="rect">
-            <a:avLst/>
-          </a:prstGeom>
-        </p:spPr>
-      </p:pic>
-      <p:sp>
-        <p:nvSpPr>
-          <p:cNvPr id="46" name="正方形/長方形 45">
-            <a:extLst>
-              <a:ext uri="{FF2B5EF4-FFF2-40B4-BE49-F238E27FC236}">
-                <a16:creationId xmlns:a16="http://schemas.microsoft.com/office/drawing/2014/main" id="{872E44F5-B4BF-3F2B-E3F2-53B7701267EB}"/>
-              </a:ext>
-            </a:extLst>
-          </p:cNvPr>
-          <p:cNvSpPr/>
-          <p:nvPr/>
-        </p:nvSpPr>
-        <p:spPr>
-          <a:xfrm>
-            <a:off x="5065910" y="6643915"/>
-            <a:ext cx="2060180" cy="830997"/>
-          </a:xfrm>
-          <a:prstGeom prst="rect">
-            <a:avLst/>
-          </a:prstGeom>
-          <a:noFill/>
-          <a:effectLst>
-            <a:glow rad="101600">
-              <a:schemeClr val="accent2">
-                <a:lumMod val="50000"/>
-                <a:alpha val="60000"/>
-              </a:schemeClr>
-            </a:glow>
-          </a:effectLst>
-        </p:spPr>
-        <p:txBody>
-          <a:bodyPr wrap="none" lIns="91440" tIns="45720" rIns="91440" bIns="45720">
-            <a:spAutoFit/>
-          </a:bodyPr>
-          <a:lstStyle/>
-          <a:p>
-            <a:pPr algn="ctr"/>
-            <a:r>
-              <a:rPr lang="ja-JP" altLang="en-US" sz="4800" b="1" cap="none" spc="50" dirty="0">
-                <a:ln w="0"/>
-                <a:solidFill>
-                  <a:schemeClr val="bg2"/>
-                </a:solidFill>
-                <a:effectLst>
-                  <a:glow rad="228600">
-                    <a:schemeClr val="accent2">
-                      <a:lumMod val="50000"/>
-                      <a:alpha val="40000"/>
-                    </a:schemeClr>
-                  </a:glow>
-                  <a:outerShdw blurRad="50800" dist="38100" dir="2700000" algn="tl" rotWithShape="0">
-                    <a:prstClr val="black">
-                      <a:alpha val="40000"/>
-                    </a:prstClr>
-                  </a:outerShdw>
-                </a:effectLst>
-                <a:latin typeface="HGS創英ﾌﾟﾚｾﾞﾝｽEB" panose="02020800000000000000" pitchFamily="18" charset="-128"/>
-                <a:ea typeface="HGS創英ﾌﾟﾚｾﾞﾝｽEB" panose="02020800000000000000" pitchFamily="18" charset="-128"/>
-              </a:rPr>
-              <a:t>リーチ</a:t>
-            </a:r>
-          </a:p>
-        </p:txBody>
-      </p:sp>
       <p:sp>
         <p:nvSpPr>
           <p:cNvPr id="31" name="正方形/長方形 30">
@@ -5185,8 +4510,8 @@
         </p:nvSpPr>
         <p:spPr>
           <a:xfrm>
-            <a:off x="-48106" y="6643915"/>
-            <a:ext cx="1435008" cy="830997"/>
+            <a:off x="1683587" y="5582621"/>
+            <a:ext cx="1435009" cy="830997"/>
           </a:xfrm>
           <a:prstGeom prst="rect">
             <a:avLst/>
@@ -5223,8 +4548,8 @@
                     </a:prstClr>
                   </a:outerShdw>
                 </a:effectLst>
-                <a:latin typeface="HGS創英ﾌﾟﾚｾﾞﾝｽEB" panose="02020800000000000000" pitchFamily="18" charset="-128"/>
-                <a:ea typeface="HGS創英ﾌﾟﾚｾﾞﾝｽEB" panose="02020800000000000000" pitchFamily="18" charset="-128"/>
+                <a:latin typeface="HGS創英角ﾎﾟｯﾌﾟ体" panose="040B0A00000000000000" pitchFamily="50" charset="-128"/>
+                <a:ea typeface="HGS創英角ﾎﾟｯﾌﾟ体" panose="040B0A00000000000000" pitchFamily="50" charset="-128"/>
               </a:rPr>
               <a:t>ロン</a:t>
             </a:r>
@@ -5250,8 +4575,8 @@
                   </a:prstClr>
                 </a:outerShdw>
               </a:effectLst>
-              <a:latin typeface="HGS創英ﾌﾟﾚｾﾞﾝｽEB" panose="02020800000000000000" pitchFamily="18" charset="-128"/>
-              <a:ea typeface="HGS創英ﾌﾟﾚｾﾞﾝｽEB" panose="02020800000000000000" pitchFamily="18" charset="-128"/>
+              <a:latin typeface="HGS創英角ﾎﾟｯﾌﾟ体" panose="040B0A00000000000000" pitchFamily="50" charset="-128"/>
+              <a:ea typeface="HGS創英角ﾎﾟｯﾌﾟ体" panose="040B0A00000000000000" pitchFamily="50" charset="-128"/>
             </a:endParaRPr>
           </a:p>
         </p:txBody>
@@ -5270,8 +4595,8 @@
         </p:nvSpPr>
         <p:spPr>
           <a:xfrm>
-            <a:off x="1641647" y="6643915"/>
-            <a:ext cx="1435009" cy="830997"/>
+            <a:off x="3373341" y="5582621"/>
+            <a:ext cx="1435008" cy="830997"/>
           </a:xfrm>
           <a:prstGeom prst="rect">
             <a:avLst/>
@@ -5308,8 +4633,8 @@
                     </a:prstClr>
                   </a:outerShdw>
                 </a:effectLst>
-                <a:latin typeface="HGS創英ﾌﾟﾚｾﾞﾝｽEB" panose="02020800000000000000" pitchFamily="18" charset="-128"/>
-                <a:ea typeface="HGS創英ﾌﾟﾚｾﾞﾝｽEB" panose="02020800000000000000" pitchFamily="18" charset="-128"/>
+                <a:latin typeface="HGS創英角ﾎﾟｯﾌﾟ体" panose="040B0A00000000000000" pitchFamily="50" charset="-128"/>
+                <a:ea typeface="HGS創英角ﾎﾟｯﾌﾟ体" panose="040B0A00000000000000" pitchFamily="50" charset="-128"/>
               </a:rPr>
               <a:t>ツモ</a:t>
             </a:r>
@@ -5335,8 +4660,8 @@
                   </a:prstClr>
                 </a:outerShdw>
               </a:effectLst>
-              <a:latin typeface="HGS創英ﾌﾟﾚｾﾞﾝｽEB" panose="02020800000000000000" pitchFamily="18" charset="-128"/>
-              <a:ea typeface="HGS創英ﾌﾟﾚｾﾞﾝｽEB" panose="02020800000000000000" pitchFamily="18" charset="-128"/>
+              <a:latin typeface="HGS創英角ﾎﾟｯﾌﾟ体" panose="040B0A00000000000000" pitchFamily="50" charset="-128"/>
+              <a:ea typeface="HGS創英角ﾎﾟｯﾌﾟ体" panose="040B0A00000000000000" pitchFamily="50" charset="-128"/>
             </a:endParaRPr>
           </a:p>
         </p:txBody>
@@ -5355,8 +4680,8 @@
         </p:nvSpPr>
         <p:spPr>
           <a:xfrm>
-            <a:off x="10683217" y="6701040"/>
-            <a:ext cx="1435008" cy="830997"/>
+            <a:off x="5187672" y="5582621"/>
+            <a:ext cx="1435009" cy="830997"/>
           </a:xfrm>
           <a:prstGeom prst="rect">
             <a:avLst/>
@@ -5393,8 +4718,8 @@
                     </a:prstClr>
                   </a:outerShdw>
                 </a:effectLst>
-                <a:latin typeface="HGS創英ﾌﾟﾚｾﾞﾝｽEB" panose="02020800000000000000" pitchFamily="18" charset="-128"/>
-                <a:ea typeface="HGS創英ﾌﾟﾚｾﾞﾝｽEB" panose="02020800000000000000" pitchFamily="18" charset="-128"/>
+                <a:latin typeface="HGS創英角ﾎﾟｯﾌﾟ体" panose="040B0A00000000000000" pitchFamily="50" charset="-128"/>
+                <a:ea typeface="HGS創英角ﾎﾟｯﾌﾟ体" panose="040B0A00000000000000" pitchFamily="50" charset="-128"/>
               </a:rPr>
               <a:t>ポン</a:t>
             </a:r>
@@ -5420,8 +4745,8 @@
                   </a:prstClr>
                 </a:outerShdw>
               </a:effectLst>
-              <a:latin typeface="HGS創英ﾌﾟﾚｾﾞﾝｽEB" panose="02020800000000000000" pitchFamily="18" charset="-128"/>
-              <a:ea typeface="HGS創英ﾌﾟﾚｾﾞﾝｽEB" panose="02020800000000000000" pitchFamily="18" charset="-128"/>
+              <a:latin typeface="HGS創英角ﾎﾟｯﾌﾟ体" panose="040B0A00000000000000" pitchFamily="50" charset="-128"/>
+              <a:ea typeface="HGS創英角ﾎﾟｯﾌﾟ体" panose="040B0A00000000000000" pitchFamily="50" charset="-128"/>
             </a:endParaRPr>
           </a:p>
         </p:txBody>
@@ -5440,8 +4765,8 @@
         </p:nvSpPr>
         <p:spPr>
           <a:xfrm>
-            <a:off x="12118224" y="6701040"/>
-            <a:ext cx="1435009" cy="830997"/>
+            <a:off x="6622680" y="5582621"/>
+            <a:ext cx="1435008" cy="830997"/>
           </a:xfrm>
           <a:prstGeom prst="rect">
             <a:avLst/>
@@ -5478,8 +4803,8 @@
                     </a:prstClr>
                   </a:outerShdw>
                 </a:effectLst>
-                <a:latin typeface="HGS創英ﾌﾟﾚｾﾞﾝｽEB" panose="02020800000000000000" pitchFamily="18" charset="-128"/>
-                <a:ea typeface="HGS創英ﾌﾟﾚｾﾞﾝｽEB" panose="02020800000000000000" pitchFamily="18" charset="-128"/>
+                <a:latin typeface="HGS創英角ﾎﾟｯﾌﾟ体" panose="040B0A00000000000000" pitchFamily="50" charset="-128"/>
+                <a:ea typeface="HGS創英角ﾎﾟｯﾌﾟ体" panose="040B0A00000000000000" pitchFamily="50" charset="-128"/>
               </a:rPr>
               <a:t>カン</a:t>
             </a:r>
@@ -5505,8 +4830,8 @@
                   </a:prstClr>
                 </a:outerShdw>
               </a:effectLst>
-              <a:latin typeface="HGS創英ﾌﾟﾚｾﾞﾝｽEB" panose="02020800000000000000" pitchFamily="18" charset="-128"/>
-              <a:ea typeface="HGS創英ﾌﾟﾚｾﾞﾝｽEB" panose="02020800000000000000" pitchFamily="18" charset="-128"/>
+              <a:latin typeface="HGS創英角ﾎﾟｯﾌﾟ体" panose="040B0A00000000000000" pitchFamily="50" charset="-128"/>
+              <a:ea typeface="HGS創英角ﾎﾟｯﾌﾟ体" panose="040B0A00000000000000" pitchFamily="50" charset="-128"/>
             </a:endParaRPr>
           </a:p>
         </p:txBody>
@@ -5526,7 +4851,7 @@
         <p:spPr>
           <a:xfrm>
             <a:off x="6870867" y="4608454"/>
-            <a:ext cx="2060180" cy="830997"/>
+            <a:ext cx="2060179" cy="830997"/>
           </a:xfrm>
           <a:prstGeom prst="rect">
             <a:avLst/>
@@ -5571,8 +4896,8 @@
                     </a:prstClr>
                   </a:outerShdw>
                 </a:effectLst>
-                <a:latin typeface="HGS創英ﾌﾟﾚｾﾞﾝｽEB" panose="02020800000000000000" pitchFamily="18" charset="-128"/>
-                <a:ea typeface="HGS創英ﾌﾟﾚｾﾞﾝｽEB" panose="02020800000000000000" pitchFamily="18" charset="-128"/>
+                <a:latin typeface="HGS創英角ﾎﾟｯﾌﾟ体" panose="040B0A00000000000000" pitchFamily="50" charset="-128"/>
+                <a:ea typeface="HGS創英角ﾎﾟｯﾌﾟ体" panose="040B0A00000000000000" pitchFamily="50" charset="-128"/>
               </a:rPr>
               <a:t>リーチ</a:t>
             </a:r>
@@ -5593,8 +4918,8 @@
         </p:nvSpPr>
         <p:spPr>
           <a:xfrm>
-            <a:off x="4090846" y="4608454"/>
-            <a:ext cx="2685352" cy="830997"/>
+            <a:off x="4090847" y="4608454"/>
+            <a:ext cx="2685351" cy="830997"/>
           </a:xfrm>
           <a:prstGeom prst="rect">
             <a:avLst/>
@@ -5639,8 +4964,8 @@
                     </a:prstClr>
                   </a:outerShdw>
                 </a:effectLst>
-                <a:latin typeface="HGS創英ﾌﾟﾚｾﾞﾝｽEB" panose="02020800000000000000" pitchFamily="18" charset="-128"/>
-                <a:ea typeface="HGS創英ﾌﾟﾚｾﾞﾝｽEB" panose="02020800000000000000" pitchFamily="18" charset="-128"/>
+                <a:latin typeface="HGS創英角ﾎﾟｯﾌﾟ体" panose="040B0A00000000000000" pitchFamily="50" charset="-128"/>
+                <a:ea typeface="HGS創英角ﾎﾟｯﾌﾟ体" panose="040B0A00000000000000" pitchFamily="50" charset="-128"/>
               </a:rPr>
               <a:t>テンパイ</a:t>
             </a:r>
@@ -9465,6 +8790,140 @@
           </p:sp>
         </p:grpSp>
       </p:grpSp>
+      <p:sp>
+        <p:nvSpPr>
+          <p:cNvPr id="2" name="四角形: 角を丸くする 1">
+            <a:extLst>
+              <a:ext uri="{FF2B5EF4-FFF2-40B4-BE49-F238E27FC236}">
+                <a16:creationId xmlns:a16="http://schemas.microsoft.com/office/drawing/2014/main" id="{8C764160-A627-A20A-580A-E2455B3F52F0}"/>
+              </a:ext>
+            </a:extLst>
+          </p:cNvPr>
+          <p:cNvSpPr/>
+          <p:nvPr/>
+        </p:nvSpPr>
+        <p:spPr>
+          <a:xfrm>
+            <a:off x="1239589" y="4024613"/>
+            <a:ext cx="1403928" cy="531005"/>
+          </a:xfrm>
+          <a:prstGeom prst="roundRect">
+            <a:avLst/>
+          </a:prstGeom>
+          <a:solidFill>
+            <a:schemeClr val="accent2">
+              <a:lumMod val="40000"/>
+              <a:lumOff val="60000"/>
+            </a:schemeClr>
+          </a:solidFill>
+          <a:ln>
+            <a:noFill/>
+          </a:ln>
+        </p:spPr>
+        <p:style>
+          <a:lnRef idx="2">
+            <a:schemeClr val="accent1">
+              <a:shade val="15000"/>
+            </a:schemeClr>
+          </a:lnRef>
+          <a:fillRef idx="1">
+            <a:schemeClr val="accent1"/>
+          </a:fillRef>
+          <a:effectRef idx="0">
+            <a:schemeClr val="accent1"/>
+          </a:effectRef>
+          <a:fontRef idx="minor">
+            <a:schemeClr val="lt1"/>
+          </a:fontRef>
+        </p:style>
+        <p:txBody>
+          <a:bodyPr rtlCol="0" anchor="ctr"/>
+          <a:lstStyle/>
+          <a:p>
+            <a:pPr algn="ctr"/>
+            <a:r>
+              <a:rPr kumimoji="1" lang="ja-JP" altLang="en-US" sz="2800" b="1" dirty="0">
+                <a:ln w="28575">
+                  <a:noFill/>
+                </a:ln>
+                <a:solidFill>
+                  <a:schemeClr val="bg1"/>
+                </a:solidFill>
+                <a:latin typeface="HG丸ｺﾞｼｯｸM-PRO" panose="020F0600000000000000" pitchFamily="50" charset="-128"/>
+                <a:ea typeface="HG丸ｺﾞｼｯｸM-PRO" panose="020F0600000000000000" pitchFamily="50" charset="-128"/>
+              </a:rPr>
+              <a:t>ルール</a:t>
+            </a:r>
+          </a:p>
+        </p:txBody>
+      </p:sp>
+      <p:sp>
+        <p:nvSpPr>
+          <p:cNvPr id="3" name="四角形: 角を丸くする 2">
+            <a:extLst>
+              <a:ext uri="{FF2B5EF4-FFF2-40B4-BE49-F238E27FC236}">
+                <a16:creationId xmlns:a16="http://schemas.microsoft.com/office/drawing/2014/main" id="{5593E0AF-DF8A-A363-45EA-9663E8B579D5}"/>
+              </a:ext>
+            </a:extLst>
+          </p:cNvPr>
+          <p:cNvSpPr/>
+          <p:nvPr/>
+        </p:nvSpPr>
+        <p:spPr>
+          <a:xfrm>
+            <a:off x="1239589" y="4709694"/>
+            <a:ext cx="1403928" cy="531005"/>
+          </a:xfrm>
+          <a:prstGeom prst="roundRect">
+            <a:avLst/>
+          </a:prstGeom>
+          <a:solidFill>
+            <a:schemeClr val="accent2">
+              <a:lumMod val="40000"/>
+              <a:lumOff val="60000"/>
+            </a:schemeClr>
+          </a:solidFill>
+          <a:ln>
+            <a:noFill/>
+          </a:ln>
+        </p:spPr>
+        <p:style>
+          <a:lnRef idx="2">
+            <a:schemeClr val="accent1">
+              <a:shade val="15000"/>
+            </a:schemeClr>
+          </a:lnRef>
+          <a:fillRef idx="1">
+            <a:schemeClr val="accent1"/>
+          </a:fillRef>
+          <a:effectRef idx="0">
+            <a:schemeClr val="accent1"/>
+          </a:effectRef>
+          <a:fontRef idx="minor">
+            <a:schemeClr val="lt1"/>
+          </a:fontRef>
+        </p:style>
+        <p:txBody>
+          <a:bodyPr rtlCol="0" anchor="ctr"/>
+          <a:lstStyle/>
+          <a:p>
+            <a:pPr algn="ctr"/>
+            <a:r>
+              <a:rPr kumimoji="1" lang="ja-JP" altLang="en-US" sz="2800" b="1" dirty="0">
+                <a:ln w="28575">
+                  <a:noFill/>
+                </a:ln>
+                <a:solidFill>
+                  <a:schemeClr val="bg1"/>
+                </a:solidFill>
+                <a:latin typeface="HG丸ｺﾞｼｯｸM-PRO" panose="020F0600000000000000" pitchFamily="50" charset="-128"/>
+                <a:ea typeface="HG丸ｺﾞｼｯｸM-PRO" panose="020F0600000000000000" pitchFamily="50" charset="-128"/>
+              </a:rPr>
+              <a:t>役一覧</a:t>
+            </a:r>
+          </a:p>
+        </p:txBody>
+      </p:sp>
     </p:spTree>
     <p:extLst>
       <p:ext uri="{BB962C8B-B14F-4D97-AF65-F5344CB8AC3E}">

--- a/public/assets/images/図作成用.pptx
+++ b/public/assets/images/図作成用.pptx
@@ -199,7 +199,7 @@
           <a:p>
             <a:fld id="{2B8CF655-508B-450C-94C8-832930E49C1B}" type="datetimeFigureOut">
               <a:rPr kumimoji="1" lang="ja-JP" altLang="en-US" smtClean="0"/>
-              <a:t>2025/6/28</a:t>
+              <a:t>2025/6/29</a:t>
             </a:fld>
             <a:endParaRPr kumimoji="1" lang="ja-JP" altLang="en-US"/>
           </a:p>
@@ -813,7 +813,7 @@
           <a:p>
             <a:fld id="{5AC917AA-9460-47BC-9370-797960620197}" type="datetimeFigureOut">
               <a:rPr kumimoji="1" lang="ja-JP" altLang="en-US" smtClean="0"/>
-              <a:t>2025/6/28</a:t>
+              <a:t>2025/6/29</a:t>
             </a:fld>
             <a:endParaRPr kumimoji="1" lang="ja-JP" altLang="en-US"/>
           </a:p>
@@ -1043,7 +1043,7 @@
           <a:p>
             <a:fld id="{5AC917AA-9460-47BC-9370-797960620197}" type="datetimeFigureOut">
               <a:rPr kumimoji="1" lang="ja-JP" altLang="en-US" smtClean="0"/>
-              <a:t>2025/6/28</a:t>
+              <a:t>2025/6/29</a:t>
             </a:fld>
             <a:endParaRPr kumimoji="1" lang="ja-JP" altLang="en-US"/>
           </a:p>
@@ -1283,7 +1283,7 @@
           <a:p>
             <a:fld id="{5AC917AA-9460-47BC-9370-797960620197}" type="datetimeFigureOut">
               <a:rPr kumimoji="1" lang="ja-JP" altLang="en-US" smtClean="0"/>
-              <a:t>2025/6/28</a:t>
+              <a:t>2025/6/29</a:t>
             </a:fld>
             <a:endParaRPr kumimoji="1" lang="ja-JP" altLang="en-US"/>
           </a:p>
@@ -1513,7 +1513,7 @@
           <a:p>
             <a:fld id="{5AC917AA-9460-47BC-9370-797960620197}" type="datetimeFigureOut">
               <a:rPr kumimoji="1" lang="ja-JP" altLang="en-US" smtClean="0"/>
-              <a:t>2025/6/28</a:t>
+              <a:t>2025/6/29</a:t>
             </a:fld>
             <a:endParaRPr kumimoji="1" lang="ja-JP" altLang="en-US"/>
           </a:p>
@@ -1788,7 +1788,7 @@
           <a:p>
             <a:fld id="{5AC917AA-9460-47BC-9370-797960620197}" type="datetimeFigureOut">
               <a:rPr kumimoji="1" lang="ja-JP" altLang="en-US" smtClean="0"/>
-              <a:t>2025/6/28</a:t>
+              <a:t>2025/6/29</a:t>
             </a:fld>
             <a:endParaRPr kumimoji="1" lang="ja-JP" altLang="en-US"/>
           </a:p>
@@ -2117,7 +2117,7 @@
           <a:p>
             <a:fld id="{5AC917AA-9460-47BC-9370-797960620197}" type="datetimeFigureOut">
               <a:rPr kumimoji="1" lang="ja-JP" altLang="en-US" smtClean="0"/>
-              <a:t>2025/6/28</a:t>
+              <a:t>2025/6/29</a:t>
             </a:fld>
             <a:endParaRPr kumimoji="1" lang="ja-JP" altLang="en-US"/>
           </a:p>
@@ -2593,7 +2593,7 @@
           <a:p>
             <a:fld id="{5AC917AA-9460-47BC-9370-797960620197}" type="datetimeFigureOut">
               <a:rPr kumimoji="1" lang="ja-JP" altLang="en-US" smtClean="0"/>
-              <a:t>2025/6/28</a:t>
+              <a:t>2025/6/29</a:t>
             </a:fld>
             <a:endParaRPr kumimoji="1" lang="ja-JP" altLang="en-US"/>
           </a:p>
@@ -2734,7 +2734,7 @@
           <a:p>
             <a:fld id="{5AC917AA-9460-47BC-9370-797960620197}" type="datetimeFigureOut">
               <a:rPr kumimoji="1" lang="ja-JP" altLang="en-US" smtClean="0"/>
-              <a:t>2025/6/28</a:t>
+              <a:t>2025/6/29</a:t>
             </a:fld>
             <a:endParaRPr kumimoji="1" lang="ja-JP" altLang="en-US"/>
           </a:p>
@@ -2847,7 +2847,7 @@
           <a:p>
             <a:fld id="{5AC917AA-9460-47BC-9370-797960620197}" type="datetimeFigureOut">
               <a:rPr kumimoji="1" lang="ja-JP" altLang="en-US" smtClean="0"/>
-              <a:t>2025/6/28</a:t>
+              <a:t>2025/6/29</a:t>
             </a:fld>
             <a:endParaRPr kumimoji="1" lang="ja-JP" altLang="en-US"/>
           </a:p>
@@ -3190,7 +3190,7 @@
           <a:p>
             <a:fld id="{5AC917AA-9460-47BC-9370-797960620197}" type="datetimeFigureOut">
               <a:rPr kumimoji="1" lang="ja-JP" altLang="en-US" smtClean="0"/>
-              <a:t>2025/6/28</a:t>
+              <a:t>2025/6/29</a:t>
             </a:fld>
             <a:endParaRPr kumimoji="1" lang="ja-JP" altLang="en-US"/>
           </a:p>
@@ -3478,7 +3478,7 @@
           <a:p>
             <a:fld id="{5AC917AA-9460-47BC-9370-797960620197}" type="datetimeFigureOut">
               <a:rPr kumimoji="1" lang="ja-JP" altLang="en-US" smtClean="0"/>
-              <a:t>2025/6/28</a:t>
+              <a:t>2025/6/29</a:t>
             </a:fld>
             <a:endParaRPr kumimoji="1" lang="ja-JP" altLang="en-US"/>
           </a:p>
@@ -3751,7 +3751,7 @@
           <a:p>
             <a:fld id="{5AC917AA-9460-47BC-9370-797960620197}" type="datetimeFigureOut">
               <a:rPr kumimoji="1" lang="ja-JP" altLang="en-US" smtClean="0"/>
-              <a:t>2025/6/28</a:t>
+              <a:t>2025/6/29</a:t>
             </a:fld>
             <a:endParaRPr kumimoji="1" lang="ja-JP" altLang="en-US"/>
           </a:p>
@@ -4199,7 +4199,13 @@
             <a:pPr algn="ctr"/>
             <a:r>
               <a:rPr lang="ja-JP" altLang="en-US" sz="4400" b="1" cap="none" spc="50" dirty="0">
-                <a:ln w="0"/>
+                <a:ln w="0">
+                  <a:solidFill>
+                    <a:schemeClr val="bg2">
+                      <a:lumMod val="50000"/>
+                    </a:schemeClr>
+                  </a:solidFill>
+                </a:ln>
                 <a:solidFill>
                   <a:schemeClr val="bg1"/>
                 </a:solidFill>
@@ -4510,13 +4516,20 @@
         </p:nvSpPr>
         <p:spPr>
           <a:xfrm>
-            <a:off x="1683587" y="5582621"/>
-            <a:ext cx="1435009" cy="830997"/>
+            <a:off x="1064829" y="5582621"/>
+            <a:ext cx="2672526" cy="830997"/>
           </a:xfrm>
           <a:prstGeom prst="rect">
             <a:avLst/>
           </a:prstGeom>
           <a:noFill/>
+          <a:effectLst>
+            <a:glow rad="101600">
+              <a:srgbClr val="FF0000">
+                <a:alpha val="60000"/>
+              </a:srgbClr>
+            </a:glow>
+          </a:effectLst>
         </p:spPr>
         <p:txBody>
           <a:bodyPr wrap="none" lIns="91440" tIns="45720" rIns="91440" bIns="45720">
@@ -4526,14 +4539,16 @@
           <a:p>
             <a:pPr algn="ctr"/>
             <a:r>
-              <a:rPr lang="ja-JP" altLang="en-US" sz="4800" b="1" spc="50" dirty="0">
+              <a:rPr lang="ja-JP" altLang="en-US" sz="4800" spc="50" dirty="0">
                 <a:ln w="28575">
                   <a:solidFill>
-                    <a:schemeClr val="bg1"/>
+                    <a:schemeClr val="bg2">
+                      <a:lumMod val="50000"/>
+                    </a:schemeClr>
                   </a:solidFill>
                 </a:ln>
                 <a:solidFill>
-                  <a:sysClr val="windowText" lastClr="000000"/>
+                  <a:schemeClr val="bg1"/>
                 </a:solidFill>
                 <a:effectLst>
                   <a:glow rad="228600">
@@ -4551,16 +4566,18 @@
                 <a:latin typeface="HGS創英角ﾎﾟｯﾌﾟ体" panose="040B0A00000000000000" pitchFamily="50" charset="-128"/>
                 <a:ea typeface="HGS創英角ﾎﾟｯﾌﾟ体" panose="040B0A00000000000000" pitchFamily="50" charset="-128"/>
               </a:rPr>
-              <a:t>ロン</a:t>
-            </a:r>
-            <a:endParaRPr lang="ja-JP" altLang="en-US" sz="4800" b="1" cap="none" spc="50" dirty="0">
+              <a:t>　ロン　</a:t>
+            </a:r>
+            <a:endParaRPr lang="ja-JP" altLang="en-US" sz="4800" cap="none" spc="50" dirty="0">
               <a:ln w="28575">
                 <a:solidFill>
-                  <a:schemeClr val="bg1"/>
+                  <a:schemeClr val="bg2">
+                    <a:lumMod val="50000"/>
+                  </a:schemeClr>
                 </a:solidFill>
               </a:ln>
               <a:solidFill>
-                <a:sysClr val="windowText" lastClr="000000"/>
+                <a:schemeClr val="bg1"/>
               </a:solidFill>
               <a:effectLst>
                 <a:glow rad="228600">
@@ -4595,13 +4612,20 @@
         </p:nvSpPr>
         <p:spPr>
           <a:xfrm>
-            <a:off x="3373341" y="5582621"/>
-            <a:ext cx="1435008" cy="830997"/>
+            <a:off x="2754583" y="5582621"/>
+            <a:ext cx="2672526" cy="830997"/>
           </a:xfrm>
           <a:prstGeom prst="rect">
             <a:avLst/>
           </a:prstGeom>
           <a:noFill/>
+          <a:effectLst>
+            <a:glow rad="101600">
+              <a:srgbClr val="FF0000">
+                <a:alpha val="60000"/>
+              </a:srgbClr>
+            </a:glow>
+          </a:effectLst>
         </p:spPr>
         <p:txBody>
           <a:bodyPr wrap="none" lIns="91440" tIns="45720" rIns="91440" bIns="45720">
@@ -4611,14 +4635,16 @@
           <a:p>
             <a:pPr algn="ctr"/>
             <a:r>
-              <a:rPr lang="ja-JP" altLang="en-US" sz="4800" b="1" spc="50" dirty="0">
+              <a:rPr lang="ja-JP" altLang="en-US" sz="4800" spc="50" dirty="0">
                 <a:ln w="28575">
                   <a:solidFill>
-                    <a:schemeClr val="bg1"/>
+                    <a:schemeClr val="bg2">
+                      <a:lumMod val="50000"/>
+                    </a:schemeClr>
                   </a:solidFill>
                 </a:ln>
                 <a:solidFill>
-                  <a:sysClr val="windowText" lastClr="000000"/>
+                  <a:schemeClr val="bg1"/>
                 </a:solidFill>
                 <a:effectLst>
                   <a:glow rad="228600">
@@ -4636,16 +4662,18 @@
                 <a:latin typeface="HGS創英角ﾎﾟｯﾌﾟ体" panose="040B0A00000000000000" pitchFamily="50" charset="-128"/>
                 <a:ea typeface="HGS創英角ﾎﾟｯﾌﾟ体" panose="040B0A00000000000000" pitchFamily="50" charset="-128"/>
               </a:rPr>
-              <a:t>ツモ</a:t>
-            </a:r>
-            <a:endParaRPr lang="ja-JP" altLang="en-US" sz="4800" b="1" cap="none" spc="50" dirty="0">
+              <a:t>　ツモ　</a:t>
+            </a:r>
+            <a:endParaRPr lang="ja-JP" altLang="en-US" sz="4800" cap="none" spc="50" dirty="0">
               <a:ln w="28575">
                 <a:solidFill>
-                  <a:schemeClr val="bg1"/>
+                  <a:schemeClr val="bg2">
+                    <a:lumMod val="50000"/>
+                  </a:schemeClr>
                 </a:solidFill>
               </a:ln>
               <a:solidFill>
-                <a:sysClr val="windowText" lastClr="000000"/>
+                <a:schemeClr val="bg1"/>
               </a:solidFill>
               <a:effectLst>
                 <a:glow rad="228600">
@@ -4680,8 +4708,8 @@
         </p:nvSpPr>
         <p:spPr>
           <a:xfrm>
-            <a:off x="5187672" y="5582621"/>
-            <a:ext cx="1435009" cy="830997"/>
+            <a:off x="4568914" y="5582621"/>
+            <a:ext cx="2672526" cy="830997"/>
           </a:xfrm>
           <a:prstGeom prst="rect">
             <a:avLst/>
@@ -4696,14 +4724,16 @@
           <a:p>
             <a:pPr algn="ctr"/>
             <a:r>
-              <a:rPr lang="ja-JP" altLang="en-US" sz="4800" b="1" spc="50" dirty="0">
+              <a:rPr lang="ja-JP" altLang="en-US" sz="4800" spc="50" dirty="0">
                 <a:ln w="28575">
                   <a:solidFill>
-                    <a:schemeClr val="bg1"/>
+                    <a:schemeClr val="bg2">
+                      <a:lumMod val="50000"/>
+                    </a:schemeClr>
                   </a:solidFill>
                 </a:ln>
                 <a:solidFill>
-                  <a:sysClr val="windowText" lastClr="000000"/>
+                  <a:schemeClr val="bg1"/>
                 </a:solidFill>
                 <a:effectLst>
                   <a:glow rad="228600">
@@ -4721,16 +4751,18 @@
                 <a:latin typeface="HGS創英角ﾎﾟｯﾌﾟ体" panose="040B0A00000000000000" pitchFamily="50" charset="-128"/>
                 <a:ea typeface="HGS創英角ﾎﾟｯﾌﾟ体" panose="040B0A00000000000000" pitchFamily="50" charset="-128"/>
               </a:rPr>
-              <a:t>ポン</a:t>
-            </a:r>
-            <a:endParaRPr lang="ja-JP" altLang="en-US" sz="4800" b="1" cap="none" spc="50" dirty="0">
+              <a:t>　ポン　</a:t>
+            </a:r>
+            <a:endParaRPr lang="ja-JP" altLang="en-US" sz="4800" cap="none" spc="50" dirty="0">
               <a:ln w="28575">
                 <a:solidFill>
-                  <a:schemeClr val="bg1"/>
+                  <a:schemeClr val="bg2">
+                    <a:lumMod val="50000"/>
+                  </a:schemeClr>
                 </a:solidFill>
               </a:ln>
               <a:solidFill>
-                <a:sysClr val="windowText" lastClr="000000"/>
+                <a:schemeClr val="bg1"/>
               </a:solidFill>
               <a:effectLst>
                 <a:glow rad="228600">
@@ -4765,8 +4797,8 @@
         </p:nvSpPr>
         <p:spPr>
           <a:xfrm>
-            <a:off x="6622680" y="5582621"/>
-            <a:ext cx="1435008" cy="830997"/>
+            <a:off x="6003922" y="5582621"/>
+            <a:ext cx="2672526" cy="830997"/>
           </a:xfrm>
           <a:prstGeom prst="rect">
             <a:avLst/>
@@ -4781,14 +4813,16 @@
           <a:p>
             <a:pPr algn="ctr"/>
             <a:r>
-              <a:rPr lang="ja-JP" altLang="en-US" sz="4800" b="1" spc="50" dirty="0">
+              <a:rPr lang="ja-JP" altLang="en-US" sz="4800" spc="50" dirty="0">
                 <a:ln w="28575">
                   <a:solidFill>
-                    <a:schemeClr val="bg1"/>
+                    <a:schemeClr val="bg2">
+                      <a:lumMod val="50000"/>
+                    </a:schemeClr>
                   </a:solidFill>
                 </a:ln>
                 <a:solidFill>
-                  <a:sysClr val="windowText" lastClr="000000"/>
+                  <a:schemeClr val="bg1"/>
                 </a:solidFill>
                 <a:effectLst>
                   <a:glow rad="228600">
@@ -4806,16 +4840,18 @@
                 <a:latin typeface="HGS創英角ﾎﾟｯﾌﾟ体" panose="040B0A00000000000000" pitchFamily="50" charset="-128"/>
                 <a:ea typeface="HGS創英角ﾎﾟｯﾌﾟ体" panose="040B0A00000000000000" pitchFamily="50" charset="-128"/>
               </a:rPr>
-              <a:t>カン</a:t>
-            </a:r>
-            <a:endParaRPr lang="ja-JP" altLang="en-US" sz="4800" b="1" cap="none" spc="50" dirty="0">
+              <a:t>　カン　</a:t>
+            </a:r>
+            <a:endParaRPr lang="ja-JP" altLang="en-US" sz="4800" cap="none" spc="50" dirty="0">
               <a:ln w="28575">
                 <a:solidFill>
-                  <a:schemeClr val="bg1"/>
+                  <a:schemeClr val="bg2">
+                    <a:lumMod val="50000"/>
+                  </a:schemeClr>
                 </a:solidFill>
               </a:ln>
               <a:solidFill>
-                <a:sysClr val="windowText" lastClr="000000"/>
+                <a:schemeClr val="bg1"/>
               </a:solidFill>
               <a:effectLst>
                 <a:glow rad="228600">
@@ -4850,8 +4886,8 @@
         </p:nvSpPr>
         <p:spPr>
           <a:xfrm>
-            <a:off x="6870867" y="4608454"/>
-            <a:ext cx="2060179" cy="830997"/>
+            <a:off x="6664079" y="4608454"/>
+            <a:ext cx="2473755" cy="830997"/>
           </a:xfrm>
           <a:prstGeom prst="rect">
             <a:avLst/>
@@ -4874,14 +4910,16 @@
           <a:p>
             <a:pPr algn="ctr"/>
             <a:r>
-              <a:rPr lang="ja-JP" altLang="en-US" sz="4800" b="1" cap="none" spc="50" dirty="0">
+              <a:rPr lang="ja-JP" altLang="en-US" sz="4800" cap="none" spc="50" dirty="0">
                 <a:ln w="28575">
                   <a:solidFill>
-                    <a:schemeClr val="bg1"/>
+                    <a:schemeClr val="bg2">
+                      <a:lumMod val="50000"/>
+                    </a:schemeClr>
                   </a:solidFill>
                 </a:ln>
                 <a:solidFill>
-                  <a:sysClr val="windowText" lastClr="000000"/>
+                  <a:schemeClr val="bg1"/>
                 </a:solidFill>
                 <a:effectLst>
                   <a:glow rad="228600">
@@ -4899,7 +4937,7 @@
                 <a:latin typeface="HGS創英角ﾎﾟｯﾌﾟ体" panose="040B0A00000000000000" pitchFamily="50" charset="-128"/>
                 <a:ea typeface="HGS創英角ﾎﾟｯﾌﾟ体" panose="040B0A00000000000000" pitchFamily="50" charset="-128"/>
               </a:rPr>
-              <a:t>リーチ</a:t>
+              <a:t> リーチ </a:t>
             </a:r>
           </a:p>
         </p:txBody>
@@ -4942,14 +4980,16 @@
           <a:p>
             <a:pPr algn="ctr"/>
             <a:r>
-              <a:rPr lang="ja-JP" altLang="en-US" sz="4800" b="1" cap="none" spc="50" dirty="0">
+              <a:rPr lang="ja-JP" altLang="en-US" sz="4800" cap="none" spc="50" dirty="0">
                 <a:ln w="28575">
                   <a:solidFill>
-                    <a:schemeClr val="bg1"/>
+                    <a:schemeClr val="bg2">
+                      <a:lumMod val="50000"/>
+                    </a:schemeClr>
                   </a:solidFill>
                 </a:ln>
                 <a:solidFill>
-                  <a:sysClr val="windowText" lastClr="000000"/>
+                  <a:schemeClr val="bg1"/>
                 </a:solidFill>
                 <a:effectLst>
                   <a:glow rad="228600">

--- a/public/assets/images/図作成用.pptx
+++ b/public/assets/images/図作成用.pptx
@@ -10,7 +10,7 @@
   <p:sldIdLst>
     <p:sldId id="256" r:id="rId2"/>
     <p:sldId id="257" r:id="rId3"/>
-    <p:sldId id="258" r:id="rId4"/>
+    <p:sldId id="259" r:id="rId4"/>
   </p:sldIdLst>
   <p:sldSz cx="12192000" cy="6858000"/>
   <p:notesSz cx="6858000" cy="9144000"/>
@@ -199,7 +199,7 @@
           <a:p>
             <a:fld id="{2B8CF655-508B-450C-94C8-832930E49C1B}" type="datetimeFigureOut">
               <a:rPr kumimoji="1" lang="ja-JP" altLang="en-US" smtClean="0"/>
-              <a:t>2025/6/29</a:t>
+              <a:t>2025/8/22</a:t>
             </a:fld>
             <a:endParaRPr kumimoji="1" lang="ja-JP" altLang="en-US"/>
           </a:p>
@@ -666,6 +666,114 @@
 </p:notes>
 </file>
 
+<file path=ppt/notesSlides/notesSlide3.xml><?xml version="1.0" encoding="utf-8"?>
+<p:notes xmlns:a="http://schemas.openxmlformats.org/drawingml/2006/main" xmlns:r="http://schemas.openxmlformats.org/officeDocument/2006/relationships" xmlns:p="http://schemas.openxmlformats.org/presentationml/2006/main">
+  <p:cSld>
+    <p:spTree>
+      <p:nvGrpSpPr>
+        <p:cNvPr id="1" name="">
+          <a:extLst>
+            <a:ext uri="{FF2B5EF4-FFF2-40B4-BE49-F238E27FC236}">
+              <a16:creationId xmlns:a16="http://schemas.microsoft.com/office/drawing/2014/main" id="{0E719F04-9913-0913-348E-E970138400B2}"/>
+            </a:ext>
+          </a:extLst>
+        </p:cNvPr>
+        <p:cNvGrpSpPr/>
+        <p:nvPr/>
+      </p:nvGrpSpPr>
+      <p:grpSpPr>
+        <a:xfrm>
+          <a:off x="0" y="0"/>
+          <a:ext cx="0" cy="0"/>
+          <a:chOff x="0" y="0"/>
+          <a:chExt cx="0" cy="0"/>
+        </a:xfrm>
+      </p:grpSpPr>
+      <p:sp>
+        <p:nvSpPr>
+          <p:cNvPr id="2" name="スライド イメージ プレースホルダー 1">
+            <a:extLst>
+              <a:ext uri="{FF2B5EF4-FFF2-40B4-BE49-F238E27FC236}">
+                <a16:creationId xmlns:a16="http://schemas.microsoft.com/office/drawing/2014/main" id="{84B63853-950A-3060-4970-B56AD15F2E80}"/>
+              </a:ext>
+            </a:extLst>
+          </p:cNvPr>
+          <p:cNvSpPr>
+            <a:spLocks noGrp="1" noRot="1" noChangeAspect="1"/>
+          </p:cNvSpPr>
+          <p:nvPr>
+            <p:ph type="sldImg"/>
+          </p:nvPr>
+        </p:nvSpPr>
+        <p:spPr/>
+      </p:sp>
+      <p:sp>
+        <p:nvSpPr>
+          <p:cNvPr id="3" name="ノート プレースホルダー 2">
+            <a:extLst>
+              <a:ext uri="{FF2B5EF4-FFF2-40B4-BE49-F238E27FC236}">
+                <a16:creationId xmlns:a16="http://schemas.microsoft.com/office/drawing/2014/main" id="{1D955B26-DFFB-4258-1723-7F5A0F30B0B2}"/>
+              </a:ext>
+            </a:extLst>
+          </p:cNvPr>
+          <p:cNvSpPr>
+            <a:spLocks noGrp="1"/>
+          </p:cNvSpPr>
+          <p:nvPr>
+            <p:ph type="body" idx="1"/>
+          </p:nvPr>
+        </p:nvSpPr>
+        <p:spPr/>
+        <p:txBody>
+          <a:bodyPr/>
+          <a:lstStyle/>
+          <a:p>
+            <a:endParaRPr kumimoji="1" lang="ja-JP" altLang="en-US" dirty="0"/>
+          </a:p>
+        </p:txBody>
+      </p:sp>
+      <p:sp>
+        <p:nvSpPr>
+          <p:cNvPr id="4" name="スライド番号プレースホルダー 3">
+            <a:extLst>
+              <a:ext uri="{FF2B5EF4-FFF2-40B4-BE49-F238E27FC236}">
+                <a16:creationId xmlns:a16="http://schemas.microsoft.com/office/drawing/2014/main" id="{5B9647BA-826B-2092-74DC-BD26B0B89DB0}"/>
+              </a:ext>
+            </a:extLst>
+          </p:cNvPr>
+          <p:cNvSpPr>
+            <a:spLocks noGrp="1"/>
+          </p:cNvSpPr>
+          <p:nvPr>
+            <p:ph type="sldNum" sz="quarter" idx="5"/>
+          </p:nvPr>
+        </p:nvSpPr>
+        <p:spPr/>
+        <p:txBody>
+          <a:bodyPr/>
+          <a:lstStyle/>
+          <a:p>
+            <a:fld id="{AB2C0F31-49AB-4B88-865E-A233548DDF7D}" type="slidenum">
+              <a:rPr kumimoji="1" lang="ja-JP" altLang="en-US" smtClean="0"/>
+              <a:t>3</a:t>
+            </a:fld>
+            <a:endParaRPr kumimoji="1" lang="ja-JP" altLang="en-US"/>
+          </a:p>
+        </p:txBody>
+      </p:sp>
+    </p:spTree>
+    <p:extLst>
+      <p:ext uri="{BB962C8B-B14F-4D97-AF65-F5344CB8AC3E}">
+        <p14:creationId xmlns:p14="http://schemas.microsoft.com/office/powerpoint/2010/main" val="2796607751"/>
+      </p:ext>
+    </p:extLst>
+  </p:cSld>
+  <p:clrMapOvr>
+    <a:masterClrMapping/>
+  </p:clrMapOvr>
+</p:notes>
+</file>
+
 <file path=ppt/slideLayouts/slideLayout1.xml><?xml version="1.0" encoding="utf-8"?>
 <p:sldLayout xmlns:a="http://schemas.openxmlformats.org/drawingml/2006/main" xmlns:r="http://schemas.openxmlformats.org/officeDocument/2006/relationships" xmlns:p="http://schemas.openxmlformats.org/presentationml/2006/main" type="title" preserve="1">
   <p:cSld name="タイトル スライド">
@@ -813,7 +921,7 @@
           <a:p>
             <a:fld id="{5AC917AA-9460-47BC-9370-797960620197}" type="datetimeFigureOut">
               <a:rPr kumimoji="1" lang="ja-JP" altLang="en-US" smtClean="0"/>
-              <a:t>2025/6/29</a:t>
+              <a:t>2025/8/22</a:t>
             </a:fld>
             <a:endParaRPr kumimoji="1" lang="ja-JP" altLang="en-US"/>
           </a:p>
@@ -1043,7 +1151,7 @@
           <a:p>
             <a:fld id="{5AC917AA-9460-47BC-9370-797960620197}" type="datetimeFigureOut">
               <a:rPr kumimoji="1" lang="ja-JP" altLang="en-US" smtClean="0"/>
-              <a:t>2025/6/29</a:t>
+              <a:t>2025/8/22</a:t>
             </a:fld>
             <a:endParaRPr kumimoji="1" lang="ja-JP" altLang="en-US"/>
           </a:p>
@@ -1283,7 +1391,7 @@
           <a:p>
             <a:fld id="{5AC917AA-9460-47BC-9370-797960620197}" type="datetimeFigureOut">
               <a:rPr kumimoji="1" lang="ja-JP" altLang="en-US" smtClean="0"/>
-              <a:t>2025/6/29</a:t>
+              <a:t>2025/8/22</a:t>
             </a:fld>
             <a:endParaRPr kumimoji="1" lang="ja-JP" altLang="en-US"/>
           </a:p>
@@ -1513,7 +1621,7 @@
           <a:p>
             <a:fld id="{5AC917AA-9460-47BC-9370-797960620197}" type="datetimeFigureOut">
               <a:rPr kumimoji="1" lang="ja-JP" altLang="en-US" smtClean="0"/>
-              <a:t>2025/6/29</a:t>
+              <a:t>2025/8/22</a:t>
             </a:fld>
             <a:endParaRPr kumimoji="1" lang="ja-JP" altLang="en-US"/>
           </a:p>
@@ -1788,7 +1896,7 @@
           <a:p>
             <a:fld id="{5AC917AA-9460-47BC-9370-797960620197}" type="datetimeFigureOut">
               <a:rPr kumimoji="1" lang="ja-JP" altLang="en-US" smtClean="0"/>
-              <a:t>2025/6/29</a:t>
+              <a:t>2025/8/22</a:t>
             </a:fld>
             <a:endParaRPr kumimoji="1" lang="ja-JP" altLang="en-US"/>
           </a:p>
@@ -2117,7 +2225,7 @@
           <a:p>
             <a:fld id="{5AC917AA-9460-47BC-9370-797960620197}" type="datetimeFigureOut">
               <a:rPr kumimoji="1" lang="ja-JP" altLang="en-US" smtClean="0"/>
-              <a:t>2025/6/29</a:t>
+              <a:t>2025/8/22</a:t>
             </a:fld>
             <a:endParaRPr kumimoji="1" lang="ja-JP" altLang="en-US"/>
           </a:p>
@@ -2593,7 +2701,7 @@
           <a:p>
             <a:fld id="{5AC917AA-9460-47BC-9370-797960620197}" type="datetimeFigureOut">
               <a:rPr kumimoji="1" lang="ja-JP" altLang="en-US" smtClean="0"/>
-              <a:t>2025/6/29</a:t>
+              <a:t>2025/8/22</a:t>
             </a:fld>
             <a:endParaRPr kumimoji="1" lang="ja-JP" altLang="en-US"/>
           </a:p>
@@ -2734,7 +2842,7 @@
           <a:p>
             <a:fld id="{5AC917AA-9460-47BC-9370-797960620197}" type="datetimeFigureOut">
               <a:rPr kumimoji="1" lang="ja-JP" altLang="en-US" smtClean="0"/>
-              <a:t>2025/6/29</a:t>
+              <a:t>2025/8/22</a:t>
             </a:fld>
             <a:endParaRPr kumimoji="1" lang="ja-JP" altLang="en-US"/>
           </a:p>
@@ -2847,7 +2955,7 @@
           <a:p>
             <a:fld id="{5AC917AA-9460-47BC-9370-797960620197}" type="datetimeFigureOut">
               <a:rPr kumimoji="1" lang="ja-JP" altLang="en-US" smtClean="0"/>
-              <a:t>2025/6/29</a:t>
+              <a:t>2025/8/22</a:t>
             </a:fld>
             <a:endParaRPr kumimoji="1" lang="ja-JP" altLang="en-US"/>
           </a:p>
@@ -3190,7 +3298,7 @@
           <a:p>
             <a:fld id="{5AC917AA-9460-47BC-9370-797960620197}" type="datetimeFigureOut">
               <a:rPr kumimoji="1" lang="ja-JP" altLang="en-US" smtClean="0"/>
-              <a:t>2025/6/29</a:t>
+              <a:t>2025/8/22</a:t>
             </a:fld>
             <a:endParaRPr kumimoji="1" lang="ja-JP" altLang="en-US"/>
           </a:p>
@@ -3478,7 +3586,7 @@
           <a:p>
             <a:fld id="{5AC917AA-9460-47BC-9370-797960620197}" type="datetimeFigureOut">
               <a:rPr kumimoji="1" lang="ja-JP" altLang="en-US" smtClean="0"/>
-              <a:t>2025/6/29</a:t>
+              <a:t>2025/8/22</a:t>
             </a:fld>
             <a:endParaRPr kumimoji="1" lang="ja-JP" altLang="en-US"/>
           </a:p>
@@ -3751,7 +3859,7 @@
           <a:p>
             <a:fld id="{5AC917AA-9460-47BC-9370-797960620197}" type="datetimeFigureOut">
               <a:rPr kumimoji="1" lang="ja-JP" altLang="en-US" smtClean="0"/>
-              <a:t>2025/6/29</a:t>
+              <a:t>2025/8/22</a:t>
             </a:fld>
             <a:endParaRPr kumimoji="1" lang="ja-JP" altLang="en-US"/>
           </a:p>
@@ -4504,446 +4612,6 @@
       </p:grpSp>
       <p:sp>
         <p:nvSpPr>
-          <p:cNvPr id="31" name="正方形/長方形 30">
-            <a:extLst>
-              <a:ext uri="{FF2B5EF4-FFF2-40B4-BE49-F238E27FC236}">
-                <a16:creationId xmlns:a16="http://schemas.microsoft.com/office/drawing/2014/main" id="{7F7ADC4C-77CB-BDAB-3460-03F771F50C58}"/>
-              </a:ext>
-            </a:extLst>
-          </p:cNvPr>
-          <p:cNvSpPr/>
-          <p:nvPr/>
-        </p:nvSpPr>
-        <p:spPr>
-          <a:xfrm>
-            <a:off x="1064829" y="5582621"/>
-            <a:ext cx="2672526" cy="830997"/>
-          </a:xfrm>
-          <a:prstGeom prst="rect">
-            <a:avLst/>
-          </a:prstGeom>
-          <a:noFill/>
-          <a:effectLst>
-            <a:glow rad="101600">
-              <a:srgbClr val="FF0000">
-                <a:alpha val="60000"/>
-              </a:srgbClr>
-            </a:glow>
-          </a:effectLst>
-        </p:spPr>
-        <p:txBody>
-          <a:bodyPr wrap="none" lIns="91440" tIns="45720" rIns="91440" bIns="45720">
-            <a:spAutoFit/>
-          </a:bodyPr>
-          <a:lstStyle/>
-          <a:p>
-            <a:pPr algn="ctr"/>
-            <a:r>
-              <a:rPr lang="ja-JP" altLang="en-US" sz="4800" spc="50" dirty="0">
-                <a:ln w="28575">
-                  <a:solidFill>
-                    <a:schemeClr val="bg2">
-                      <a:lumMod val="50000"/>
-                    </a:schemeClr>
-                  </a:solidFill>
-                </a:ln>
-                <a:solidFill>
-                  <a:schemeClr val="bg1"/>
-                </a:solidFill>
-                <a:effectLst>
-                  <a:glow rad="228600">
-                    <a:schemeClr val="accent2">
-                      <a:satMod val="175000"/>
-                      <a:alpha val="40000"/>
-                    </a:schemeClr>
-                  </a:glow>
-                  <a:outerShdw blurRad="50800" dist="38100" dir="2700000" algn="tl" rotWithShape="0">
-                    <a:prstClr val="black">
-                      <a:alpha val="40000"/>
-                    </a:prstClr>
-                  </a:outerShdw>
-                </a:effectLst>
-                <a:latin typeface="HGS創英角ﾎﾟｯﾌﾟ体" panose="040B0A00000000000000" pitchFamily="50" charset="-128"/>
-                <a:ea typeface="HGS創英角ﾎﾟｯﾌﾟ体" panose="040B0A00000000000000" pitchFamily="50" charset="-128"/>
-              </a:rPr>
-              <a:t>　ロン　</a:t>
-            </a:r>
-            <a:endParaRPr lang="ja-JP" altLang="en-US" sz="4800" cap="none" spc="50" dirty="0">
-              <a:ln w="28575">
-                <a:solidFill>
-                  <a:schemeClr val="bg2">
-                    <a:lumMod val="50000"/>
-                  </a:schemeClr>
-                </a:solidFill>
-              </a:ln>
-              <a:solidFill>
-                <a:schemeClr val="bg1"/>
-              </a:solidFill>
-              <a:effectLst>
-                <a:glow rad="228600">
-                  <a:schemeClr val="accent2">
-                    <a:satMod val="175000"/>
-                    <a:alpha val="40000"/>
-                  </a:schemeClr>
-                </a:glow>
-                <a:outerShdw blurRad="50800" dist="38100" dir="2700000" algn="tl" rotWithShape="0">
-                  <a:prstClr val="black">
-                    <a:alpha val="40000"/>
-                  </a:prstClr>
-                </a:outerShdw>
-              </a:effectLst>
-              <a:latin typeface="HGS創英角ﾎﾟｯﾌﾟ体" panose="040B0A00000000000000" pitchFamily="50" charset="-128"/>
-              <a:ea typeface="HGS創英角ﾎﾟｯﾌﾟ体" panose="040B0A00000000000000" pitchFamily="50" charset="-128"/>
-            </a:endParaRPr>
-          </a:p>
-        </p:txBody>
-      </p:sp>
-      <p:sp>
-        <p:nvSpPr>
-          <p:cNvPr id="33" name="正方形/長方形 32">
-            <a:extLst>
-              <a:ext uri="{FF2B5EF4-FFF2-40B4-BE49-F238E27FC236}">
-                <a16:creationId xmlns:a16="http://schemas.microsoft.com/office/drawing/2014/main" id="{853EBA9F-6432-470E-91EF-506517EBA4DA}"/>
-              </a:ext>
-            </a:extLst>
-          </p:cNvPr>
-          <p:cNvSpPr/>
-          <p:nvPr/>
-        </p:nvSpPr>
-        <p:spPr>
-          <a:xfrm>
-            <a:off x="2754583" y="5582621"/>
-            <a:ext cx="2672526" cy="830997"/>
-          </a:xfrm>
-          <a:prstGeom prst="rect">
-            <a:avLst/>
-          </a:prstGeom>
-          <a:noFill/>
-          <a:effectLst>
-            <a:glow rad="101600">
-              <a:srgbClr val="FF0000">
-                <a:alpha val="60000"/>
-              </a:srgbClr>
-            </a:glow>
-          </a:effectLst>
-        </p:spPr>
-        <p:txBody>
-          <a:bodyPr wrap="none" lIns="91440" tIns="45720" rIns="91440" bIns="45720">
-            <a:spAutoFit/>
-          </a:bodyPr>
-          <a:lstStyle/>
-          <a:p>
-            <a:pPr algn="ctr"/>
-            <a:r>
-              <a:rPr lang="ja-JP" altLang="en-US" sz="4800" spc="50" dirty="0">
-                <a:ln w="28575">
-                  <a:solidFill>
-                    <a:schemeClr val="bg2">
-                      <a:lumMod val="50000"/>
-                    </a:schemeClr>
-                  </a:solidFill>
-                </a:ln>
-                <a:solidFill>
-                  <a:schemeClr val="bg1"/>
-                </a:solidFill>
-                <a:effectLst>
-                  <a:glow rad="228600">
-                    <a:schemeClr val="accent2">
-                      <a:satMod val="175000"/>
-                      <a:alpha val="40000"/>
-                    </a:schemeClr>
-                  </a:glow>
-                  <a:outerShdw blurRad="50800" dist="38100" dir="2700000" algn="tl" rotWithShape="0">
-                    <a:prstClr val="black">
-                      <a:alpha val="40000"/>
-                    </a:prstClr>
-                  </a:outerShdw>
-                </a:effectLst>
-                <a:latin typeface="HGS創英角ﾎﾟｯﾌﾟ体" panose="040B0A00000000000000" pitchFamily="50" charset="-128"/>
-                <a:ea typeface="HGS創英角ﾎﾟｯﾌﾟ体" panose="040B0A00000000000000" pitchFamily="50" charset="-128"/>
-              </a:rPr>
-              <a:t>　ツモ　</a:t>
-            </a:r>
-            <a:endParaRPr lang="ja-JP" altLang="en-US" sz="4800" cap="none" spc="50" dirty="0">
-              <a:ln w="28575">
-                <a:solidFill>
-                  <a:schemeClr val="bg2">
-                    <a:lumMod val="50000"/>
-                  </a:schemeClr>
-                </a:solidFill>
-              </a:ln>
-              <a:solidFill>
-                <a:schemeClr val="bg1"/>
-              </a:solidFill>
-              <a:effectLst>
-                <a:glow rad="228600">
-                  <a:schemeClr val="accent2">
-                    <a:satMod val="175000"/>
-                    <a:alpha val="40000"/>
-                  </a:schemeClr>
-                </a:glow>
-                <a:outerShdw blurRad="50800" dist="38100" dir="2700000" algn="tl" rotWithShape="0">
-                  <a:prstClr val="black">
-                    <a:alpha val="40000"/>
-                  </a:prstClr>
-                </a:outerShdw>
-              </a:effectLst>
-              <a:latin typeface="HGS創英角ﾎﾟｯﾌﾟ体" panose="040B0A00000000000000" pitchFamily="50" charset="-128"/>
-              <a:ea typeface="HGS創英角ﾎﾟｯﾌﾟ体" panose="040B0A00000000000000" pitchFamily="50" charset="-128"/>
-            </a:endParaRPr>
-          </a:p>
-        </p:txBody>
-      </p:sp>
-      <p:sp>
-        <p:nvSpPr>
-          <p:cNvPr id="36" name="正方形/長方形 35">
-            <a:extLst>
-              <a:ext uri="{FF2B5EF4-FFF2-40B4-BE49-F238E27FC236}">
-                <a16:creationId xmlns:a16="http://schemas.microsoft.com/office/drawing/2014/main" id="{67A7BE11-DDE6-BDA9-3C91-3F9A1F722CF4}"/>
-              </a:ext>
-            </a:extLst>
-          </p:cNvPr>
-          <p:cNvSpPr/>
-          <p:nvPr/>
-        </p:nvSpPr>
-        <p:spPr>
-          <a:xfrm>
-            <a:off x="4568914" y="5582621"/>
-            <a:ext cx="2672526" cy="830997"/>
-          </a:xfrm>
-          <a:prstGeom prst="rect">
-            <a:avLst/>
-          </a:prstGeom>
-          <a:noFill/>
-        </p:spPr>
-        <p:txBody>
-          <a:bodyPr wrap="none" lIns="91440" tIns="45720" rIns="91440" bIns="45720">
-            <a:spAutoFit/>
-          </a:bodyPr>
-          <a:lstStyle/>
-          <a:p>
-            <a:pPr algn="ctr"/>
-            <a:r>
-              <a:rPr lang="ja-JP" altLang="en-US" sz="4800" spc="50" dirty="0">
-                <a:ln w="28575">
-                  <a:solidFill>
-                    <a:schemeClr val="bg2">
-                      <a:lumMod val="50000"/>
-                    </a:schemeClr>
-                  </a:solidFill>
-                </a:ln>
-                <a:solidFill>
-                  <a:schemeClr val="bg1"/>
-                </a:solidFill>
-                <a:effectLst>
-                  <a:glow rad="228600">
-                    <a:schemeClr val="accent6">
-                      <a:satMod val="175000"/>
-                      <a:alpha val="40000"/>
-                    </a:schemeClr>
-                  </a:glow>
-                  <a:outerShdw blurRad="50800" dist="38100" dir="2700000" algn="tl" rotWithShape="0">
-                    <a:prstClr val="black">
-                      <a:alpha val="40000"/>
-                    </a:prstClr>
-                  </a:outerShdw>
-                </a:effectLst>
-                <a:latin typeface="HGS創英角ﾎﾟｯﾌﾟ体" panose="040B0A00000000000000" pitchFamily="50" charset="-128"/>
-                <a:ea typeface="HGS創英角ﾎﾟｯﾌﾟ体" panose="040B0A00000000000000" pitchFamily="50" charset="-128"/>
-              </a:rPr>
-              <a:t>　ポン　</a:t>
-            </a:r>
-            <a:endParaRPr lang="ja-JP" altLang="en-US" sz="4800" cap="none" spc="50" dirty="0">
-              <a:ln w="28575">
-                <a:solidFill>
-                  <a:schemeClr val="bg2">
-                    <a:lumMod val="50000"/>
-                  </a:schemeClr>
-                </a:solidFill>
-              </a:ln>
-              <a:solidFill>
-                <a:schemeClr val="bg1"/>
-              </a:solidFill>
-              <a:effectLst>
-                <a:glow rad="228600">
-                  <a:schemeClr val="accent6">
-                    <a:satMod val="175000"/>
-                    <a:alpha val="40000"/>
-                  </a:schemeClr>
-                </a:glow>
-                <a:outerShdw blurRad="50800" dist="38100" dir="2700000" algn="tl" rotWithShape="0">
-                  <a:prstClr val="black">
-                    <a:alpha val="40000"/>
-                  </a:prstClr>
-                </a:outerShdw>
-              </a:effectLst>
-              <a:latin typeface="HGS創英角ﾎﾟｯﾌﾟ体" panose="040B0A00000000000000" pitchFamily="50" charset="-128"/>
-              <a:ea typeface="HGS創英角ﾎﾟｯﾌﾟ体" panose="040B0A00000000000000" pitchFamily="50" charset="-128"/>
-            </a:endParaRPr>
-          </a:p>
-        </p:txBody>
-      </p:sp>
-      <p:sp>
-        <p:nvSpPr>
-          <p:cNvPr id="43" name="正方形/長方形 42">
-            <a:extLst>
-              <a:ext uri="{FF2B5EF4-FFF2-40B4-BE49-F238E27FC236}">
-                <a16:creationId xmlns:a16="http://schemas.microsoft.com/office/drawing/2014/main" id="{FCBBA6B3-C761-28A0-CEE5-81FD0B05581F}"/>
-              </a:ext>
-            </a:extLst>
-          </p:cNvPr>
-          <p:cNvSpPr/>
-          <p:nvPr/>
-        </p:nvSpPr>
-        <p:spPr>
-          <a:xfrm>
-            <a:off x="6003922" y="5582621"/>
-            <a:ext cx="2672526" cy="830997"/>
-          </a:xfrm>
-          <a:prstGeom prst="rect">
-            <a:avLst/>
-          </a:prstGeom>
-          <a:noFill/>
-        </p:spPr>
-        <p:txBody>
-          <a:bodyPr wrap="none" lIns="91440" tIns="45720" rIns="91440" bIns="45720">
-            <a:spAutoFit/>
-          </a:bodyPr>
-          <a:lstStyle/>
-          <a:p>
-            <a:pPr algn="ctr"/>
-            <a:r>
-              <a:rPr lang="ja-JP" altLang="en-US" sz="4800" spc="50" dirty="0">
-                <a:ln w="28575">
-                  <a:solidFill>
-                    <a:schemeClr val="bg2">
-                      <a:lumMod val="50000"/>
-                    </a:schemeClr>
-                  </a:solidFill>
-                </a:ln>
-                <a:solidFill>
-                  <a:schemeClr val="bg1"/>
-                </a:solidFill>
-                <a:effectLst>
-                  <a:glow rad="228600">
-                    <a:schemeClr val="accent6">
-                      <a:satMod val="175000"/>
-                      <a:alpha val="40000"/>
-                    </a:schemeClr>
-                  </a:glow>
-                  <a:outerShdw blurRad="50800" dist="38100" dir="2700000" algn="tl" rotWithShape="0">
-                    <a:prstClr val="black">
-                      <a:alpha val="40000"/>
-                    </a:prstClr>
-                  </a:outerShdw>
-                </a:effectLst>
-                <a:latin typeface="HGS創英角ﾎﾟｯﾌﾟ体" panose="040B0A00000000000000" pitchFamily="50" charset="-128"/>
-                <a:ea typeface="HGS創英角ﾎﾟｯﾌﾟ体" panose="040B0A00000000000000" pitchFamily="50" charset="-128"/>
-              </a:rPr>
-              <a:t>　カン　</a:t>
-            </a:r>
-            <a:endParaRPr lang="ja-JP" altLang="en-US" sz="4800" cap="none" spc="50" dirty="0">
-              <a:ln w="28575">
-                <a:solidFill>
-                  <a:schemeClr val="bg2">
-                    <a:lumMod val="50000"/>
-                  </a:schemeClr>
-                </a:solidFill>
-              </a:ln>
-              <a:solidFill>
-                <a:schemeClr val="bg1"/>
-              </a:solidFill>
-              <a:effectLst>
-                <a:glow rad="228600">
-                  <a:schemeClr val="accent6">
-                    <a:satMod val="175000"/>
-                    <a:alpha val="40000"/>
-                  </a:schemeClr>
-                </a:glow>
-                <a:outerShdw blurRad="50800" dist="38100" dir="2700000" algn="tl" rotWithShape="0">
-                  <a:prstClr val="black">
-                    <a:alpha val="40000"/>
-                  </a:prstClr>
-                </a:outerShdw>
-              </a:effectLst>
-              <a:latin typeface="HGS創英角ﾎﾟｯﾌﾟ体" panose="040B0A00000000000000" pitchFamily="50" charset="-128"/>
-              <a:ea typeface="HGS創英角ﾎﾟｯﾌﾟ体" panose="040B0A00000000000000" pitchFamily="50" charset="-128"/>
-            </a:endParaRPr>
-          </a:p>
-        </p:txBody>
-      </p:sp>
-      <p:sp>
-        <p:nvSpPr>
-          <p:cNvPr id="45" name="正方形/長方形 44">
-            <a:extLst>
-              <a:ext uri="{FF2B5EF4-FFF2-40B4-BE49-F238E27FC236}">
-                <a16:creationId xmlns:a16="http://schemas.microsoft.com/office/drawing/2014/main" id="{D6C4197F-C6C1-FFE6-9B5B-1FA5180EFF59}"/>
-              </a:ext>
-            </a:extLst>
-          </p:cNvPr>
-          <p:cNvSpPr/>
-          <p:nvPr/>
-        </p:nvSpPr>
-        <p:spPr>
-          <a:xfrm>
-            <a:off x="6664079" y="4608454"/>
-            <a:ext cx="2473755" cy="830997"/>
-          </a:xfrm>
-          <a:prstGeom prst="rect">
-            <a:avLst/>
-          </a:prstGeom>
-          <a:noFill/>
-          <a:effectLst>
-            <a:glow rad="101600">
-              <a:schemeClr val="accent2">
-                <a:lumMod val="50000"/>
-                <a:alpha val="60000"/>
-              </a:schemeClr>
-            </a:glow>
-          </a:effectLst>
-        </p:spPr>
-        <p:txBody>
-          <a:bodyPr wrap="none" lIns="91440" tIns="45720" rIns="91440" bIns="45720">
-            <a:spAutoFit/>
-          </a:bodyPr>
-          <a:lstStyle/>
-          <a:p>
-            <a:pPr algn="ctr"/>
-            <a:r>
-              <a:rPr lang="ja-JP" altLang="en-US" sz="4800" cap="none" spc="50" dirty="0">
-                <a:ln w="28575">
-                  <a:solidFill>
-                    <a:schemeClr val="bg2">
-                      <a:lumMod val="50000"/>
-                    </a:schemeClr>
-                  </a:solidFill>
-                </a:ln>
-                <a:solidFill>
-                  <a:schemeClr val="bg1"/>
-                </a:solidFill>
-                <a:effectLst>
-                  <a:glow rad="228600">
-                    <a:schemeClr val="accent2">
-                      <a:lumMod val="50000"/>
-                      <a:alpha val="40000"/>
-                    </a:schemeClr>
-                  </a:glow>
-                  <a:outerShdw blurRad="50800" dist="38100" dir="2700000" algn="tl" rotWithShape="0">
-                    <a:prstClr val="black">
-                      <a:alpha val="40000"/>
-                    </a:prstClr>
-                  </a:outerShdw>
-                </a:effectLst>
-                <a:latin typeface="HGS創英角ﾎﾟｯﾌﾟ体" panose="040B0A00000000000000" pitchFamily="50" charset="-128"/>
-                <a:ea typeface="HGS創英角ﾎﾟｯﾌﾟ体" panose="040B0A00000000000000" pitchFamily="50" charset="-128"/>
-              </a:rPr>
-              <a:t> リーチ </a:t>
-            </a:r>
-          </a:p>
-        </p:txBody>
-      </p:sp>
-      <p:sp>
-        <p:nvSpPr>
           <p:cNvPr id="48" name="正方形/長方形 47">
             <a:extLst>
               <a:ext uri="{FF2B5EF4-FFF2-40B4-BE49-F238E27FC236}">
@@ -5009,6 +4677,319 @@
               </a:rPr>
               <a:t>テンパイ</a:t>
             </a:r>
+          </a:p>
+        </p:txBody>
+      </p:sp>
+      <p:sp>
+        <p:nvSpPr>
+          <p:cNvPr id="2" name="テキスト ボックス 1">
+            <a:extLst>
+              <a:ext uri="{FF2B5EF4-FFF2-40B4-BE49-F238E27FC236}">
+                <a16:creationId xmlns:a16="http://schemas.microsoft.com/office/drawing/2014/main" id="{D8C836A2-F03F-8071-4215-F4F1C6AEF311}"/>
+              </a:ext>
+            </a:extLst>
+          </p:cNvPr>
+          <p:cNvSpPr txBox="1"/>
+          <p:nvPr/>
+        </p:nvSpPr>
+        <p:spPr>
+          <a:xfrm>
+            <a:off x="8549646" y="1704735"/>
+            <a:ext cx="1345810" cy="1862048"/>
+          </a:xfrm>
+          <a:prstGeom prst="rect">
+            <a:avLst/>
+          </a:prstGeom>
+          <a:noFill/>
+          <a:ln>
+            <a:noFill/>
+          </a:ln>
+        </p:spPr>
+        <p:txBody>
+          <a:bodyPr wrap="square" rtlCol="0">
+            <a:spAutoFit/>
+          </a:bodyPr>
+          <a:lstStyle/>
+          <a:p>
+            <a:r>
+              <a:rPr lang="ja-JP" altLang="en-US" sz="11500" b="1" dirty="0">
+                <a:ln w="76200">
+                  <a:solidFill>
+                    <a:schemeClr val="tx1"/>
+                  </a:solidFill>
+                </a:ln>
+                <a:solidFill>
+                  <a:schemeClr val="bg1"/>
+                </a:solidFill>
+                <a:latin typeface="HG創英ﾌﾟﾚｾﾞﾝｽEB" panose="02020809000000000000" pitchFamily="17" charset="-128"/>
+                <a:ea typeface="HG創英ﾌﾟﾚｾﾞﾝｽEB" panose="02020809000000000000" pitchFamily="17" charset="-128"/>
+              </a:rPr>
+              <a:t>０</a:t>
+            </a:r>
+            <a:endParaRPr kumimoji="1" lang="ja-JP" altLang="en-US" sz="11500" b="1" dirty="0">
+              <a:ln w="76200">
+                <a:solidFill>
+                  <a:schemeClr val="tx1"/>
+                </a:solidFill>
+              </a:ln>
+              <a:solidFill>
+                <a:schemeClr val="bg1"/>
+              </a:solidFill>
+              <a:latin typeface="HG創英ﾌﾟﾚｾﾞﾝｽEB" panose="02020809000000000000" pitchFamily="17" charset="-128"/>
+              <a:ea typeface="HG創英ﾌﾟﾚｾﾞﾝｽEB" panose="02020809000000000000" pitchFamily="17" charset="-128"/>
+            </a:endParaRPr>
+          </a:p>
+        </p:txBody>
+      </p:sp>
+      <p:pic>
+        <p:nvPicPr>
+          <p:cNvPr id="5" name="図 4">
+            <a:extLst>
+              <a:ext uri="{FF2B5EF4-FFF2-40B4-BE49-F238E27FC236}">
+                <a16:creationId xmlns:a16="http://schemas.microsoft.com/office/drawing/2014/main" id="{3D80875E-B8CC-5296-8486-02FFE02CFC00}"/>
+              </a:ext>
+            </a:extLst>
+          </p:cNvPr>
+          <p:cNvPicPr>
+            <a:picLocks noChangeAspect="1"/>
+          </p:cNvPicPr>
+          <p:nvPr/>
+        </p:nvPicPr>
+        <p:blipFill>
+          <a:blip r:embed="rId3">
+            <a:extLst>
+              <a:ext uri="{28A0092B-C50C-407E-A947-70E740481C1C}">
+                <a14:useLocalDpi xmlns:a14="http://schemas.microsoft.com/office/drawing/2010/main" val="0"/>
+              </a:ext>
+            </a:extLst>
+          </a:blip>
+          <a:stretch>
+            <a:fillRect/>
+          </a:stretch>
+        </p:blipFill>
+        <p:spPr>
+          <a:xfrm>
+            <a:off x="6003922" y="2599368"/>
+            <a:ext cx="1920493" cy="1297911"/>
+          </a:xfrm>
+          <a:prstGeom prst="rect">
+            <a:avLst/>
+          </a:prstGeom>
+        </p:spPr>
+      </p:pic>
+      <p:sp>
+        <p:nvSpPr>
+          <p:cNvPr id="4" name="正方形/長方形 3">
+            <a:extLst>
+              <a:ext uri="{FF2B5EF4-FFF2-40B4-BE49-F238E27FC236}">
+                <a16:creationId xmlns:a16="http://schemas.microsoft.com/office/drawing/2014/main" id="{0A8DB0D0-D339-5766-3AEF-67B9822DD84C}"/>
+              </a:ext>
+            </a:extLst>
+          </p:cNvPr>
+          <p:cNvSpPr/>
+          <p:nvPr/>
+        </p:nvSpPr>
+        <p:spPr>
+          <a:xfrm>
+            <a:off x="1509601" y="5922738"/>
+            <a:ext cx="2499402" cy="769441"/>
+          </a:xfrm>
+          <a:prstGeom prst="rect">
+            <a:avLst/>
+          </a:prstGeom>
+          <a:noFill/>
+        </p:spPr>
+        <p:txBody>
+          <a:bodyPr wrap="none" lIns="91440" tIns="45720" rIns="91440" bIns="45720">
+            <a:spAutoFit/>
+          </a:bodyPr>
+          <a:lstStyle/>
+          <a:p>
+            <a:pPr algn="ctr"/>
+            <a:r>
+              <a:rPr lang="en-US" altLang="ja-JP" sz="4400" b="1" spc="50" dirty="0">
+                <a:ln w="0">
+                  <a:solidFill>
+                    <a:schemeClr val="bg2">
+                      <a:lumMod val="50000"/>
+                    </a:schemeClr>
+                  </a:solidFill>
+                </a:ln>
+                <a:solidFill>
+                  <a:schemeClr val="bg1"/>
+                </a:solidFill>
+                <a:effectLst>
+                  <a:glow rad="101600">
+                    <a:schemeClr val="bg1">
+                      <a:lumMod val="50000"/>
+                      <a:alpha val="60000"/>
+                    </a:schemeClr>
+                  </a:glow>
+                  <a:outerShdw blurRad="50800" dist="38100" dir="2700000" algn="tl" rotWithShape="0">
+                    <a:prstClr val="black">
+                      <a:alpha val="40000"/>
+                    </a:prstClr>
+                  </a:outerShdw>
+                </a:effectLst>
+                <a:latin typeface="HGS創英角ﾎﾟｯﾌﾟ体" panose="040B0A00000000000000" pitchFamily="50" charset="-128"/>
+                <a:ea typeface="HGS創英角ﾎﾟｯﾌﾟ体" panose="040B0A00000000000000" pitchFamily="50" charset="-128"/>
+              </a:rPr>
+              <a:t> FRITEN</a:t>
+            </a:r>
+            <a:r>
+              <a:rPr lang="ja-JP" altLang="en-US" sz="4400" b="1" spc="50" dirty="0">
+                <a:ln w="0">
+                  <a:solidFill>
+                    <a:schemeClr val="bg2">
+                      <a:lumMod val="50000"/>
+                    </a:schemeClr>
+                  </a:solidFill>
+                </a:ln>
+                <a:solidFill>
+                  <a:schemeClr val="bg1"/>
+                </a:solidFill>
+                <a:effectLst>
+                  <a:glow rad="101600">
+                    <a:schemeClr val="bg1">
+                      <a:lumMod val="50000"/>
+                      <a:alpha val="60000"/>
+                    </a:schemeClr>
+                  </a:glow>
+                  <a:outerShdw blurRad="50800" dist="38100" dir="2700000" algn="tl" rotWithShape="0">
+                    <a:prstClr val="black">
+                      <a:alpha val="40000"/>
+                    </a:prstClr>
+                  </a:outerShdw>
+                </a:effectLst>
+                <a:latin typeface="HGS創英角ﾎﾟｯﾌﾟ体" panose="040B0A00000000000000" pitchFamily="50" charset="-128"/>
+                <a:ea typeface="HGS創英角ﾎﾟｯﾌﾟ体" panose="040B0A00000000000000" pitchFamily="50" charset="-128"/>
+              </a:rPr>
+              <a:t> </a:t>
+            </a:r>
+            <a:endParaRPr lang="ja-JP" altLang="en-US" sz="4400" b="1" cap="none" spc="50" dirty="0">
+              <a:ln w="0">
+                <a:solidFill>
+                  <a:schemeClr val="bg2">
+                    <a:lumMod val="50000"/>
+                  </a:schemeClr>
+                </a:solidFill>
+              </a:ln>
+              <a:solidFill>
+                <a:schemeClr val="bg1"/>
+              </a:solidFill>
+              <a:effectLst>
+                <a:glow rad="101600">
+                  <a:schemeClr val="bg1">
+                    <a:lumMod val="50000"/>
+                    <a:alpha val="60000"/>
+                  </a:schemeClr>
+                </a:glow>
+                <a:outerShdw blurRad="50800" dist="38100" dir="2700000" algn="tl" rotWithShape="0">
+                  <a:prstClr val="black">
+                    <a:alpha val="40000"/>
+                  </a:prstClr>
+                </a:outerShdw>
+              </a:effectLst>
+              <a:latin typeface="HGS創英角ﾎﾟｯﾌﾟ体" panose="040B0A00000000000000" pitchFamily="50" charset="-128"/>
+              <a:ea typeface="HGS創英角ﾎﾟｯﾌﾟ体" panose="040B0A00000000000000" pitchFamily="50" charset="-128"/>
+            </a:endParaRPr>
+          </a:p>
+        </p:txBody>
+      </p:sp>
+      <p:sp>
+        <p:nvSpPr>
+          <p:cNvPr id="6" name="正方形/長方形 5">
+            <a:extLst>
+              <a:ext uri="{FF2B5EF4-FFF2-40B4-BE49-F238E27FC236}">
+                <a16:creationId xmlns:a16="http://schemas.microsoft.com/office/drawing/2014/main" id="{53215220-D9CF-E375-84CC-3BE2B6ED933C}"/>
+              </a:ext>
+            </a:extLst>
+          </p:cNvPr>
+          <p:cNvSpPr/>
+          <p:nvPr/>
+        </p:nvSpPr>
+        <p:spPr>
+          <a:xfrm>
+            <a:off x="4057987" y="5861182"/>
+            <a:ext cx="2751074" cy="830997"/>
+          </a:xfrm>
+          <a:prstGeom prst="rect">
+            <a:avLst/>
+          </a:prstGeom>
+          <a:noFill/>
+          <a:effectLst>
+            <a:glow rad="101600">
+              <a:schemeClr val="accent2">
+                <a:lumMod val="50000"/>
+                <a:alpha val="60000"/>
+              </a:schemeClr>
+            </a:glow>
+          </a:effectLst>
+        </p:spPr>
+        <p:txBody>
+          <a:bodyPr wrap="none" lIns="91440" tIns="45720" rIns="91440" bIns="45720">
+            <a:spAutoFit/>
+          </a:bodyPr>
+          <a:lstStyle/>
+          <a:p>
+            <a:pPr algn="ctr"/>
+            <a:r>
+              <a:rPr lang="en-US" altLang="ja-JP" sz="4800" cap="none" spc="50" dirty="0">
+                <a:ln w="28575">
+                  <a:solidFill>
+                    <a:schemeClr val="bg2">
+                      <a:lumMod val="50000"/>
+                    </a:schemeClr>
+                  </a:solidFill>
+                </a:ln>
+                <a:solidFill>
+                  <a:schemeClr val="bg1"/>
+                </a:solidFill>
+                <a:effectLst>
+                  <a:glow rad="228600">
+                    <a:schemeClr val="accent4">
+                      <a:satMod val="175000"/>
+                      <a:alpha val="40000"/>
+                    </a:schemeClr>
+                  </a:glow>
+                  <a:outerShdw blurRad="50800" dist="38100" dir="2700000" algn="tl" rotWithShape="0">
+                    <a:prstClr val="black">
+                      <a:alpha val="40000"/>
+                    </a:prstClr>
+                  </a:outerShdw>
+                </a:effectLst>
+                <a:latin typeface="HGS創英角ﾎﾟｯﾌﾟ体" panose="040B0A00000000000000" pitchFamily="50" charset="-128"/>
+                <a:ea typeface="HGS創英角ﾎﾟｯﾌﾟ体" panose="040B0A00000000000000" pitchFamily="50" charset="-128"/>
+              </a:rPr>
+              <a:t> TENPAI </a:t>
+            </a:r>
+            <a:endParaRPr lang="ja-JP" altLang="en-US" sz="4800" cap="none" spc="50" dirty="0">
+              <a:ln w="28575">
+                <a:solidFill>
+                  <a:schemeClr val="bg2">
+                    <a:lumMod val="50000"/>
+                  </a:schemeClr>
+                </a:solidFill>
+              </a:ln>
+              <a:solidFill>
+                <a:schemeClr val="bg1"/>
+              </a:solidFill>
+              <a:effectLst>
+                <a:glow rad="228600">
+                  <a:schemeClr val="accent4">
+                    <a:satMod val="175000"/>
+                    <a:alpha val="40000"/>
+                  </a:schemeClr>
+                </a:glow>
+                <a:outerShdw blurRad="50800" dist="38100" dir="2700000" algn="tl" rotWithShape="0">
+                  <a:prstClr val="black">
+                    <a:alpha val="40000"/>
+                  </a:prstClr>
+                </a:outerShdw>
+              </a:effectLst>
+              <a:latin typeface="HGS創英角ﾎﾟｯﾌﾟ体" panose="040B0A00000000000000" pitchFamily="50" charset="-128"/>
+              <a:ea typeface="HGS創英角ﾎﾟｯﾌﾟ体" panose="040B0A00000000000000" pitchFamily="50" charset="-128"/>
+            </a:endParaRPr>
           </a:p>
         </p:txBody>
       </p:sp>
@@ -8982,7 +8963,13 @@
   <p:cSld>
     <p:spTree>
       <p:nvGrpSpPr>
-        <p:cNvPr id="1" name=""/>
+        <p:cNvPr id="1" name="">
+          <a:extLst>
+            <a:ext uri="{FF2B5EF4-FFF2-40B4-BE49-F238E27FC236}">
+              <a16:creationId xmlns:a16="http://schemas.microsoft.com/office/drawing/2014/main" id="{1F6A8342-EB98-684E-8A99-9685487FFC36}"/>
+            </a:ext>
+          </a:extLst>
+        </p:cNvPr>
         <p:cNvGrpSpPr/>
         <p:nvPr/>
       </p:nvGrpSpPr>
@@ -8994,73 +8981,12 @@
           <a:chExt cx="0" cy="0"/>
         </a:xfrm>
       </p:grpSpPr>
-      <p:sp>
-        <p:nvSpPr>
-          <p:cNvPr id="2" name="テキスト ボックス 1">
+      <p:grpSp>
+        <p:nvGrpSpPr>
+          <p:cNvPr id="32" name="グループ化 31">
             <a:extLst>
               <a:ext uri="{FF2B5EF4-FFF2-40B4-BE49-F238E27FC236}">
-                <a16:creationId xmlns:a16="http://schemas.microsoft.com/office/drawing/2014/main" id="{D8C836A2-F03F-8071-4215-F4F1C6AEF311}"/>
-              </a:ext>
-            </a:extLst>
-          </p:cNvPr>
-          <p:cNvSpPr txBox="1"/>
-          <p:nvPr/>
-        </p:nvSpPr>
-        <p:spPr>
-          <a:xfrm>
-            <a:off x="5862138" y="1894306"/>
-            <a:ext cx="1345810" cy="1862048"/>
-          </a:xfrm>
-          <a:prstGeom prst="rect">
-            <a:avLst/>
-          </a:prstGeom>
-          <a:noFill/>
-          <a:ln>
-            <a:noFill/>
-          </a:ln>
-        </p:spPr>
-        <p:txBody>
-          <a:bodyPr wrap="square" rtlCol="0">
-            <a:spAutoFit/>
-          </a:bodyPr>
-          <a:lstStyle/>
-          <a:p>
-            <a:r>
-              <a:rPr lang="ja-JP" altLang="en-US" sz="11500" b="1" dirty="0">
-                <a:ln w="76200">
-                  <a:solidFill>
-                    <a:schemeClr val="tx1"/>
-                  </a:solidFill>
-                </a:ln>
-                <a:solidFill>
-                  <a:schemeClr val="bg1"/>
-                </a:solidFill>
-                <a:latin typeface="HG創英ﾌﾟﾚｾﾞﾝｽEB" panose="02020809000000000000" pitchFamily="17" charset="-128"/>
-                <a:ea typeface="HG創英ﾌﾟﾚｾﾞﾝｽEB" panose="02020809000000000000" pitchFamily="17" charset="-128"/>
-              </a:rPr>
-              <a:t>０</a:t>
-            </a:r>
-            <a:endParaRPr kumimoji="1" lang="ja-JP" altLang="en-US" sz="11500" b="1" dirty="0">
-              <a:ln w="76200">
-                <a:solidFill>
-                  <a:schemeClr val="tx1"/>
-                </a:solidFill>
-              </a:ln>
-              <a:solidFill>
-                <a:schemeClr val="bg1"/>
-              </a:solidFill>
-              <a:latin typeface="HG創英ﾌﾟﾚｾﾞﾝｽEB" panose="02020809000000000000" pitchFamily="17" charset="-128"/>
-              <a:ea typeface="HG創英ﾌﾟﾚｾﾞﾝｽEB" panose="02020809000000000000" pitchFamily="17" charset="-128"/>
-            </a:endParaRPr>
-          </a:p>
-        </p:txBody>
-      </p:sp>
-      <p:grpSp>
-        <p:nvGrpSpPr>
-          <p:cNvPr id="10" name="グループ化 9">
-            <a:extLst>
-              <a:ext uri="{FF2B5EF4-FFF2-40B4-BE49-F238E27FC236}">
-                <a16:creationId xmlns:a16="http://schemas.microsoft.com/office/drawing/2014/main" id="{C3A39FE7-7AD5-45AD-24C1-95C9F53FE498}"/>
+                <a16:creationId xmlns:a16="http://schemas.microsoft.com/office/drawing/2014/main" id="{A71863E8-ACE2-E69D-CF5B-C11DC808D8DE}"/>
               </a:ext>
             </a:extLst>
           </p:cNvPr>
@@ -9069,18 +8995,18 @@
         </p:nvGrpSpPr>
         <p:grpSpPr>
           <a:xfrm>
-            <a:off x="7952508" y="2032000"/>
-            <a:ext cx="2160000" cy="2160000"/>
-            <a:chOff x="7952508" y="2032000"/>
-            <a:chExt cx="2160000" cy="2160000"/>
+            <a:off x="347436" y="225782"/>
+            <a:ext cx="3161790" cy="3165442"/>
+            <a:chOff x="6509643" y="1329705"/>
+            <a:chExt cx="3161790" cy="3165442"/>
           </a:xfrm>
         </p:grpSpPr>
         <p:sp>
           <p:nvSpPr>
-            <p:cNvPr id="3" name="楕円 2">
+            <p:cNvPr id="33" name="フローチャート: 代替処理 32">
               <a:extLst>
                 <a:ext uri="{FF2B5EF4-FFF2-40B4-BE49-F238E27FC236}">
-                  <a16:creationId xmlns:a16="http://schemas.microsoft.com/office/drawing/2014/main" id="{E5DDDE7C-116A-C67B-9352-5C47F5FB0153}"/>
+                  <a16:creationId xmlns:a16="http://schemas.microsoft.com/office/drawing/2014/main" id="{8C0FC28C-09B4-6F54-EEE7-9BCA09428269}"/>
                 </a:ext>
               </a:extLst>
             </p:cNvPr>
@@ -9089,15 +9015,23 @@
           </p:nvSpPr>
           <p:spPr>
             <a:xfrm>
-              <a:off x="7952508" y="2032000"/>
-              <a:ext cx="2160000" cy="2160000"/>
+              <a:off x="6560538" y="1376218"/>
+              <a:ext cx="3060000" cy="3060000"/>
             </a:xfrm>
-            <a:prstGeom prst="ellipse">
+            <a:prstGeom prst="flowChartAlternateProcess">
               <a:avLst/>
             </a:prstGeom>
             <a:solidFill>
-              <a:schemeClr val="tx1"/>
+              <a:schemeClr val="accent3">
+                <a:lumMod val="20000"/>
+                <a:lumOff val="80000"/>
+              </a:schemeClr>
             </a:solidFill>
+            <a:ln w="9525">
+              <a:solidFill>
+                <a:schemeClr val="accent1"/>
+              </a:solidFill>
+            </a:ln>
           </p:spPr>
           <p:style>
             <a:lnRef idx="2">
@@ -9120,16 +9054,19 @@
             <a:lstStyle/>
             <a:p>
               <a:pPr algn="ctr"/>
-              <a:endParaRPr kumimoji="1" lang="ja-JP" altLang="en-US" dirty="0"/>
+              <a:endParaRPr kumimoji="1" lang="ja-JP" altLang="en-US" b="1" dirty="0">
+                <a:latin typeface="HG丸ｺﾞｼｯｸM-PRO" panose="020F0600000000000000" pitchFamily="50" charset="-128"/>
+                <a:ea typeface="HG丸ｺﾞｼｯｸM-PRO" panose="020F0600000000000000" pitchFamily="50" charset="-128"/>
+              </a:endParaRPr>
             </a:p>
           </p:txBody>
         </p:sp>
         <p:sp>
           <p:nvSpPr>
-            <p:cNvPr id="7" name="四角形: 角を丸くする 6">
+            <p:cNvPr id="34" name="フローチャート: 代替処理 33">
               <a:extLst>
                 <a:ext uri="{FF2B5EF4-FFF2-40B4-BE49-F238E27FC236}">
-                  <a16:creationId xmlns:a16="http://schemas.microsoft.com/office/drawing/2014/main" id="{96419489-1642-7053-6217-0284259E3527}"/>
+                  <a16:creationId xmlns:a16="http://schemas.microsoft.com/office/drawing/2014/main" id="{33D34D9E-9C4D-AF97-E708-FDB36156BF18}"/>
                 </a:ext>
               </a:extLst>
             </p:cNvPr>
@@ -9137,21 +9074,39 @@
             <p:nvPr/>
           </p:nvSpPr>
           <p:spPr>
-            <a:xfrm rot="8100000">
-              <a:off x="8432332" y="2620106"/>
-              <a:ext cx="756000" cy="180000"/>
+            <a:xfrm>
+              <a:off x="6622698" y="2096217"/>
+              <a:ext cx="230684" cy="1614795"/>
             </a:xfrm>
-            <a:prstGeom prst="roundRect">
+            <a:prstGeom prst="flowChartAlternateProcess">
               <a:avLst/>
             </a:prstGeom>
             <a:solidFill>
-              <a:schemeClr val="bg1"/>
+              <a:schemeClr val="bg1">
+                <a:lumMod val="85000"/>
+              </a:schemeClr>
             </a:solidFill>
             <a:ln>
               <a:solidFill>
-                <a:schemeClr val="bg1"/>
+                <a:schemeClr val="bg1">
+                  <a:lumMod val="65000"/>
+                </a:schemeClr>
               </a:solidFill>
             </a:ln>
+            <a:effectLst>
+              <a:innerShdw blurRad="63500" dist="50800">
+                <a:prstClr val="black">
+                  <a:alpha val="50000"/>
+                </a:prstClr>
+              </a:innerShdw>
+            </a:effectLst>
+            <a:scene3d>
+              <a:camera prst="orthographicFront"/>
+              <a:lightRig rig="threePt" dir="t"/>
+            </a:scene3d>
+            <a:sp3d>
+              <a:bevelT prst="relaxedInset"/>
+            </a:sp3d>
           </p:spPr>
           <p:style>
             <a:lnRef idx="2">
@@ -9174,16 +9129,19 @@
             <a:lstStyle/>
             <a:p>
               <a:pPr algn="ctr"/>
-              <a:endParaRPr kumimoji="1" lang="ja-JP" altLang="en-US" dirty="0"/>
+              <a:endParaRPr kumimoji="1" lang="ja-JP" altLang="en-US" b="1">
+                <a:latin typeface="HG丸ｺﾞｼｯｸM-PRO" panose="020F0600000000000000" pitchFamily="50" charset="-128"/>
+                <a:ea typeface="HG丸ｺﾞｼｯｸM-PRO" panose="020F0600000000000000" pitchFamily="50" charset="-128"/>
+              </a:endParaRPr>
             </a:p>
           </p:txBody>
         </p:sp>
         <p:sp>
           <p:nvSpPr>
-            <p:cNvPr id="8" name="四角形: 角を丸くする 7">
+            <p:cNvPr id="35" name="フローチャート: 代替処理 34">
               <a:extLst>
                 <a:ext uri="{FF2B5EF4-FFF2-40B4-BE49-F238E27FC236}">
-                  <a16:creationId xmlns:a16="http://schemas.microsoft.com/office/drawing/2014/main" id="{59D31B7E-CD13-3D63-1381-B96B594D5D6A}"/>
+                  <a16:creationId xmlns:a16="http://schemas.microsoft.com/office/drawing/2014/main" id="{5273E516-3A38-F1D7-FA31-09805B1187D8}"/>
                 </a:ext>
               </a:extLst>
             </p:cNvPr>
@@ -9191,21 +9149,39 @@
             <p:nvPr/>
           </p:nvSpPr>
           <p:spPr>
-            <a:xfrm rot="2700000">
-              <a:off x="8845228" y="2620106"/>
-              <a:ext cx="756000" cy="180000"/>
+            <a:xfrm>
+              <a:off x="9333547" y="2096217"/>
+              <a:ext cx="230684" cy="1614795"/>
             </a:xfrm>
-            <a:prstGeom prst="roundRect">
+            <a:prstGeom prst="flowChartAlternateProcess">
               <a:avLst/>
             </a:prstGeom>
             <a:solidFill>
-              <a:schemeClr val="bg1"/>
+              <a:schemeClr val="bg1">
+                <a:lumMod val="85000"/>
+              </a:schemeClr>
             </a:solidFill>
             <a:ln>
               <a:solidFill>
-                <a:schemeClr val="bg1"/>
+                <a:schemeClr val="bg1">
+                  <a:lumMod val="65000"/>
+                </a:schemeClr>
               </a:solidFill>
             </a:ln>
+            <a:effectLst>
+              <a:innerShdw blurRad="63500" dist="50800" dir="10800000">
+                <a:prstClr val="black">
+                  <a:alpha val="50000"/>
+                </a:prstClr>
+              </a:innerShdw>
+            </a:effectLst>
+            <a:scene3d>
+              <a:camera prst="orthographicFront"/>
+              <a:lightRig rig="threePt" dir="t"/>
+            </a:scene3d>
+            <a:sp3d>
+              <a:bevelT prst="relaxedInset"/>
+            </a:sp3d>
           </p:spPr>
           <p:style>
             <a:lnRef idx="2">
@@ -9228,103 +9204,4071 @@
             <a:lstStyle/>
             <a:p>
               <a:pPr algn="ctr"/>
-              <a:endParaRPr kumimoji="1" lang="ja-JP" altLang="en-US" dirty="0"/>
+              <a:endParaRPr kumimoji="1" lang="ja-JP" altLang="en-US" b="1">
+                <a:latin typeface="HG丸ｺﾞｼｯｸM-PRO" panose="020F0600000000000000" pitchFamily="50" charset="-128"/>
+                <a:ea typeface="HG丸ｺﾞｼｯｸM-PRO" panose="020F0600000000000000" pitchFamily="50" charset="-128"/>
+              </a:endParaRPr>
             </a:p>
           </p:txBody>
         </p:sp>
         <p:sp>
           <p:nvSpPr>
-            <p:cNvPr id="9" name="テキスト ボックス 8">
+            <p:cNvPr id="36" name="フローチャート: 代替処理 35">
               <a:extLst>
                 <a:ext uri="{FF2B5EF4-FFF2-40B4-BE49-F238E27FC236}">
-                  <a16:creationId xmlns:a16="http://schemas.microsoft.com/office/drawing/2014/main" id="{A9A63CBA-D7ED-5EB4-8041-AC533F2A644F}"/>
+                  <a16:creationId xmlns:a16="http://schemas.microsoft.com/office/drawing/2014/main" id="{11FA7520-A4DF-6FB2-5F64-1DC7FDD82B95}"/>
                 </a:ext>
               </a:extLst>
             </p:cNvPr>
-            <p:cNvSpPr txBox="1"/>
+            <p:cNvSpPr/>
+            <p:nvPr/>
+          </p:nvSpPr>
+          <p:spPr>
+            <a:xfrm rot="16200000">
+              <a:off x="7969655" y="3443797"/>
+              <a:ext cx="230684" cy="1614795"/>
+            </a:xfrm>
+            <a:prstGeom prst="flowChartAlternateProcess">
+              <a:avLst/>
+            </a:prstGeom>
+            <a:solidFill>
+              <a:schemeClr val="bg1">
+                <a:lumMod val="85000"/>
+              </a:schemeClr>
+            </a:solidFill>
+            <a:ln>
+              <a:solidFill>
+                <a:schemeClr val="bg1">
+                  <a:lumMod val="65000"/>
+                </a:schemeClr>
+              </a:solidFill>
+            </a:ln>
+            <a:effectLst>
+              <a:innerShdw blurRad="63500" dist="50800">
+                <a:prstClr val="black">
+                  <a:alpha val="50000"/>
+                </a:prstClr>
+              </a:innerShdw>
+            </a:effectLst>
+            <a:scene3d>
+              <a:camera prst="orthographicFront"/>
+              <a:lightRig rig="threePt" dir="t"/>
+            </a:scene3d>
+            <a:sp3d>
+              <a:bevelT prst="relaxedInset"/>
+            </a:sp3d>
+          </p:spPr>
+          <p:style>
+            <a:lnRef idx="2">
+              <a:schemeClr val="accent1">
+                <a:shade val="15000"/>
+              </a:schemeClr>
+            </a:lnRef>
+            <a:fillRef idx="1">
+              <a:schemeClr val="accent1"/>
+            </a:fillRef>
+            <a:effectRef idx="0">
+              <a:schemeClr val="accent1"/>
+            </a:effectRef>
+            <a:fontRef idx="minor">
+              <a:schemeClr val="lt1"/>
+            </a:fontRef>
+          </p:style>
+          <p:txBody>
+            <a:bodyPr rtlCol="0" anchor="ctr"/>
+            <a:lstStyle/>
+            <a:p>
+              <a:pPr algn="ctr"/>
+              <a:endParaRPr kumimoji="1" lang="ja-JP" altLang="en-US" b="1">
+                <a:latin typeface="HG丸ｺﾞｼｯｸM-PRO" panose="020F0600000000000000" pitchFamily="50" charset="-128"/>
+                <a:ea typeface="HG丸ｺﾞｼｯｸM-PRO" panose="020F0600000000000000" pitchFamily="50" charset="-128"/>
+              </a:endParaRPr>
+            </a:p>
+          </p:txBody>
+        </p:sp>
+        <p:sp>
+          <p:nvSpPr>
+            <p:cNvPr id="37" name="フローチャート: 代替処理 36">
+              <a:extLst>
+                <a:ext uri="{FF2B5EF4-FFF2-40B4-BE49-F238E27FC236}">
+                  <a16:creationId xmlns:a16="http://schemas.microsoft.com/office/drawing/2014/main" id="{DF62BF6E-DA39-3687-36B6-0868888BE4B2}"/>
+                </a:ext>
+              </a:extLst>
+            </p:cNvPr>
+            <p:cNvSpPr/>
+            <p:nvPr/>
+          </p:nvSpPr>
+          <p:spPr>
+            <a:xfrm rot="16200000">
+              <a:off x="7969656" y="747059"/>
+              <a:ext cx="230684" cy="1614795"/>
+            </a:xfrm>
+            <a:prstGeom prst="flowChartAlternateProcess">
+              <a:avLst/>
+            </a:prstGeom>
+            <a:solidFill>
+              <a:schemeClr val="bg1">
+                <a:lumMod val="85000"/>
+              </a:schemeClr>
+            </a:solidFill>
+            <a:ln>
+              <a:solidFill>
+                <a:schemeClr val="bg1">
+                  <a:lumMod val="65000"/>
+                </a:schemeClr>
+              </a:solidFill>
+            </a:ln>
+            <a:effectLst>
+              <a:innerShdw blurRad="63500" dist="50800" dir="10800000">
+                <a:prstClr val="black">
+                  <a:alpha val="50000"/>
+                </a:prstClr>
+              </a:innerShdw>
+            </a:effectLst>
+            <a:scene3d>
+              <a:camera prst="orthographicFront"/>
+              <a:lightRig rig="threePt" dir="t"/>
+            </a:scene3d>
+            <a:sp3d>
+              <a:bevelT prst="relaxedInset"/>
+            </a:sp3d>
+          </p:spPr>
+          <p:style>
+            <a:lnRef idx="2">
+              <a:schemeClr val="accent1">
+                <a:shade val="15000"/>
+              </a:schemeClr>
+            </a:lnRef>
+            <a:fillRef idx="1">
+              <a:schemeClr val="accent1"/>
+            </a:fillRef>
+            <a:effectRef idx="0">
+              <a:schemeClr val="accent1"/>
+            </a:effectRef>
+            <a:fontRef idx="minor">
+              <a:schemeClr val="lt1"/>
+            </a:fontRef>
+          </p:style>
+          <p:txBody>
+            <a:bodyPr rtlCol="0" anchor="ctr"/>
+            <a:lstStyle/>
+            <a:p>
+              <a:pPr algn="ctr"/>
+              <a:endParaRPr kumimoji="1" lang="ja-JP" altLang="en-US" b="1">
+                <a:latin typeface="HG丸ｺﾞｼｯｸM-PRO" panose="020F0600000000000000" pitchFamily="50" charset="-128"/>
+                <a:ea typeface="HG丸ｺﾞｼｯｸM-PRO" panose="020F0600000000000000" pitchFamily="50" charset="-128"/>
+              </a:endParaRPr>
+            </a:p>
+          </p:txBody>
+        </p:sp>
+        <p:sp>
+          <p:nvSpPr>
+            <p:cNvPr id="38" name="正方形/長方形 37">
+              <a:extLst>
+                <a:ext uri="{FF2B5EF4-FFF2-40B4-BE49-F238E27FC236}">
+                  <a16:creationId xmlns:a16="http://schemas.microsoft.com/office/drawing/2014/main" id="{ACEC969A-B928-7C67-895C-145BCEB72C14}"/>
+                </a:ext>
+              </a:extLst>
+            </p:cNvPr>
+            <p:cNvSpPr/>
             <p:nvPr/>
           </p:nvSpPr>
           <p:spPr>
             <a:xfrm>
-              <a:off x="8144302" y="3180774"/>
-              <a:ext cx="1776412" cy="830997"/>
+              <a:off x="6902843" y="1717747"/>
+              <a:ext cx="2394971" cy="2364262"/>
             </a:xfrm>
             <a:prstGeom prst="rect">
               <a:avLst/>
             </a:prstGeom>
-            <a:noFill/>
-            <a:ln>
-              <a:noFill/>
-            </a:ln>
+            <a:solidFill>
+              <a:schemeClr val="accent1">
+                <a:lumMod val="50000"/>
+              </a:schemeClr>
+            </a:solidFill>
           </p:spPr>
+          <p:style>
+            <a:lnRef idx="2">
+              <a:schemeClr val="accent1">
+                <a:shade val="15000"/>
+              </a:schemeClr>
+            </a:lnRef>
+            <a:fillRef idx="1">
+              <a:schemeClr val="accent1"/>
+            </a:fillRef>
+            <a:effectRef idx="0">
+              <a:schemeClr val="accent1"/>
+            </a:effectRef>
+            <a:fontRef idx="minor">
+              <a:schemeClr val="lt1"/>
+            </a:fontRef>
+          </p:style>
           <p:txBody>
-            <a:bodyPr wrap="square" rtlCol="0">
-              <a:spAutoFit/>
-            </a:bodyPr>
+            <a:bodyPr rtlCol="0" anchor="ctr"/>
             <a:lstStyle/>
             <a:p>
               <a:pPr algn="ctr"/>
-              <a:r>
-                <a:rPr kumimoji="1" lang="en-US" altLang="ja-JP" sz="4800" dirty="0">
-                  <a:solidFill>
-                    <a:schemeClr val="bg1"/>
-                  </a:solidFill>
-                  <a:latin typeface="UD デジタル 教科書体 NK-B" panose="02020700000000000000" pitchFamily="18" charset="-128"/>
-                  <a:ea typeface="UD デジタル 教科書体 NK-B" panose="02020700000000000000" pitchFamily="18" charset="-128"/>
-                </a:rPr>
-                <a:t>TOP</a:t>
-              </a:r>
-              <a:endParaRPr kumimoji="1" lang="ja-JP" altLang="en-US" sz="4800" dirty="0">
-                <a:solidFill>
-                  <a:schemeClr val="bg1"/>
-                </a:solidFill>
-                <a:latin typeface="UD デジタル 教科書体 NK-B" panose="02020700000000000000" pitchFamily="18" charset="-128"/>
-                <a:ea typeface="UD デジタル 教科書体 NK-B" panose="02020700000000000000" pitchFamily="18" charset="-128"/>
+              <a:endParaRPr kumimoji="1" lang="ja-JP" altLang="en-US" b="1">
+                <a:latin typeface="HG丸ｺﾞｼｯｸM-PRO" panose="020F0600000000000000" pitchFamily="50" charset="-128"/>
+                <a:ea typeface="HG丸ｺﾞｼｯｸM-PRO" panose="020F0600000000000000" pitchFamily="50" charset="-128"/>
               </a:endParaRPr>
             </a:p>
           </p:txBody>
         </p:sp>
+        <p:sp>
+          <p:nvSpPr>
+            <p:cNvPr id="39" name="正方形/長方形 38">
+              <a:extLst>
+                <a:ext uri="{FF2B5EF4-FFF2-40B4-BE49-F238E27FC236}">
+                  <a16:creationId xmlns:a16="http://schemas.microsoft.com/office/drawing/2014/main" id="{300C7551-B3E0-FE7D-F21D-E9E75E94974E}"/>
+                </a:ext>
+              </a:extLst>
+            </p:cNvPr>
+            <p:cNvSpPr/>
+            <p:nvPr/>
+          </p:nvSpPr>
+          <p:spPr>
+            <a:xfrm>
+              <a:off x="7295446" y="2120451"/>
+              <a:ext cx="1579101" cy="1558853"/>
+            </a:xfrm>
+            <a:prstGeom prst="rect">
+              <a:avLst/>
+            </a:prstGeom>
+            <a:solidFill>
+              <a:schemeClr val="accent6">
+                <a:lumMod val="20000"/>
+                <a:lumOff val="80000"/>
+              </a:schemeClr>
+            </a:solidFill>
+            <a:scene3d>
+              <a:camera prst="orthographicFront"/>
+              <a:lightRig rig="threePt" dir="t"/>
+            </a:scene3d>
+            <a:sp3d>
+              <a:bevelT prst="angle"/>
+            </a:sp3d>
+          </p:spPr>
+          <p:style>
+            <a:lnRef idx="2">
+              <a:schemeClr val="accent1">
+                <a:shade val="15000"/>
+              </a:schemeClr>
+            </a:lnRef>
+            <a:fillRef idx="1">
+              <a:schemeClr val="accent1"/>
+            </a:fillRef>
+            <a:effectRef idx="0">
+              <a:schemeClr val="accent1"/>
+            </a:effectRef>
+            <a:fontRef idx="minor">
+              <a:schemeClr val="lt1"/>
+            </a:fontRef>
+          </p:style>
+          <p:txBody>
+            <a:bodyPr rtlCol="0" anchor="ctr"/>
+            <a:lstStyle/>
+            <a:p>
+              <a:pPr algn="ctr"/>
+              <a:endParaRPr kumimoji="1" lang="ja-JP" altLang="en-US" b="1">
+                <a:latin typeface="HG丸ｺﾞｼｯｸM-PRO" panose="020F0600000000000000" pitchFamily="50" charset="-128"/>
+                <a:ea typeface="HG丸ｺﾞｼｯｸM-PRO" panose="020F0600000000000000" pitchFamily="50" charset="-128"/>
+              </a:endParaRPr>
+            </a:p>
+          </p:txBody>
+        </p:sp>
+        <p:sp>
+          <p:nvSpPr>
+            <p:cNvPr id="40" name="四角形: 角を丸くする 39">
+              <a:extLst>
+                <a:ext uri="{FF2B5EF4-FFF2-40B4-BE49-F238E27FC236}">
+                  <a16:creationId xmlns:a16="http://schemas.microsoft.com/office/drawing/2014/main" id="{08B329C1-B20B-6623-E19A-FB5E0EFCF3EE}"/>
+                </a:ext>
+              </a:extLst>
+            </p:cNvPr>
+            <p:cNvSpPr/>
+            <p:nvPr/>
+          </p:nvSpPr>
+          <p:spPr>
+            <a:xfrm>
+              <a:off x="7379854" y="3024995"/>
+              <a:ext cx="1403928" cy="531005"/>
+            </a:xfrm>
+            <a:prstGeom prst="roundRect">
+              <a:avLst/>
+            </a:prstGeom>
+            <a:solidFill>
+              <a:schemeClr val="accent1">
+                <a:lumMod val="50000"/>
+              </a:schemeClr>
+            </a:solidFill>
+          </p:spPr>
+          <p:style>
+            <a:lnRef idx="2">
+              <a:schemeClr val="accent1">
+                <a:shade val="15000"/>
+              </a:schemeClr>
+            </a:lnRef>
+            <a:fillRef idx="1">
+              <a:schemeClr val="accent1"/>
+            </a:fillRef>
+            <a:effectRef idx="0">
+              <a:schemeClr val="accent1"/>
+            </a:effectRef>
+            <a:fontRef idx="minor">
+              <a:schemeClr val="lt1"/>
+            </a:fontRef>
+          </p:style>
+          <p:txBody>
+            <a:bodyPr rtlCol="0" anchor="ctr"/>
+            <a:lstStyle/>
+            <a:p>
+              <a:r>
+                <a:rPr lang="en-US" altLang="ja-JP" sz="2400" b="1" dirty="0">
+                  <a:ln w="28575">
+                    <a:noFill/>
+                  </a:ln>
+                  <a:solidFill>
+                    <a:schemeClr val="accent1">
+                      <a:lumMod val="20000"/>
+                      <a:lumOff val="80000"/>
+                    </a:schemeClr>
+                  </a:solidFill>
+                  <a:latin typeface="HG丸ｺﾞｼｯｸM-PRO" panose="020F0600000000000000" pitchFamily="50" charset="-128"/>
+                  <a:ea typeface="HG丸ｺﾞｼｯｸM-PRO" panose="020F0600000000000000" pitchFamily="50" charset="-128"/>
+                </a:rPr>
+                <a:t>x </a:t>
+              </a:r>
+              <a:endParaRPr kumimoji="1" lang="ja-JP" altLang="en-US" sz="2400" b="1" dirty="0">
+                <a:ln w="28575">
+                  <a:noFill/>
+                </a:ln>
+                <a:solidFill>
+                  <a:schemeClr val="accent1">
+                    <a:lumMod val="20000"/>
+                    <a:lumOff val="80000"/>
+                  </a:schemeClr>
+                </a:solidFill>
+                <a:latin typeface="HG丸ｺﾞｼｯｸM-PRO" panose="020F0600000000000000" pitchFamily="50" charset="-128"/>
+                <a:ea typeface="HG丸ｺﾞｼｯｸM-PRO" panose="020F0600000000000000" pitchFamily="50" charset="-128"/>
+              </a:endParaRPr>
+            </a:p>
+          </p:txBody>
+        </p:sp>
+        <p:grpSp>
+          <p:nvGrpSpPr>
+            <p:cNvPr id="41" name="グループ化 40">
+              <a:extLst>
+                <a:ext uri="{FF2B5EF4-FFF2-40B4-BE49-F238E27FC236}">
+                  <a16:creationId xmlns:a16="http://schemas.microsoft.com/office/drawing/2014/main" id="{D0DC6FE7-CDB2-F5BC-2E1C-CA75C9AFF86F}"/>
+                </a:ext>
+              </a:extLst>
+            </p:cNvPr>
+            <p:cNvGrpSpPr/>
+            <p:nvPr/>
+          </p:nvGrpSpPr>
+          <p:grpSpPr>
+            <a:xfrm rot="5400000">
+              <a:off x="6507817" y="1331531"/>
+              <a:ext cx="3165442" cy="3161790"/>
+              <a:chOff x="6511077" y="1328271"/>
+              <a:chExt cx="3165442" cy="3161790"/>
+            </a:xfrm>
+          </p:grpSpPr>
+          <p:sp>
+            <p:nvSpPr>
+              <p:cNvPr id="42" name="フローチャート: 代替処理 41">
+                <a:extLst>
+                  <a:ext uri="{FF2B5EF4-FFF2-40B4-BE49-F238E27FC236}">
+                    <a16:creationId xmlns:a16="http://schemas.microsoft.com/office/drawing/2014/main" id="{C7DE3FBD-22F1-C944-FADE-2037ABD40B12}"/>
+                  </a:ext>
+                </a:extLst>
+              </p:cNvPr>
+              <p:cNvSpPr/>
+              <p:nvPr/>
+            </p:nvSpPr>
+            <p:spPr>
+              <a:xfrm rot="10800000">
+                <a:off x="8955215" y="1331210"/>
+                <a:ext cx="720000" cy="720000"/>
+              </a:xfrm>
+              <a:prstGeom prst="flowChartAlternateProcess">
+                <a:avLst/>
+              </a:prstGeom>
+              <a:solidFill>
+                <a:schemeClr val="accent4">
+                  <a:lumMod val="60000"/>
+                  <a:lumOff val="40000"/>
+                </a:schemeClr>
+              </a:solidFill>
+              <a:ln w="38100">
+                <a:solidFill>
+                  <a:schemeClr val="bg1"/>
+                </a:solidFill>
+              </a:ln>
+              <a:scene3d>
+                <a:camera prst="orthographicFront"/>
+                <a:lightRig rig="threePt" dir="t"/>
+              </a:scene3d>
+              <a:sp3d>
+                <a:bevelT/>
+              </a:sp3d>
+            </p:spPr>
+            <p:style>
+              <a:lnRef idx="2">
+                <a:schemeClr val="accent1">
+                  <a:shade val="15000"/>
+                </a:schemeClr>
+              </a:lnRef>
+              <a:fillRef idx="1">
+                <a:schemeClr val="accent1"/>
+              </a:fillRef>
+              <a:effectRef idx="0">
+                <a:schemeClr val="accent1"/>
+              </a:effectRef>
+              <a:fontRef idx="minor">
+                <a:schemeClr val="lt1"/>
+              </a:fontRef>
+            </p:style>
+            <p:txBody>
+              <a:bodyPr rtlCol="0" anchor="b"/>
+              <a:lstStyle/>
+              <a:p>
+                <a:pPr algn="ctr"/>
+                <a:r>
+                  <a:rPr lang="en-US" altLang="ja-JP" sz="4000" b="1" dirty="0">
+                    <a:ln w="3175">
+                      <a:solidFill>
+                        <a:schemeClr val="tx1"/>
+                      </a:solidFill>
+                    </a:ln>
+                    <a:latin typeface="HG丸ｺﾞｼｯｸM-PRO" panose="020F0600000000000000" pitchFamily="50" charset="-128"/>
+                    <a:ea typeface="HG丸ｺﾞｼｯｸM-PRO" panose="020F0600000000000000" pitchFamily="50" charset="-128"/>
+                  </a:rPr>
+                  <a:t>S</a:t>
+                </a:r>
+                <a:endParaRPr kumimoji="1" lang="ja-JP" altLang="en-US" sz="4000" b="1" dirty="0">
+                  <a:ln w="3175">
+                    <a:solidFill>
+                      <a:schemeClr val="tx1"/>
+                    </a:solidFill>
+                  </a:ln>
+                  <a:latin typeface="HG丸ｺﾞｼｯｸM-PRO" panose="020F0600000000000000" pitchFamily="50" charset="-128"/>
+                  <a:ea typeface="HG丸ｺﾞｼｯｸM-PRO" panose="020F0600000000000000" pitchFamily="50" charset="-128"/>
+                </a:endParaRPr>
+              </a:p>
+            </p:txBody>
+          </p:sp>
+          <p:sp>
+            <p:nvSpPr>
+              <p:cNvPr id="43" name="フローチャート: 代替処理 42">
+                <a:extLst>
+                  <a:ext uri="{FF2B5EF4-FFF2-40B4-BE49-F238E27FC236}">
+                    <a16:creationId xmlns:a16="http://schemas.microsoft.com/office/drawing/2014/main" id="{F418D66D-6BD6-9007-FEC7-673790AE9817}"/>
+                  </a:ext>
+                </a:extLst>
+              </p:cNvPr>
+              <p:cNvSpPr/>
+              <p:nvPr/>
+            </p:nvSpPr>
+            <p:spPr>
+              <a:xfrm rot="5400000">
+                <a:off x="6511743" y="1328271"/>
+                <a:ext cx="720000" cy="720000"/>
+              </a:xfrm>
+              <a:prstGeom prst="flowChartAlternateProcess">
+                <a:avLst/>
+              </a:prstGeom>
+              <a:solidFill>
+                <a:schemeClr val="accent2">
+                  <a:lumMod val="60000"/>
+                  <a:lumOff val="40000"/>
+                </a:schemeClr>
+              </a:solidFill>
+              <a:ln w="38100">
+                <a:solidFill>
+                  <a:schemeClr val="bg1"/>
+                </a:solidFill>
+              </a:ln>
+              <a:scene3d>
+                <a:camera prst="orthographicFront"/>
+                <a:lightRig rig="threePt" dir="t"/>
+              </a:scene3d>
+              <a:sp3d>
+                <a:bevelT/>
+              </a:sp3d>
+            </p:spPr>
+            <p:style>
+              <a:lnRef idx="2">
+                <a:schemeClr val="accent1">
+                  <a:shade val="15000"/>
+                </a:schemeClr>
+              </a:lnRef>
+              <a:fillRef idx="1">
+                <a:schemeClr val="accent1"/>
+              </a:fillRef>
+              <a:effectRef idx="0">
+                <a:schemeClr val="accent1"/>
+              </a:effectRef>
+              <a:fontRef idx="minor">
+                <a:schemeClr val="lt1"/>
+              </a:fontRef>
+            </p:style>
+            <p:txBody>
+              <a:bodyPr rtlCol="0" anchor="b"/>
+              <a:lstStyle/>
+              <a:p>
+                <a:pPr algn="ctr"/>
+                <a:r>
+                  <a:rPr kumimoji="1" lang="en-US" altLang="ja-JP" sz="4000" b="1" dirty="0">
+                    <a:ln w="3175">
+                      <a:solidFill>
+                        <a:schemeClr val="tx1"/>
+                      </a:solidFill>
+                    </a:ln>
+                    <a:latin typeface="HG丸ｺﾞｼｯｸM-PRO" panose="020F0600000000000000" pitchFamily="50" charset="-128"/>
+                    <a:ea typeface="HG丸ｺﾞｼｯｸM-PRO" panose="020F0600000000000000" pitchFamily="50" charset="-128"/>
+                  </a:rPr>
+                  <a:t>W</a:t>
+                </a:r>
+                <a:endParaRPr kumimoji="1" lang="ja-JP" altLang="en-US" sz="4000" b="1" dirty="0">
+                  <a:ln w="3175">
+                    <a:solidFill>
+                      <a:schemeClr val="tx1"/>
+                    </a:solidFill>
+                  </a:ln>
+                  <a:latin typeface="HG丸ｺﾞｼｯｸM-PRO" panose="020F0600000000000000" pitchFamily="50" charset="-128"/>
+                  <a:ea typeface="HG丸ｺﾞｼｯｸM-PRO" panose="020F0600000000000000" pitchFamily="50" charset="-128"/>
+                </a:endParaRPr>
+              </a:p>
+            </p:txBody>
+          </p:sp>
+          <p:sp>
+            <p:nvSpPr>
+              <p:cNvPr id="44" name="フローチャート: 代替処理 43">
+                <a:extLst>
+                  <a:ext uri="{FF2B5EF4-FFF2-40B4-BE49-F238E27FC236}">
+                    <a16:creationId xmlns:a16="http://schemas.microsoft.com/office/drawing/2014/main" id="{79A3CC5E-C5A1-F7FD-3B01-BE5385E4CE04}"/>
+                  </a:ext>
+                </a:extLst>
+              </p:cNvPr>
+              <p:cNvSpPr/>
+              <p:nvPr/>
+            </p:nvSpPr>
+            <p:spPr>
+              <a:xfrm>
+                <a:off x="6511077" y="3770061"/>
+                <a:ext cx="720000" cy="720000"/>
+              </a:xfrm>
+              <a:prstGeom prst="flowChartAlternateProcess">
+                <a:avLst/>
+              </a:prstGeom>
+              <a:solidFill>
+                <a:schemeClr val="accent6">
+                  <a:lumMod val="60000"/>
+                  <a:lumOff val="40000"/>
+                </a:schemeClr>
+              </a:solidFill>
+              <a:ln w="38100">
+                <a:solidFill>
+                  <a:schemeClr val="bg1"/>
+                </a:solidFill>
+              </a:ln>
+              <a:scene3d>
+                <a:camera prst="orthographicFront"/>
+                <a:lightRig rig="threePt" dir="t"/>
+              </a:scene3d>
+              <a:sp3d>
+                <a:bevelT/>
+              </a:sp3d>
+            </p:spPr>
+            <p:style>
+              <a:lnRef idx="2">
+                <a:schemeClr val="accent1">
+                  <a:shade val="15000"/>
+                </a:schemeClr>
+              </a:lnRef>
+              <a:fillRef idx="1">
+                <a:schemeClr val="accent1"/>
+              </a:fillRef>
+              <a:effectRef idx="0">
+                <a:schemeClr val="accent1"/>
+              </a:effectRef>
+              <a:fontRef idx="minor">
+                <a:schemeClr val="lt1"/>
+              </a:fontRef>
+            </p:style>
+            <p:txBody>
+              <a:bodyPr rtlCol="0" anchor="b"/>
+              <a:lstStyle/>
+              <a:p>
+                <a:pPr algn="ctr"/>
+                <a:r>
+                  <a:rPr lang="en-US" altLang="ja-JP" sz="4000" b="1" dirty="0">
+                    <a:ln w="3175">
+                      <a:solidFill>
+                        <a:schemeClr val="tx1"/>
+                      </a:solidFill>
+                    </a:ln>
+                    <a:latin typeface="HG丸ｺﾞｼｯｸM-PRO" panose="020F0600000000000000" pitchFamily="50" charset="-128"/>
+                    <a:ea typeface="HG丸ｺﾞｼｯｸM-PRO" panose="020F0600000000000000" pitchFamily="50" charset="-128"/>
+                  </a:rPr>
+                  <a:t>N</a:t>
+                </a:r>
+                <a:endParaRPr kumimoji="1" lang="ja-JP" altLang="en-US" sz="4000" b="1" dirty="0">
+                  <a:ln w="3175">
+                    <a:solidFill>
+                      <a:schemeClr val="tx1"/>
+                    </a:solidFill>
+                  </a:ln>
+                  <a:latin typeface="HG丸ｺﾞｼｯｸM-PRO" panose="020F0600000000000000" pitchFamily="50" charset="-128"/>
+                  <a:ea typeface="HG丸ｺﾞｼｯｸM-PRO" panose="020F0600000000000000" pitchFamily="50" charset="-128"/>
+                </a:endParaRPr>
+              </a:p>
+            </p:txBody>
+          </p:sp>
+          <p:sp>
+            <p:nvSpPr>
+              <p:cNvPr id="45" name="フローチャート: 代替処理 44">
+                <a:extLst>
+                  <a:ext uri="{FF2B5EF4-FFF2-40B4-BE49-F238E27FC236}">
+                    <a16:creationId xmlns:a16="http://schemas.microsoft.com/office/drawing/2014/main" id="{33F85E87-192E-27CC-BD52-4DC550B3CA6E}"/>
+                  </a:ext>
+                </a:extLst>
+              </p:cNvPr>
+              <p:cNvSpPr/>
+              <p:nvPr/>
+            </p:nvSpPr>
+            <p:spPr>
+              <a:xfrm rot="16200000">
+                <a:off x="8956519" y="3770061"/>
+                <a:ext cx="720000" cy="720000"/>
+              </a:xfrm>
+              <a:prstGeom prst="flowChartAlternateProcess">
+                <a:avLst/>
+              </a:prstGeom>
+              <a:solidFill>
+                <a:srgbClr val="FF5050"/>
+              </a:solidFill>
+              <a:ln w="38100">
+                <a:solidFill>
+                  <a:schemeClr val="bg1"/>
+                </a:solidFill>
+              </a:ln>
+              <a:scene3d>
+                <a:camera prst="orthographicFront"/>
+                <a:lightRig rig="threePt" dir="t"/>
+              </a:scene3d>
+              <a:sp3d>
+                <a:bevelT/>
+              </a:sp3d>
+            </p:spPr>
+            <p:style>
+              <a:lnRef idx="2">
+                <a:schemeClr val="accent1">
+                  <a:shade val="15000"/>
+                </a:schemeClr>
+              </a:lnRef>
+              <a:fillRef idx="1">
+                <a:schemeClr val="accent1"/>
+              </a:fillRef>
+              <a:effectRef idx="0">
+                <a:schemeClr val="accent1"/>
+              </a:effectRef>
+              <a:fontRef idx="minor">
+                <a:schemeClr val="lt1"/>
+              </a:fontRef>
+            </p:style>
+            <p:txBody>
+              <a:bodyPr rtlCol="0" anchor="b"/>
+              <a:lstStyle/>
+              <a:p>
+                <a:pPr algn="ctr"/>
+                <a:r>
+                  <a:rPr kumimoji="1" lang="en-US" altLang="ja-JP" sz="4000" b="1" dirty="0">
+                    <a:ln w="19050">
+                      <a:noFill/>
+                    </a:ln>
+                    <a:solidFill>
+                      <a:schemeClr val="tx1"/>
+                    </a:solidFill>
+                    <a:latin typeface="HG丸ｺﾞｼｯｸM-PRO" panose="020F0600000000000000" pitchFamily="50" charset="-128"/>
+                    <a:ea typeface="HG丸ｺﾞｼｯｸM-PRO" panose="020F0600000000000000" pitchFamily="50" charset="-128"/>
+                  </a:rPr>
+                  <a:t>E</a:t>
+                </a:r>
+                <a:endParaRPr kumimoji="1" lang="ja-JP" altLang="en-US" sz="4000" b="1" dirty="0">
+                  <a:ln w="19050">
+                    <a:noFill/>
+                  </a:ln>
+                  <a:solidFill>
+                    <a:schemeClr val="tx1"/>
+                  </a:solidFill>
+                  <a:latin typeface="HG丸ｺﾞｼｯｸM-PRO" panose="020F0600000000000000" pitchFamily="50" charset="-128"/>
+                  <a:ea typeface="HG丸ｺﾞｼｯｸM-PRO" panose="020F0600000000000000" pitchFamily="50" charset="-128"/>
+                </a:endParaRPr>
+              </a:p>
+            </p:txBody>
+          </p:sp>
+        </p:grpSp>
       </p:grpSp>
-      <p:pic>
-        <p:nvPicPr>
-          <p:cNvPr id="5" name="図 4">
+      <p:grpSp>
+        <p:nvGrpSpPr>
+          <p:cNvPr id="115" name="グループ化 114">
             <a:extLst>
               <a:ext uri="{FF2B5EF4-FFF2-40B4-BE49-F238E27FC236}">
-                <a16:creationId xmlns:a16="http://schemas.microsoft.com/office/drawing/2014/main" id="{3D80875E-B8CC-5296-8486-02FFE02CFC00}"/>
+                <a16:creationId xmlns:a16="http://schemas.microsoft.com/office/drawing/2014/main" id="{7657ECA8-FBC9-524F-4344-8A0643C8D7E3}"/>
               </a:ext>
             </a:extLst>
           </p:cNvPr>
-          <p:cNvPicPr>
-            <a:picLocks noChangeAspect="1"/>
-          </p:cNvPicPr>
+          <p:cNvGrpSpPr/>
           <p:nvPr/>
-        </p:nvPicPr>
-        <p:blipFill>
-          <a:blip r:embed="rId2">
+        </p:nvGrpSpPr>
+        <p:grpSpPr>
+          <a:xfrm>
+            <a:off x="3600874" y="227608"/>
+            <a:ext cx="3165442" cy="3161790"/>
+            <a:chOff x="3600874" y="227608"/>
+            <a:chExt cx="3165442" cy="3161790"/>
+          </a:xfrm>
+        </p:grpSpPr>
+        <p:sp>
+          <p:nvSpPr>
+            <p:cNvPr id="65" name="フローチャート: 代替処理 64">
+              <a:extLst>
+                <a:ext uri="{FF2B5EF4-FFF2-40B4-BE49-F238E27FC236}">
+                  <a16:creationId xmlns:a16="http://schemas.microsoft.com/office/drawing/2014/main" id="{1CA4C9D0-CF07-9802-9830-C0BA26CBCB13}"/>
+                </a:ext>
+              </a:extLst>
+            </p:cNvPr>
+            <p:cNvSpPr/>
+            <p:nvPr/>
+          </p:nvSpPr>
+          <p:spPr>
+            <a:xfrm>
+              <a:off x="3653595" y="272295"/>
+              <a:ext cx="3060000" cy="3060000"/>
+            </a:xfrm>
+            <a:prstGeom prst="flowChartAlternateProcess">
+              <a:avLst/>
+            </a:prstGeom>
+            <a:solidFill>
+              <a:schemeClr val="accent3">
+                <a:lumMod val="20000"/>
+                <a:lumOff val="80000"/>
+              </a:schemeClr>
+            </a:solidFill>
+            <a:ln w="9525">
+              <a:solidFill>
+                <a:schemeClr val="accent1"/>
+              </a:solidFill>
+            </a:ln>
+          </p:spPr>
+          <p:style>
+            <a:lnRef idx="2">
+              <a:schemeClr val="accent1">
+                <a:shade val="15000"/>
+              </a:schemeClr>
+            </a:lnRef>
+            <a:fillRef idx="1">
+              <a:schemeClr val="accent1"/>
+            </a:fillRef>
+            <a:effectRef idx="0">
+              <a:schemeClr val="accent1"/>
+            </a:effectRef>
+            <a:fontRef idx="minor">
+              <a:schemeClr val="lt1"/>
+            </a:fontRef>
+          </p:style>
+          <p:txBody>
+            <a:bodyPr rtlCol="0" anchor="ctr"/>
+            <a:lstStyle/>
+            <a:p>
+              <a:pPr algn="ctr"/>
+              <a:endParaRPr kumimoji="1" lang="ja-JP" altLang="en-US" b="1" dirty="0">
+                <a:latin typeface="HG丸ｺﾞｼｯｸM-PRO" panose="020F0600000000000000" pitchFamily="50" charset="-128"/>
+                <a:ea typeface="HG丸ｺﾞｼｯｸM-PRO" panose="020F0600000000000000" pitchFamily="50" charset="-128"/>
+              </a:endParaRPr>
+            </a:p>
+          </p:txBody>
+        </p:sp>
+        <p:sp>
+          <p:nvSpPr>
+            <p:cNvPr id="66" name="フローチャート: 代替処理 65">
+              <a:extLst>
+                <a:ext uri="{FF2B5EF4-FFF2-40B4-BE49-F238E27FC236}">
+                  <a16:creationId xmlns:a16="http://schemas.microsoft.com/office/drawing/2014/main" id="{39608E98-26DB-8FCC-16AC-9B4CE929735D}"/>
+                </a:ext>
+              </a:extLst>
+            </p:cNvPr>
+            <p:cNvSpPr/>
+            <p:nvPr/>
+          </p:nvSpPr>
+          <p:spPr>
+            <a:xfrm>
+              <a:off x="3715755" y="992294"/>
+              <a:ext cx="230684" cy="1614795"/>
+            </a:xfrm>
+            <a:prstGeom prst="flowChartAlternateProcess">
+              <a:avLst/>
+            </a:prstGeom>
+            <a:solidFill>
+              <a:schemeClr val="bg1">
+                <a:lumMod val="85000"/>
+              </a:schemeClr>
+            </a:solidFill>
+            <a:ln>
+              <a:solidFill>
+                <a:schemeClr val="bg1">
+                  <a:lumMod val="65000"/>
+                </a:schemeClr>
+              </a:solidFill>
+            </a:ln>
+            <a:effectLst>
+              <a:innerShdw blurRad="63500" dist="50800">
+                <a:prstClr val="black">
+                  <a:alpha val="50000"/>
+                </a:prstClr>
+              </a:innerShdw>
+            </a:effectLst>
+            <a:scene3d>
+              <a:camera prst="orthographicFront"/>
+              <a:lightRig rig="threePt" dir="t"/>
+            </a:scene3d>
+            <a:sp3d>
+              <a:bevelT prst="relaxedInset"/>
+            </a:sp3d>
+          </p:spPr>
+          <p:style>
+            <a:lnRef idx="2">
+              <a:schemeClr val="accent1">
+                <a:shade val="15000"/>
+              </a:schemeClr>
+            </a:lnRef>
+            <a:fillRef idx="1">
+              <a:schemeClr val="accent1"/>
+            </a:fillRef>
+            <a:effectRef idx="0">
+              <a:schemeClr val="accent1"/>
+            </a:effectRef>
+            <a:fontRef idx="minor">
+              <a:schemeClr val="lt1"/>
+            </a:fontRef>
+          </p:style>
+          <p:txBody>
+            <a:bodyPr rtlCol="0" anchor="ctr"/>
+            <a:lstStyle/>
+            <a:p>
+              <a:pPr algn="ctr"/>
+              <a:endParaRPr kumimoji="1" lang="ja-JP" altLang="en-US" b="1">
+                <a:latin typeface="HG丸ｺﾞｼｯｸM-PRO" panose="020F0600000000000000" pitchFamily="50" charset="-128"/>
+                <a:ea typeface="HG丸ｺﾞｼｯｸM-PRO" panose="020F0600000000000000" pitchFamily="50" charset="-128"/>
+              </a:endParaRPr>
+            </a:p>
+          </p:txBody>
+        </p:sp>
+        <p:sp>
+          <p:nvSpPr>
+            <p:cNvPr id="67" name="フローチャート: 代替処理 66">
+              <a:extLst>
+                <a:ext uri="{FF2B5EF4-FFF2-40B4-BE49-F238E27FC236}">
+                  <a16:creationId xmlns:a16="http://schemas.microsoft.com/office/drawing/2014/main" id="{ED0F6942-F332-D529-8B33-CA05C9FACACC}"/>
+                </a:ext>
+              </a:extLst>
+            </p:cNvPr>
+            <p:cNvSpPr/>
+            <p:nvPr/>
+          </p:nvSpPr>
+          <p:spPr>
+            <a:xfrm>
+              <a:off x="6426604" y="992294"/>
+              <a:ext cx="230684" cy="1614795"/>
+            </a:xfrm>
+            <a:prstGeom prst="flowChartAlternateProcess">
+              <a:avLst/>
+            </a:prstGeom>
+            <a:solidFill>
+              <a:schemeClr val="bg1">
+                <a:lumMod val="85000"/>
+              </a:schemeClr>
+            </a:solidFill>
+            <a:ln>
+              <a:solidFill>
+                <a:schemeClr val="bg1">
+                  <a:lumMod val="65000"/>
+                </a:schemeClr>
+              </a:solidFill>
+            </a:ln>
+            <a:effectLst>
+              <a:innerShdw blurRad="63500" dist="50800" dir="10800000">
+                <a:prstClr val="black">
+                  <a:alpha val="50000"/>
+                </a:prstClr>
+              </a:innerShdw>
+            </a:effectLst>
+            <a:scene3d>
+              <a:camera prst="orthographicFront"/>
+              <a:lightRig rig="threePt" dir="t"/>
+            </a:scene3d>
+            <a:sp3d>
+              <a:bevelT prst="relaxedInset"/>
+            </a:sp3d>
+          </p:spPr>
+          <p:style>
+            <a:lnRef idx="2">
+              <a:schemeClr val="accent1">
+                <a:shade val="15000"/>
+              </a:schemeClr>
+            </a:lnRef>
+            <a:fillRef idx="1">
+              <a:schemeClr val="accent1"/>
+            </a:fillRef>
+            <a:effectRef idx="0">
+              <a:schemeClr val="accent1"/>
+            </a:effectRef>
+            <a:fontRef idx="minor">
+              <a:schemeClr val="lt1"/>
+            </a:fontRef>
+          </p:style>
+          <p:txBody>
+            <a:bodyPr rtlCol="0" anchor="ctr"/>
+            <a:lstStyle/>
+            <a:p>
+              <a:pPr algn="ctr"/>
+              <a:endParaRPr kumimoji="1" lang="ja-JP" altLang="en-US" b="1">
+                <a:latin typeface="HG丸ｺﾞｼｯｸM-PRO" panose="020F0600000000000000" pitchFamily="50" charset="-128"/>
+                <a:ea typeface="HG丸ｺﾞｼｯｸM-PRO" panose="020F0600000000000000" pitchFamily="50" charset="-128"/>
+              </a:endParaRPr>
+            </a:p>
+          </p:txBody>
+        </p:sp>
+        <p:sp>
+          <p:nvSpPr>
+            <p:cNvPr id="68" name="フローチャート: 代替処理 67">
+              <a:extLst>
+                <a:ext uri="{FF2B5EF4-FFF2-40B4-BE49-F238E27FC236}">
+                  <a16:creationId xmlns:a16="http://schemas.microsoft.com/office/drawing/2014/main" id="{E45D6D30-F2AB-E454-1C79-9B5AA87AE3E2}"/>
+                </a:ext>
+              </a:extLst>
+            </p:cNvPr>
+            <p:cNvSpPr/>
+            <p:nvPr/>
+          </p:nvSpPr>
+          <p:spPr>
+            <a:xfrm rot="16200000">
+              <a:off x="5062712" y="2339874"/>
+              <a:ext cx="230684" cy="1614795"/>
+            </a:xfrm>
+            <a:prstGeom prst="flowChartAlternateProcess">
+              <a:avLst/>
+            </a:prstGeom>
+            <a:solidFill>
+              <a:schemeClr val="bg1">
+                <a:lumMod val="85000"/>
+              </a:schemeClr>
+            </a:solidFill>
+            <a:ln>
+              <a:solidFill>
+                <a:schemeClr val="bg1">
+                  <a:lumMod val="65000"/>
+                </a:schemeClr>
+              </a:solidFill>
+            </a:ln>
+            <a:effectLst>
+              <a:innerShdw blurRad="63500" dist="50800">
+                <a:prstClr val="black">
+                  <a:alpha val="50000"/>
+                </a:prstClr>
+              </a:innerShdw>
+            </a:effectLst>
+            <a:scene3d>
+              <a:camera prst="orthographicFront"/>
+              <a:lightRig rig="threePt" dir="t"/>
+            </a:scene3d>
+            <a:sp3d>
+              <a:bevelT prst="relaxedInset"/>
+            </a:sp3d>
+          </p:spPr>
+          <p:style>
+            <a:lnRef idx="2">
+              <a:schemeClr val="accent1">
+                <a:shade val="15000"/>
+              </a:schemeClr>
+            </a:lnRef>
+            <a:fillRef idx="1">
+              <a:schemeClr val="accent1"/>
+            </a:fillRef>
+            <a:effectRef idx="0">
+              <a:schemeClr val="accent1"/>
+            </a:effectRef>
+            <a:fontRef idx="minor">
+              <a:schemeClr val="lt1"/>
+            </a:fontRef>
+          </p:style>
+          <p:txBody>
+            <a:bodyPr rtlCol="0" anchor="ctr"/>
+            <a:lstStyle/>
+            <a:p>
+              <a:pPr algn="ctr"/>
+              <a:endParaRPr kumimoji="1" lang="ja-JP" altLang="en-US" b="1">
+                <a:latin typeface="HG丸ｺﾞｼｯｸM-PRO" panose="020F0600000000000000" pitchFamily="50" charset="-128"/>
+                <a:ea typeface="HG丸ｺﾞｼｯｸM-PRO" panose="020F0600000000000000" pitchFamily="50" charset="-128"/>
+              </a:endParaRPr>
+            </a:p>
+          </p:txBody>
+        </p:sp>
+        <p:sp>
+          <p:nvSpPr>
+            <p:cNvPr id="69" name="フローチャート: 代替処理 68">
+              <a:extLst>
+                <a:ext uri="{FF2B5EF4-FFF2-40B4-BE49-F238E27FC236}">
+                  <a16:creationId xmlns:a16="http://schemas.microsoft.com/office/drawing/2014/main" id="{9E293D0F-7B3D-FF84-B2D9-D9204F2C9CF5}"/>
+                </a:ext>
+              </a:extLst>
+            </p:cNvPr>
+            <p:cNvSpPr/>
+            <p:nvPr/>
+          </p:nvSpPr>
+          <p:spPr>
+            <a:xfrm rot="16200000">
+              <a:off x="5062713" y="-356864"/>
+              <a:ext cx="230684" cy="1614795"/>
+            </a:xfrm>
+            <a:prstGeom prst="flowChartAlternateProcess">
+              <a:avLst/>
+            </a:prstGeom>
+            <a:solidFill>
+              <a:schemeClr val="bg1">
+                <a:lumMod val="85000"/>
+              </a:schemeClr>
+            </a:solidFill>
+            <a:ln>
+              <a:solidFill>
+                <a:schemeClr val="bg1">
+                  <a:lumMod val="65000"/>
+                </a:schemeClr>
+              </a:solidFill>
+            </a:ln>
+            <a:effectLst>
+              <a:innerShdw blurRad="63500" dist="50800" dir="10800000">
+                <a:prstClr val="black">
+                  <a:alpha val="50000"/>
+                </a:prstClr>
+              </a:innerShdw>
+            </a:effectLst>
+            <a:scene3d>
+              <a:camera prst="orthographicFront"/>
+              <a:lightRig rig="threePt" dir="t"/>
+            </a:scene3d>
+            <a:sp3d>
+              <a:bevelT prst="relaxedInset"/>
+            </a:sp3d>
+          </p:spPr>
+          <p:style>
+            <a:lnRef idx="2">
+              <a:schemeClr val="accent1">
+                <a:shade val="15000"/>
+              </a:schemeClr>
+            </a:lnRef>
+            <a:fillRef idx="1">
+              <a:schemeClr val="accent1"/>
+            </a:fillRef>
+            <a:effectRef idx="0">
+              <a:schemeClr val="accent1"/>
+            </a:effectRef>
+            <a:fontRef idx="minor">
+              <a:schemeClr val="lt1"/>
+            </a:fontRef>
+          </p:style>
+          <p:txBody>
+            <a:bodyPr rtlCol="0" anchor="ctr"/>
+            <a:lstStyle/>
+            <a:p>
+              <a:pPr algn="ctr"/>
+              <a:endParaRPr kumimoji="1" lang="ja-JP" altLang="en-US" b="1">
+                <a:latin typeface="HG丸ｺﾞｼｯｸM-PRO" panose="020F0600000000000000" pitchFamily="50" charset="-128"/>
+                <a:ea typeface="HG丸ｺﾞｼｯｸM-PRO" panose="020F0600000000000000" pitchFamily="50" charset="-128"/>
+              </a:endParaRPr>
+            </a:p>
+          </p:txBody>
+        </p:sp>
+        <p:sp>
+          <p:nvSpPr>
+            <p:cNvPr id="70" name="正方形/長方形 69">
+              <a:extLst>
+                <a:ext uri="{FF2B5EF4-FFF2-40B4-BE49-F238E27FC236}">
+                  <a16:creationId xmlns:a16="http://schemas.microsoft.com/office/drawing/2014/main" id="{1A7444C0-3835-51BD-B1AA-23E74A2F5F58}"/>
+                </a:ext>
+              </a:extLst>
+            </p:cNvPr>
+            <p:cNvSpPr/>
+            <p:nvPr/>
+          </p:nvSpPr>
+          <p:spPr>
+            <a:xfrm>
+              <a:off x="3995900" y="613824"/>
+              <a:ext cx="2394971" cy="2364262"/>
+            </a:xfrm>
+            <a:prstGeom prst="rect">
+              <a:avLst/>
+            </a:prstGeom>
+            <a:solidFill>
+              <a:schemeClr val="accent1">
+                <a:lumMod val="50000"/>
+              </a:schemeClr>
+            </a:solidFill>
+          </p:spPr>
+          <p:style>
+            <a:lnRef idx="2">
+              <a:schemeClr val="accent1">
+                <a:shade val="15000"/>
+              </a:schemeClr>
+            </a:lnRef>
+            <a:fillRef idx="1">
+              <a:schemeClr val="accent1"/>
+            </a:fillRef>
+            <a:effectRef idx="0">
+              <a:schemeClr val="accent1"/>
+            </a:effectRef>
+            <a:fontRef idx="minor">
+              <a:schemeClr val="lt1"/>
+            </a:fontRef>
+          </p:style>
+          <p:txBody>
+            <a:bodyPr rtlCol="0" anchor="ctr"/>
+            <a:lstStyle/>
+            <a:p>
+              <a:pPr algn="ctr"/>
+              <a:endParaRPr kumimoji="1" lang="ja-JP" altLang="en-US" b="1">
+                <a:latin typeface="HG丸ｺﾞｼｯｸM-PRO" panose="020F0600000000000000" pitchFamily="50" charset="-128"/>
+                <a:ea typeface="HG丸ｺﾞｼｯｸM-PRO" panose="020F0600000000000000" pitchFamily="50" charset="-128"/>
+              </a:endParaRPr>
+            </a:p>
+          </p:txBody>
+        </p:sp>
+        <p:sp>
+          <p:nvSpPr>
+            <p:cNvPr id="71" name="正方形/長方形 70">
+              <a:extLst>
+                <a:ext uri="{FF2B5EF4-FFF2-40B4-BE49-F238E27FC236}">
+                  <a16:creationId xmlns:a16="http://schemas.microsoft.com/office/drawing/2014/main" id="{2BCF911D-70FF-96A5-9CEB-FDC9CABC0098}"/>
+                </a:ext>
+              </a:extLst>
+            </p:cNvPr>
+            <p:cNvSpPr/>
+            <p:nvPr/>
+          </p:nvSpPr>
+          <p:spPr>
+            <a:xfrm>
+              <a:off x="4388503" y="1016528"/>
+              <a:ext cx="1579101" cy="1558853"/>
+            </a:xfrm>
+            <a:prstGeom prst="rect">
+              <a:avLst/>
+            </a:prstGeom>
+            <a:solidFill>
+              <a:schemeClr val="accent6">
+                <a:lumMod val="20000"/>
+                <a:lumOff val="80000"/>
+              </a:schemeClr>
+            </a:solidFill>
+            <a:scene3d>
+              <a:camera prst="orthographicFront"/>
+              <a:lightRig rig="threePt" dir="t"/>
+            </a:scene3d>
+            <a:sp3d>
+              <a:bevelT prst="angle"/>
+            </a:sp3d>
+          </p:spPr>
+          <p:style>
+            <a:lnRef idx="2">
+              <a:schemeClr val="accent1">
+                <a:shade val="15000"/>
+              </a:schemeClr>
+            </a:lnRef>
+            <a:fillRef idx="1">
+              <a:schemeClr val="accent1"/>
+            </a:fillRef>
+            <a:effectRef idx="0">
+              <a:schemeClr val="accent1"/>
+            </a:effectRef>
+            <a:fontRef idx="minor">
+              <a:schemeClr val="lt1"/>
+            </a:fontRef>
+          </p:style>
+          <p:txBody>
+            <a:bodyPr rtlCol="0" anchor="ctr"/>
+            <a:lstStyle/>
+            <a:p>
+              <a:pPr algn="ctr"/>
+              <a:endParaRPr kumimoji="1" lang="ja-JP" altLang="en-US" b="1">
+                <a:latin typeface="HG丸ｺﾞｼｯｸM-PRO" panose="020F0600000000000000" pitchFamily="50" charset="-128"/>
+                <a:ea typeface="HG丸ｺﾞｼｯｸM-PRO" panose="020F0600000000000000" pitchFamily="50" charset="-128"/>
+              </a:endParaRPr>
+            </a:p>
+          </p:txBody>
+        </p:sp>
+        <p:sp>
+          <p:nvSpPr>
+            <p:cNvPr id="72" name="四角形: 角を丸くする 71">
+              <a:extLst>
+                <a:ext uri="{FF2B5EF4-FFF2-40B4-BE49-F238E27FC236}">
+                  <a16:creationId xmlns:a16="http://schemas.microsoft.com/office/drawing/2014/main" id="{4D36A7F7-204A-6EC0-37FE-3002E5A66AA5}"/>
+                </a:ext>
+              </a:extLst>
+            </p:cNvPr>
+            <p:cNvSpPr/>
+            <p:nvPr/>
+          </p:nvSpPr>
+          <p:spPr>
+            <a:xfrm>
+              <a:off x="4472911" y="1921072"/>
+              <a:ext cx="1403928" cy="531005"/>
+            </a:xfrm>
+            <a:prstGeom prst="roundRect">
+              <a:avLst/>
+            </a:prstGeom>
+            <a:solidFill>
+              <a:schemeClr val="accent1">
+                <a:lumMod val="50000"/>
+              </a:schemeClr>
+            </a:solidFill>
+          </p:spPr>
+          <p:style>
+            <a:lnRef idx="2">
+              <a:schemeClr val="accent1">
+                <a:shade val="15000"/>
+              </a:schemeClr>
+            </a:lnRef>
+            <a:fillRef idx="1">
+              <a:schemeClr val="accent1"/>
+            </a:fillRef>
+            <a:effectRef idx="0">
+              <a:schemeClr val="accent1"/>
+            </a:effectRef>
+            <a:fontRef idx="minor">
+              <a:schemeClr val="lt1"/>
+            </a:fontRef>
+          </p:style>
+          <p:txBody>
+            <a:bodyPr rtlCol="0" anchor="ctr"/>
+            <a:lstStyle/>
+            <a:p>
+              <a:r>
+                <a:rPr kumimoji="1" lang="en-US" altLang="ja-JP" sz="2400" b="1" dirty="0">
+                  <a:ln w="28575">
+                    <a:noFill/>
+                  </a:ln>
+                  <a:solidFill>
+                    <a:schemeClr val="accent1">
+                      <a:lumMod val="20000"/>
+                      <a:lumOff val="80000"/>
+                    </a:schemeClr>
+                  </a:solidFill>
+                  <a:latin typeface="HG丸ｺﾞｼｯｸM-PRO" panose="020F0600000000000000" pitchFamily="50" charset="-128"/>
+                  <a:ea typeface="HG丸ｺﾞｼｯｸM-PRO" panose="020F0600000000000000" pitchFamily="50" charset="-128"/>
+                </a:rPr>
+                <a:t>x </a:t>
+              </a:r>
+              <a:endParaRPr kumimoji="1" lang="ja-JP" altLang="en-US" sz="2400" b="1" dirty="0">
+                <a:ln w="28575">
+                  <a:noFill/>
+                </a:ln>
+                <a:solidFill>
+                  <a:schemeClr val="accent1">
+                    <a:lumMod val="20000"/>
+                    <a:lumOff val="80000"/>
+                  </a:schemeClr>
+                </a:solidFill>
+                <a:latin typeface="HG丸ｺﾞｼｯｸM-PRO" panose="020F0600000000000000" pitchFamily="50" charset="-128"/>
+                <a:ea typeface="HG丸ｺﾞｼｯｸM-PRO" panose="020F0600000000000000" pitchFamily="50" charset="-128"/>
+              </a:endParaRPr>
+            </a:p>
+          </p:txBody>
+        </p:sp>
+        <p:grpSp>
+          <p:nvGrpSpPr>
+            <p:cNvPr id="73" name="グループ化 72">
+              <a:extLst>
+                <a:ext uri="{FF2B5EF4-FFF2-40B4-BE49-F238E27FC236}">
+                  <a16:creationId xmlns:a16="http://schemas.microsoft.com/office/drawing/2014/main" id="{402347B2-ED3C-65FD-F05F-4F6DB1AFB2A8}"/>
+                </a:ext>
+              </a:extLst>
+            </p:cNvPr>
+            <p:cNvGrpSpPr/>
+            <p:nvPr/>
+          </p:nvGrpSpPr>
+          <p:grpSpPr>
+            <a:xfrm rot="10800000">
+              <a:off x="3600874" y="227608"/>
+              <a:ext cx="3165442" cy="3161790"/>
+              <a:chOff x="6511077" y="1328271"/>
+              <a:chExt cx="3165442" cy="3161790"/>
+            </a:xfrm>
+          </p:grpSpPr>
+          <p:sp>
+            <p:nvSpPr>
+              <p:cNvPr id="74" name="フローチャート: 代替処理 73">
+                <a:extLst>
+                  <a:ext uri="{FF2B5EF4-FFF2-40B4-BE49-F238E27FC236}">
+                    <a16:creationId xmlns:a16="http://schemas.microsoft.com/office/drawing/2014/main" id="{6C924155-CCAF-1D5A-18E1-E1DEA1DF4D2A}"/>
+                  </a:ext>
+                </a:extLst>
+              </p:cNvPr>
+              <p:cNvSpPr/>
+              <p:nvPr/>
+            </p:nvSpPr>
+            <p:spPr>
+              <a:xfrm rot="10800000">
+                <a:off x="8955215" y="1331210"/>
+                <a:ext cx="720000" cy="720000"/>
+              </a:xfrm>
+              <a:prstGeom prst="flowChartAlternateProcess">
+                <a:avLst/>
+              </a:prstGeom>
+              <a:solidFill>
+                <a:schemeClr val="accent4">
+                  <a:lumMod val="60000"/>
+                  <a:lumOff val="40000"/>
+                </a:schemeClr>
+              </a:solidFill>
+              <a:ln w="38100">
+                <a:solidFill>
+                  <a:schemeClr val="bg1"/>
+                </a:solidFill>
+              </a:ln>
+              <a:scene3d>
+                <a:camera prst="orthographicFront"/>
+                <a:lightRig rig="threePt" dir="t"/>
+              </a:scene3d>
+              <a:sp3d>
+                <a:bevelT/>
+              </a:sp3d>
+            </p:spPr>
+            <p:style>
+              <a:lnRef idx="2">
+                <a:schemeClr val="accent1">
+                  <a:shade val="15000"/>
+                </a:schemeClr>
+              </a:lnRef>
+              <a:fillRef idx="1">
+                <a:schemeClr val="accent1"/>
+              </a:fillRef>
+              <a:effectRef idx="0">
+                <a:schemeClr val="accent1"/>
+              </a:effectRef>
+              <a:fontRef idx="minor">
+                <a:schemeClr val="lt1"/>
+              </a:fontRef>
+            </p:style>
+            <p:txBody>
+              <a:bodyPr rtlCol="0" anchor="b"/>
+              <a:lstStyle/>
+              <a:p>
+                <a:pPr algn="ctr"/>
+                <a:r>
+                  <a:rPr lang="en-US" altLang="ja-JP" sz="4000" b="1" dirty="0">
+                    <a:ln w="3175">
+                      <a:solidFill>
+                        <a:schemeClr val="tx1"/>
+                      </a:solidFill>
+                    </a:ln>
+                    <a:latin typeface="HG丸ｺﾞｼｯｸM-PRO" panose="020F0600000000000000" pitchFamily="50" charset="-128"/>
+                    <a:ea typeface="HG丸ｺﾞｼｯｸM-PRO" panose="020F0600000000000000" pitchFamily="50" charset="-128"/>
+                  </a:rPr>
+                  <a:t>S</a:t>
+                </a:r>
+                <a:endParaRPr kumimoji="1" lang="ja-JP" altLang="en-US" sz="4000" b="1" dirty="0">
+                  <a:ln w="3175">
+                    <a:solidFill>
+                      <a:schemeClr val="tx1"/>
+                    </a:solidFill>
+                  </a:ln>
+                  <a:latin typeface="HG丸ｺﾞｼｯｸM-PRO" panose="020F0600000000000000" pitchFamily="50" charset="-128"/>
+                  <a:ea typeface="HG丸ｺﾞｼｯｸM-PRO" panose="020F0600000000000000" pitchFamily="50" charset="-128"/>
+                </a:endParaRPr>
+              </a:p>
+            </p:txBody>
+          </p:sp>
+          <p:sp>
+            <p:nvSpPr>
+              <p:cNvPr id="75" name="フローチャート: 代替処理 74">
+                <a:extLst>
+                  <a:ext uri="{FF2B5EF4-FFF2-40B4-BE49-F238E27FC236}">
+                    <a16:creationId xmlns:a16="http://schemas.microsoft.com/office/drawing/2014/main" id="{D1B3CD6D-6C54-E03D-FA48-9F952B278F2C}"/>
+                  </a:ext>
+                </a:extLst>
+              </p:cNvPr>
+              <p:cNvSpPr/>
+              <p:nvPr/>
+            </p:nvSpPr>
+            <p:spPr>
+              <a:xfrm rot="5400000">
+                <a:off x="6511743" y="1328271"/>
+                <a:ext cx="720000" cy="720000"/>
+              </a:xfrm>
+              <a:prstGeom prst="flowChartAlternateProcess">
+                <a:avLst/>
+              </a:prstGeom>
+              <a:solidFill>
+                <a:schemeClr val="accent2">
+                  <a:lumMod val="60000"/>
+                  <a:lumOff val="40000"/>
+                </a:schemeClr>
+              </a:solidFill>
+              <a:ln w="38100">
+                <a:solidFill>
+                  <a:schemeClr val="bg1"/>
+                </a:solidFill>
+              </a:ln>
+              <a:scene3d>
+                <a:camera prst="orthographicFront"/>
+                <a:lightRig rig="threePt" dir="t"/>
+              </a:scene3d>
+              <a:sp3d>
+                <a:bevelT/>
+              </a:sp3d>
+            </p:spPr>
+            <p:style>
+              <a:lnRef idx="2">
+                <a:schemeClr val="accent1">
+                  <a:shade val="15000"/>
+                </a:schemeClr>
+              </a:lnRef>
+              <a:fillRef idx="1">
+                <a:schemeClr val="accent1"/>
+              </a:fillRef>
+              <a:effectRef idx="0">
+                <a:schemeClr val="accent1"/>
+              </a:effectRef>
+              <a:fontRef idx="minor">
+                <a:schemeClr val="lt1"/>
+              </a:fontRef>
+            </p:style>
+            <p:txBody>
+              <a:bodyPr rtlCol="0" anchor="b"/>
+              <a:lstStyle/>
+              <a:p>
+                <a:pPr algn="ctr"/>
+                <a:r>
+                  <a:rPr lang="en-US" altLang="ja-JP" sz="4000" b="1" dirty="0">
+                    <a:ln w="3175">
+                      <a:solidFill>
+                        <a:schemeClr val="tx1"/>
+                      </a:solidFill>
+                    </a:ln>
+                    <a:latin typeface="HG丸ｺﾞｼｯｸM-PRO" panose="020F0600000000000000" pitchFamily="50" charset="-128"/>
+                    <a:ea typeface="HG丸ｺﾞｼｯｸM-PRO" panose="020F0600000000000000" pitchFamily="50" charset="-128"/>
+                  </a:rPr>
+                  <a:t>W</a:t>
+                </a:r>
+                <a:endParaRPr kumimoji="1" lang="ja-JP" altLang="en-US" sz="4000" b="1" dirty="0">
+                  <a:ln w="3175">
+                    <a:solidFill>
+                      <a:schemeClr val="tx1"/>
+                    </a:solidFill>
+                  </a:ln>
+                  <a:latin typeface="HG丸ｺﾞｼｯｸM-PRO" panose="020F0600000000000000" pitchFamily="50" charset="-128"/>
+                  <a:ea typeface="HG丸ｺﾞｼｯｸM-PRO" panose="020F0600000000000000" pitchFamily="50" charset="-128"/>
+                </a:endParaRPr>
+              </a:p>
+            </p:txBody>
+          </p:sp>
+          <p:sp>
+            <p:nvSpPr>
+              <p:cNvPr id="76" name="フローチャート: 代替処理 75">
+                <a:extLst>
+                  <a:ext uri="{FF2B5EF4-FFF2-40B4-BE49-F238E27FC236}">
+                    <a16:creationId xmlns:a16="http://schemas.microsoft.com/office/drawing/2014/main" id="{B2FB39F9-994C-C728-9BA6-CDA7F7198774}"/>
+                  </a:ext>
+                </a:extLst>
+              </p:cNvPr>
+              <p:cNvSpPr/>
+              <p:nvPr/>
+            </p:nvSpPr>
+            <p:spPr>
+              <a:xfrm>
+                <a:off x="6511077" y="3770061"/>
+                <a:ext cx="720000" cy="720000"/>
+              </a:xfrm>
+              <a:prstGeom prst="flowChartAlternateProcess">
+                <a:avLst/>
+              </a:prstGeom>
+              <a:solidFill>
+                <a:schemeClr val="accent6">
+                  <a:lumMod val="60000"/>
+                  <a:lumOff val="40000"/>
+                </a:schemeClr>
+              </a:solidFill>
+              <a:ln w="38100">
+                <a:solidFill>
+                  <a:schemeClr val="bg1"/>
+                </a:solidFill>
+              </a:ln>
+              <a:scene3d>
+                <a:camera prst="orthographicFront"/>
+                <a:lightRig rig="threePt" dir="t"/>
+              </a:scene3d>
+              <a:sp3d>
+                <a:bevelT/>
+              </a:sp3d>
+            </p:spPr>
+            <p:style>
+              <a:lnRef idx="2">
+                <a:schemeClr val="accent1">
+                  <a:shade val="15000"/>
+                </a:schemeClr>
+              </a:lnRef>
+              <a:fillRef idx="1">
+                <a:schemeClr val="accent1"/>
+              </a:fillRef>
+              <a:effectRef idx="0">
+                <a:schemeClr val="accent1"/>
+              </a:effectRef>
+              <a:fontRef idx="minor">
+                <a:schemeClr val="lt1"/>
+              </a:fontRef>
+            </p:style>
+            <p:txBody>
+              <a:bodyPr rtlCol="0" anchor="b"/>
+              <a:lstStyle/>
+              <a:p>
+                <a:pPr algn="ctr"/>
+                <a:r>
+                  <a:rPr lang="en-US" altLang="ja-JP" sz="4000" b="1" dirty="0">
+                    <a:ln w="3175">
+                      <a:solidFill>
+                        <a:schemeClr val="tx1"/>
+                      </a:solidFill>
+                    </a:ln>
+                    <a:latin typeface="HG丸ｺﾞｼｯｸM-PRO" panose="020F0600000000000000" pitchFamily="50" charset="-128"/>
+                    <a:ea typeface="HG丸ｺﾞｼｯｸM-PRO" panose="020F0600000000000000" pitchFamily="50" charset="-128"/>
+                  </a:rPr>
+                  <a:t>N</a:t>
+                </a:r>
+                <a:endParaRPr kumimoji="1" lang="ja-JP" altLang="en-US" sz="4000" b="1" dirty="0">
+                  <a:ln w="3175">
+                    <a:solidFill>
+                      <a:schemeClr val="tx1"/>
+                    </a:solidFill>
+                  </a:ln>
+                  <a:latin typeface="HG丸ｺﾞｼｯｸM-PRO" panose="020F0600000000000000" pitchFamily="50" charset="-128"/>
+                  <a:ea typeface="HG丸ｺﾞｼｯｸM-PRO" panose="020F0600000000000000" pitchFamily="50" charset="-128"/>
+                </a:endParaRPr>
+              </a:p>
+            </p:txBody>
+          </p:sp>
+          <p:sp>
+            <p:nvSpPr>
+              <p:cNvPr id="77" name="フローチャート: 代替処理 76">
+                <a:extLst>
+                  <a:ext uri="{FF2B5EF4-FFF2-40B4-BE49-F238E27FC236}">
+                    <a16:creationId xmlns:a16="http://schemas.microsoft.com/office/drawing/2014/main" id="{32121E0B-4B78-317D-0119-88D114D13822}"/>
+                  </a:ext>
+                </a:extLst>
+              </p:cNvPr>
+              <p:cNvSpPr/>
+              <p:nvPr/>
+            </p:nvSpPr>
+            <p:spPr>
+              <a:xfrm rot="16200000">
+                <a:off x="8956519" y="3770061"/>
+                <a:ext cx="720000" cy="720000"/>
+              </a:xfrm>
+              <a:prstGeom prst="flowChartAlternateProcess">
+                <a:avLst/>
+              </a:prstGeom>
+              <a:solidFill>
+                <a:srgbClr val="FF5050"/>
+              </a:solidFill>
+              <a:ln w="38100">
+                <a:solidFill>
+                  <a:schemeClr val="bg1"/>
+                </a:solidFill>
+              </a:ln>
+              <a:scene3d>
+                <a:camera prst="orthographicFront"/>
+                <a:lightRig rig="threePt" dir="t"/>
+              </a:scene3d>
+              <a:sp3d>
+                <a:bevelT/>
+              </a:sp3d>
+            </p:spPr>
+            <p:style>
+              <a:lnRef idx="2">
+                <a:schemeClr val="accent1">
+                  <a:shade val="15000"/>
+                </a:schemeClr>
+              </a:lnRef>
+              <a:fillRef idx="1">
+                <a:schemeClr val="accent1"/>
+              </a:fillRef>
+              <a:effectRef idx="0">
+                <a:schemeClr val="accent1"/>
+              </a:effectRef>
+              <a:fontRef idx="minor">
+                <a:schemeClr val="lt1"/>
+              </a:fontRef>
+            </p:style>
+            <p:txBody>
+              <a:bodyPr rtlCol="0" anchor="b"/>
+              <a:lstStyle/>
+              <a:p>
+                <a:pPr algn="ctr"/>
+                <a:r>
+                  <a:rPr kumimoji="1" lang="en-US" altLang="ja-JP" sz="4000" b="1" dirty="0">
+                    <a:ln w="19050">
+                      <a:noFill/>
+                    </a:ln>
+                    <a:solidFill>
+                      <a:schemeClr val="tx1"/>
+                    </a:solidFill>
+                    <a:latin typeface="HG丸ｺﾞｼｯｸM-PRO" panose="020F0600000000000000" pitchFamily="50" charset="-128"/>
+                    <a:ea typeface="HG丸ｺﾞｼｯｸM-PRO" panose="020F0600000000000000" pitchFamily="50" charset="-128"/>
+                  </a:rPr>
+                  <a:t>E</a:t>
+                </a:r>
+                <a:endParaRPr kumimoji="1" lang="ja-JP" altLang="en-US" sz="4000" b="1" dirty="0">
+                  <a:ln w="19050">
+                    <a:noFill/>
+                  </a:ln>
+                  <a:solidFill>
+                    <a:schemeClr val="tx1"/>
+                  </a:solidFill>
+                  <a:latin typeface="HG丸ｺﾞｼｯｸM-PRO" panose="020F0600000000000000" pitchFamily="50" charset="-128"/>
+                  <a:ea typeface="HG丸ｺﾞｼｯｸM-PRO" panose="020F0600000000000000" pitchFamily="50" charset="-128"/>
+                </a:endParaRPr>
+              </a:p>
+            </p:txBody>
+          </p:sp>
+        </p:grpSp>
+      </p:grpSp>
+      <p:grpSp>
+        <p:nvGrpSpPr>
+          <p:cNvPr id="116" name="グループ化 115">
             <a:extLst>
-              <a:ext uri="{28A0092B-C50C-407E-A947-70E740481C1C}">
-                <a14:useLocalDpi xmlns:a14="http://schemas.microsoft.com/office/drawing/2010/main" val="0"/>
+              <a:ext uri="{FF2B5EF4-FFF2-40B4-BE49-F238E27FC236}">
+                <a16:creationId xmlns:a16="http://schemas.microsoft.com/office/drawing/2014/main" id="{4CC86E6A-8B11-FC70-F0E1-9942BCA0F739}"/>
               </a:ext>
             </a:extLst>
-          </a:blip>
-          <a:stretch>
-            <a:fillRect/>
-          </a:stretch>
-        </p:blipFill>
+          </p:cNvPr>
+          <p:cNvGrpSpPr/>
+          <p:nvPr/>
+        </p:nvGrpSpPr>
+        <p:grpSpPr>
+          <a:xfrm>
+            <a:off x="6923080" y="225782"/>
+            <a:ext cx="3161790" cy="3165442"/>
+            <a:chOff x="6923080" y="225782"/>
+            <a:chExt cx="3161790" cy="3165442"/>
+          </a:xfrm>
+        </p:grpSpPr>
+        <p:sp>
+          <p:nvSpPr>
+            <p:cNvPr id="89" name="フローチャート: 代替処理 88">
+              <a:extLst>
+                <a:ext uri="{FF2B5EF4-FFF2-40B4-BE49-F238E27FC236}">
+                  <a16:creationId xmlns:a16="http://schemas.microsoft.com/office/drawing/2014/main" id="{29322056-8C53-4F15-1DD9-8FB16680E0DB}"/>
+                </a:ext>
+              </a:extLst>
+            </p:cNvPr>
+            <p:cNvSpPr/>
+            <p:nvPr/>
+          </p:nvSpPr>
+          <p:spPr>
+            <a:xfrm>
+              <a:off x="6973975" y="272295"/>
+              <a:ext cx="3060000" cy="3060000"/>
+            </a:xfrm>
+            <a:prstGeom prst="flowChartAlternateProcess">
+              <a:avLst/>
+            </a:prstGeom>
+            <a:solidFill>
+              <a:schemeClr val="accent3">
+                <a:lumMod val="20000"/>
+                <a:lumOff val="80000"/>
+              </a:schemeClr>
+            </a:solidFill>
+            <a:ln w="9525">
+              <a:solidFill>
+                <a:schemeClr val="accent1"/>
+              </a:solidFill>
+            </a:ln>
+          </p:spPr>
+          <p:style>
+            <a:lnRef idx="2">
+              <a:schemeClr val="accent1">
+                <a:shade val="15000"/>
+              </a:schemeClr>
+            </a:lnRef>
+            <a:fillRef idx="1">
+              <a:schemeClr val="accent1"/>
+            </a:fillRef>
+            <a:effectRef idx="0">
+              <a:schemeClr val="accent1"/>
+            </a:effectRef>
+            <a:fontRef idx="minor">
+              <a:schemeClr val="lt1"/>
+            </a:fontRef>
+          </p:style>
+          <p:txBody>
+            <a:bodyPr rtlCol="0" anchor="ctr"/>
+            <a:lstStyle/>
+            <a:p>
+              <a:pPr algn="ctr"/>
+              <a:endParaRPr kumimoji="1" lang="ja-JP" altLang="en-US" b="1" dirty="0">
+                <a:latin typeface="HG丸ｺﾞｼｯｸM-PRO" panose="020F0600000000000000" pitchFamily="50" charset="-128"/>
+                <a:ea typeface="HG丸ｺﾞｼｯｸM-PRO" panose="020F0600000000000000" pitchFamily="50" charset="-128"/>
+              </a:endParaRPr>
+            </a:p>
+          </p:txBody>
+        </p:sp>
+        <p:sp>
+          <p:nvSpPr>
+            <p:cNvPr id="90" name="フローチャート: 代替処理 89">
+              <a:extLst>
+                <a:ext uri="{FF2B5EF4-FFF2-40B4-BE49-F238E27FC236}">
+                  <a16:creationId xmlns:a16="http://schemas.microsoft.com/office/drawing/2014/main" id="{9A6604ED-EC9A-26FE-3150-83F82073EF91}"/>
+                </a:ext>
+              </a:extLst>
+            </p:cNvPr>
+            <p:cNvSpPr/>
+            <p:nvPr/>
+          </p:nvSpPr>
+          <p:spPr>
+            <a:xfrm>
+              <a:off x="7036135" y="992294"/>
+              <a:ext cx="230684" cy="1614795"/>
+            </a:xfrm>
+            <a:prstGeom prst="flowChartAlternateProcess">
+              <a:avLst/>
+            </a:prstGeom>
+            <a:solidFill>
+              <a:schemeClr val="bg1">
+                <a:lumMod val="85000"/>
+              </a:schemeClr>
+            </a:solidFill>
+            <a:ln>
+              <a:solidFill>
+                <a:schemeClr val="bg1">
+                  <a:lumMod val="65000"/>
+                </a:schemeClr>
+              </a:solidFill>
+            </a:ln>
+            <a:effectLst>
+              <a:innerShdw blurRad="63500" dist="50800">
+                <a:prstClr val="black">
+                  <a:alpha val="50000"/>
+                </a:prstClr>
+              </a:innerShdw>
+            </a:effectLst>
+            <a:scene3d>
+              <a:camera prst="orthographicFront"/>
+              <a:lightRig rig="threePt" dir="t"/>
+            </a:scene3d>
+            <a:sp3d>
+              <a:bevelT prst="relaxedInset"/>
+            </a:sp3d>
+          </p:spPr>
+          <p:style>
+            <a:lnRef idx="2">
+              <a:schemeClr val="accent1">
+                <a:shade val="15000"/>
+              </a:schemeClr>
+            </a:lnRef>
+            <a:fillRef idx="1">
+              <a:schemeClr val="accent1"/>
+            </a:fillRef>
+            <a:effectRef idx="0">
+              <a:schemeClr val="accent1"/>
+            </a:effectRef>
+            <a:fontRef idx="minor">
+              <a:schemeClr val="lt1"/>
+            </a:fontRef>
+          </p:style>
+          <p:txBody>
+            <a:bodyPr rtlCol="0" anchor="ctr"/>
+            <a:lstStyle/>
+            <a:p>
+              <a:pPr algn="ctr"/>
+              <a:endParaRPr kumimoji="1" lang="ja-JP" altLang="en-US" b="1">
+                <a:latin typeface="HG丸ｺﾞｼｯｸM-PRO" panose="020F0600000000000000" pitchFamily="50" charset="-128"/>
+                <a:ea typeface="HG丸ｺﾞｼｯｸM-PRO" panose="020F0600000000000000" pitchFamily="50" charset="-128"/>
+              </a:endParaRPr>
+            </a:p>
+          </p:txBody>
+        </p:sp>
+        <p:sp>
+          <p:nvSpPr>
+            <p:cNvPr id="91" name="フローチャート: 代替処理 90">
+              <a:extLst>
+                <a:ext uri="{FF2B5EF4-FFF2-40B4-BE49-F238E27FC236}">
+                  <a16:creationId xmlns:a16="http://schemas.microsoft.com/office/drawing/2014/main" id="{4BF7B88B-D151-2E56-61B8-68F0C02E3CB9}"/>
+                </a:ext>
+              </a:extLst>
+            </p:cNvPr>
+            <p:cNvSpPr/>
+            <p:nvPr/>
+          </p:nvSpPr>
+          <p:spPr>
+            <a:xfrm>
+              <a:off x="9746984" y="992294"/>
+              <a:ext cx="230684" cy="1614795"/>
+            </a:xfrm>
+            <a:prstGeom prst="flowChartAlternateProcess">
+              <a:avLst/>
+            </a:prstGeom>
+            <a:solidFill>
+              <a:schemeClr val="bg1">
+                <a:lumMod val="85000"/>
+              </a:schemeClr>
+            </a:solidFill>
+            <a:ln>
+              <a:solidFill>
+                <a:schemeClr val="bg1">
+                  <a:lumMod val="65000"/>
+                </a:schemeClr>
+              </a:solidFill>
+            </a:ln>
+            <a:effectLst>
+              <a:innerShdw blurRad="63500" dist="50800" dir="10800000">
+                <a:prstClr val="black">
+                  <a:alpha val="50000"/>
+                </a:prstClr>
+              </a:innerShdw>
+            </a:effectLst>
+            <a:scene3d>
+              <a:camera prst="orthographicFront"/>
+              <a:lightRig rig="threePt" dir="t"/>
+            </a:scene3d>
+            <a:sp3d>
+              <a:bevelT prst="relaxedInset"/>
+            </a:sp3d>
+          </p:spPr>
+          <p:style>
+            <a:lnRef idx="2">
+              <a:schemeClr val="accent1">
+                <a:shade val="15000"/>
+              </a:schemeClr>
+            </a:lnRef>
+            <a:fillRef idx="1">
+              <a:schemeClr val="accent1"/>
+            </a:fillRef>
+            <a:effectRef idx="0">
+              <a:schemeClr val="accent1"/>
+            </a:effectRef>
+            <a:fontRef idx="minor">
+              <a:schemeClr val="lt1"/>
+            </a:fontRef>
+          </p:style>
+          <p:txBody>
+            <a:bodyPr rtlCol="0" anchor="ctr"/>
+            <a:lstStyle/>
+            <a:p>
+              <a:pPr algn="ctr"/>
+              <a:endParaRPr kumimoji="1" lang="ja-JP" altLang="en-US" b="1">
+                <a:latin typeface="HG丸ｺﾞｼｯｸM-PRO" panose="020F0600000000000000" pitchFamily="50" charset="-128"/>
+                <a:ea typeface="HG丸ｺﾞｼｯｸM-PRO" panose="020F0600000000000000" pitchFamily="50" charset="-128"/>
+              </a:endParaRPr>
+            </a:p>
+          </p:txBody>
+        </p:sp>
+        <p:sp>
+          <p:nvSpPr>
+            <p:cNvPr id="92" name="フローチャート: 代替処理 91">
+              <a:extLst>
+                <a:ext uri="{FF2B5EF4-FFF2-40B4-BE49-F238E27FC236}">
+                  <a16:creationId xmlns:a16="http://schemas.microsoft.com/office/drawing/2014/main" id="{9CF2795F-A732-9C2F-2382-CF74967CE7B4}"/>
+                </a:ext>
+              </a:extLst>
+            </p:cNvPr>
+            <p:cNvSpPr/>
+            <p:nvPr/>
+          </p:nvSpPr>
+          <p:spPr>
+            <a:xfrm rot="16200000">
+              <a:off x="8383092" y="2339874"/>
+              <a:ext cx="230684" cy="1614795"/>
+            </a:xfrm>
+            <a:prstGeom prst="flowChartAlternateProcess">
+              <a:avLst/>
+            </a:prstGeom>
+            <a:solidFill>
+              <a:schemeClr val="bg1">
+                <a:lumMod val="85000"/>
+              </a:schemeClr>
+            </a:solidFill>
+            <a:ln>
+              <a:solidFill>
+                <a:schemeClr val="bg1">
+                  <a:lumMod val="65000"/>
+                </a:schemeClr>
+              </a:solidFill>
+            </a:ln>
+            <a:effectLst>
+              <a:innerShdw blurRad="63500" dist="50800">
+                <a:prstClr val="black">
+                  <a:alpha val="50000"/>
+                </a:prstClr>
+              </a:innerShdw>
+            </a:effectLst>
+            <a:scene3d>
+              <a:camera prst="orthographicFront"/>
+              <a:lightRig rig="threePt" dir="t"/>
+            </a:scene3d>
+            <a:sp3d>
+              <a:bevelT prst="relaxedInset"/>
+            </a:sp3d>
+          </p:spPr>
+          <p:style>
+            <a:lnRef idx="2">
+              <a:schemeClr val="accent1">
+                <a:shade val="15000"/>
+              </a:schemeClr>
+            </a:lnRef>
+            <a:fillRef idx="1">
+              <a:schemeClr val="accent1"/>
+            </a:fillRef>
+            <a:effectRef idx="0">
+              <a:schemeClr val="accent1"/>
+            </a:effectRef>
+            <a:fontRef idx="minor">
+              <a:schemeClr val="lt1"/>
+            </a:fontRef>
+          </p:style>
+          <p:txBody>
+            <a:bodyPr rtlCol="0" anchor="ctr"/>
+            <a:lstStyle/>
+            <a:p>
+              <a:pPr algn="ctr"/>
+              <a:endParaRPr kumimoji="1" lang="ja-JP" altLang="en-US" b="1">
+                <a:latin typeface="HG丸ｺﾞｼｯｸM-PRO" panose="020F0600000000000000" pitchFamily="50" charset="-128"/>
+                <a:ea typeface="HG丸ｺﾞｼｯｸM-PRO" panose="020F0600000000000000" pitchFamily="50" charset="-128"/>
+              </a:endParaRPr>
+            </a:p>
+          </p:txBody>
+        </p:sp>
+        <p:sp>
+          <p:nvSpPr>
+            <p:cNvPr id="93" name="フローチャート: 代替処理 92">
+              <a:extLst>
+                <a:ext uri="{FF2B5EF4-FFF2-40B4-BE49-F238E27FC236}">
+                  <a16:creationId xmlns:a16="http://schemas.microsoft.com/office/drawing/2014/main" id="{72D171B3-461E-119F-0E32-303CF9F575B2}"/>
+                </a:ext>
+              </a:extLst>
+            </p:cNvPr>
+            <p:cNvSpPr/>
+            <p:nvPr/>
+          </p:nvSpPr>
+          <p:spPr>
+            <a:xfrm rot="16200000">
+              <a:off x="8383093" y="-356864"/>
+              <a:ext cx="230684" cy="1614795"/>
+            </a:xfrm>
+            <a:prstGeom prst="flowChartAlternateProcess">
+              <a:avLst/>
+            </a:prstGeom>
+            <a:solidFill>
+              <a:schemeClr val="bg1">
+                <a:lumMod val="85000"/>
+              </a:schemeClr>
+            </a:solidFill>
+            <a:ln>
+              <a:solidFill>
+                <a:schemeClr val="bg1">
+                  <a:lumMod val="65000"/>
+                </a:schemeClr>
+              </a:solidFill>
+            </a:ln>
+            <a:effectLst>
+              <a:innerShdw blurRad="63500" dist="50800" dir="10800000">
+                <a:prstClr val="black">
+                  <a:alpha val="50000"/>
+                </a:prstClr>
+              </a:innerShdw>
+            </a:effectLst>
+            <a:scene3d>
+              <a:camera prst="orthographicFront"/>
+              <a:lightRig rig="threePt" dir="t"/>
+            </a:scene3d>
+            <a:sp3d>
+              <a:bevelT prst="relaxedInset"/>
+            </a:sp3d>
+          </p:spPr>
+          <p:style>
+            <a:lnRef idx="2">
+              <a:schemeClr val="accent1">
+                <a:shade val="15000"/>
+              </a:schemeClr>
+            </a:lnRef>
+            <a:fillRef idx="1">
+              <a:schemeClr val="accent1"/>
+            </a:fillRef>
+            <a:effectRef idx="0">
+              <a:schemeClr val="accent1"/>
+            </a:effectRef>
+            <a:fontRef idx="minor">
+              <a:schemeClr val="lt1"/>
+            </a:fontRef>
+          </p:style>
+          <p:txBody>
+            <a:bodyPr rtlCol="0" anchor="ctr"/>
+            <a:lstStyle/>
+            <a:p>
+              <a:pPr algn="ctr"/>
+              <a:endParaRPr kumimoji="1" lang="ja-JP" altLang="en-US" b="1">
+                <a:latin typeface="HG丸ｺﾞｼｯｸM-PRO" panose="020F0600000000000000" pitchFamily="50" charset="-128"/>
+                <a:ea typeface="HG丸ｺﾞｼｯｸM-PRO" panose="020F0600000000000000" pitchFamily="50" charset="-128"/>
+              </a:endParaRPr>
+            </a:p>
+          </p:txBody>
+        </p:sp>
+        <p:sp>
+          <p:nvSpPr>
+            <p:cNvPr id="94" name="正方形/長方形 93">
+              <a:extLst>
+                <a:ext uri="{FF2B5EF4-FFF2-40B4-BE49-F238E27FC236}">
+                  <a16:creationId xmlns:a16="http://schemas.microsoft.com/office/drawing/2014/main" id="{1FC78477-2462-4922-068F-EB9E028007C3}"/>
+                </a:ext>
+              </a:extLst>
+            </p:cNvPr>
+            <p:cNvSpPr/>
+            <p:nvPr/>
+          </p:nvSpPr>
+          <p:spPr>
+            <a:xfrm>
+              <a:off x="7316280" y="613824"/>
+              <a:ext cx="2394971" cy="2364262"/>
+            </a:xfrm>
+            <a:prstGeom prst="rect">
+              <a:avLst/>
+            </a:prstGeom>
+            <a:solidFill>
+              <a:schemeClr val="accent1">
+                <a:lumMod val="50000"/>
+              </a:schemeClr>
+            </a:solidFill>
+          </p:spPr>
+          <p:style>
+            <a:lnRef idx="2">
+              <a:schemeClr val="accent1">
+                <a:shade val="15000"/>
+              </a:schemeClr>
+            </a:lnRef>
+            <a:fillRef idx="1">
+              <a:schemeClr val="accent1"/>
+            </a:fillRef>
+            <a:effectRef idx="0">
+              <a:schemeClr val="accent1"/>
+            </a:effectRef>
+            <a:fontRef idx="minor">
+              <a:schemeClr val="lt1"/>
+            </a:fontRef>
+          </p:style>
+          <p:txBody>
+            <a:bodyPr rtlCol="0" anchor="ctr"/>
+            <a:lstStyle/>
+            <a:p>
+              <a:pPr algn="ctr"/>
+              <a:endParaRPr kumimoji="1" lang="ja-JP" altLang="en-US" b="1">
+                <a:latin typeface="HG丸ｺﾞｼｯｸM-PRO" panose="020F0600000000000000" pitchFamily="50" charset="-128"/>
+                <a:ea typeface="HG丸ｺﾞｼｯｸM-PRO" panose="020F0600000000000000" pitchFamily="50" charset="-128"/>
+              </a:endParaRPr>
+            </a:p>
+          </p:txBody>
+        </p:sp>
+        <p:sp>
+          <p:nvSpPr>
+            <p:cNvPr id="95" name="正方形/長方形 94">
+              <a:extLst>
+                <a:ext uri="{FF2B5EF4-FFF2-40B4-BE49-F238E27FC236}">
+                  <a16:creationId xmlns:a16="http://schemas.microsoft.com/office/drawing/2014/main" id="{B466E7A8-0F68-51A3-F604-2B1341A8B7F6}"/>
+                </a:ext>
+              </a:extLst>
+            </p:cNvPr>
+            <p:cNvSpPr/>
+            <p:nvPr/>
+          </p:nvSpPr>
+          <p:spPr>
+            <a:xfrm>
+              <a:off x="7708883" y="1016528"/>
+              <a:ext cx="1579101" cy="1558853"/>
+            </a:xfrm>
+            <a:prstGeom prst="rect">
+              <a:avLst/>
+            </a:prstGeom>
+            <a:solidFill>
+              <a:schemeClr val="accent6">
+                <a:lumMod val="20000"/>
+                <a:lumOff val="80000"/>
+              </a:schemeClr>
+            </a:solidFill>
+            <a:scene3d>
+              <a:camera prst="orthographicFront"/>
+              <a:lightRig rig="threePt" dir="t"/>
+            </a:scene3d>
+            <a:sp3d>
+              <a:bevelT prst="angle"/>
+            </a:sp3d>
+          </p:spPr>
+          <p:style>
+            <a:lnRef idx="2">
+              <a:schemeClr val="accent1">
+                <a:shade val="15000"/>
+              </a:schemeClr>
+            </a:lnRef>
+            <a:fillRef idx="1">
+              <a:schemeClr val="accent1"/>
+            </a:fillRef>
+            <a:effectRef idx="0">
+              <a:schemeClr val="accent1"/>
+            </a:effectRef>
+            <a:fontRef idx="minor">
+              <a:schemeClr val="lt1"/>
+            </a:fontRef>
+          </p:style>
+          <p:txBody>
+            <a:bodyPr rtlCol="0" anchor="ctr"/>
+            <a:lstStyle/>
+            <a:p>
+              <a:pPr algn="ctr"/>
+              <a:endParaRPr kumimoji="1" lang="ja-JP" altLang="en-US" b="1">
+                <a:latin typeface="HG丸ｺﾞｼｯｸM-PRO" panose="020F0600000000000000" pitchFamily="50" charset="-128"/>
+                <a:ea typeface="HG丸ｺﾞｼｯｸM-PRO" panose="020F0600000000000000" pitchFamily="50" charset="-128"/>
+              </a:endParaRPr>
+            </a:p>
+          </p:txBody>
+        </p:sp>
+        <p:sp>
+          <p:nvSpPr>
+            <p:cNvPr id="96" name="四角形: 角を丸くする 95">
+              <a:extLst>
+                <a:ext uri="{FF2B5EF4-FFF2-40B4-BE49-F238E27FC236}">
+                  <a16:creationId xmlns:a16="http://schemas.microsoft.com/office/drawing/2014/main" id="{65C35D5D-2B23-FE83-9DDD-1697F31785C6}"/>
+                </a:ext>
+              </a:extLst>
+            </p:cNvPr>
+            <p:cNvSpPr/>
+            <p:nvPr/>
+          </p:nvSpPr>
+          <p:spPr>
+            <a:xfrm>
+              <a:off x="7793291" y="1921072"/>
+              <a:ext cx="1403928" cy="531005"/>
+            </a:xfrm>
+            <a:prstGeom prst="roundRect">
+              <a:avLst/>
+            </a:prstGeom>
+            <a:solidFill>
+              <a:schemeClr val="accent1">
+                <a:lumMod val="50000"/>
+              </a:schemeClr>
+            </a:solidFill>
+          </p:spPr>
+          <p:style>
+            <a:lnRef idx="2">
+              <a:schemeClr val="accent1">
+                <a:shade val="15000"/>
+              </a:schemeClr>
+            </a:lnRef>
+            <a:fillRef idx="1">
+              <a:schemeClr val="accent1"/>
+            </a:fillRef>
+            <a:effectRef idx="0">
+              <a:schemeClr val="accent1"/>
+            </a:effectRef>
+            <a:fontRef idx="minor">
+              <a:schemeClr val="lt1"/>
+            </a:fontRef>
+          </p:style>
+          <p:txBody>
+            <a:bodyPr rtlCol="0" anchor="ctr"/>
+            <a:lstStyle/>
+            <a:p>
+              <a:r>
+                <a:rPr kumimoji="1" lang="en-US" altLang="ja-JP" sz="2400" b="1" dirty="0">
+                  <a:ln w="28575">
+                    <a:noFill/>
+                  </a:ln>
+                  <a:solidFill>
+                    <a:schemeClr val="accent1">
+                      <a:lumMod val="20000"/>
+                      <a:lumOff val="80000"/>
+                    </a:schemeClr>
+                  </a:solidFill>
+                  <a:latin typeface="HG丸ｺﾞｼｯｸM-PRO" panose="020F0600000000000000" pitchFamily="50" charset="-128"/>
+                  <a:ea typeface="HG丸ｺﾞｼｯｸM-PRO" panose="020F0600000000000000" pitchFamily="50" charset="-128"/>
+                </a:rPr>
+                <a:t>x </a:t>
+              </a:r>
+              <a:endParaRPr kumimoji="1" lang="ja-JP" altLang="en-US" sz="2400" b="1" dirty="0">
+                <a:ln w="28575">
+                  <a:noFill/>
+                </a:ln>
+                <a:solidFill>
+                  <a:schemeClr val="accent1">
+                    <a:lumMod val="20000"/>
+                    <a:lumOff val="80000"/>
+                  </a:schemeClr>
+                </a:solidFill>
+                <a:latin typeface="HG丸ｺﾞｼｯｸM-PRO" panose="020F0600000000000000" pitchFamily="50" charset="-128"/>
+                <a:ea typeface="HG丸ｺﾞｼｯｸM-PRO" panose="020F0600000000000000" pitchFamily="50" charset="-128"/>
+              </a:endParaRPr>
+            </a:p>
+          </p:txBody>
+        </p:sp>
+        <p:grpSp>
+          <p:nvGrpSpPr>
+            <p:cNvPr id="97" name="グループ化 96">
+              <a:extLst>
+                <a:ext uri="{FF2B5EF4-FFF2-40B4-BE49-F238E27FC236}">
+                  <a16:creationId xmlns:a16="http://schemas.microsoft.com/office/drawing/2014/main" id="{48A9A8E3-73FB-6EDF-2227-9F9B166D1BE8}"/>
+                </a:ext>
+              </a:extLst>
+            </p:cNvPr>
+            <p:cNvGrpSpPr/>
+            <p:nvPr/>
+          </p:nvGrpSpPr>
+          <p:grpSpPr>
+            <a:xfrm rot="16200000">
+              <a:off x="6921254" y="227608"/>
+              <a:ext cx="3165442" cy="3161790"/>
+              <a:chOff x="6511077" y="1328271"/>
+              <a:chExt cx="3165442" cy="3161790"/>
+            </a:xfrm>
+          </p:grpSpPr>
+          <p:sp>
+            <p:nvSpPr>
+              <p:cNvPr id="98" name="フローチャート: 代替処理 97">
+                <a:extLst>
+                  <a:ext uri="{FF2B5EF4-FFF2-40B4-BE49-F238E27FC236}">
+                    <a16:creationId xmlns:a16="http://schemas.microsoft.com/office/drawing/2014/main" id="{7EFDEFF1-4412-C7A7-6C6D-1A14C04FACF0}"/>
+                  </a:ext>
+                </a:extLst>
+              </p:cNvPr>
+              <p:cNvSpPr/>
+              <p:nvPr/>
+            </p:nvSpPr>
+            <p:spPr>
+              <a:xfrm rot="10800000">
+                <a:off x="8955215" y="1331210"/>
+                <a:ext cx="720000" cy="720000"/>
+              </a:xfrm>
+              <a:prstGeom prst="flowChartAlternateProcess">
+                <a:avLst/>
+              </a:prstGeom>
+              <a:solidFill>
+                <a:schemeClr val="accent4">
+                  <a:lumMod val="60000"/>
+                  <a:lumOff val="40000"/>
+                </a:schemeClr>
+              </a:solidFill>
+              <a:ln w="38100">
+                <a:solidFill>
+                  <a:schemeClr val="bg1"/>
+                </a:solidFill>
+              </a:ln>
+              <a:scene3d>
+                <a:camera prst="orthographicFront"/>
+                <a:lightRig rig="threePt" dir="t"/>
+              </a:scene3d>
+              <a:sp3d>
+                <a:bevelT/>
+              </a:sp3d>
+            </p:spPr>
+            <p:style>
+              <a:lnRef idx="2">
+                <a:schemeClr val="accent1">
+                  <a:shade val="15000"/>
+                </a:schemeClr>
+              </a:lnRef>
+              <a:fillRef idx="1">
+                <a:schemeClr val="accent1"/>
+              </a:fillRef>
+              <a:effectRef idx="0">
+                <a:schemeClr val="accent1"/>
+              </a:effectRef>
+              <a:fontRef idx="minor">
+                <a:schemeClr val="lt1"/>
+              </a:fontRef>
+            </p:style>
+            <p:txBody>
+              <a:bodyPr rtlCol="0" anchor="b"/>
+              <a:lstStyle/>
+              <a:p>
+                <a:pPr algn="ctr"/>
+                <a:r>
+                  <a:rPr kumimoji="1" lang="en-US" altLang="ja-JP" sz="4000" b="1" dirty="0">
+                    <a:ln w="3175">
+                      <a:solidFill>
+                        <a:schemeClr val="tx1"/>
+                      </a:solidFill>
+                    </a:ln>
+                    <a:latin typeface="HG丸ｺﾞｼｯｸM-PRO" panose="020F0600000000000000" pitchFamily="50" charset="-128"/>
+                    <a:ea typeface="HG丸ｺﾞｼｯｸM-PRO" panose="020F0600000000000000" pitchFamily="50" charset="-128"/>
+                  </a:rPr>
+                  <a:t>S</a:t>
+                </a:r>
+                <a:endParaRPr kumimoji="1" lang="ja-JP" altLang="en-US" sz="4000" b="1" dirty="0">
+                  <a:ln w="3175">
+                    <a:solidFill>
+                      <a:schemeClr val="tx1"/>
+                    </a:solidFill>
+                  </a:ln>
+                  <a:latin typeface="HG丸ｺﾞｼｯｸM-PRO" panose="020F0600000000000000" pitchFamily="50" charset="-128"/>
+                  <a:ea typeface="HG丸ｺﾞｼｯｸM-PRO" panose="020F0600000000000000" pitchFamily="50" charset="-128"/>
+                </a:endParaRPr>
+              </a:p>
+            </p:txBody>
+          </p:sp>
+          <p:sp>
+            <p:nvSpPr>
+              <p:cNvPr id="99" name="フローチャート: 代替処理 98">
+                <a:extLst>
+                  <a:ext uri="{FF2B5EF4-FFF2-40B4-BE49-F238E27FC236}">
+                    <a16:creationId xmlns:a16="http://schemas.microsoft.com/office/drawing/2014/main" id="{CC28DCA0-316A-E1BE-73DB-094561FB87A9}"/>
+                  </a:ext>
+                </a:extLst>
+              </p:cNvPr>
+              <p:cNvSpPr/>
+              <p:nvPr/>
+            </p:nvSpPr>
+            <p:spPr>
+              <a:xfrm rot="5400000">
+                <a:off x="6511743" y="1328271"/>
+                <a:ext cx="720000" cy="720000"/>
+              </a:xfrm>
+              <a:prstGeom prst="flowChartAlternateProcess">
+                <a:avLst/>
+              </a:prstGeom>
+              <a:solidFill>
+                <a:schemeClr val="accent2">
+                  <a:lumMod val="60000"/>
+                  <a:lumOff val="40000"/>
+                </a:schemeClr>
+              </a:solidFill>
+              <a:ln w="38100">
+                <a:solidFill>
+                  <a:schemeClr val="bg1"/>
+                </a:solidFill>
+              </a:ln>
+              <a:scene3d>
+                <a:camera prst="orthographicFront"/>
+                <a:lightRig rig="threePt" dir="t"/>
+              </a:scene3d>
+              <a:sp3d>
+                <a:bevelT/>
+              </a:sp3d>
+            </p:spPr>
+            <p:style>
+              <a:lnRef idx="2">
+                <a:schemeClr val="accent1">
+                  <a:shade val="15000"/>
+                </a:schemeClr>
+              </a:lnRef>
+              <a:fillRef idx="1">
+                <a:schemeClr val="accent1"/>
+              </a:fillRef>
+              <a:effectRef idx="0">
+                <a:schemeClr val="accent1"/>
+              </a:effectRef>
+              <a:fontRef idx="minor">
+                <a:schemeClr val="lt1"/>
+              </a:fontRef>
+            </p:style>
+            <p:txBody>
+              <a:bodyPr rtlCol="0" anchor="b"/>
+              <a:lstStyle/>
+              <a:p>
+                <a:pPr algn="ctr"/>
+                <a:r>
+                  <a:rPr lang="en-US" altLang="ja-JP" sz="4000" b="1" dirty="0">
+                    <a:ln w="3175">
+                      <a:solidFill>
+                        <a:schemeClr val="tx1"/>
+                      </a:solidFill>
+                    </a:ln>
+                    <a:latin typeface="HG丸ｺﾞｼｯｸM-PRO" panose="020F0600000000000000" pitchFamily="50" charset="-128"/>
+                    <a:ea typeface="HG丸ｺﾞｼｯｸM-PRO" panose="020F0600000000000000" pitchFamily="50" charset="-128"/>
+                  </a:rPr>
+                  <a:t>W</a:t>
+                </a:r>
+                <a:endParaRPr kumimoji="1" lang="ja-JP" altLang="en-US" sz="4000" b="1" dirty="0">
+                  <a:ln w="3175">
+                    <a:solidFill>
+                      <a:schemeClr val="tx1"/>
+                    </a:solidFill>
+                  </a:ln>
+                  <a:latin typeface="HG丸ｺﾞｼｯｸM-PRO" panose="020F0600000000000000" pitchFamily="50" charset="-128"/>
+                  <a:ea typeface="HG丸ｺﾞｼｯｸM-PRO" panose="020F0600000000000000" pitchFamily="50" charset="-128"/>
+                </a:endParaRPr>
+              </a:p>
+            </p:txBody>
+          </p:sp>
+          <p:sp>
+            <p:nvSpPr>
+              <p:cNvPr id="100" name="フローチャート: 代替処理 99">
+                <a:extLst>
+                  <a:ext uri="{FF2B5EF4-FFF2-40B4-BE49-F238E27FC236}">
+                    <a16:creationId xmlns:a16="http://schemas.microsoft.com/office/drawing/2014/main" id="{2757CA71-F598-1365-016C-CCD64B226E64}"/>
+                  </a:ext>
+                </a:extLst>
+              </p:cNvPr>
+              <p:cNvSpPr/>
+              <p:nvPr/>
+            </p:nvSpPr>
+            <p:spPr>
+              <a:xfrm>
+                <a:off x="6511077" y="3770061"/>
+                <a:ext cx="720000" cy="720000"/>
+              </a:xfrm>
+              <a:prstGeom prst="flowChartAlternateProcess">
+                <a:avLst/>
+              </a:prstGeom>
+              <a:solidFill>
+                <a:schemeClr val="accent6">
+                  <a:lumMod val="60000"/>
+                  <a:lumOff val="40000"/>
+                </a:schemeClr>
+              </a:solidFill>
+              <a:ln w="38100">
+                <a:solidFill>
+                  <a:schemeClr val="bg1"/>
+                </a:solidFill>
+              </a:ln>
+              <a:scene3d>
+                <a:camera prst="orthographicFront"/>
+                <a:lightRig rig="threePt" dir="t"/>
+              </a:scene3d>
+              <a:sp3d>
+                <a:bevelT/>
+              </a:sp3d>
+            </p:spPr>
+            <p:style>
+              <a:lnRef idx="2">
+                <a:schemeClr val="accent1">
+                  <a:shade val="15000"/>
+                </a:schemeClr>
+              </a:lnRef>
+              <a:fillRef idx="1">
+                <a:schemeClr val="accent1"/>
+              </a:fillRef>
+              <a:effectRef idx="0">
+                <a:schemeClr val="accent1"/>
+              </a:effectRef>
+              <a:fontRef idx="minor">
+                <a:schemeClr val="lt1"/>
+              </a:fontRef>
+            </p:style>
+            <p:txBody>
+              <a:bodyPr rtlCol="0" anchor="b"/>
+              <a:lstStyle/>
+              <a:p>
+                <a:pPr algn="ctr"/>
+                <a:r>
+                  <a:rPr kumimoji="1" lang="en-US" altLang="ja-JP" sz="4000" b="1" dirty="0">
+                    <a:ln w="3175">
+                      <a:solidFill>
+                        <a:schemeClr val="tx1"/>
+                      </a:solidFill>
+                    </a:ln>
+                    <a:latin typeface="HG丸ｺﾞｼｯｸM-PRO" panose="020F0600000000000000" pitchFamily="50" charset="-128"/>
+                    <a:ea typeface="HG丸ｺﾞｼｯｸM-PRO" panose="020F0600000000000000" pitchFamily="50" charset="-128"/>
+                  </a:rPr>
+                  <a:t>N</a:t>
+                </a:r>
+                <a:endParaRPr kumimoji="1" lang="ja-JP" altLang="en-US" sz="4000" b="1" dirty="0">
+                  <a:ln w="3175">
+                    <a:solidFill>
+                      <a:schemeClr val="tx1"/>
+                    </a:solidFill>
+                  </a:ln>
+                  <a:latin typeface="HG丸ｺﾞｼｯｸM-PRO" panose="020F0600000000000000" pitchFamily="50" charset="-128"/>
+                  <a:ea typeface="HG丸ｺﾞｼｯｸM-PRO" panose="020F0600000000000000" pitchFamily="50" charset="-128"/>
+                </a:endParaRPr>
+              </a:p>
+            </p:txBody>
+          </p:sp>
+          <p:sp>
+            <p:nvSpPr>
+              <p:cNvPr id="101" name="フローチャート: 代替処理 100">
+                <a:extLst>
+                  <a:ext uri="{FF2B5EF4-FFF2-40B4-BE49-F238E27FC236}">
+                    <a16:creationId xmlns:a16="http://schemas.microsoft.com/office/drawing/2014/main" id="{D78BCCB9-890B-3FF5-165C-DD1E22EB3AB5}"/>
+                  </a:ext>
+                </a:extLst>
+              </p:cNvPr>
+              <p:cNvSpPr/>
+              <p:nvPr/>
+            </p:nvSpPr>
+            <p:spPr>
+              <a:xfrm rot="16200000">
+                <a:off x="8956519" y="3770061"/>
+                <a:ext cx="720000" cy="720000"/>
+              </a:xfrm>
+              <a:prstGeom prst="flowChartAlternateProcess">
+                <a:avLst/>
+              </a:prstGeom>
+              <a:solidFill>
+                <a:srgbClr val="FF5050"/>
+              </a:solidFill>
+              <a:ln w="38100">
+                <a:solidFill>
+                  <a:schemeClr val="bg1"/>
+                </a:solidFill>
+              </a:ln>
+              <a:scene3d>
+                <a:camera prst="orthographicFront"/>
+                <a:lightRig rig="threePt" dir="t"/>
+              </a:scene3d>
+              <a:sp3d>
+                <a:bevelT/>
+              </a:sp3d>
+            </p:spPr>
+            <p:style>
+              <a:lnRef idx="2">
+                <a:schemeClr val="accent1">
+                  <a:shade val="15000"/>
+                </a:schemeClr>
+              </a:lnRef>
+              <a:fillRef idx="1">
+                <a:schemeClr val="accent1"/>
+              </a:fillRef>
+              <a:effectRef idx="0">
+                <a:schemeClr val="accent1"/>
+              </a:effectRef>
+              <a:fontRef idx="minor">
+                <a:schemeClr val="lt1"/>
+              </a:fontRef>
+            </p:style>
+            <p:txBody>
+              <a:bodyPr rtlCol="0" anchor="b"/>
+              <a:lstStyle/>
+              <a:p>
+                <a:pPr algn="ctr"/>
+                <a:r>
+                  <a:rPr kumimoji="1" lang="en-US" altLang="ja-JP" sz="4000" b="1" dirty="0">
+                    <a:ln w="19050">
+                      <a:noFill/>
+                    </a:ln>
+                    <a:solidFill>
+                      <a:schemeClr val="tx1"/>
+                    </a:solidFill>
+                    <a:latin typeface="HG丸ｺﾞｼｯｸM-PRO" panose="020F0600000000000000" pitchFamily="50" charset="-128"/>
+                    <a:ea typeface="HG丸ｺﾞｼｯｸM-PRO" panose="020F0600000000000000" pitchFamily="50" charset="-128"/>
+                  </a:rPr>
+                  <a:t>E</a:t>
+                </a:r>
+                <a:endParaRPr kumimoji="1" lang="ja-JP" altLang="en-US" sz="4000" b="1" dirty="0">
+                  <a:ln w="19050">
+                    <a:noFill/>
+                  </a:ln>
+                  <a:solidFill>
+                    <a:schemeClr val="tx1"/>
+                  </a:solidFill>
+                  <a:latin typeface="HG丸ｺﾞｼｯｸM-PRO" panose="020F0600000000000000" pitchFamily="50" charset="-128"/>
+                  <a:ea typeface="HG丸ｺﾞｼｯｸM-PRO" panose="020F0600000000000000" pitchFamily="50" charset="-128"/>
+                </a:endParaRPr>
+              </a:p>
+            </p:txBody>
+          </p:sp>
+        </p:grpSp>
+      </p:grpSp>
+      <p:grpSp>
+        <p:nvGrpSpPr>
+          <p:cNvPr id="117" name="グループ化 116">
+            <a:extLst>
+              <a:ext uri="{FF2B5EF4-FFF2-40B4-BE49-F238E27FC236}">
+                <a16:creationId xmlns:a16="http://schemas.microsoft.com/office/drawing/2014/main" id="{0763EF41-19DC-4120-41C4-A4A015E92AED}"/>
+              </a:ext>
+            </a:extLst>
+          </p:cNvPr>
+          <p:cNvGrpSpPr/>
+          <p:nvPr/>
+        </p:nvGrpSpPr>
+        <p:grpSpPr>
+          <a:xfrm>
+            <a:off x="6921254" y="3513459"/>
+            <a:ext cx="3165442" cy="3161790"/>
+            <a:chOff x="6921254" y="3513459"/>
+            <a:chExt cx="3165442" cy="3161790"/>
+          </a:xfrm>
+        </p:grpSpPr>
+        <p:sp>
+          <p:nvSpPr>
+            <p:cNvPr id="102" name="フローチャート: 代替処理 101">
+              <a:extLst>
+                <a:ext uri="{FF2B5EF4-FFF2-40B4-BE49-F238E27FC236}">
+                  <a16:creationId xmlns:a16="http://schemas.microsoft.com/office/drawing/2014/main" id="{B94A2FCD-C10A-A6F0-BF79-0C7BF7280098}"/>
+                </a:ext>
+              </a:extLst>
+            </p:cNvPr>
+            <p:cNvSpPr/>
+            <p:nvPr/>
+          </p:nvSpPr>
+          <p:spPr>
+            <a:xfrm>
+              <a:off x="6973975" y="3558146"/>
+              <a:ext cx="3060000" cy="3060000"/>
+            </a:xfrm>
+            <a:prstGeom prst="flowChartAlternateProcess">
+              <a:avLst/>
+            </a:prstGeom>
+            <a:solidFill>
+              <a:schemeClr val="accent3">
+                <a:lumMod val="20000"/>
+                <a:lumOff val="80000"/>
+              </a:schemeClr>
+            </a:solidFill>
+            <a:ln w="9525">
+              <a:solidFill>
+                <a:schemeClr val="accent1"/>
+              </a:solidFill>
+            </a:ln>
+          </p:spPr>
+          <p:style>
+            <a:lnRef idx="2">
+              <a:schemeClr val="accent1">
+                <a:shade val="15000"/>
+              </a:schemeClr>
+            </a:lnRef>
+            <a:fillRef idx="1">
+              <a:schemeClr val="accent1"/>
+            </a:fillRef>
+            <a:effectRef idx="0">
+              <a:schemeClr val="accent1"/>
+            </a:effectRef>
+            <a:fontRef idx="minor">
+              <a:schemeClr val="lt1"/>
+            </a:fontRef>
+          </p:style>
+          <p:txBody>
+            <a:bodyPr rtlCol="0" anchor="ctr"/>
+            <a:lstStyle/>
+            <a:p>
+              <a:pPr algn="ctr"/>
+              <a:endParaRPr kumimoji="1" lang="ja-JP" altLang="en-US" b="1" dirty="0">
+                <a:latin typeface="HG丸ｺﾞｼｯｸM-PRO" panose="020F0600000000000000" pitchFamily="50" charset="-128"/>
+                <a:ea typeface="HG丸ｺﾞｼｯｸM-PRO" panose="020F0600000000000000" pitchFamily="50" charset="-128"/>
+              </a:endParaRPr>
+            </a:p>
+          </p:txBody>
+        </p:sp>
+        <p:sp>
+          <p:nvSpPr>
+            <p:cNvPr id="103" name="フローチャート: 代替処理 102">
+              <a:extLst>
+                <a:ext uri="{FF2B5EF4-FFF2-40B4-BE49-F238E27FC236}">
+                  <a16:creationId xmlns:a16="http://schemas.microsoft.com/office/drawing/2014/main" id="{055FC636-7344-06A5-63DA-2AEC66412749}"/>
+                </a:ext>
+              </a:extLst>
+            </p:cNvPr>
+            <p:cNvSpPr/>
+            <p:nvPr/>
+          </p:nvSpPr>
+          <p:spPr>
+            <a:xfrm>
+              <a:off x="7036135" y="4278145"/>
+              <a:ext cx="230684" cy="1614795"/>
+            </a:xfrm>
+            <a:prstGeom prst="flowChartAlternateProcess">
+              <a:avLst/>
+            </a:prstGeom>
+            <a:solidFill>
+              <a:schemeClr val="bg1">
+                <a:lumMod val="85000"/>
+              </a:schemeClr>
+            </a:solidFill>
+            <a:ln>
+              <a:solidFill>
+                <a:schemeClr val="bg1">
+                  <a:lumMod val="65000"/>
+                </a:schemeClr>
+              </a:solidFill>
+            </a:ln>
+            <a:effectLst>
+              <a:innerShdw blurRad="63500" dist="50800">
+                <a:prstClr val="black">
+                  <a:alpha val="50000"/>
+                </a:prstClr>
+              </a:innerShdw>
+            </a:effectLst>
+            <a:scene3d>
+              <a:camera prst="orthographicFront"/>
+              <a:lightRig rig="threePt" dir="t"/>
+            </a:scene3d>
+            <a:sp3d>
+              <a:bevelT prst="relaxedInset"/>
+            </a:sp3d>
+          </p:spPr>
+          <p:style>
+            <a:lnRef idx="2">
+              <a:schemeClr val="accent1">
+                <a:shade val="15000"/>
+              </a:schemeClr>
+            </a:lnRef>
+            <a:fillRef idx="1">
+              <a:schemeClr val="accent1"/>
+            </a:fillRef>
+            <a:effectRef idx="0">
+              <a:schemeClr val="accent1"/>
+            </a:effectRef>
+            <a:fontRef idx="minor">
+              <a:schemeClr val="lt1"/>
+            </a:fontRef>
+          </p:style>
+          <p:txBody>
+            <a:bodyPr rtlCol="0" anchor="ctr"/>
+            <a:lstStyle/>
+            <a:p>
+              <a:pPr algn="ctr"/>
+              <a:endParaRPr kumimoji="1" lang="ja-JP" altLang="en-US" b="1">
+                <a:latin typeface="HG丸ｺﾞｼｯｸM-PRO" panose="020F0600000000000000" pitchFamily="50" charset="-128"/>
+                <a:ea typeface="HG丸ｺﾞｼｯｸM-PRO" panose="020F0600000000000000" pitchFamily="50" charset="-128"/>
+              </a:endParaRPr>
+            </a:p>
+          </p:txBody>
+        </p:sp>
+        <p:sp>
+          <p:nvSpPr>
+            <p:cNvPr id="104" name="フローチャート: 代替処理 103">
+              <a:extLst>
+                <a:ext uri="{FF2B5EF4-FFF2-40B4-BE49-F238E27FC236}">
+                  <a16:creationId xmlns:a16="http://schemas.microsoft.com/office/drawing/2014/main" id="{1F80F5A7-84A9-4A62-E798-85F150216D6C}"/>
+                </a:ext>
+              </a:extLst>
+            </p:cNvPr>
+            <p:cNvSpPr/>
+            <p:nvPr/>
+          </p:nvSpPr>
+          <p:spPr>
+            <a:xfrm>
+              <a:off x="9746984" y="4278145"/>
+              <a:ext cx="230684" cy="1614795"/>
+            </a:xfrm>
+            <a:prstGeom prst="flowChartAlternateProcess">
+              <a:avLst/>
+            </a:prstGeom>
+            <a:solidFill>
+              <a:schemeClr val="bg1">
+                <a:lumMod val="85000"/>
+              </a:schemeClr>
+            </a:solidFill>
+            <a:ln>
+              <a:solidFill>
+                <a:schemeClr val="bg1">
+                  <a:lumMod val="65000"/>
+                </a:schemeClr>
+              </a:solidFill>
+            </a:ln>
+            <a:effectLst>
+              <a:innerShdw blurRad="63500" dist="50800" dir="10800000">
+                <a:prstClr val="black">
+                  <a:alpha val="50000"/>
+                </a:prstClr>
+              </a:innerShdw>
+            </a:effectLst>
+            <a:scene3d>
+              <a:camera prst="orthographicFront"/>
+              <a:lightRig rig="threePt" dir="t"/>
+            </a:scene3d>
+            <a:sp3d>
+              <a:bevelT prst="relaxedInset"/>
+            </a:sp3d>
+          </p:spPr>
+          <p:style>
+            <a:lnRef idx="2">
+              <a:schemeClr val="accent1">
+                <a:shade val="15000"/>
+              </a:schemeClr>
+            </a:lnRef>
+            <a:fillRef idx="1">
+              <a:schemeClr val="accent1"/>
+            </a:fillRef>
+            <a:effectRef idx="0">
+              <a:schemeClr val="accent1"/>
+            </a:effectRef>
+            <a:fontRef idx="minor">
+              <a:schemeClr val="lt1"/>
+            </a:fontRef>
+          </p:style>
+          <p:txBody>
+            <a:bodyPr rtlCol="0" anchor="ctr"/>
+            <a:lstStyle/>
+            <a:p>
+              <a:pPr algn="ctr"/>
+              <a:endParaRPr kumimoji="1" lang="ja-JP" altLang="en-US" b="1">
+                <a:latin typeface="HG丸ｺﾞｼｯｸM-PRO" panose="020F0600000000000000" pitchFamily="50" charset="-128"/>
+                <a:ea typeface="HG丸ｺﾞｼｯｸM-PRO" panose="020F0600000000000000" pitchFamily="50" charset="-128"/>
+              </a:endParaRPr>
+            </a:p>
+          </p:txBody>
+        </p:sp>
+        <p:sp>
+          <p:nvSpPr>
+            <p:cNvPr id="105" name="フローチャート: 代替処理 104">
+              <a:extLst>
+                <a:ext uri="{FF2B5EF4-FFF2-40B4-BE49-F238E27FC236}">
+                  <a16:creationId xmlns:a16="http://schemas.microsoft.com/office/drawing/2014/main" id="{7F6171B0-6B4C-AE89-3B5A-7DB8F72EDBFC}"/>
+                </a:ext>
+              </a:extLst>
+            </p:cNvPr>
+            <p:cNvSpPr/>
+            <p:nvPr/>
+          </p:nvSpPr>
+          <p:spPr>
+            <a:xfrm rot="16200000">
+              <a:off x="8383092" y="5625725"/>
+              <a:ext cx="230684" cy="1614795"/>
+            </a:xfrm>
+            <a:prstGeom prst="flowChartAlternateProcess">
+              <a:avLst/>
+            </a:prstGeom>
+            <a:solidFill>
+              <a:schemeClr val="bg1">
+                <a:lumMod val="85000"/>
+              </a:schemeClr>
+            </a:solidFill>
+            <a:ln>
+              <a:solidFill>
+                <a:schemeClr val="bg1">
+                  <a:lumMod val="65000"/>
+                </a:schemeClr>
+              </a:solidFill>
+            </a:ln>
+            <a:effectLst>
+              <a:innerShdw blurRad="63500" dist="50800">
+                <a:prstClr val="black">
+                  <a:alpha val="50000"/>
+                </a:prstClr>
+              </a:innerShdw>
+            </a:effectLst>
+            <a:scene3d>
+              <a:camera prst="orthographicFront"/>
+              <a:lightRig rig="threePt" dir="t"/>
+            </a:scene3d>
+            <a:sp3d>
+              <a:bevelT prst="relaxedInset"/>
+            </a:sp3d>
+          </p:spPr>
+          <p:style>
+            <a:lnRef idx="2">
+              <a:schemeClr val="accent1">
+                <a:shade val="15000"/>
+              </a:schemeClr>
+            </a:lnRef>
+            <a:fillRef idx="1">
+              <a:schemeClr val="accent1"/>
+            </a:fillRef>
+            <a:effectRef idx="0">
+              <a:schemeClr val="accent1"/>
+            </a:effectRef>
+            <a:fontRef idx="minor">
+              <a:schemeClr val="lt1"/>
+            </a:fontRef>
+          </p:style>
+          <p:txBody>
+            <a:bodyPr rtlCol="0" anchor="ctr"/>
+            <a:lstStyle/>
+            <a:p>
+              <a:pPr algn="ctr"/>
+              <a:endParaRPr kumimoji="1" lang="ja-JP" altLang="en-US" b="1">
+                <a:latin typeface="HG丸ｺﾞｼｯｸM-PRO" panose="020F0600000000000000" pitchFamily="50" charset="-128"/>
+                <a:ea typeface="HG丸ｺﾞｼｯｸM-PRO" panose="020F0600000000000000" pitchFamily="50" charset="-128"/>
+              </a:endParaRPr>
+            </a:p>
+          </p:txBody>
+        </p:sp>
+        <p:sp>
+          <p:nvSpPr>
+            <p:cNvPr id="106" name="フローチャート: 代替処理 105">
+              <a:extLst>
+                <a:ext uri="{FF2B5EF4-FFF2-40B4-BE49-F238E27FC236}">
+                  <a16:creationId xmlns:a16="http://schemas.microsoft.com/office/drawing/2014/main" id="{BF8FE6B9-2B60-AD51-901A-0D8A9BDA4F24}"/>
+                </a:ext>
+              </a:extLst>
+            </p:cNvPr>
+            <p:cNvSpPr/>
+            <p:nvPr/>
+          </p:nvSpPr>
+          <p:spPr>
+            <a:xfrm rot="16200000">
+              <a:off x="8383093" y="2928987"/>
+              <a:ext cx="230684" cy="1614795"/>
+            </a:xfrm>
+            <a:prstGeom prst="flowChartAlternateProcess">
+              <a:avLst/>
+            </a:prstGeom>
+            <a:solidFill>
+              <a:schemeClr val="bg1">
+                <a:lumMod val="85000"/>
+              </a:schemeClr>
+            </a:solidFill>
+            <a:ln>
+              <a:solidFill>
+                <a:schemeClr val="bg1">
+                  <a:lumMod val="65000"/>
+                </a:schemeClr>
+              </a:solidFill>
+            </a:ln>
+            <a:effectLst>
+              <a:innerShdw blurRad="63500" dist="50800" dir="10800000">
+                <a:prstClr val="black">
+                  <a:alpha val="50000"/>
+                </a:prstClr>
+              </a:innerShdw>
+            </a:effectLst>
+            <a:scene3d>
+              <a:camera prst="orthographicFront"/>
+              <a:lightRig rig="threePt" dir="t"/>
+            </a:scene3d>
+            <a:sp3d>
+              <a:bevelT prst="relaxedInset"/>
+            </a:sp3d>
+          </p:spPr>
+          <p:style>
+            <a:lnRef idx="2">
+              <a:schemeClr val="accent1">
+                <a:shade val="15000"/>
+              </a:schemeClr>
+            </a:lnRef>
+            <a:fillRef idx="1">
+              <a:schemeClr val="accent1"/>
+            </a:fillRef>
+            <a:effectRef idx="0">
+              <a:schemeClr val="accent1"/>
+            </a:effectRef>
+            <a:fontRef idx="minor">
+              <a:schemeClr val="lt1"/>
+            </a:fontRef>
+          </p:style>
+          <p:txBody>
+            <a:bodyPr rtlCol="0" anchor="ctr"/>
+            <a:lstStyle/>
+            <a:p>
+              <a:pPr algn="ctr"/>
+              <a:endParaRPr kumimoji="1" lang="ja-JP" altLang="en-US" b="1">
+                <a:latin typeface="HG丸ｺﾞｼｯｸM-PRO" panose="020F0600000000000000" pitchFamily="50" charset="-128"/>
+                <a:ea typeface="HG丸ｺﾞｼｯｸM-PRO" panose="020F0600000000000000" pitchFamily="50" charset="-128"/>
+              </a:endParaRPr>
+            </a:p>
+          </p:txBody>
+        </p:sp>
+        <p:sp>
+          <p:nvSpPr>
+            <p:cNvPr id="107" name="正方形/長方形 106">
+              <a:extLst>
+                <a:ext uri="{FF2B5EF4-FFF2-40B4-BE49-F238E27FC236}">
+                  <a16:creationId xmlns:a16="http://schemas.microsoft.com/office/drawing/2014/main" id="{C85C4B9A-9658-4991-F907-3AC521712D7B}"/>
+                </a:ext>
+              </a:extLst>
+            </p:cNvPr>
+            <p:cNvSpPr/>
+            <p:nvPr/>
+          </p:nvSpPr>
+          <p:spPr>
+            <a:xfrm>
+              <a:off x="7316280" y="3899675"/>
+              <a:ext cx="2394971" cy="2364262"/>
+            </a:xfrm>
+            <a:prstGeom prst="rect">
+              <a:avLst/>
+            </a:prstGeom>
+            <a:solidFill>
+              <a:schemeClr val="accent1">
+                <a:lumMod val="50000"/>
+              </a:schemeClr>
+            </a:solidFill>
+          </p:spPr>
+          <p:style>
+            <a:lnRef idx="2">
+              <a:schemeClr val="accent1">
+                <a:shade val="15000"/>
+              </a:schemeClr>
+            </a:lnRef>
+            <a:fillRef idx="1">
+              <a:schemeClr val="accent1"/>
+            </a:fillRef>
+            <a:effectRef idx="0">
+              <a:schemeClr val="accent1"/>
+            </a:effectRef>
+            <a:fontRef idx="minor">
+              <a:schemeClr val="lt1"/>
+            </a:fontRef>
+          </p:style>
+          <p:txBody>
+            <a:bodyPr rtlCol="0" anchor="ctr"/>
+            <a:lstStyle/>
+            <a:p>
+              <a:pPr algn="ctr"/>
+              <a:endParaRPr kumimoji="1" lang="ja-JP" altLang="en-US" b="1">
+                <a:latin typeface="HG丸ｺﾞｼｯｸM-PRO" panose="020F0600000000000000" pitchFamily="50" charset="-128"/>
+                <a:ea typeface="HG丸ｺﾞｼｯｸM-PRO" panose="020F0600000000000000" pitchFamily="50" charset="-128"/>
+              </a:endParaRPr>
+            </a:p>
+          </p:txBody>
+        </p:sp>
+        <p:sp>
+          <p:nvSpPr>
+            <p:cNvPr id="108" name="正方形/長方形 107">
+              <a:extLst>
+                <a:ext uri="{FF2B5EF4-FFF2-40B4-BE49-F238E27FC236}">
+                  <a16:creationId xmlns:a16="http://schemas.microsoft.com/office/drawing/2014/main" id="{DFBC0C2D-E538-5A5D-2E06-CA5BC9D1B459}"/>
+                </a:ext>
+              </a:extLst>
+            </p:cNvPr>
+            <p:cNvSpPr/>
+            <p:nvPr/>
+          </p:nvSpPr>
+          <p:spPr>
+            <a:xfrm>
+              <a:off x="7708883" y="4302379"/>
+              <a:ext cx="1579101" cy="1558853"/>
+            </a:xfrm>
+            <a:prstGeom prst="rect">
+              <a:avLst/>
+            </a:prstGeom>
+            <a:solidFill>
+              <a:schemeClr val="accent6">
+                <a:lumMod val="20000"/>
+                <a:lumOff val="80000"/>
+              </a:schemeClr>
+            </a:solidFill>
+            <a:scene3d>
+              <a:camera prst="orthographicFront"/>
+              <a:lightRig rig="threePt" dir="t"/>
+            </a:scene3d>
+            <a:sp3d>
+              <a:bevelT prst="angle"/>
+            </a:sp3d>
+          </p:spPr>
+          <p:style>
+            <a:lnRef idx="2">
+              <a:schemeClr val="accent1">
+                <a:shade val="15000"/>
+              </a:schemeClr>
+            </a:lnRef>
+            <a:fillRef idx="1">
+              <a:schemeClr val="accent1"/>
+            </a:fillRef>
+            <a:effectRef idx="0">
+              <a:schemeClr val="accent1"/>
+            </a:effectRef>
+            <a:fontRef idx="minor">
+              <a:schemeClr val="lt1"/>
+            </a:fontRef>
+          </p:style>
+          <p:txBody>
+            <a:bodyPr rtlCol="0" anchor="ctr"/>
+            <a:lstStyle/>
+            <a:p>
+              <a:pPr algn="ctr"/>
+              <a:endParaRPr kumimoji="1" lang="ja-JP" altLang="en-US" b="1">
+                <a:latin typeface="HG丸ｺﾞｼｯｸM-PRO" panose="020F0600000000000000" pitchFamily="50" charset="-128"/>
+                <a:ea typeface="HG丸ｺﾞｼｯｸM-PRO" panose="020F0600000000000000" pitchFamily="50" charset="-128"/>
+              </a:endParaRPr>
+            </a:p>
+          </p:txBody>
+        </p:sp>
+        <p:sp>
+          <p:nvSpPr>
+            <p:cNvPr id="109" name="四角形: 角を丸くする 108">
+              <a:extLst>
+                <a:ext uri="{FF2B5EF4-FFF2-40B4-BE49-F238E27FC236}">
+                  <a16:creationId xmlns:a16="http://schemas.microsoft.com/office/drawing/2014/main" id="{58FE5637-BFE3-2A07-9765-A15C21091D0D}"/>
+                </a:ext>
+              </a:extLst>
+            </p:cNvPr>
+            <p:cNvSpPr/>
+            <p:nvPr/>
+          </p:nvSpPr>
+          <p:spPr>
+            <a:xfrm>
+              <a:off x="7793291" y="5206923"/>
+              <a:ext cx="1403928" cy="531005"/>
+            </a:xfrm>
+            <a:prstGeom prst="roundRect">
+              <a:avLst/>
+            </a:prstGeom>
+            <a:solidFill>
+              <a:schemeClr val="accent1">
+                <a:lumMod val="50000"/>
+              </a:schemeClr>
+            </a:solidFill>
+          </p:spPr>
+          <p:style>
+            <a:lnRef idx="2">
+              <a:schemeClr val="accent1">
+                <a:shade val="15000"/>
+              </a:schemeClr>
+            </a:lnRef>
+            <a:fillRef idx="1">
+              <a:schemeClr val="accent1"/>
+            </a:fillRef>
+            <a:effectRef idx="0">
+              <a:schemeClr val="accent1"/>
+            </a:effectRef>
+            <a:fontRef idx="minor">
+              <a:schemeClr val="lt1"/>
+            </a:fontRef>
+          </p:style>
+          <p:txBody>
+            <a:bodyPr rtlCol="0" anchor="ctr"/>
+            <a:lstStyle/>
+            <a:p>
+              <a:r>
+                <a:rPr kumimoji="1" lang="en-US" altLang="ja-JP" sz="2400" b="1" dirty="0">
+                  <a:ln w="28575">
+                    <a:noFill/>
+                  </a:ln>
+                  <a:solidFill>
+                    <a:schemeClr val="accent1">
+                      <a:lumMod val="20000"/>
+                      <a:lumOff val="80000"/>
+                    </a:schemeClr>
+                  </a:solidFill>
+                  <a:latin typeface="HG丸ｺﾞｼｯｸM-PRO" panose="020F0600000000000000" pitchFamily="50" charset="-128"/>
+                  <a:ea typeface="HG丸ｺﾞｼｯｸM-PRO" panose="020F0600000000000000" pitchFamily="50" charset="-128"/>
+                </a:rPr>
+                <a:t>x </a:t>
+              </a:r>
+              <a:endParaRPr kumimoji="1" lang="ja-JP" altLang="en-US" sz="2400" b="1" dirty="0">
+                <a:ln w="28575">
+                  <a:noFill/>
+                </a:ln>
+                <a:solidFill>
+                  <a:schemeClr val="accent1">
+                    <a:lumMod val="20000"/>
+                    <a:lumOff val="80000"/>
+                  </a:schemeClr>
+                </a:solidFill>
+                <a:latin typeface="HG丸ｺﾞｼｯｸM-PRO" panose="020F0600000000000000" pitchFamily="50" charset="-128"/>
+                <a:ea typeface="HG丸ｺﾞｼｯｸM-PRO" panose="020F0600000000000000" pitchFamily="50" charset="-128"/>
+              </a:endParaRPr>
+            </a:p>
+          </p:txBody>
+        </p:sp>
+        <p:grpSp>
+          <p:nvGrpSpPr>
+            <p:cNvPr id="110" name="グループ化 109">
+              <a:extLst>
+                <a:ext uri="{FF2B5EF4-FFF2-40B4-BE49-F238E27FC236}">
+                  <a16:creationId xmlns:a16="http://schemas.microsoft.com/office/drawing/2014/main" id="{434A52E8-4E06-74FB-CBC7-09DB84F67AAF}"/>
+                </a:ext>
+              </a:extLst>
+            </p:cNvPr>
+            <p:cNvGrpSpPr/>
+            <p:nvPr/>
+          </p:nvGrpSpPr>
+          <p:grpSpPr>
+            <a:xfrm>
+              <a:off x="6921254" y="3513459"/>
+              <a:ext cx="3165442" cy="3161790"/>
+              <a:chOff x="6511077" y="1328271"/>
+              <a:chExt cx="3165442" cy="3161790"/>
+            </a:xfrm>
+          </p:grpSpPr>
+          <p:sp>
+            <p:nvSpPr>
+              <p:cNvPr id="111" name="フローチャート: 代替処理 110">
+                <a:extLst>
+                  <a:ext uri="{FF2B5EF4-FFF2-40B4-BE49-F238E27FC236}">
+                    <a16:creationId xmlns:a16="http://schemas.microsoft.com/office/drawing/2014/main" id="{1BFA79A0-A96D-2863-7154-71CA28E633B3}"/>
+                  </a:ext>
+                </a:extLst>
+              </p:cNvPr>
+              <p:cNvSpPr/>
+              <p:nvPr/>
+            </p:nvSpPr>
+            <p:spPr>
+              <a:xfrm rot="10800000">
+                <a:off x="8955215" y="1331210"/>
+                <a:ext cx="720000" cy="720000"/>
+              </a:xfrm>
+              <a:prstGeom prst="flowChartAlternateProcess">
+                <a:avLst/>
+              </a:prstGeom>
+              <a:solidFill>
+                <a:schemeClr val="accent4">
+                  <a:lumMod val="60000"/>
+                  <a:lumOff val="40000"/>
+                </a:schemeClr>
+              </a:solidFill>
+              <a:ln w="38100">
+                <a:solidFill>
+                  <a:schemeClr val="bg1"/>
+                </a:solidFill>
+              </a:ln>
+              <a:scene3d>
+                <a:camera prst="orthographicFront"/>
+                <a:lightRig rig="threePt" dir="t"/>
+              </a:scene3d>
+              <a:sp3d>
+                <a:bevelT/>
+              </a:sp3d>
+            </p:spPr>
+            <p:style>
+              <a:lnRef idx="2">
+                <a:schemeClr val="accent1">
+                  <a:shade val="15000"/>
+                </a:schemeClr>
+              </a:lnRef>
+              <a:fillRef idx="1">
+                <a:schemeClr val="accent1"/>
+              </a:fillRef>
+              <a:effectRef idx="0">
+                <a:schemeClr val="accent1"/>
+              </a:effectRef>
+              <a:fontRef idx="minor">
+                <a:schemeClr val="lt1"/>
+              </a:fontRef>
+            </p:style>
+            <p:txBody>
+              <a:bodyPr rtlCol="0" anchor="b"/>
+              <a:lstStyle/>
+              <a:p>
+                <a:pPr algn="ctr"/>
+                <a:r>
+                  <a:rPr kumimoji="1" lang="en-US" altLang="ja-JP" sz="4000" b="1" dirty="0">
+                    <a:ln w="3175">
+                      <a:solidFill>
+                        <a:schemeClr val="tx1"/>
+                      </a:solidFill>
+                    </a:ln>
+                    <a:latin typeface="HG丸ｺﾞｼｯｸM-PRO" panose="020F0600000000000000" pitchFamily="50" charset="-128"/>
+                    <a:ea typeface="HG丸ｺﾞｼｯｸM-PRO" panose="020F0600000000000000" pitchFamily="50" charset="-128"/>
+                  </a:rPr>
+                  <a:t>S</a:t>
+                </a:r>
+                <a:endParaRPr kumimoji="1" lang="ja-JP" altLang="en-US" sz="4000" b="1" dirty="0">
+                  <a:ln w="3175">
+                    <a:solidFill>
+                      <a:schemeClr val="tx1"/>
+                    </a:solidFill>
+                  </a:ln>
+                  <a:latin typeface="HG丸ｺﾞｼｯｸM-PRO" panose="020F0600000000000000" pitchFamily="50" charset="-128"/>
+                  <a:ea typeface="HG丸ｺﾞｼｯｸM-PRO" panose="020F0600000000000000" pitchFamily="50" charset="-128"/>
+                </a:endParaRPr>
+              </a:p>
+            </p:txBody>
+          </p:sp>
+          <p:sp>
+            <p:nvSpPr>
+              <p:cNvPr id="112" name="フローチャート: 代替処理 111">
+                <a:extLst>
+                  <a:ext uri="{FF2B5EF4-FFF2-40B4-BE49-F238E27FC236}">
+                    <a16:creationId xmlns:a16="http://schemas.microsoft.com/office/drawing/2014/main" id="{C9B4BBAF-E5E3-0305-AEB1-840545EF1B4D}"/>
+                  </a:ext>
+                </a:extLst>
+              </p:cNvPr>
+              <p:cNvSpPr/>
+              <p:nvPr/>
+            </p:nvSpPr>
+            <p:spPr>
+              <a:xfrm rot="5400000">
+                <a:off x="6511743" y="1328271"/>
+                <a:ext cx="720000" cy="720000"/>
+              </a:xfrm>
+              <a:prstGeom prst="flowChartAlternateProcess">
+                <a:avLst/>
+              </a:prstGeom>
+              <a:solidFill>
+                <a:schemeClr val="accent2">
+                  <a:lumMod val="60000"/>
+                  <a:lumOff val="40000"/>
+                </a:schemeClr>
+              </a:solidFill>
+              <a:ln w="38100">
+                <a:solidFill>
+                  <a:schemeClr val="bg1"/>
+                </a:solidFill>
+              </a:ln>
+              <a:scene3d>
+                <a:camera prst="orthographicFront"/>
+                <a:lightRig rig="threePt" dir="t"/>
+              </a:scene3d>
+              <a:sp3d>
+                <a:bevelT/>
+              </a:sp3d>
+            </p:spPr>
+            <p:style>
+              <a:lnRef idx="2">
+                <a:schemeClr val="accent1">
+                  <a:shade val="15000"/>
+                </a:schemeClr>
+              </a:lnRef>
+              <a:fillRef idx="1">
+                <a:schemeClr val="accent1"/>
+              </a:fillRef>
+              <a:effectRef idx="0">
+                <a:schemeClr val="accent1"/>
+              </a:effectRef>
+              <a:fontRef idx="minor">
+                <a:schemeClr val="lt1"/>
+              </a:fontRef>
+            </p:style>
+            <p:txBody>
+              <a:bodyPr rtlCol="0" anchor="b"/>
+              <a:lstStyle/>
+              <a:p>
+                <a:pPr algn="ctr"/>
+                <a:r>
+                  <a:rPr lang="en-US" altLang="ja-JP" sz="4000" b="1" dirty="0">
+                    <a:ln w="3175">
+                      <a:solidFill>
+                        <a:schemeClr val="tx1"/>
+                      </a:solidFill>
+                    </a:ln>
+                    <a:latin typeface="HG丸ｺﾞｼｯｸM-PRO" panose="020F0600000000000000" pitchFamily="50" charset="-128"/>
+                    <a:ea typeface="HG丸ｺﾞｼｯｸM-PRO" panose="020F0600000000000000" pitchFamily="50" charset="-128"/>
+                  </a:rPr>
+                  <a:t>W</a:t>
+                </a:r>
+                <a:endParaRPr kumimoji="1" lang="ja-JP" altLang="en-US" sz="4000" b="1" dirty="0">
+                  <a:ln w="3175">
+                    <a:solidFill>
+                      <a:schemeClr val="tx1"/>
+                    </a:solidFill>
+                  </a:ln>
+                  <a:latin typeface="HG丸ｺﾞｼｯｸM-PRO" panose="020F0600000000000000" pitchFamily="50" charset="-128"/>
+                  <a:ea typeface="HG丸ｺﾞｼｯｸM-PRO" panose="020F0600000000000000" pitchFamily="50" charset="-128"/>
+                </a:endParaRPr>
+              </a:p>
+            </p:txBody>
+          </p:sp>
+          <p:sp>
+            <p:nvSpPr>
+              <p:cNvPr id="113" name="フローチャート: 代替処理 112">
+                <a:extLst>
+                  <a:ext uri="{FF2B5EF4-FFF2-40B4-BE49-F238E27FC236}">
+                    <a16:creationId xmlns:a16="http://schemas.microsoft.com/office/drawing/2014/main" id="{4E931736-905F-B554-E5E8-E8AF6A372D90}"/>
+                  </a:ext>
+                </a:extLst>
+              </p:cNvPr>
+              <p:cNvSpPr/>
+              <p:nvPr/>
+            </p:nvSpPr>
+            <p:spPr>
+              <a:xfrm>
+                <a:off x="6511077" y="3770061"/>
+                <a:ext cx="720000" cy="720000"/>
+              </a:xfrm>
+              <a:prstGeom prst="flowChartAlternateProcess">
+                <a:avLst/>
+              </a:prstGeom>
+              <a:solidFill>
+                <a:schemeClr val="accent6">
+                  <a:lumMod val="60000"/>
+                  <a:lumOff val="40000"/>
+                </a:schemeClr>
+              </a:solidFill>
+              <a:ln w="38100">
+                <a:solidFill>
+                  <a:schemeClr val="bg1"/>
+                </a:solidFill>
+              </a:ln>
+              <a:scene3d>
+                <a:camera prst="orthographicFront"/>
+                <a:lightRig rig="threePt" dir="t"/>
+              </a:scene3d>
+              <a:sp3d>
+                <a:bevelT/>
+              </a:sp3d>
+            </p:spPr>
+            <p:style>
+              <a:lnRef idx="2">
+                <a:schemeClr val="accent1">
+                  <a:shade val="15000"/>
+                </a:schemeClr>
+              </a:lnRef>
+              <a:fillRef idx="1">
+                <a:schemeClr val="accent1"/>
+              </a:fillRef>
+              <a:effectRef idx="0">
+                <a:schemeClr val="accent1"/>
+              </a:effectRef>
+              <a:fontRef idx="minor">
+                <a:schemeClr val="lt1"/>
+              </a:fontRef>
+            </p:style>
+            <p:txBody>
+              <a:bodyPr rtlCol="0" anchor="b"/>
+              <a:lstStyle/>
+              <a:p>
+                <a:pPr algn="ctr"/>
+                <a:r>
+                  <a:rPr lang="en-US" altLang="ja-JP" sz="4000" b="1" dirty="0">
+                    <a:ln w="3175">
+                      <a:solidFill>
+                        <a:schemeClr val="tx1"/>
+                      </a:solidFill>
+                    </a:ln>
+                    <a:latin typeface="HG丸ｺﾞｼｯｸM-PRO" panose="020F0600000000000000" pitchFamily="50" charset="-128"/>
+                    <a:ea typeface="HG丸ｺﾞｼｯｸM-PRO" panose="020F0600000000000000" pitchFamily="50" charset="-128"/>
+                  </a:rPr>
+                  <a:t>N</a:t>
+                </a:r>
+                <a:endParaRPr kumimoji="1" lang="ja-JP" altLang="en-US" sz="4000" b="1" dirty="0">
+                  <a:ln w="3175">
+                    <a:solidFill>
+                      <a:schemeClr val="tx1"/>
+                    </a:solidFill>
+                  </a:ln>
+                  <a:latin typeface="HG丸ｺﾞｼｯｸM-PRO" panose="020F0600000000000000" pitchFamily="50" charset="-128"/>
+                  <a:ea typeface="HG丸ｺﾞｼｯｸM-PRO" panose="020F0600000000000000" pitchFamily="50" charset="-128"/>
+                </a:endParaRPr>
+              </a:p>
+            </p:txBody>
+          </p:sp>
+          <p:sp>
+            <p:nvSpPr>
+              <p:cNvPr id="114" name="フローチャート: 代替処理 113">
+                <a:extLst>
+                  <a:ext uri="{FF2B5EF4-FFF2-40B4-BE49-F238E27FC236}">
+                    <a16:creationId xmlns:a16="http://schemas.microsoft.com/office/drawing/2014/main" id="{CF0FBD21-8096-1CD7-BF68-7DD7AF23E57D}"/>
+                  </a:ext>
+                </a:extLst>
+              </p:cNvPr>
+              <p:cNvSpPr/>
+              <p:nvPr/>
+            </p:nvSpPr>
+            <p:spPr>
+              <a:xfrm rot="16200000">
+                <a:off x="8956519" y="3770061"/>
+                <a:ext cx="720000" cy="720000"/>
+              </a:xfrm>
+              <a:prstGeom prst="flowChartAlternateProcess">
+                <a:avLst/>
+              </a:prstGeom>
+              <a:solidFill>
+                <a:srgbClr val="FF5050"/>
+              </a:solidFill>
+              <a:ln w="38100">
+                <a:solidFill>
+                  <a:schemeClr val="bg1"/>
+                </a:solidFill>
+              </a:ln>
+              <a:scene3d>
+                <a:camera prst="orthographicFront"/>
+                <a:lightRig rig="threePt" dir="t"/>
+              </a:scene3d>
+              <a:sp3d>
+                <a:bevelT/>
+              </a:sp3d>
+            </p:spPr>
+            <p:style>
+              <a:lnRef idx="2">
+                <a:schemeClr val="accent1">
+                  <a:shade val="15000"/>
+                </a:schemeClr>
+              </a:lnRef>
+              <a:fillRef idx="1">
+                <a:schemeClr val="accent1"/>
+              </a:fillRef>
+              <a:effectRef idx="0">
+                <a:schemeClr val="accent1"/>
+              </a:effectRef>
+              <a:fontRef idx="minor">
+                <a:schemeClr val="lt1"/>
+              </a:fontRef>
+            </p:style>
+            <p:txBody>
+              <a:bodyPr rtlCol="0" anchor="b"/>
+              <a:lstStyle/>
+              <a:p>
+                <a:pPr algn="ctr"/>
+                <a:r>
+                  <a:rPr lang="en-US" altLang="ja-JP" sz="4000" b="1" dirty="0">
+                    <a:ln w="19050">
+                      <a:noFill/>
+                    </a:ln>
+                    <a:solidFill>
+                      <a:schemeClr val="tx1"/>
+                    </a:solidFill>
+                    <a:latin typeface="HG丸ｺﾞｼｯｸM-PRO" panose="020F0600000000000000" pitchFamily="50" charset="-128"/>
+                    <a:ea typeface="HG丸ｺﾞｼｯｸM-PRO" panose="020F0600000000000000" pitchFamily="50" charset="-128"/>
+                  </a:rPr>
+                  <a:t>E</a:t>
+                </a:r>
+                <a:endParaRPr kumimoji="1" lang="ja-JP" altLang="en-US" sz="4000" b="1" dirty="0">
+                  <a:ln w="19050">
+                    <a:noFill/>
+                  </a:ln>
+                  <a:solidFill>
+                    <a:schemeClr val="tx1"/>
+                  </a:solidFill>
+                  <a:latin typeface="HG丸ｺﾞｼｯｸM-PRO" panose="020F0600000000000000" pitchFamily="50" charset="-128"/>
+                  <a:ea typeface="HG丸ｺﾞｼｯｸM-PRO" panose="020F0600000000000000" pitchFamily="50" charset="-128"/>
+                </a:endParaRPr>
+              </a:p>
+            </p:txBody>
+          </p:sp>
+        </p:grpSp>
+      </p:grpSp>
+      <p:sp>
+        <p:nvSpPr>
+          <p:cNvPr id="2" name="四角形: 角を丸くする 1">
+            <a:extLst>
+              <a:ext uri="{FF2B5EF4-FFF2-40B4-BE49-F238E27FC236}">
+                <a16:creationId xmlns:a16="http://schemas.microsoft.com/office/drawing/2014/main" id="{B9A5764E-A8F0-9F86-3208-A51AD8D84F42}"/>
+              </a:ext>
+            </a:extLst>
+          </p:cNvPr>
+          <p:cNvSpPr/>
+          <p:nvPr/>
+        </p:nvSpPr>
         <p:spPr>
           <a:xfrm>
-            <a:off x="472630" y="5733288"/>
-            <a:ext cx="1920493" cy="1297911"/>
+            <a:off x="831400" y="4078777"/>
+            <a:ext cx="2884355" cy="1026533"/>
           </a:xfrm>
-          <a:prstGeom prst="rect">
+          <a:prstGeom prst="roundRect">
             <a:avLst/>
           </a:prstGeom>
+          <a:solidFill>
+            <a:srgbClr val="F8EBC8"/>
+          </a:solidFill>
+          <a:ln>
+            <a:noFill/>
+          </a:ln>
         </p:spPr>
-      </p:pic>
+        <p:style>
+          <a:lnRef idx="2">
+            <a:schemeClr val="accent1">
+              <a:shade val="15000"/>
+            </a:schemeClr>
+          </a:lnRef>
+          <a:fillRef idx="1">
+            <a:schemeClr val="accent1"/>
+          </a:fillRef>
+          <a:effectRef idx="0">
+            <a:schemeClr val="accent1"/>
+          </a:effectRef>
+          <a:fontRef idx="minor">
+            <a:schemeClr val="lt1"/>
+          </a:fontRef>
+        </p:style>
+        <p:txBody>
+          <a:bodyPr rtlCol="0" anchor="ctr"/>
+          <a:lstStyle/>
+          <a:p>
+            <a:pPr algn="ctr"/>
+            <a:r>
+              <a:rPr kumimoji="1" lang="en-US" altLang="ja-JP" sz="6000" b="1" dirty="0">
+                <a:ln w="28575">
+                  <a:noFill/>
+                </a:ln>
+                <a:solidFill>
+                  <a:srgbClr val="97661A"/>
+                </a:solidFill>
+                <a:latin typeface="HG丸ｺﾞｼｯｸM-PRO" panose="020F0600000000000000" pitchFamily="50" charset="-128"/>
+                <a:ea typeface="HG丸ｺﾞｼｯｸM-PRO" panose="020F0600000000000000" pitchFamily="50" charset="-128"/>
+              </a:rPr>
+              <a:t>Rules</a:t>
+            </a:r>
+            <a:endParaRPr kumimoji="1" lang="ja-JP" altLang="en-US" sz="6000" b="1" dirty="0">
+              <a:ln w="28575">
+                <a:noFill/>
+              </a:ln>
+              <a:solidFill>
+                <a:srgbClr val="97661A"/>
+              </a:solidFill>
+              <a:latin typeface="HG丸ｺﾞｼｯｸM-PRO" panose="020F0600000000000000" pitchFamily="50" charset="-128"/>
+              <a:ea typeface="HG丸ｺﾞｼｯｸM-PRO" panose="020F0600000000000000" pitchFamily="50" charset="-128"/>
+            </a:endParaRPr>
+          </a:p>
+        </p:txBody>
+      </p:sp>
+      <p:sp>
+        <p:nvSpPr>
+          <p:cNvPr id="3" name="四角形: 角を丸くする 2">
+            <a:extLst>
+              <a:ext uri="{FF2B5EF4-FFF2-40B4-BE49-F238E27FC236}">
+                <a16:creationId xmlns:a16="http://schemas.microsoft.com/office/drawing/2014/main" id="{7FF217D0-8BA0-7896-E6A0-6631E8DA4617}"/>
+              </a:ext>
+            </a:extLst>
+          </p:cNvPr>
+          <p:cNvSpPr/>
+          <p:nvPr/>
+        </p:nvSpPr>
+        <p:spPr>
+          <a:xfrm>
+            <a:off x="831400" y="5297148"/>
+            <a:ext cx="2884355" cy="1316202"/>
+          </a:xfrm>
+          <a:prstGeom prst="roundRect">
+            <a:avLst/>
+          </a:prstGeom>
+          <a:solidFill>
+            <a:srgbClr val="F8EBC8"/>
+          </a:solidFill>
+          <a:ln>
+            <a:noFill/>
+          </a:ln>
+        </p:spPr>
+        <p:style>
+          <a:lnRef idx="2">
+            <a:schemeClr val="accent1">
+              <a:shade val="15000"/>
+            </a:schemeClr>
+          </a:lnRef>
+          <a:fillRef idx="1">
+            <a:schemeClr val="accent1"/>
+          </a:fillRef>
+          <a:effectRef idx="0">
+            <a:schemeClr val="accent1"/>
+          </a:effectRef>
+          <a:fontRef idx="minor">
+            <a:schemeClr val="lt1"/>
+          </a:fontRef>
+        </p:style>
+        <p:txBody>
+          <a:bodyPr rtlCol="0" anchor="ctr"/>
+          <a:lstStyle/>
+          <a:p>
+            <a:pPr algn="ctr"/>
+            <a:r>
+              <a:rPr kumimoji="1" lang="en-US" altLang="ja-JP" sz="4000" b="1" dirty="0">
+                <a:ln w="28575">
+                  <a:noFill/>
+                </a:ln>
+                <a:solidFill>
+                  <a:srgbClr val="97661A"/>
+                </a:solidFill>
+                <a:latin typeface="HG丸ｺﾞｼｯｸM-PRO" panose="020F0600000000000000" pitchFamily="50" charset="-128"/>
+                <a:ea typeface="HG丸ｺﾞｼｯｸM-PRO" panose="020F0600000000000000" pitchFamily="50" charset="-128"/>
+              </a:rPr>
+              <a:t>Hand List</a:t>
+            </a:r>
+            <a:endParaRPr kumimoji="1" lang="ja-JP" altLang="en-US" sz="4000" b="1" dirty="0">
+              <a:ln w="28575">
+                <a:noFill/>
+              </a:ln>
+              <a:solidFill>
+                <a:srgbClr val="97661A"/>
+              </a:solidFill>
+              <a:latin typeface="HG丸ｺﾞｼｯｸM-PRO" panose="020F0600000000000000" pitchFamily="50" charset="-128"/>
+              <a:ea typeface="HG丸ｺﾞｼｯｸM-PRO" panose="020F0600000000000000" pitchFamily="50" charset="-128"/>
+            </a:endParaRPr>
+          </a:p>
+        </p:txBody>
+      </p:sp>
+      <p:sp>
+        <p:nvSpPr>
+          <p:cNvPr id="4" name="四角形: 角を丸くする 3">
+            <a:extLst>
+              <a:ext uri="{FF2B5EF4-FFF2-40B4-BE49-F238E27FC236}">
+                <a16:creationId xmlns:a16="http://schemas.microsoft.com/office/drawing/2014/main" id="{AAF96CFD-5709-6D62-8AD3-0EED68FEA96D}"/>
+              </a:ext>
+            </a:extLst>
+          </p:cNvPr>
+          <p:cNvSpPr/>
+          <p:nvPr/>
+        </p:nvSpPr>
+        <p:spPr>
+          <a:xfrm>
+            <a:off x="4986943" y="4024614"/>
+            <a:ext cx="1403928" cy="531005"/>
+          </a:xfrm>
+          <a:prstGeom prst="roundRect">
+            <a:avLst/>
+          </a:prstGeom>
+          <a:solidFill>
+            <a:schemeClr val="accent1">
+              <a:lumMod val="50000"/>
+            </a:schemeClr>
+          </a:solidFill>
+        </p:spPr>
+        <p:style>
+          <a:lnRef idx="2">
+            <a:schemeClr val="accent1">
+              <a:shade val="15000"/>
+            </a:schemeClr>
+          </a:lnRef>
+          <a:fillRef idx="1">
+            <a:schemeClr val="accent1"/>
+          </a:fillRef>
+          <a:effectRef idx="0">
+            <a:schemeClr val="accent1"/>
+          </a:effectRef>
+          <a:fontRef idx="minor">
+            <a:schemeClr val="lt1"/>
+          </a:fontRef>
+        </p:style>
+        <p:txBody>
+          <a:bodyPr rtlCol="0" anchor="ctr"/>
+          <a:lstStyle/>
+          <a:p>
+            <a:pPr algn="ctr"/>
+            <a:r>
+              <a:rPr lang="en-US" altLang="ja-JP" sz="2700" b="1" dirty="0">
+                <a:ln w="28575">
+                  <a:noFill/>
+                </a:ln>
+                <a:solidFill>
+                  <a:schemeClr val="accent1">
+                    <a:lumMod val="20000"/>
+                    <a:lumOff val="80000"/>
+                  </a:schemeClr>
+                </a:solidFill>
+                <a:latin typeface="HG丸ｺﾞｼｯｸM-PRO" panose="020F0600000000000000" pitchFamily="50" charset="-128"/>
+                <a:ea typeface="HG丸ｺﾞｼｯｸM-PRO" panose="020F0600000000000000" pitchFamily="50" charset="-128"/>
+              </a:rPr>
+              <a:t>East 1</a:t>
+            </a:r>
+            <a:endParaRPr kumimoji="1" lang="ja-JP" altLang="en-US" sz="2700" b="1" dirty="0">
+              <a:ln w="28575">
+                <a:noFill/>
+              </a:ln>
+              <a:solidFill>
+                <a:schemeClr val="accent1">
+                  <a:lumMod val="20000"/>
+                  <a:lumOff val="80000"/>
+                </a:schemeClr>
+              </a:solidFill>
+              <a:latin typeface="HG丸ｺﾞｼｯｸM-PRO" panose="020F0600000000000000" pitchFamily="50" charset="-128"/>
+              <a:ea typeface="HG丸ｺﾞｼｯｸM-PRO" panose="020F0600000000000000" pitchFamily="50" charset="-128"/>
+            </a:endParaRPr>
+          </a:p>
+        </p:txBody>
+      </p:sp>
+      <p:sp>
+        <p:nvSpPr>
+          <p:cNvPr id="5" name="四角形: 角を丸くする 4">
+            <a:extLst>
+              <a:ext uri="{FF2B5EF4-FFF2-40B4-BE49-F238E27FC236}">
+                <a16:creationId xmlns:a16="http://schemas.microsoft.com/office/drawing/2014/main" id="{7DF560F7-5F7E-F71C-DE93-8C0B24A5CF83}"/>
+              </a:ext>
+            </a:extLst>
+          </p:cNvPr>
+          <p:cNvSpPr/>
+          <p:nvPr/>
+        </p:nvSpPr>
+        <p:spPr>
+          <a:xfrm>
+            <a:off x="4986943" y="4613778"/>
+            <a:ext cx="1403928" cy="531005"/>
+          </a:xfrm>
+          <a:prstGeom prst="roundRect">
+            <a:avLst/>
+          </a:prstGeom>
+          <a:solidFill>
+            <a:schemeClr val="accent1">
+              <a:lumMod val="50000"/>
+            </a:schemeClr>
+          </a:solidFill>
+        </p:spPr>
+        <p:style>
+          <a:lnRef idx="2">
+            <a:schemeClr val="accent1">
+              <a:shade val="15000"/>
+            </a:schemeClr>
+          </a:lnRef>
+          <a:fillRef idx="1">
+            <a:schemeClr val="accent1"/>
+          </a:fillRef>
+          <a:effectRef idx="0">
+            <a:schemeClr val="accent1"/>
+          </a:effectRef>
+          <a:fontRef idx="minor">
+            <a:schemeClr val="lt1"/>
+          </a:fontRef>
+        </p:style>
+        <p:txBody>
+          <a:bodyPr rtlCol="0" anchor="ctr"/>
+          <a:lstStyle/>
+          <a:p>
+            <a:pPr algn="ctr"/>
+            <a:r>
+              <a:rPr lang="en-US" altLang="ja-JP" sz="2700" b="1" dirty="0">
+                <a:ln w="28575">
+                  <a:noFill/>
+                </a:ln>
+                <a:solidFill>
+                  <a:schemeClr val="accent1">
+                    <a:lumMod val="20000"/>
+                    <a:lumOff val="80000"/>
+                  </a:schemeClr>
+                </a:solidFill>
+                <a:latin typeface="HG丸ｺﾞｼｯｸM-PRO" panose="020F0600000000000000" pitchFamily="50" charset="-128"/>
+                <a:ea typeface="HG丸ｺﾞｼｯｸM-PRO" panose="020F0600000000000000" pitchFamily="50" charset="-128"/>
+              </a:rPr>
+              <a:t>East</a:t>
+            </a:r>
+            <a:r>
+              <a:rPr lang="ja-JP" altLang="en-US" sz="2700" b="1" dirty="0">
+                <a:ln w="28575">
+                  <a:noFill/>
+                </a:ln>
+                <a:solidFill>
+                  <a:schemeClr val="accent1">
+                    <a:lumMod val="20000"/>
+                    <a:lumOff val="80000"/>
+                  </a:schemeClr>
+                </a:solidFill>
+                <a:latin typeface="HG丸ｺﾞｼｯｸM-PRO" panose="020F0600000000000000" pitchFamily="50" charset="-128"/>
+                <a:ea typeface="HG丸ｺﾞｼｯｸM-PRO" panose="020F0600000000000000" pitchFamily="50" charset="-128"/>
+              </a:rPr>
+              <a:t> </a:t>
+            </a:r>
+            <a:r>
+              <a:rPr lang="en-US" altLang="ja-JP" sz="2700" b="1" dirty="0">
+                <a:ln w="28575">
+                  <a:noFill/>
+                </a:ln>
+                <a:solidFill>
+                  <a:schemeClr val="accent1">
+                    <a:lumMod val="20000"/>
+                    <a:lumOff val="80000"/>
+                  </a:schemeClr>
+                </a:solidFill>
+                <a:latin typeface="HG丸ｺﾞｼｯｸM-PRO" panose="020F0600000000000000" pitchFamily="50" charset="-128"/>
+                <a:ea typeface="HG丸ｺﾞｼｯｸM-PRO" panose="020F0600000000000000" pitchFamily="50" charset="-128"/>
+              </a:rPr>
+              <a:t>2</a:t>
+            </a:r>
+            <a:endParaRPr kumimoji="1" lang="ja-JP" altLang="en-US" sz="2700" b="1" dirty="0">
+              <a:ln w="28575">
+                <a:noFill/>
+              </a:ln>
+              <a:solidFill>
+                <a:schemeClr val="accent1">
+                  <a:lumMod val="20000"/>
+                  <a:lumOff val="80000"/>
+                </a:schemeClr>
+              </a:solidFill>
+              <a:latin typeface="HG丸ｺﾞｼｯｸM-PRO" panose="020F0600000000000000" pitchFamily="50" charset="-128"/>
+              <a:ea typeface="HG丸ｺﾞｼｯｸM-PRO" panose="020F0600000000000000" pitchFamily="50" charset="-128"/>
+            </a:endParaRPr>
+          </a:p>
+        </p:txBody>
+      </p:sp>
+      <p:sp>
+        <p:nvSpPr>
+          <p:cNvPr id="6" name="四角形: 角を丸くする 5">
+            <a:extLst>
+              <a:ext uri="{FF2B5EF4-FFF2-40B4-BE49-F238E27FC236}">
+                <a16:creationId xmlns:a16="http://schemas.microsoft.com/office/drawing/2014/main" id="{BD8DEAA6-3FD0-771C-CCC0-40BC55017F4F}"/>
+              </a:ext>
+            </a:extLst>
+          </p:cNvPr>
+          <p:cNvSpPr/>
+          <p:nvPr/>
+        </p:nvSpPr>
+        <p:spPr>
+          <a:xfrm>
+            <a:off x="4986943" y="5175048"/>
+            <a:ext cx="1403928" cy="531005"/>
+          </a:xfrm>
+          <a:prstGeom prst="roundRect">
+            <a:avLst/>
+          </a:prstGeom>
+          <a:solidFill>
+            <a:schemeClr val="accent1">
+              <a:lumMod val="50000"/>
+            </a:schemeClr>
+          </a:solidFill>
+        </p:spPr>
+        <p:style>
+          <a:lnRef idx="2">
+            <a:schemeClr val="accent1">
+              <a:shade val="15000"/>
+            </a:schemeClr>
+          </a:lnRef>
+          <a:fillRef idx="1">
+            <a:schemeClr val="accent1"/>
+          </a:fillRef>
+          <a:effectRef idx="0">
+            <a:schemeClr val="accent1"/>
+          </a:effectRef>
+          <a:fontRef idx="minor">
+            <a:schemeClr val="lt1"/>
+          </a:fontRef>
+        </p:style>
+        <p:txBody>
+          <a:bodyPr rtlCol="0" anchor="ctr"/>
+          <a:lstStyle/>
+          <a:p>
+            <a:pPr algn="ctr"/>
+            <a:r>
+              <a:rPr lang="en-US" altLang="ja-JP" sz="2700" b="1" dirty="0">
+                <a:ln w="28575">
+                  <a:noFill/>
+                </a:ln>
+                <a:solidFill>
+                  <a:schemeClr val="accent1">
+                    <a:lumMod val="20000"/>
+                    <a:lumOff val="80000"/>
+                  </a:schemeClr>
+                </a:solidFill>
+                <a:latin typeface="HG丸ｺﾞｼｯｸM-PRO" panose="020F0600000000000000" pitchFamily="50" charset="-128"/>
+                <a:ea typeface="HG丸ｺﾞｼｯｸM-PRO" panose="020F0600000000000000" pitchFamily="50" charset="-128"/>
+              </a:rPr>
+              <a:t>East</a:t>
+            </a:r>
+            <a:r>
+              <a:rPr lang="ja-JP" altLang="en-US" sz="2700" b="1" dirty="0">
+                <a:ln w="28575">
+                  <a:noFill/>
+                </a:ln>
+                <a:solidFill>
+                  <a:schemeClr val="accent1">
+                    <a:lumMod val="20000"/>
+                    <a:lumOff val="80000"/>
+                  </a:schemeClr>
+                </a:solidFill>
+                <a:latin typeface="HG丸ｺﾞｼｯｸM-PRO" panose="020F0600000000000000" pitchFamily="50" charset="-128"/>
+                <a:ea typeface="HG丸ｺﾞｼｯｸM-PRO" panose="020F0600000000000000" pitchFamily="50" charset="-128"/>
+              </a:rPr>
+              <a:t> </a:t>
+            </a:r>
+            <a:r>
+              <a:rPr lang="en-US" altLang="ja-JP" sz="2700" b="1" dirty="0">
+                <a:ln w="28575">
+                  <a:noFill/>
+                </a:ln>
+                <a:solidFill>
+                  <a:schemeClr val="accent1">
+                    <a:lumMod val="20000"/>
+                    <a:lumOff val="80000"/>
+                  </a:schemeClr>
+                </a:solidFill>
+                <a:latin typeface="HG丸ｺﾞｼｯｸM-PRO" panose="020F0600000000000000" pitchFamily="50" charset="-128"/>
+                <a:ea typeface="HG丸ｺﾞｼｯｸM-PRO" panose="020F0600000000000000" pitchFamily="50" charset="-128"/>
+              </a:rPr>
+              <a:t>3</a:t>
+            </a:r>
+            <a:endParaRPr kumimoji="1" lang="ja-JP" altLang="en-US" sz="2700" b="1" dirty="0">
+              <a:ln w="28575">
+                <a:noFill/>
+              </a:ln>
+              <a:solidFill>
+                <a:schemeClr val="accent1">
+                  <a:lumMod val="20000"/>
+                  <a:lumOff val="80000"/>
+                </a:schemeClr>
+              </a:solidFill>
+              <a:latin typeface="HG丸ｺﾞｼｯｸM-PRO" panose="020F0600000000000000" pitchFamily="50" charset="-128"/>
+              <a:ea typeface="HG丸ｺﾞｼｯｸM-PRO" panose="020F0600000000000000" pitchFamily="50" charset="-128"/>
+            </a:endParaRPr>
+          </a:p>
+        </p:txBody>
+      </p:sp>
+      <p:sp>
+        <p:nvSpPr>
+          <p:cNvPr id="7" name="四角形: 角を丸くする 6">
+            <a:extLst>
+              <a:ext uri="{FF2B5EF4-FFF2-40B4-BE49-F238E27FC236}">
+                <a16:creationId xmlns:a16="http://schemas.microsoft.com/office/drawing/2014/main" id="{4942756E-97F0-3DE3-A812-8AF6C5C7279A}"/>
+              </a:ext>
+            </a:extLst>
+          </p:cNvPr>
+          <p:cNvSpPr/>
+          <p:nvPr/>
+        </p:nvSpPr>
+        <p:spPr>
+          <a:xfrm>
+            <a:off x="4986943" y="5727074"/>
+            <a:ext cx="1403928" cy="531005"/>
+          </a:xfrm>
+          <a:prstGeom prst="roundRect">
+            <a:avLst/>
+          </a:prstGeom>
+          <a:solidFill>
+            <a:schemeClr val="accent1">
+              <a:lumMod val="50000"/>
+            </a:schemeClr>
+          </a:solidFill>
+        </p:spPr>
+        <p:style>
+          <a:lnRef idx="2">
+            <a:schemeClr val="accent1">
+              <a:shade val="15000"/>
+            </a:schemeClr>
+          </a:lnRef>
+          <a:fillRef idx="1">
+            <a:schemeClr val="accent1"/>
+          </a:fillRef>
+          <a:effectRef idx="0">
+            <a:schemeClr val="accent1"/>
+          </a:effectRef>
+          <a:fontRef idx="minor">
+            <a:schemeClr val="lt1"/>
+          </a:fontRef>
+        </p:style>
+        <p:txBody>
+          <a:bodyPr rtlCol="0" anchor="ctr"/>
+          <a:lstStyle/>
+          <a:p>
+            <a:pPr algn="ctr"/>
+            <a:r>
+              <a:rPr lang="en-US" altLang="ja-JP" sz="2700" b="1" dirty="0">
+                <a:ln w="28575">
+                  <a:noFill/>
+                </a:ln>
+                <a:solidFill>
+                  <a:schemeClr val="accent1">
+                    <a:lumMod val="20000"/>
+                    <a:lumOff val="80000"/>
+                  </a:schemeClr>
+                </a:solidFill>
+                <a:latin typeface="HG丸ｺﾞｼｯｸM-PRO" panose="020F0600000000000000" pitchFamily="50" charset="-128"/>
+                <a:ea typeface="HG丸ｺﾞｼｯｸM-PRO" panose="020F0600000000000000" pitchFamily="50" charset="-128"/>
+              </a:rPr>
+              <a:t>East</a:t>
+            </a:r>
+            <a:r>
+              <a:rPr lang="ja-JP" altLang="en-US" sz="2700" b="1" dirty="0">
+                <a:ln w="28575">
+                  <a:noFill/>
+                </a:ln>
+                <a:solidFill>
+                  <a:schemeClr val="accent1">
+                    <a:lumMod val="20000"/>
+                    <a:lumOff val="80000"/>
+                  </a:schemeClr>
+                </a:solidFill>
+                <a:latin typeface="HG丸ｺﾞｼｯｸM-PRO" panose="020F0600000000000000" pitchFamily="50" charset="-128"/>
+                <a:ea typeface="HG丸ｺﾞｼｯｸM-PRO" panose="020F0600000000000000" pitchFamily="50" charset="-128"/>
+              </a:rPr>
+              <a:t> </a:t>
+            </a:r>
+            <a:r>
+              <a:rPr lang="en-US" altLang="ja-JP" sz="2700" b="1" dirty="0">
+                <a:ln w="28575">
+                  <a:noFill/>
+                </a:ln>
+                <a:solidFill>
+                  <a:schemeClr val="accent1">
+                    <a:lumMod val="20000"/>
+                    <a:lumOff val="80000"/>
+                  </a:schemeClr>
+                </a:solidFill>
+                <a:latin typeface="HG丸ｺﾞｼｯｸM-PRO" panose="020F0600000000000000" pitchFamily="50" charset="-128"/>
+                <a:ea typeface="HG丸ｺﾞｼｯｸM-PRO" panose="020F0600000000000000" pitchFamily="50" charset="-128"/>
+              </a:rPr>
+              <a:t>4</a:t>
+            </a:r>
+            <a:endParaRPr kumimoji="1" lang="ja-JP" altLang="en-US" sz="2700" b="1" dirty="0">
+              <a:ln w="28575">
+                <a:noFill/>
+              </a:ln>
+              <a:solidFill>
+                <a:schemeClr val="accent1">
+                  <a:lumMod val="20000"/>
+                  <a:lumOff val="80000"/>
+                </a:schemeClr>
+              </a:solidFill>
+              <a:latin typeface="HG丸ｺﾞｼｯｸM-PRO" panose="020F0600000000000000" pitchFamily="50" charset="-128"/>
+              <a:ea typeface="HG丸ｺﾞｼｯｸM-PRO" panose="020F0600000000000000" pitchFamily="50" charset="-128"/>
+            </a:endParaRPr>
+          </a:p>
+        </p:txBody>
+      </p:sp>
     </p:spTree>
     <p:extLst>
       <p:ext uri="{BB962C8B-B14F-4D97-AF65-F5344CB8AC3E}">
-        <p14:creationId xmlns:p14="http://schemas.microsoft.com/office/powerpoint/2010/main" val="3596273616"/>
+        <p14:creationId xmlns:p14="http://schemas.microsoft.com/office/powerpoint/2010/main" val="2679652158"/>
       </p:ext>
     </p:extLst>
   </p:cSld>
